--- a/Lab2.pptx
+++ b/Lab2.pptx
@@ -7,6 +7,7 @@
   <p:sldIdLst>
     <p:sldId id="256" r:id="rId2"/>
     <p:sldId id="257" r:id="rId3"/>
+    <p:sldId id="258" r:id="rId4"/>
   </p:sldIdLst>
   <p:sldSz cx="12192000" cy="6858000"/>
   <p:notesSz cx="6858000" cy="9144000"/>
@@ -105,6 +106,11 @@
       </a:defRPr>
     </a:lvl9pPr>
   </p:defaultTextStyle>
+  <p:extLst>
+    <p:ext uri="{EFAFB233-063F-42B5-8137-9DF3F51BA10A}">
+      <p15:sldGuideLst xmlns:p15="http://schemas.microsoft.com/office/powerpoint/2012/main"/>
+    </p:ext>
+  </p:extLst>
 </p:presentation>
 </file>
 
@@ -257,7 +263,7 @@
           <a:p>
             <a:fld id="{C7415BBE-5759-4144-BE94-42AB820F739B}" type="datetimeFigureOut">
               <a:rPr lang="es-ES_tradnl" smtClean="0"/>
-              <a:t>8/7/21</a:t>
+              <a:t>17/7/21</a:t>
             </a:fld>
             <a:endParaRPr lang="es-ES_tradnl"/>
           </a:p>
@@ -457,7 +463,7 @@
           <a:p>
             <a:fld id="{C7415BBE-5759-4144-BE94-42AB820F739B}" type="datetimeFigureOut">
               <a:rPr lang="es-ES_tradnl" smtClean="0"/>
-              <a:t>8/7/21</a:t>
+              <a:t>17/7/21</a:t>
             </a:fld>
             <a:endParaRPr lang="es-ES_tradnl"/>
           </a:p>
@@ -667,7 +673,7 @@
           <a:p>
             <a:fld id="{C7415BBE-5759-4144-BE94-42AB820F739B}" type="datetimeFigureOut">
               <a:rPr lang="es-ES_tradnl" smtClean="0"/>
-              <a:t>8/7/21</a:t>
+              <a:t>17/7/21</a:t>
             </a:fld>
             <a:endParaRPr lang="es-ES_tradnl"/>
           </a:p>
@@ -867,7 +873,7 @@
           <a:p>
             <a:fld id="{C7415BBE-5759-4144-BE94-42AB820F739B}" type="datetimeFigureOut">
               <a:rPr lang="es-ES_tradnl" smtClean="0"/>
-              <a:t>8/7/21</a:t>
+              <a:t>17/7/21</a:t>
             </a:fld>
             <a:endParaRPr lang="es-ES_tradnl"/>
           </a:p>
@@ -1143,7 +1149,7 @@
           <a:p>
             <a:fld id="{C7415BBE-5759-4144-BE94-42AB820F739B}" type="datetimeFigureOut">
               <a:rPr lang="es-ES_tradnl" smtClean="0"/>
-              <a:t>8/7/21</a:t>
+              <a:t>17/7/21</a:t>
             </a:fld>
             <a:endParaRPr lang="es-ES_tradnl"/>
           </a:p>
@@ -1411,7 +1417,7 @@
           <a:p>
             <a:fld id="{C7415BBE-5759-4144-BE94-42AB820F739B}" type="datetimeFigureOut">
               <a:rPr lang="es-ES_tradnl" smtClean="0"/>
-              <a:t>8/7/21</a:t>
+              <a:t>17/7/21</a:t>
             </a:fld>
             <a:endParaRPr lang="es-ES_tradnl"/>
           </a:p>
@@ -1826,7 +1832,7 @@
           <a:p>
             <a:fld id="{C7415BBE-5759-4144-BE94-42AB820F739B}" type="datetimeFigureOut">
               <a:rPr lang="es-ES_tradnl" smtClean="0"/>
-              <a:t>8/7/21</a:t>
+              <a:t>17/7/21</a:t>
             </a:fld>
             <a:endParaRPr lang="es-ES_tradnl"/>
           </a:p>
@@ -1968,7 +1974,7 @@
           <a:p>
             <a:fld id="{C7415BBE-5759-4144-BE94-42AB820F739B}" type="datetimeFigureOut">
               <a:rPr lang="es-ES_tradnl" smtClean="0"/>
-              <a:t>8/7/21</a:t>
+              <a:t>17/7/21</a:t>
             </a:fld>
             <a:endParaRPr lang="es-ES_tradnl"/>
           </a:p>
@@ -2081,7 +2087,7 @@
           <a:p>
             <a:fld id="{C7415BBE-5759-4144-BE94-42AB820F739B}" type="datetimeFigureOut">
               <a:rPr lang="es-ES_tradnl" smtClean="0"/>
-              <a:t>8/7/21</a:t>
+              <a:t>17/7/21</a:t>
             </a:fld>
             <a:endParaRPr lang="es-ES_tradnl"/>
           </a:p>
@@ -2394,7 +2400,7 @@
           <a:p>
             <a:fld id="{C7415BBE-5759-4144-BE94-42AB820F739B}" type="datetimeFigureOut">
               <a:rPr lang="es-ES_tradnl" smtClean="0"/>
-              <a:t>8/7/21</a:t>
+              <a:t>17/7/21</a:t>
             </a:fld>
             <a:endParaRPr lang="es-ES_tradnl"/>
           </a:p>
@@ -2683,7 +2689,7 @@
           <a:p>
             <a:fld id="{C7415BBE-5759-4144-BE94-42AB820F739B}" type="datetimeFigureOut">
               <a:rPr lang="es-ES_tradnl" smtClean="0"/>
-              <a:t>8/7/21</a:t>
+              <a:t>17/7/21</a:t>
             </a:fld>
             <a:endParaRPr lang="es-ES_tradnl"/>
           </a:p>
@@ -2926,7 +2932,7 @@
           <a:p>
             <a:fld id="{C7415BBE-5759-4144-BE94-42AB820F739B}" type="datetimeFigureOut">
               <a:rPr lang="es-ES_tradnl" smtClean="0"/>
-              <a:t>8/7/21</a:t>
+              <a:t>17/7/21</a:t>
             </a:fld>
             <a:endParaRPr lang="es-ES_tradnl"/>
           </a:p>
@@ -4869,7 +4875,7 @@
         </p:blipFill>
         <p:spPr>
           <a:xfrm>
-            <a:off x="3039124" y="0"/>
+            <a:off x="3039124" y="6881"/>
             <a:ext cx="6113752" cy="6858000"/>
           </a:xfrm>
           <a:prstGeom prst="rect">
@@ -4893,8 +4899,8 @@
         </p:nvCxnSpPr>
         <p:spPr>
           <a:xfrm flipH="1">
-            <a:off x="3100553" y="1971912"/>
-            <a:ext cx="5927833" cy="0"/>
+            <a:off x="3100554" y="1969948"/>
+            <a:ext cx="6810105" cy="1964"/>
           </a:xfrm>
           <a:prstGeom prst="line">
             <a:avLst/>
@@ -5272,7 +5278,7 @@
         </p:nvSpPr>
         <p:spPr>
           <a:xfrm>
-            <a:off x="8516163" y="1602579"/>
+            <a:off x="9328044" y="1584594"/>
             <a:ext cx="636713" cy="369332"/>
           </a:xfrm>
           <a:prstGeom prst="rect">
@@ -5540,7 +5546,7 @@
         </p:nvCxnSpPr>
         <p:spPr>
           <a:xfrm flipV="1">
-            <a:off x="4920800" y="2570205"/>
+            <a:off x="4920885" y="2583487"/>
             <a:ext cx="7195" cy="950045"/>
           </a:xfrm>
           <a:prstGeom prst="straightConnector1">
@@ -5726,7 +5732,7 @@
         </p:nvSpPr>
         <p:spPr>
           <a:xfrm>
-            <a:off x="4313363" y="2693019"/>
+            <a:off x="4520534" y="2607038"/>
             <a:ext cx="699222" cy="307777"/>
           </a:xfrm>
           <a:prstGeom prst="rect">
@@ -5741,15 +5747,22 @@
           <a:lstStyle/>
           <a:p>
             <a:r>
-              <a:rPr lang="es-CO" sz="1400" dirty="0">
+              <a:rPr lang="es-CO" sz="1400">
                 <a:solidFill>
                   <a:schemeClr val="accent1">
                     <a:lumMod val="75000"/>
                   </a:schemeClr>
                 </a:solidFill>
               </a:rPr>
-              <a:t>Z 0,1</a:t>
+              <a:t>Z 1</a:t>
             </a:r>
+            <a:endParaRPr lang="es-CO" sz="1400" dirty="0">
+              <a:solidFill>
+                <a:schemeClr val="accent1">
+                  <a:lumMod val="75000"/>
+                </a:schemeClr>
+              </a:solidFill>
+            </a:endParaRPr>
           </a:p>
         </p:txBody>
       </p:sp>
@@ -5972,7 +5985,7 @@
         </p:nvSpPr>
         <p:spPr>
           <a:xfrm>
-            <a:off x="5063289" y="3516223"/>
+            <a:off x="5129264" y="3516223"/>
             <a:ext cx="585260" cy="307777"/>
           </a:xfrm>
           <a:prstGeom prst="rect">
@@ -5992,7 +6005,7 @@
                   <a:srgbClr val="FF0000"/>
                 </a:solidFill>
               </a:rPr>
-              <a:t>X 0,1</a:t>
+              <a:t>X 1</a:t>
             </a:r>
           </a:p>
         </p:txBody>
@@ -6114,10 +6127,3971 @@
           </a:p>
         </p:txBody>
       </p:sp>
+      <p:cxnSp>
+        <p:nvCxnSpPr>
+          <p:cNvPr id="34" name="Conector recto de flecha 21">
+            <a:extLst>
+              <a:ext uri="{FF2B5EF4-FFF2-40B4-BE49-F238E27FC236}">
+                <a16:creationId xmlns:a16="http://schemas.microsoft.com/office/drawing/2014/main" id="{84B17E65-8A01-7D48-A110-FAAEA2B8172B}"/>
+              </a:ext>
+            </a:extLst>
+          </p:cNvPr>
+          <p:cNvCxnSpPr>
+            <a:cxnSpLocks/>
+          </p:cNvCxnSpPr>
+          <p:nvPr/>
+        </p:nvCxnSpPr>
+        <p:spPr>
+          <a:xfrm flipV="1">
+            <a:off x="4927996" y="4227999"/>
+            <a:ext cx="7195" cy="950045"/>
+          </a:xfrm>
+          <a:prstGeom prst="straightConnector1">
+            <a:avLst/>
+          </a:prstGeom>
+          <a:ln w="57150">
+            <a:tailEnd type="triangle"/>
+          </a:ln>
+        </p:spPr>
+        <p:style>
+          <a:lnRef idx="1">
+            <a:schemeClr val="accent1"/>
+          </a:lnRef>
+          <a:fillRef idx="0">
+            <a:schemeClr val="accent1"/>
+          </a:fillRef>
+          <a:effectRef idx="0">
+            <a:schemeClr val="accent1"/>
+          </a:effectRef>
+          <a:fontRef idx="minor">
+            <a:schemeClr val="tx1"/>
+          </a:fontRef>
+        </p:style>
+      </p:cxnSp>
+      <p:cxnSp>
+        <p:nvCxnSpPr>
+          <p:cNvPr id="42" name="Conector recto de flecha 14">
+            <a:extLst>
+              <a:ext uri="{FF2B5EF4-FFF2-40B4-BE49-F238E27FC236}">
+                <a16:creationId xmlns:a16="http://schemas.microsoft.com/office/drawing/2014/main" id="{08205C6A-6517-3645-B8FA-B3B1FF17652D}"/>
+              </a:ext>
+            </a:extLst>
+          </p:cNvPr>
+          <p:cNvCxnSpPr>
+            <a:cxnSpLocks/>
+          </p:cNvCxnSpPr>
+          <p:nvPr/>
+        </p:nvCxnSpPr>
+        <p:spPr>
+          <a:xfrm>
+            <a:off x="4927996" y="5178044"/>
+            <a:ext cx="608092" cy="0"/>
+          </a:xfrm>
+          <a:prstGeom prst="straightConnector1">
+            <a:avLst/>
+          </a:prstGeom>
+          <a:ln w="38100">
+            <a:solidFill>
+              <a:srgbClr val="FF0000"/>
+            </a:solidFill>
+            <a:tailEnd type="triangle"/>
+          </a:ln>
+        </p:spPr>
+        <p:style>
+          <a:lnRef idx="1">
+            <a:schemeClr val="accent1"/>
+          </a:lnRef>
+          <a:fillRef idx="0">
+            <a:schemeClr val="accent1"/>
+          </a:fillRef>
+          <a:effectRef idx="0">
+            <a:schemeClr val="accent1"/>
+          </a:effectRef>
+          <a:fontRef idx="minor">
+            <a:schemeClr val="tx1"/>
+          </a:fontRef>
+        </p:style>
+      </p:cxnSp>
+      <p:sp>
+        <p:nvSpPr>
+          <p:cNvPr id="43" name="CuadroTexto 45">
+            <a:extLst>
+              <a:ext uri="{FF2B5EF4-FFF2-40B4-BE49-F238E27FC236}">
+                <a16:creationId xmlns:a16="http://schemas.microsoft.com/office/drawing/2014/main" id="{0F32DB92-5372-7340-8AC9-76DA436ED348}"/>
+              </a:ext>
+            </a:extLst>
+          </p:cNvPr>
+          <p:cNvSpPr txBox="1"/>
+          <p:nvPr/>
+        </p:nvSpPr>
+        <p:spPr>
+          <a:xfrm>
+            <a:off x="5133174" y="4810493"/>
+            <a:ext cx="585260" cy="307777"/>
+          </a:xfrm>
+          <a:prstGeom prst="rect">
+            <a:avLst/>
+          </a:prstGeom>
+          <a:noFill/>
+        </p:spPr>
+        <p:txBody>
+          <a:bodyPr wrap="square" rtlCol="0">
+            <a:spAutoFit/>
+          </a:bodyPr>
+          <a:lstStyle/>
+          <a:p>
+            <a:r>
+              <a:rPr lang="es-CO" sz="1400" dirty="0">
+                <a:solidFill>
+                  <a:srgbClr val="FF0000"/>
+                </a:solidFill>
+              </a:rPr>
+              <a:t>X 0</a:t>
+            </a:r>
+          </a:p>
+        </p:txBody>
+      </p:sp>
+      <p:sp>
+        <p:nvSpPr>
+          <p:cNvPr id="44" name="CuadroTexto 22">
+            <a:extLst>
+              <a:ext uri="{FF2B5EF4-FFF2-40B4-BE49-F238E27FC236}">
+                <a16:creationId xmlns:a16="http://schemas.microsoft.com/office/drawing/2014/main" id="{F36F0E70-42FD-EA4A-AFF1-962DB2A054FD}"/>
+              </a:ext>
+            </a:extLst>
+          </p:cNvPr>
+          <p:cNvSpPr txBox="1"/>
+          <p:nvPr/>
+        </p:nvSpPr>
+        <p:spPr>
+          <a:xfrm>
+            <a:off x="4532820" y="4421210"/>
+            <a:ext cx="699222" cy="307777"/>
+          </a:xfrm>
+          <a:prstGeom prst="rect">
+            <a:avLst/>
+          </a:prstGeom>
+          <a:noFill/>
+        </p:spPr>
+        <p:txBody>
+          <a:bodyPr wrap="square" rtlCol="0">
+            <a:spAutoFit/>
+          </a:bodyPr>
+          <a:lstStyle/>
+          <a:p>
+            <a:r>
+              <a:rPr lang="es-CO" sz="1400" dirty="0">
+                <a:solidFill>
+                  <a:schemeClr val="accent1">
+                    <a:lumMod val="75000"/>
+                  </a:schemeClr>
+                </a:solidFill>
+              </a:rPr>
+              <a:t>Z 0</a:t>
+            </a:r>
+          </a:p>
+        </p:txBody>
+      </p:sp>
+      <p:cxnSp>
+        <p:nvCxnSpPr>
+          <p:cNvPr id="45" name="Conector recto de flecha 21">
+            <a:extLst>
+              <a:ext uri="{FF2B5EF4-FFF2-40B4-BE49-F238E27FC236}">
+                <a16:creationId xmlns:a16="http://schemas.microsoft.com/office/drawing/2014/main" id="{C5C0E429-0D9A-BF40-BBE7-8BD2B91E20C9}"/>
+              </a:ext>
+            </a:extLst>
+          </p:cNvPr>
+          <p:cNvCxnSpPr>
+            <a:cxnSpLocks/>
+          </p:cNvCxnSpPr>
+          <p:nvPr/>
+        </p:nvCxnSpPr>
+        <p:spPr>
+          <a:xfrm>
+            <a:off x="8144381" y="1966360"/>
+            <a:ext cx="878258" cy="7175"/>
+          </a:xfrm>
+          <a:prstGeom prst="straightConnector1">
+            <a:avLst/>
+          </a:prstGeom>
+          <a:ln w="57150">
+            <a:tailEnd type="triangle"/>
+          </a:ln>
+        </p:spPr>
+        <p:style>
+          <a:lnRef idx="1">
+            <a:schemeClr val="accent1"/>
+          </a:lnRef>
+          <a:fillRef idx="0">
+            <a:schemeClr val="accent1"/>
+          </a:fillRef>
+          <a:effectRef idx="0">
+            <a:schemeClr val="accent1"/>
+          </a:effectRef>
+          <a:fontRef idx="minor">
+            <a:schemeClr val="tx1"/>
+          </a:fontRef>
+        </p:style>
+      </p:cxnSp>
+      <p:cxnSp>
+        <p:nvCxnSpPr>
+          <p:cNvPr id="46" name="Conector recto de flecha 14">
+            <a:extLst>
+              <a:ext uri="{FF2B5EF4-FFF2-40B4-BE49-F238E27FC236}">
+                <a16:creationId xmlns:a16="http://schemas.microsoft.com/office/drawing/2014/main" id="{626F56C7-FD49-B842-8BE6-0D1DDA23985E}"/>
+              </a:ext>
+            </a:extLst>
+          </p:cNvPr>
+          <p:cNvCxnSpPr>
+            <a:cxnSpLocks/>
+          </p:cNvCxnSpPr>
+          <p:nvPr/>
+        </p:nvCxnSpPr>
+        <p:spPr>
+          <a:xfrm flipV="1">
+            <a:off x="8173844" y="947311"/>
+            <a:ext cx="0" cy="995079"/>
+          </a:xfrm>
+          <a:prstGeom prst="straightConnector1">
+            <a:avLst/>
+          </a:prstGeom>
+          <a:ln w="38100">
+            <a:solidFill>
+              <a:srgbClr val="FF0000"/>
+            </a:solidFill>
+            <a:tailEnd type="triangle"/>
+          </a:ln>
+        </p:spPr>
+        <p:style>
+          <a:lnRef idx="1">
+            <a:schemeClr val="accent1"/>
+          </a:lnRef>
+          <a:fillRef idx="0">
+            <a:schemeClr val="accent1"/>
+          </a:fillRef>
+          <a:effectRef idx="0">
+            <a:schemeClr val="accent1"/>
+          </a:effectRef>
+          <a:fontRef idx="minor">
+            <a:schemeClr val="tx1"/>
+          </a:fontRef>
+        </p:style>
+      </p:cxnSp>
+      <p:sp>
+        <p:nvSpPr>
+          <p:cNvPr id="48" name="CuadroTexto 22">
+            <a:extLst>
+              <a:ext uri="{FF2B5EF4-FFF2-40B4-BE49-F238E27FC236}">
+                <a16:creationId xmlns:a16="http://schemas.microsoft.com/office/drawing/2014/main" id="{6E1B31D2-66D7-8749-9F8F-48410A0FFFBB}"/>
+              </a:ext>
+            </a:extLst>
+          </p:cNvPr>
+          <p:cNvSpPr txBox="1"/>
+          <p:nvPr/>
+        </p:nvSpPr>
+        <p:spPr>
+          <a:xfrm>
+            <a:off x="8711363" y="1623210"/>
+            <a:ext cx="729899" cy="307777"/>
+          </a:xfrm>
+          <a:prstGeom prst="rect">
+            <a:avLst/>
+          </a:prstGeom>
+          <a:noFill/>
+        </p:spPr>
+        <p:txBody>
+          <a:bodyPr wrap="square" rtlCol="0">
+            <a:spAutoFit/>
+          </a:bodyPr>
+          <a:lstStyle/>
+          <a:p>
+            <a:r>
+              <a:rPr lang="es-CO" sz="1400" dirty="0">
+                <a:solidFill>
+                  <a:schemeClr val="accent1">
+                    <a:lumMod val="75000"/>
+                  </a:schemeClr>
+                </a:solidFill>
+              </a:rPr>
+              <a:t>a</a:t>
+            </a:r>
+          </a:p>
+        </p:txBody>
+      </p:sp>
+      <p:sp>
+        <p:nvSpPr>
+          <p:cNvPr id="49" name="CuadroTexto 45">
+            <a:extLst>
+              <a:ext uri="{FF2B5EF4-FFF2-40B4-BE49-F238E27FC236}">
+                <a16:creationId xmlns:a16="http://schemas.microsoft.com/office/drawing/2014/main" id="{1757FDD6-8FCF-164D-B1C9-DCC63CF5D8BD}"/>
+              </a:ext>
+            </a:extLst>
+          </p:cNvPr>
+          <p:cNvSpPr txBox="1"/>
+          <p:nvPr/>
+        </p:nvSpPr>
+        <p:spPr>
+          <a:xfrm>
+            <a:off x="8150481" y="824401"/>
+            <a:ext cx="692162" cy="307777"/>
+          </a:xfrm>
+          <a:prstGeom prst="rect">
+            <a:avLst/>
+          </a:prstGeom>
+          <a:noFill/>
+        </p:spPr>
+        <p:txBody>
+          <a:bodyPr wrap="square" rtlCol="0">
+            <a:spAutoFit/>
+          </a:bodyPr>
+          <a:lstStyle/>
+          <a:p>
+            <a:r>
+              <a:rPr lang="es-CO" sz="1400" dirty="0">
+                <a:solidFill>
+                  <a:srgbClr val="FF0000"/>
+                </a:solidFill>
+              </a:rPr>
+              <a:t>n</a:t>
+            </a:r>
+          </a:p>
+        </p:txBody>
+      </p:sp>
     </p:spTree>
     <p:extLst>
       <p:ext uri="{BB962C8B-B14F-4D97-AF65-F5344CB8AC3E}">
         <p14:creationId xmlns:p14="http://schemas.microsoft.com/office/powerpoint/2010/main" val="1348751285"/>
+      </p:ext>
+    </p:extLst>
+  </p:cSld>
+  <p:clrMapOvr>
+    <a:masterClrMapping/>
+  </p:clrMapOvr>
+</p:sld>
+</file>
+
+<file path=ppt/slides/slide3.xml><?xml version="1.0" encoding="utf-8"?>
+<p:sld xmlns:a="http://schemas.openxmlformats.org/drawingml/2006/main" xmlns:r="http://schemas.openxmlformats.org/officeDocument/2006/relationships" xmlns:p="http://schemas.openxmlformats.org/presentationml/2006/main">
+  <p:cSld>
+    <p:spTree>
+      <p:nvGrpSpPr>
+        <p:cNvPr id="1" name=""/>
+        <p:cNvGrpSpPr/>
+        <p:nvPr/>
+      </p:nvGrpSpPr>
+      <p:grpSpPr>
+        <a:xfrm>
+          <a:off x="0" y="0"/>
+          <a:ext cx="0" cy="0"/>
+          <a:chOff x="0" y="0"/>
+          <a:chExt cx="0" cy="0"/>
+        </a:xfrm>
+      </p:grpSpPr>
+      <p:cxnSp>
+        <p:nvCxnSpPr>
+          <p:cNvPr id="96" name="Gerade Verbindung 95">
+            <a:extLst>
+              <a:ext uri="{FF2B5EF4-FFF2-40B4-BE49-F238E27FC236}">
+                <a16:creationId xmlns:a16="http://schemas.microsoft.com/office/drawing/2014/main" id="{48E1D1AE-6494-334E-B9EE-78E526D3D443}"/>
+              </a:ext>
+            </a:extLst>
+          </p:cNvPr>
+          <p:cNvCxnSpPr>
+            <a:cxnSpLocks/>
+          </p:cNvCxnSpPr>
+          <p:nvPr/>
+        </p:nvCxnSpPr>
+        <p:spPr>
+          <a:xfrm flipV="1">
+            <a:off x="5964936" y="1218920"/>
+            <a:ext cx="475633" cy="309824"/>
+          </a:xfrm>
+          <a:prstGeom prst="line">
+            <a:avLst/>
+          </a:prstGeom>
+          <a:ln w="25400">
+            <a:solidFill>
+              <a:schemeClr val="accent2"/>
+            </a:solidFill>
+          </a:ln>
+        </p:spPr>
+        <p:style>
+          <a:lnRef idx="1">
+            <a:schemeClr val="accent1"/>
+          </a:lnRef>
+          <a:fillRef idx="0">
+            <a:schemeClr val="accent1"/>
+          </a:fillRef>
+          <a:effectRef idx="0">
+            <a:schemeClr val="accent1"/>
+          </a:effectRef>
+          <a:fontRef idx="minor">
+            <a:schemeClr val="tx1"/>
+          </a:fontRef>
+        </p:style>
+      </p:cxnSp>
+      <p:sp>
+        <p:nvSpPr>
+          <p:cNvPr id="19" name="Elipse 40">
+            <a:extLst>
+              <a:ext uri="{FF2B5EF4-FFF2-40B4-BE49-F238E27FC236}">
+                <a16:creationId xmlns:a16="http://schemas.microsoft.com/office/drawing/2014/main" id="{9B57B2B6-00F9-5F48-B4B4-EAEA0586ED35}"/>
+              </a:ext>
+            </a:extLst>
+          </p:cNvPr>
+          <p:cNvSpPr/>
+          <p:nvPr/>
+        </p:nvSpPr>
+        <p:spPr>
+          <a:xfrm>
+            <a:off x="4625607" y="2171618"/>
+            <a:ext cx="329809" cy="346980"/>
+          </a:xfrm>
+          <a:prstGeom prst="ellipse">
+            <a:avLst/>
+          </a:prstGeom>
+          <a:solidFill>
+            <a:schemeClr val="accent1"/>
+          </a:solidFill>
+        </p:spPr>
+        <p:style>
+          <a:lnRef idx="2">
+            <a:schemeClr val="accent1">
+              <a:shade val="50000"/>
+            </a:schemeClr>
+          </a:lnRef>
+          <a:fillRef idx="1">
+            <a:schemeClr val="accent1"/>
+          </a:fillRef>
+          <a:effectRef idx="0">
+            <a:schemeClr val="accent1"/>
+          </a:effectRef>
+          <a:fontRef idx="minor">
+            <a:schemeClr val="lt1"/>
+          </a:fontRef>
+        </p:style>
+        <p:txBody>
+          <a:bodyPr rtlCol="0" anchor="ctr"/>
+          <a:lstStyle/>
+          <a:p>
+            <a:pPr algn="ctr"/>
+            <a:endParaRPr lang="es-CO" dirty="0"/>
+          </a:p>
+        </p:txBody>
+      </p:sp>
+      <p:sp>
+        <p:nvSpPr>
+          <p:cNvPr id="18" name="Elipse 40">
+            <a:extLst>
+              <a:ext uri="{FF2B5EF4-FFF2-40B4-BE49-F238E27FC236}">
+                <a16:creationId xmlns:a16="http://schemas.microsoft.com/office/drawing/2014/main" id="{D67E4756-4FE9-004F-8C1A-9242B8CC84DD}"/>
+              </a:ext>
+            </a:extLst>
+          </p:cNvPr>
+          <p:cNvSpPr/>
+          <p:nvPr/>
+        </p:nvSpPr>
+        <p:spPr>
+          <a:xfrm>
+            <a:off x="5023444" y="3635758"/>
+            <a:ext cx="329809" cy="307777"/>
+          </a:xfrm>
+          <a:prstGeom prst="ellipse">
+            <a:avLst/>
+          </a:prstGeom>
+          <a:solidFill>
+            <a:schemeClr val="accent1"/>
+          </a:solidFill>
+        </p:spPr>
+        <p:style>
+          <a:lnRef idx="2">
+            <a:schemeClr val="accent1">
+              <a:shade val="50000"/>
+            </a:schemeClr>
+          </a:lnRef>
+          <a:fillRef idx="1">
+            <a:schemeClr val="accent1"/>
+          </a:fillRef>
+          <a:effectRef idx="0">
+            <a:schemeClr val="accent1"/>
+          </a:effectRef>
+          <a:fontRef idx="minor">
+            <a:schemeClr val="lt1"/>
+          </a:fontRef>
+        </p:style>
+        <p:txBody>
+          <a:bodyPr rtlCol="0" anchor="ctr"/>
+          <a:lstStyle/>
+          <a:p>
+            <a:pPr algn="ctr"/>
+            <a:endParaRPr lang="es-CO" dirty="0"/>
+          </a:p>
+        </p:txBody>
+      </p:sp>
+      <p:cxnSp>
+        <p:nvCxnSpPr>
+          <p:cNvPr id="31" name="Conector recto de flecha 21">
+            <a:extLst>
+              <a:ext uri="{FF2B5EF4-FFF2-40B4-BE49-F238E27FC236}">
+                <a16:creationId xmlns:a16="http://schemas.microsoft.com/office/drawing/2014/main" id="{253D095F-5ACC-A246-A460-7854165F58EE}"/>
+              </a:ext>
+            </a:extLst>
+          </p:cNvPr>
+          <p:cNvCxnSpPr>
+            <a:cxnSpLocks/>
+          </p:cNvCxnSpPr>
+          <p:nvPr/>
+        </p:nvCxnSpPr>
+        <p:spPr>
+          <a:xfrm flipV="1">
+            <a:off x="4061722" y="4468630"/>
+            <a:ext cx="7195" cy="950045"/>
+          </a:xfrm>
+          <a:prstGeom prst="straightConnector1">
+            <a:avLst/>
+          </a:prstGeom>
+          <a:ln w="57150">
+            <a:tailEnd type="triangle"/>
+          </a:ln>
+        </p:spPr>
+        <p:style>
+          <a:lnRef idx="1">
+            <a:schemeClr val="accent1"/>
+          </a:lnRef>
+          <a:fillRef idx="0">
+            <a:schemeClr val="accent1"/>
+          </a:fillRef>
+          <a:effectRef idx="0">
+            <a:schemeClr val="accent1"/>
+          </a:effectRef>
+          <a:fontRef idx="minor">
+            <a:schemeClr val="tx1"/>
+          </a:fontRef>
+        </p:style>
+      </p:cxnSp>
+      <p:cxnSp>
+        <p:nvCxnSpPr>
+          <p:cNvPr id="32" name="Conector recto de flecha 14">
+            <a:extLst>
+              <a:ext uri="{FF2B5EF4-FFF2-40B4-BE49-F238E27FC236}">
+                <a16:creationId xmlns:a16="http://schemas.microsoft.com/office/drawing/2014/main" id="{226FE1FD-EBF8-EB48-9851-B1D3A0D7EA9C}"/>
+              </a:ext>
+            </a:extLst>
+          </p:cNvPr>
+          <p:cNvCxnSpPr>
+            <a:cxnSpLocks/>
+          </p:cNvCxnSpPr>
+          <p:nvPr/>
+        </p:nvCxnSpPr>
+        <p:spPr>
+          <a:xfrm>
+            <a:off x="4061722" y="5418675"/>
+            <a:ext cx="608092" cy="0"/>
+          </a:xfrm>
+          <a:prstGeom prst="straightConnector1">
+            <a:avLst/>
+          </a:prstGeom>
+          <a:ln w="38100">
+            <a:solidFill>
+              <a:srgbClr val="FF0000"/>
+            </a:solidFill>
+            <a:tailEnd type="triangle"/>
+          </a:ln>
+        </p:spPr>
+        <p:style>
+          <a:lnRef idx="1">
+            <a:schemeClr val="accent1"/>
+          </a:lnRef>
+          <a:fillRef idx="0">
+            <a:schemeClr val="accent1"/>
+          </a:fillRef>
+          <a:effectRef idx="0">
+            <a:schemeClr val="accent1"/>
+          </a:effectRef>
+          <a:fontRef idx="minor">
+            <a:schemeClr val="tx1"/>
+          </a:fontRef>
+        </p:style>
+      </p:cxnSp>
+      <p:sp>
+        <p:nvSpPr>
+          <p:cNvPr id="33" name="CuadroTexto 45">
+            <a:extLst>
+              <a:ext uri="{FF2B5EF4-FFF2-40B4-BE49-F238E27FC236}">
+                <a16:creationId xmlns:a16="http://schemas.microsoft.com/office/drawing/2014/main" id="{0B7A0F03-0A22-5941-94F0-E1167DA02442}"/>
+              </a:ext>
+            </a:extLst>
+          </p:cNvPr>
+          <p:cNvSpPr txBox="1"/>
+          <p:nvPr/>
+        </p:nvSpPr>
+        <p:spPr>
+          <a:xfrm>
+            <a:off x="4625931" y="5301774"/>
+            <a:ext cx="585260" cy="307777"/>
+          </a:xfrm>
+          <a:prstGeom prst="rect">
+            <a:avLst/>
+          </a:prstGeom>
+          <a:noFill/>
+        </p:spPr>
+        <p:txBody>
+          <a:bodyPr wrap="square" rtlCol="0">
+            <a:spAutoFit/>
+          </a:bodyPr>
+          <a:lstStyle/>
+          <a:p>
+            <a:r>
+              <a:rPr lang="es-CO" sz="1400" dirty="0">
+                <a:solidFill>
+                  <a:srgbClr val="FF0000"/>
+                </a:solidFill>
+              </a:rPr>
+              <a:t>X </a:t>
+            </a:r>
+          </a:p>
+        </p:txBody>
+      </p:sp>
+      <p:sp>
+        <p:nvSpPr>
+          <p:cNvPr id="34" name="CuadroTexto 22">
+            <a:extLst>
+              <a:ext uri="{FF2B5EF4-FFF2-40B4-BE49-F238E27FC236}">
+                <a16:creationId xmlns:a16="http://schemas.microsoft.com/office/drawing/2014/main" id="{6EBD4C8B-2109-1145-9F79-46EB134FF744}"/>
+              </a:ext>
+            </a:extLst>
+          </p:cNvPr>
+          <p:cNvSpPr txBox="1"/>
+          <p:nvPr/>
+        </p:nvSpPr>
+        <p:spPr>
+          <a:xfrm>
+            <a:off x="3747375" y="4576561"/>
+            <a:ext cx="699222" cy="307777"/>
+          </a:xfrm>
+          <a:prstGeom prst="rect">
+            <a:avLst/>
+          </a:prstGeom>
+          <a:noFill/>
+        </p:spPr>
+        <p:txBody>
+          <a:bodyPr wrap="square" rtlCol="0">
+            <a:spAutoFit/>
+          </a:bodyPr>
+          <a:lstStyle/>
+          <a:p>
+            <a:r>
+              <a:rPr lang="es-CO" sz="1400" dirty="0">
+                <a:solidFill>
+                  <a:schemeClr val="accent1">
+                    <a:lumMod val="75000"/>
+                  </a:schemeClr>
+                </a:solidFill>
+              </a:rPr>
+              <a:t>Z </a:t>
+            </a:r>
+          </a:p>
+        </p:txBody>
+      </p:sp>
+      <p:cxnSp>
+        <p:nvCxnSpPr>
+          <p:cNvPr id="41" name="Gerade Verbindung 40">
+            <a:extLst>
+              <a:ext uri="{FF2B5EF4-FFF2-40B4-BE49-F238E27FC236}">
+                <a16:creationId xmlns:a16="http://schemas.microsoft.com/office/drawing/2014/main" id="{35111178-AF84-2C47-9D79-04B79880AC85}"/>
+              </a:ext>
+            </a:extLst>
+          </p:cNvPr>
+          <p:cNvCxnSpPr>
+            <a:cxnSpLocks/>
+          </p:cNvCxnSpPr>
+          <p:nvPr/>
+        </p:nvCxnSpPr>
+        <p:spPr>
+          <a:xfrm flipH="1">
+            <a:off x="5194751" y="1530537"/>
+            <a:ext cx="777714" cy="2264943"/>
+          </a:xfrm>
+          <a:prstGeom prst="line">
+            <a:avLst/>
+          </a:prstGeom>
+          <a:ln w="25400">
+            <a:solidFill>
+              <a:schemeClr val="bg2">
+                <a:lumMod val="75000"/>
+              </a:schemeClr>
+            </a:solidFill>
+          </a:ln>
+        </p:spPr>
+        <p:style>
+          <a:lnRef idx="1">
+            <a:schemeClr val="accent1"/>
+          </a:lnRef>
+          <a:fillRef idx="0">
+            <a:schemeClr val="accent1"/>
+          </a:fillRef>
+          <a:effectRef idx="0">
+            <a:schemeClr val="accent1"/>
+          </a:effectRef>
+          <a:fontRef idx="minor">
+            <a:schemeClr val="tx1"/>
+          </a:fontRef>
+        </p:style>
+      </p:cxnSp>
+      <p:cxnSp>
+        <p:nvCxnSpPr>
+          <p:cNvPr id="44" name="Gerade Verbindung 43">
+            <a:extLst>
+              <a:ext uri="{FF2B5EF4-FFF2-40B4-BE49-F238E27FC236}">
+                <a16:creationId xmlns:a16="http://schemas.microsoft.com/office/drawing/2014/main" id="{9EE185F7-32B6-CD43-BF32-F3BA5A792839}"/>
+              </a:ext>
+            </a:extLst>
+          </p:cNvPr>
+          <p:cNvCxnSpPr>
+            <a:cxnSpLocks/>
+          </p:cNvCxnSpPr>
+          <p:nvPr/>
+        </p:nvCxnSpPr>
+        <p:spPr>
+          <a:xfrm flipH="1">
+            <a:off x="4060364" y="3774163"/>
+            <a:ext cx="8553" cy="1644512"/>
+          </a:xfrm>
+          <a:prstGeom prst="line">
+            <a:avLst/>
+          </a:prstGeom>
+          <a:ln w="25400">
+            <a:solidFill>
+              <a:schemeClr val="accent2"/>
+            </a:solidFill>
+          </a:ln>
+        </p:spPr>
+        <p:style>
+          <a:lnRef idx="1">
+            <a:schemeClr val="accent1"/>
+          </a:lnRef>
+          <a:fillRef idx="0">
+            <a:schemeClr val="accent1"/>
+          </a:fillRef>
+          <a:effectRef idx="0">
+            <a:schemeClr val="accent1"/>
+          </a:effectRef>
+          <a:fontRef idx="minor">
+            <a:schemeClr val="tx1"/>
+          </a:fontRef>
+        </p:style>
+      </p:cxnSp>
+      <p:cxnSp>
+        <p:nvCxnSpPr>
+          <p:cNvPr id="47" name="Gerade Verbindung 46">
+            <a:extLst>
+              <a:ext uri="{FF2B5EF4-FFF2-40B4-BE49-F238E27FC236}">
+                <a16:creationId xmlns:a16="http://schemas.microsoft.com/office/drawing/2014/main" id="{B0766393-9239-9943-B8D1-D9A44DC28A9A}"/>
+              </a:ext>
+            </a:extLst>
+          </p:cNvPr>
+          <p:cNvCxnSpPr>
+            <a:cxnSpLocks/>
+          </p:cNvCxnSpPr>
+          <p:nvPr/>
+        </p:nvCxnSpPr>
+        <p:spPr>
+          <a:xfrm>
+            <a:off x="4068917" y="3756854"/>
+            <a:ext cx="1114029" cy="13234"/>
+          </a:xfrm>
+          <a:prstGeom prst="line">
+            <a:avLst/>
+          </a:prstGeom>
+          <a:ln w="25400">
+            <a:solidFill>
+              <a:schemeClr val="accent2"/>
+            </a:solidFill>
+          </a:ln>
+        </p:spPr>
+        <p:style>
+          <a:lnRef idx="1">
+            <a:schemeClr val="accent1"/>
+          </a:lnRef>
+          <a:fillRef idx="0">
+            <a:schemeClr val="accent1"/>
+          </a:fillRef>
+          <a:effectRef idx="0">
+            <a:schemeClr val="accent1"/>
+          </a:effectRef>
+          <a:fontRef idx="minor">
+            <a:schemeClr val="tx1"/>
+          </a:fontRef>
+        </p:style>
+      </p:cxnSp>
+      <p:cxnSp>
+        <p:nvCxnSpPr>
+          <p:cNvPr id="49" name="Gerade Verbindung 48">
+            <a:extLst>
+              <a:ext uri="{FF2B5EF4-FFF2-40B4-BE49-F238E27FC236}">
+                <a16:creationId xmlns:a16="http://schemas.microsoft.com/office/drawing/2014/main" id="{25AC0AC7-623F-824A-8FB3-DE09D052988B}"/>
+              </a:ext>
+            </a:extLst>
+          </p:cNvPr>
+          <p:cNvCxnSpPr>
+            <a:cxnSpLocks/>
+          </p:cNvCxnSpPr>
+          <p:nvPr/>
+        </p:nvCxnSpPr>
+        <p:spPr>
+          <a:xfrm flipH="1" flipV="1">
+            <a:off x="4811366" y="2365666"/>
+            <a:ext cx="371580" cy="1435340"/>
+          </a:xfrm>
+          <a:prstGeom prst="line">
+            <a:avLst/>
+          </a:prstGeom>
+          <a:ln w="25400">
+            <a:solidFill>
+              <a:schemeClr val="accent2"/>
+            </a:solidFill>
+          </a:ln>
+        </p:spPr>
+        <p:style>
+          <a:lnRef idx="1">
+            <a:schemeClr val="accent1"/>
+          </a:lnRef>
+          <a:fillRef idx="0">
+            <a:schemeClr val="accent1"/>
+          </a:fillRef>
+          <a:effectRef idx="0">
+            <a:schemeClr val="accent1"/>
+          </a:effectRef>
+          <a:fontRef idx="minor">
+            <a:schemeClr val="tx1"/>
+          </a:fontRef>
+        </p:style>
+      </p:cxnSp>
+      <p:cxnSp>
+        <p:nvCxnSpPr>
+          <p:cNvPr id="51" name="Gerade Verbindung 50">
+            <a:extLst>
+              <a:ext uri="{FF2B5EF4-FFF2-40B4-BE49-F238E27FC236}">
+                <a16:creationId xmlns:a16="http://schemas.microsoft.com/office/drawing/2014/main" id="{8B3240AD-6235-304F-8256-91453CFDAD61}"/>
+              </a:ext>
+            </a:extLst>
+          </p:cNvPr>
+          <p:cNvCxnSpPr>
+            <a:cxnSpLocks/>
+          </p:cNvCxnSpPr>
+          <p:nvPr/>
+        </p:nvCxnSpPr>
+        <p:spPr>
+          <a:xfrm flipV="1">
+            <a:off x="4811366" y="2171617"/>
+            <a:ext cx="786867" cy="191394"/>
+          </a:xfrm>
+          <a:prstGeom prst="line">
+            <a:avLst/>
+          </a:prstGeom>
+          <a:ln w="25400">
+            <a:solidFill>
+              <a:schemeClr val="accent3"/>
+            </a:solidFill>
+            <a:prstDash val="lgDash"/>
+          </a:ln>
+        </p:spPr>
+        <p:style>
+          <a:lnRef idx="1">
+            <a:schemeClr val="accent1"/>
+          </a:lnRef>
+          <a:fillRef idx="0">
+            <a:schemeClr val="accent1"/>
+          </a:fillRef>
+          <a:effectRef idx="0">
+            <a:schemeClr val="accent1"/>
+          </a:effectRef>
+          <a:fontRef idx="minor">
+            <a:schemeClr val="tx1"/>
+          </a:fontRef>
+        </p:style>
+      </p:cxnSp>
+      <p:sp>
+        <p:nvSpPr>
+          <p:cNvPr id="54" name="Zylinder 53">
+            <a:extLst>
+              <a:ext uri="{FF2B5EF4-FFF2-40B4-BE49-F238E27FC236}">
+                <a16:creationId xmlns:a16="http://schemas.microsoft.com/office/drawing/2014/main" id="{060A9588-17BD-C748-9C93-97EC6230994F}"/>
+              </a:ext>
+            </a:extLst>
+          </p:cNvPr>
+          <p:cNvSpPr/>
+          <p:nvPr/>
+        </p:nvSpPr>
+        <p:spPr>
+          <a:xfrm>
+            <a:off x="3845191" y="3542602"/>
+            <a:ext cx="411938" cy="516808"/>
+          </a:xfrm>
+          <a:prstGeom prst="can">
+            <a:avLst/>
+          </a:prstGeom>
+        </p:spPr>
+        <p:style>
+          <a:lnRef idx="2">
+            <a:schemeClr val="accent1">
+              <a:shade val="50000"/>
+            </a:schemeClr>
+          </a:lnRef>
+          <a:fillRef idx="1">
+            <a:schemeClr val="accent1"/>
+          </a:fillRef>
+          <a:effectRef idx="0">
+            <a:schemeClr val="accent1"/>
+          </a:effectRef>
+          <a:fontRef idx="minor">
+            <a:schemeClr val="lt1"/>
+          </a:fontRef>
+        </p:style>
+        <p:txBody>
+          <a:bodyPr rtlCol="0" anchor="ctr"/>
+          <a:lstStyle/>
+          <a:p>
+            <a:pPr algn="ctr"/>
+            <a:endParaRPr lang="es-ES_tradnl"/>
+          </a:p>
+        </p:txBody>
+      </p:sp>
+      <p:sp>
+        <p:nvSpPr>
+          <p:cNvPr id="62" name="CuadroTexto 45">
+            <a:extLst>
+              <a:ext uri="{FF2B5EF4-FFF2-40B4-BE49-F238E27FC236}">
+                <a16:creationId xmlns:a16="http://schemas.microsoft.com/office/drawing/2014/main" id="{30EA4A0C-B565-EC41-8619-68237F35989F}"/>
+              </a:ext>
+            </a:extLst>
+          </p:cNvPr>
+          <p:cNvSpPr txBox="1"/>
+          <p:nvPr/>
+        </p:nvSpPr>
+        <p:spPr>
+          <a:xfrm>
+            <a:off x="5927093" y="1511452"/>
+            <a:ext cx="795964" cy="307777"/>
+          </a:xfrm>
+          <a:prstGeom prst="rect">
+            <a:avLst/>
+          </a:prstGeom>
+          <a:noFill/>
+        </p:spPr>
+        <p:txBody>
+          <a:bodyPr wrap="square" rtlCol="0">
+            <a:spAutoFit/>
+          </a:bodyPr>
+          <a:lstStyle/>
+          <a:p>
+            <a:r>
+              <a:rPr lang="es-CO" sz="1400" dirty="0"/>
+              <a:t>(x, y, z)</a:t>
+            </a:r>
+          </a:p>
+        </p:txBody>
+      </p:sp>
+      <p:cxnSp>
+        <p:nvCxnSpPr>
+          <p:cNvPr id="75" name="Gerade Verbindung 74">
+            <a:extLst>
+              <a:ext uri="{FF2B5EF4-FFF2-40B4-BE49-F238E27FC236}">
+                <a16:creationId xmlns:a16="http://schemas.microsoft.com/office/drawing/2014/main" id="{C8B46392-68F4-3D49-94D9-F096B5204BF1}"/>
+              </a:ext>
+            </a:extLst>
+          </p:cNvPr>
+          <p:cNvCxnSpPr>
+            <a:cxnSpLocks/>
+          </p:cNvCxnSpPr>
+          <p:nvPr/>
+        </p:nvCxnSpPr>
+        <p:spPr>
+          <a:xfrm flipV="1">
+            <a:off x="4808435" y="1530537"/>
+            <a:ext cx="1164030" cy="840047"/>
+          </a:xfrm>
+          <a:prstGeom prst="line">
+            <a:avLst/>
+          </a:prstGeom>
+          <a:ln w="25400">
+            <a:solidFill>
+              <a:schemeClr val="accent2"/>
+            </a:solidFill>
+          </a:ln>
+        </p:spPr>
+        <p:style>
+          <a:lnRef idx="1">
+            <a:schemeClr val="accent1"/>
+          </a:lnRef>
+          <a:fillRef idx="0">
+            <a:schemeClr val="accent1"/>
+          </a:fillRef>
+          <a:effectRef idx="0">
+            <a:schemeClr val="accent1"/>
+          </a:effectRef>
+          <a:fontRef idx="minor">
+            <a:schemeClr val="tx1"/>
+          </a:fontRef>
+        </p:style>
+      </p:cxnSp>
+      <p:cxnSp>
+        <p:nvCxnSpPr>
+          <p:cNvPr id="77" name="Gerade Verbindung 76">
+            <a:extLst>
+              <a:ext uri="{FF2B5EF4-FFF2-40B4-BE49-F238E27FC236}">
+                <a16:creationId xmlns:a16="http://schemas.microsoft.com/office/drawing/2014/main" id="{C9F3A50E-DCC4-D34C-94F5-909294C68F90}"/>
+              </a:ext>
+            </a:extLst>
+          </p:cNvPr>
+          <p:cNvCxnSpPr>
+            <a:cxnSpLocks/>
+          </p:cNvCxnSpPr>
+          <p:nvPr/>
+        </p:nvCxnSpPr>
+        <p:spPr>
+          <a:xfrm flipV="1">
+            <a:off x="5199141" y="2956070"/>
+            <a:ext cx="0" cy="814018"/>
+          </a:xfrm>
+          <a:prstGeom prst="line">
+            <a:avLst/>
+          </a:prstGeom>
+          <a:ln w="25400">
+            <a:solidFill>
+              <a:schemeClr val="accent3"/>
+            </a:solidFill>
+            <a:prstDash val="lgDash"/>
+          </a:ln>
+        </p:spPr>
+        <p:style>
+          <a:lnRef idx="1">
+            <a:schemeClr val="accent1"/>
+          </a:lnRef>
+          <a:fillRef idx="0">
+            <a:schemeClr val="accent1"/>
+          </a:fillRef>
+          <a:effectRef idx="0">
+            <a:schemeClr val="accent1"/>
+          </a:effectRef>
+          <a:fontRef idx="minor">
+            <a:schemeClr val="tx1"/>
+          </a:fontRef>
+        </p:style>
+      </p:cxnSp>
+      <p:sp>
+        <p:nvSpPr>
+          <p:cNvPr id="83" name="Bogen 82">
+            <a:extLst>
+              <a:ext uri="{FF2B5EF4-FFF2-40B4-BE49-F238E27FC236}">
+                <a16:creationId xmlns:a16="http://schemas.microsoft.com/office/drawing/2014/main" id="{5D37F072-87AE-9848-92B4-9227300066BB}"/>
+              </a:ext>
+            </a:extLst>
+          </p:cNvPr>
+          <p:cNvSpPr/>
+          <p:nvPr/>
+        </p:nvSpPr>
+        <p:spPr>
+          <a:xfrm rot="17891351">
+            <a:off x="4752881" y="3136112"/>
+            <a:ext cx="611487" cy="448067"/>
+          </a:xfrm>
+          <a:prstGeom prst="arc">
+            <a:avLst>
+              <a:gd name="adj1" fmla="val 18933576"/>
+              <a:gd name="adj2" fmla="val 0"/>
+            </a:avLst>
+          </a:prstGeom>
+        </p:spPr>
+        <p:style>
+          <a:lnRef idx="1">
+            <a:schemeClr val="accent1"/>
+          </a:lnRef>
+          <a:fillRef idx="0">
+            <a:schemeClr val="accent1"/>
+          </a:fillRef>
+          <a:effectRef idx="0">
+            <a:schemeClr val="accent1"/>
+          </a:effectRef>
+          <a:fontRef idx="minor">
+            <a:schemeClr val="tx1"/>
+          </a:fontRef>
+        </p:style>
+        <p:txBody>
+          <a:bodyPr rtlCol="0" anchor="ctr"/>
+          <a:lstStyle/>
+          <a:p>
+            <a:pPr algn="ctr"/>
+            <a:endParaRPr lang="es-ES_tradnl"/>
+          </a:p>
+        </p:txBody>
+      </p:sp>
+      <p:sp>
+        <p:nvSpPr>
+          <p:cNvPr id="84" name="Bogen 83">
+            <a:extLst>
+              <a:ext uri="{FF2B5EF4-FFF2-40B4-BE49-F238E27FC236}">
+                <a16:creationId xmlns:a16="http://schemas.microsoft.com/office/drawing/2014/main" id="{7788289D-EAC7-5C48-B31C-E83D11D451DE}"/>
+              </a:ext>
+            </a:extLst>
+          </p:cNvPr>
+          <p:cNvSpPr/>
+          <p:nvPr/>
+        </p:nvSpPr>
+        <p:spPr>
+          <a:xfrm rot="1101786">
+            <a:off x="4791577" y="1893601"/>
+            <a:ext cx="611487" cy="448067"/>
+          </a:xfrm>
+          <a:prstGeom prst="arc">
+            <a:avLst>
+              <a:gd name="adj1" fmla="val 18933576"/>
+              <a:gd name="adj2" fmla="val 0"/>
+            </a:avLst>
+          </a:prstGeom>
+        </p:spPr>
+        <p:style>
+          <a:lnRef idx="1">
+            <a:schemeClr val="accent1"/>
+          </a:lnRef>
+          <a:fillRef idx="0">
+            <a:schemeClr val="accent1"/>
+          </a:fillRef>
+          <a:effectRef idx="0">
+            <a:schemeClr val="accent1"/>
+          </a:effectRef>
+          <a:fontRef idx="minor">
+            <a:schemeClr val="tx1"/>
+          </a:fontRef>
+        </p:style>
+        <p:txBody>
+          <a:bodyPr rtlCol="0" anchor="ctr"/>
+          <a:lstStyle/>
+          <a:p>
+            <a:pPr algn="ctr"/>
+            <a:endParaRPr lang="es-ES_tradnl"/>
+          </a:p>
+        </p:txBody>
+      </p:sp>
+      <mc:AlternateContent xmlns:mc="http://schemas.openxmlformats.org/markup-compatibility/2006">
+        <mc:Choice xmlns:a14="http://schemas.microsoft.com/office/drawing/2010/main" Requires="a14">
+          <p:sp>
+            <p:nvSpPr>
+              <p:cNvPr id="85" name="Textfeld 84">
+                <a:extLst>
+                  <a:ext uri="{FF2B5EF4-FFF2-40B4-BE49-F238E27FC236}">
+                    <a16:creationId xmlns:a16="http://schemas.microsoft.com/office/drawing/2014/main" id="{885125C9-5A76-F543-A853-8442D8C146A3}"/>
+                  </a:ext>
+                </a:extLst>
+              </p:cNvPr>
+              <p:cNvSpPr txBox="1"/>
+              <p:nvPr/>
+            </p:nvSpPr>
+            <p:spPr>
+              <a:xfrm>
+                <a:off x="4996767" y="2850651"/>
+                <a:ext cx="191420" cy="184666"/>
+              </a:xfrm>
+              <a:prstGeom prst="rect">
+                <a:avLst/>
+              </a:prstGeom>
+              <a:noFill/>
+            </p:spPr>
+            <p:txBody>
+              <a:bodyPr wrap="square" lIns="0" tIns="0" rIns="0" bIns="0" rtlCol="0">
+                <a:spAutoFit/>
+              </a:bodyPr>
+              <a:lstStyle/>
+              <a:p>
+                <a14:m>
+                  <m:oMathPara xmlns:m="http://schemas.openxmlformats.org/officeDocument/2006/math">
+                    <m:oMathParaPr>
+                      <m:jc m:val="centerGroup"/>
+                    </m:oMathParaPr>
+                    <m:oMath xmlns:m="http://schemas.openxmlformats.org/officeDocument/2006/math">
+                      <m:sSub>
+                        <m:sSubPr>
+                          <m:ctrlPr>
+                            <a:rPr lang="es-ES" sz="1200" b="0" i="1" smtClean="0">
+                              <a:latin typeface="Cambria Math" panose="02040503050406030204" pitchFamily="18" charset="0"/>
+                            </a:rPr>
+                          </m:ctrlPr>
+                        </m:sSubPr>
+                        <m:e>
+                          <m:r>
+                            <a:rPr lang="es-ES" sz="1200" b="0" i="1" smtClean="0">
+                              <a:latin typeface="Cambria Math" panose="02040503050406030204" pitchFamily="18" charset="0"/>
+                            </a:rPr>
+                            <m:t>𝑞</m:t>
+                          </m:r>
+                        </m:e>
+                        <m:sub>
+                          <m:r>
+                            <a:rPr lang="es-ES" sz="1200" b="0" i="1" smtClean="0">
+                              <a:latin typeface="Cambria Math" panose="02040503050406030204" pitchFamily="18" charset="0"/>
+                            </a:rPr>
+                            <m:t>2</m:t>
+                          </m:r>
+                        </m:sub>
+                      </m:sSub>
+                    </m:oMath>
+                  </m:oMathPara>
+                </a14:m>
+                <a:endParaRPr lang="es-ES_tradnl" sz="1200" dirty="0"/>
+              </a:p>
+            </p:txBody>
+          </p:sp>
+        </mc:Choice>
+        <mc:Fallback>
+          <p:sp>
+            <p:nvSpPr>
+              <p:cNvPr id="85" name="Textfeld 84">
+                <a:extLst>
+                  <a:ext uri="{FF2B5EF4-FFF2-40B4-BE49-F238E27FC236}">
+                    <a16:creationId xmlns:a16="http://schemas.microsoft.com/office/drawing/2014/main" id="{885125C9-5A76-F543-A853-8442D8C146A3}"/>
+                  </a:ext>
+                </a:extLst>
+              </p:cNvPr>
+              <p:cNvSpPr txBox="1">
+                <a:spLocks noRot="1" noChangeAspect="1" noMove="1" noResize="1" noEditPoints="1" noAdjustHandles="1" noChangeArrowheads="1" noChangeShapeType="1" noTextEdit="1"/>
+              </p:cNvSpPr>
+              <p:nvPr/>
+            </p:nvSpPr>
+            <p:spPr>
+              <a:xfrm>
+                <a:off x="4996767" y="2850651"/>
+                <a:ext cx="191420" cy="184666"/>
+              </a:xfrm>
+              <a:prstGeom prst="rect">
+                <a:avLst/>
+              </a:prstGeom>
+              <a:blipFill>
+                <a:blip r:embed="rId2"/>
+                <a:stretch>
+                  <a:fillRect l="-18750" r="-6250" b="-25000"/>
+                </a:stretch>
+              </a:blipFill>
+            </p:spPr>
+            <p:txBody>
+              <a:bodyPr/>
+              <a:lstStyle/>
+              <a:p>
+                <a:r>
+                  <a:rPr lang="es-ES_tradnl">
+                    <a:noFill/>
+                  </a:rPr>
+                  <a:t> </a:t>
+                </a:r>
+              </a:p>
+            </p:txBody>
+          </p:sp>
+        </mc:Fallback>
+      </mc:AlternateContent>
+      <mc:AlternateContent xmlns:mc="http://schemas.openxmlformats.org/markup-compatibility/2006">
+        <mc:Choice xmlns:a14="http://schemas.microsoft.com/office/drawing/2010/main" Requires="a14">
+          <p:sp>
+            <p:nvSpPr>
+              <p:cNvPr id="86" name="Textfeld 85">
+                <a:extLst>
+                  <a:ext uri="{FF2B5EF4-FFF2-40B4-BE49-F238E27FC236}">
+                    <a16:creationId xmlns:a16="http://schemas.microsoft.com/office/drawing/2014/main" id="{744E9511-F483-1342-9B11-6D1249A60CFC}"/>
+                  </a:ext>
+                </a:extLst>
+              </p:cNvPr>
+              <p:cNvSpPr txBox="1"/>
+              <p:nvPr/>
+            </p:nvSpPr>
+            <p:spPr>
+              <a:xfrm>
+                <a:off x="5377614" y="1943502"/>
+                <a:ext cx="191420" cy="184666"/>
+              </a:xfrm>
+              <a:prstGeom prst="rect">
+                <a:avLst/>
+              </a:prstGeom>
+              <a:noFill/>
+            </p:spPr>
+            <p:txBody>
+              <a:bodyPr wrap="square" lIns="0" tIns="0" rIns="0" bIns="0" rtlCol="0">
+                <a:spAutoFit/>
+              </a:bodyPr>
+              <a:lstStyle/>
+              <a:p>
+                <a14:m>
+                  <m:oMathPara xmlns:m="http://schemas.openxmlformats.org/officeDocument/2006/math">
+                    <m:oMathParaPr>
+                      <m:jc m:val="centerGroup"/>
+                    </m:oMathParaPr>
+                    <m:oMath xmlns:m="http://schemas.openxmlformats.org/officeDocument/2006/math">
+                      <m:sSub>
+                        <m:sSubPr>
+                          <m:ctrlPr>
+                            <a:rPr lang="es-ES" sz="1200" b="0" i="1" smtClean="0">
+                              <a:latin typeface="Cambria Math" panose="02040503050406030204" pitchFamily="18" charset="0"/>
+                            </a:rPr>
+                          </m:ctrlPr>
+                        </m:sSubPr>
+                        <m:e>
+                          <m:r>
+                            <a:rPr lang="es-ES" sz="1200" b="0" i="1" smtClean="0">
+                              <a:latin typeface="Cambria Math" panose="02040503050406030204" pitchFamily="18" charset="0"/>
+                            </a:rPr>
+                            <m:t>𝑞</m:t>
+                          </m:r>
+                        </m:e>
+                        <m:sub>
+                          <m:r>
+                            <a:rPr lang="es-ES" sz="1200" b="0" i="1" smtClean="0">
+                              <a:latin typeface="Cambria Math" panose="02040503050406030204" pitchFamily="18" charset="0"/>
+                            </a:rPr>
+                            <m:t>3</m:t>
+                          </m:r>
+                        </m:sub>
+                      </m:sSub>
+                    </m:oMath>
+                  </m:oMathPara>
+                </a14:m>
+                <a:endParaRPr lang="es-ES_tradnl" sz="1200" dirty="0"/>
+              </a:p>
+            </p:txBody>
+          </p:sp>
+        </mc:Choice>
+        <mc:Fallback>
+          <p:sp>
+            <p:nvSpPr>
+              <p:cNvPr id="86" name="Textfeld 85">
+                <a:extLst>
+                  <a:ext uri="{FF2B5EF4-FFF2-40B4-BE49-F238E27FC236}">
+                    <a16:creationId xmlns:a16="http://schemas.microsoft.com/office/drawing/2014/main" id="{744E9511-F483-1342-9B11-6D1249A60CFC}"/>
+                  </a:ext>
+                </a:extLst>
+              </p:cNvPr>
+              <p:cNvSpPr txBox="1">
+                <a:spLocks noRot="1" noChangeAspect="1" noMove="1" noResize="1" noEditPoints="1" noAdjustHandles="1" noChangeArrowheads="1" noChangeShapeType="1" noTextEdit="1"/>
+              </p:cNvSpPr>
+              <p:nvPr/>
+            </p:nvSpPr>
+            <p:spPr>
+              <a:xfrm>
+                <a:off x="5377614" y="1943502"/>
+                <a:ext cx="191420" cy="184666"/>
+              </a:xfrm>
+              <a:prstGeom prst="rect">
+                <a:avLst/>
+              </a:prstGeom>
+              <a:blipFill>
+                <a:blip r:embed="rId3"/>
+                <a:stretch>
+                  <a:fillRect l="-18750" r="-6250" b="-26667"/>
+                </a:stretch>
+              </a:blipFill>
+            </p:spPr>
+            <p:txBody>
+              <a:bodyPr/>
+              <a:lstStyle/>
+              <a:p>
+                <a:r>
+                  <a:rPr lang="es-ES_tradnl">
+                    <a:noFill/>
+                  </a:rPr>
+                  <a:t> </a:t>
+                </a:r>
+              </a:p>
+            </p:txBody>
+          </p:sp>
+        </mc:Fallback>
+      </mc:AlternateContent>
+      <p:cxnSp>
+        <p:nvCxnSpPr>
+          <p:cNvPr id="88" name="Gerade Verbindung 87">
+            <a:extLst>
+              <a:ext uri="{FF2B5EF4-FFF2-40B4-BE49-F238E27FC236}">
+                <a16:creationId xmlns:a16="http://schemas.microsoft.com/office/drawing/2014/main" id="{7EAB6836-05FE-3F4E-9E61-A1B6DC657F0A}"/>
+              </a:ext>
+            </a:extLst>
+          </p:cNvPr>
+          <p:cNvCxnSpPr/>
+          <p:nvPr/>
+        </p:nvCxnSpPr>
+        <p:spPr>
+          <a:xfrm flipV="1">
+            <a:off x="4852160" y="2518598"/>
+            <a:ext cx="209291" cy="46133"/>
+          </a:xfrm>
+          <a:prstGeom prst="line">
+            <a:avLst/>
+          </a:prstGeom>
+        </p:spPr>
+        <p:style>
+          <a:lnRef idx="1">
+            <a:schemeClr val="accent1"/>
+          </a:lnRef>
+          <a:fillRef idx="0">
+            <a:schemeClr val="accent1"/>
+          </a:fillRef>
+          <a:effectRef idx="0">
+            <a:schemeClr val="accent1"/>
+          </a:effectRef>
+          <a:fontRef idx="minor">
+            <a:schemeClr val="tx1"/>
+          </a:fontRef>
+        </p:style>
+      </p:cxnSp>
+      <p:cxnSp>
+        <p:nvCxnSpPr>
+          <p:cNvPr id="89" name="Gerade Verbindung 88">
+            <a:extLst>
+              <a:ext uri="{FF2B5EF4-FFF2-40B4-BE49-F238E27FC236}">
+                <a16:creationId xmlns:a16="http://schemas.microsoft.com/office/drawing/2014/main" id="{B802C86C-145C-7840-BA49-1A020DCAFF16}"/>
+              </a:ext>
+            </a:extLst>
+          </p:cNvPr>
+          <p:cNvCxnSpPr>
+            <a:cxnSpLocks/>
+          </p:cNvCxnSpPr>
+          <p:nvPr/>
+        </p:nvCxnSpPr>
+        <p:spPr>
+          <a:xfrm flipH="1" flipV="1">
+            <a:off x="5004075" y="2305892"/>
+            <a:ext cx="53066" cy="219248"/>
+          </a:xfrm>
+          <a:prstGeom prst="line">
+            <a:avLst/>
+          </a:prstGeom>
+        </p:spPr>
+        <p:style>
+          <a:lnRef idx="1">
+            <a:schemeClr val="accent1"/>
+          </a:lnRef>
+          <a:fillRef idx="0">
+            <a:schemeClr val="accent1"/>
+          </a:fillRef>
+          <a:effectRef idx="0">
+            <a:schemeClr val="accent1"/>
+          </a:effectRef>
+          <a:fontRef idx="minor">
+            <a:schemeClr val="tx1"/>
+          </a:fontRef>
+        </p:style>
+      </p:cxnSp>
+      <p:sp>
+        <p:nvSpPr>
+          <p:cNvPr id="20" name="Elipse 40">
+            <a:extLst>
+              <a:ext uri="{FF2B5EF4-FFF2-40B4-BE49-F238E27FC236}">
+                <a16:creationId xmlns:a16="http://schemas.microsoft.com/office/drawing/2014/main" id="{CB42E4BD-28BD-D04A-9D72-D6D52D73A958}"/>
+              </a:ext>
+            </a:extLst>
+          </p:cNvPr>
+          <p:cNvSpPr/>
+          <p:nvPr/>
+        </p:nvSpPr>
+        <p:spPr>
+          <a:xfrm>
+            <a:off x="5897004" y="1464819"/>
+            <a:ext cx="143393" cy="126494"/>
+          </a:xfrm>
+          <a:prstGeom prst="ellipse">
+            <a:avLst/>
+          </a:prstGeom>
+          <a:solidFill>
+            <a:srgbClr val="7030A0"/>
+          </a:solidFill>
+        </p:spPr>
+        <p:style>
+          <a:lnRef idx="2">
+            <a:schemeClr val="accent1">
+              <a:shade val="50000"/>
+            </a:schemeClr>
+          </a:lnRef>
+          <a:fillRef idx="1">
+            <a:schemeClr val="accent1"/>
+          </a:fillRef>
+          <a:effectRef idx="0">
+            <a:schemeClr val="accent1"/>
+          </a:effectRef>
+          <a:fontRef idx="minor">
+            <a:schemeClr val="lt1"/>
+          </a:fontRef>
+        </p:style>
+        <p:txBody>
+          <a:bodyPr rtlCol="0" anchor="ctr"/>
+          <a:lstStyle/>
+          <a:p>
+            <a:pPr algn="ctr"/>
+            <a:endParaRPr lang="es-CO" dirty="0">
+              <a:solidFill>
+                <a:schemeClr val="tx1"/>
+              </a:solidFill>
+            </a:endParaRPr>
+          </a:p>
+        </p:txBody>
+      </p:sp>
+      <p:sp>
+        <p:nvSpPr>
+          <p:cNvPr id="99" name="Elipse 40">
+            <a:extLst>
+              <a:ext uri="{FF2B5EF4-FFF2-40B4-BE49-F238E27FC236}">
+                <a16:creationId xmlns:a16="http://schemas.microsoft.com/office/drawing/2014/main" id="{350F7C6B-4091-1D48-93B8-33A625A23A26}"/>
+              </a:ext>
+            </a:extLst>
+          </p:cNvPr>
+          <p:cNvSpPr/>
+          <p:nvPr/>
+        </p:nvSpPr>
+        <p:spPr>
+          <a:xfrm>
+            <a:off x="6312849" y="1182544"/>
+            <a:ext cx="143393" cy="126494"/>
+          </a:xfrm>
+          <a:prstGeom prst="ellipse">
+            <a:avLst/>
+          </a:prstGeom>
+          <a:solidFill>
+            <a:srgbClr val="7030A0"/>
+          </a:solidFill>
+        </p:spPr>
+        <p:style>
+          <a:lnRef idx="2">
+            <a:schemeClr val="accent1">
+              <a:shade val="50000"/>
+            </a:schemeClr>
+          </a:lnRef>
+          <a:fillRef idx="1">
+            <a:schemeClr val="accent1"/>
+          </a:fillRef>
+          <a:effectRef idx="0">
+            <a:schemeClr val="accent1"/>
+          </a:effectRef>
+          <a:fontRef idx="minor">
+            <a:schemeClr val="lt1"/>
+          </a:fontRef>
+        </p:style>
+        <p:txBody>
+          <a:bodyPr rtlCol="0" anchor="ctr"/>
+          <a:lstStyle/>
+          <a:p>
+            <a:pPr algn="ctr"/>
+            <a:endParaRPr lang="es-CO" dirty="0">
+              <a:solidFill>
+                <a:schemeClr val="tx1"/>
+              </a:solidFill>
+            </a:endParaRPr>
+          </a:p>
+        </p:txBody>
+      </p:sp>
+      <mc:AlternateContent xmlns:mc="http://schemas.openxmlformats.org/markup-compatibility/2006">
+        <mc:Choice xmlns:a14="http://schemas.microsoft.com/office/drawing/2010/main" Requires="a14">
+          <p:sp>
+            <p:nvSpPr>
+              <p:cNvPr id="102" name="Textfeld 101">
+                <a:extLst>
+                  <a:ext uri="{FF2B5EF4-FFF2-40B4-BE49-F238E27FC236}">
+                    <a16:creationId xmlns:a16="http://schemas.microsoft.com/office/drawing/2014/main" id="{6F708AF6-3A4C-7C4B-8B67-4D579D4A0D02}"/>
+                  </a:ext>
+                </a:extLst>
+              </p:cNvPr>
+              <p:cNvSpPr txBox="1"/>
+              <p:nvPr/>
+            </p:nvSpPr>
+            <p:spPr>
+              <a:xfrm>
+                <a:off x="6332775" y="918604"/>
+                <a:ext cx="256480" cy="276999"/>
+              </a:xfrm>
+              <a:prstGeom prst="rect">
+                <a:avLst/>
+              </a:prstGeom>
+              <a:noFill/>
+            </p:spPr>
+            <p:txBody>
+              <a:bodyPr wrap="none" lIns="0" tIns="0" rIns="0" bIns="0" rtlCol="0">
+                <a:spAutoFit/>
+              </a:bodyPr>
+              <a:lstStyle/>
+              <a:p>
+                <a14:m>
+                  <m:oMathPara xmlns:m="http://schemas.openxmlformats.org/officeDocument/2006/math">
+                    <m:oMathParaPr>
+                      <m:jc m:val="centerGroup"/>
+                    </m:oMathParaPr>
+                    <m:oMath xmlns:m="http://schemas.openxmlformats.org/officeDocument/2006/math">
+                      <m:sSub>
+                        <m:sSubPr>
+                          <m:ctrlPr>
+                            <a:rPr lang="es-ES" b="0" i="1" smtClean="0">
+                              <a:latin typeface="Cambria Math" panose="02040503050406030204" pitchFamily="18" charset="0"/>
+                            </a:rPr>
+                          </m:ctrlPr>
+                        </m:sSubPr>
+                        <m:e>
+                          <m:r>
+                            <a:rPr lang="es-ES" b="0" i="1" smtClean="0">
+                              <a:latin typeface="Cambria Math" panose="02040503050406030204" pitchFamily="18" charset="0"/>
+                            </a:rPr>
+                            <m:t>𝑃</m:t>
+                          </m:r>
+                        </m:e>
+                        <m:sub>
+                          <m:r>
+                            <a:rPr lang="es-ES" b="0" i="1" smtClean="0">
+                              <a:latin typeface="Cambria Math" panose="02040503050406030204" pitchFamily="18" charset="0"/>
+                            </a:rPr>
+                            <m:t>𝑒</m:t>
+                          </m:r>
+                        </m:sub>
+                      </m:sSub>
+                    </m:oMath>
+                  </m:oMathPara>
+                </a14:m>
+                <a:endParaRPr lang="es-ES_tradnl" dirty="0"/>
+              </a:p>
+            </p:txBody>
+          </p:sp>
+        </mc:Choice>
+        <mc:Fallback>
+          <p:sp>
+            <p:nvSpPr>
+              <p:cNvPr id="102" name="Textfeld 101">
+                <a:extLst>
+                  <a:ext uri="{FF2B5EF4-FFF2-40B4-BE49-F238E27FC236}">
+                    <a16:creationId xmlns:a16="http://schemas.microsoft.com/office/drawing/2014/main" id="{6F708AF6-3A4C-7C4B-8B67-4D579D4A0D02}"/>
+                  </a:ext>
+                </a:extLst>
+              </p:cNvPr>
+              <p:cNvSpPr txBox="1">
+                <a:spLocks noRot="1" noChangeAspect="1" noMove="1" noResize="1" noEditPoints="1" noAdjustHandles="1" noChangeArrowheads="1" noChangeShapeType="1" noTextEdit="1"/>
+              </p:cNvSpPr>
+              <p:nvPr/>
+            </p:nvSpPr>
+            <p:spPr>
+              <a:xfrm>
+                <a:off x="6332775" y="918604"/>
+                <a:ext cx="256480" cy="276999"/>
+              </a:xfrm>
+              <a:prstGeom prst="rect">
+                <a:avLst/>
+              </a:prstGeom>
+              <a:blipFill>
+                <a:blip r:embed="rId4"/>
+                <a:stretch>
+                  <a:fillRect l="-19048" b="-8696"/>
+                </a:stretch>
+              </a:blipFill>
+            </p:spPr>
+            <p:txBody>
+              <a:bodyPr/>
+              <a:lstStyle/>
+              <a:p>
+                <a:r>
+                  <a:rPr lang="es-ES_tradnl">
+                    <a:noFill/>
+                  </a:rPr>
+                  <a:t> </a:t>
+                </a:r>
+              </a:p>
+            </p:txBody>
+          </p:sp>
+        </mc:Fallback>
+      </mc:AlternateContent>
+      <mc:AlternateContent xmlns:mc="http://schemas.openxmlformats.org/markup-compatibility/2006">
+        <mc:Choice xmlns:a14="http://schemas.microsoft.com/office/drawing/2010/main" Requires="a14">
+          <p:sp>
+            <p:nvSpPr>
+              <p:cNvPr id="103" name="Textfeld 102">
+                <a:extLst>
+                  <a:ext uri="{FF2B5EF4-FFF2-40B4-BE49-F238E27FC236}">
+                    <a16:creationId xmlns:a16="http://schemas.microsoft.com/office/drawing/2014/main" id="{06805774-73DE-0443-83A1-11371634D539}"/>
+                  </a:ext>
+                </a:extLst>
+              </p:cNvPr>
+              <p:cNvSpPr txBox="1"/>
+              <p:nvPr/>
+            </p:nvSpPr>
+            <p:spPr>
+              <a:xfrm>
+                <a:off x="5726234" y="1170637"/>
+                <a:ext cx="302198" cy="276999"/>
+              </a:xfrm>
+              <a:prstGeom prst="rect">
+                <a:avLst/>
+              </a:prstGeom>
+              <a:noFill/>
+            </p:spPr>
+            <p:txBody>
+              <a:bodyPr wrap="none" lIns="0" tIns="0" rIns="0" bIns="0" rtlCol="0">
+                <a:spAutoFit/>
+              </a:bodyPr>
+              <a:lstStyle/>
+              <a:p>
+                <a14:m>
+                  <m:oMathPara xmlns:m="http://schemas.openxmlformats.org/officeDocument/2006/math">
+                    <m:oMathParaPr>
+                      <m:jc m:val="centerGroup"/>
+                    </m:oMathParaPr>
+                    <m:oMath xmlns:m="http://schemas.openxmlformats.org/officeDocument/2006/math">
+                      <m:sSub>
+                        <m:sSubPr>
+                          <m:ctrlPr>
+                            <a:rPr lang="es-ES" b="0" i="1" smtClean="0">
+                              <a:latin typeface="Cambria Math" panose="02040503050406030204" pitchFamily="18" charset="0"/>
+                            </a:rPr>
+                          </m:ctrlPr>
+                        </m:sSubPr>
+                        <m:e>
+                          <m:r>
+                            <a:rPr lang="es-ES" b="0" i="1" smtClean="0">
+                              <a:latin typeface="Cambria Math" panose="02040503050406030204" pitchFamily="18" charset="0"/>
+                            </a:rPr>
+                            <m:t>𝑃</m:t>
+                          </m:r>
+                        </m:e>
+                        <m:sub>
+                          <m:r>
+                            <a:rPr lang="es-ES" b="0" i="1" smtClean="0">
+                              <a:latin typeface="Cambria Math" panose="02040503050406030204" pitchFamily="18" charset="0"/>
+                            </a:rPr>
+                            <m:t>𝑤</m:t>
+                          </m:r>
+                        </m:sub>
+                      </m:sSub>
+                    </m:oMath>
+                  </m:oMathPara>
+                </a14:m>
+                <a:endParaRPr lang="es-ES_tradnl" dirty="0"/>
+              </a:p>
+            </p:txBody>
+          </p:sp>
+        </mc:Choice>
+        <mc:Fallback>
+          <p:sp>
+            <p:nvSpPr>
+              <p:cNvPr id="103" name="Textfeld 102">
+                <a:extLst>
+                  <a:ext uri="{FF2B5EF4-FFF2-40B4-BE49-F238E27FC236}">
+                    <a16:creationId xmlns:a16="http://schemas.microsoft.com/office/drawing/2014/main" id="{06805774-73DE-0443-83A1-11371634D539}"/>
+                  </a:ext>
+                </a:extLst>
+              </p:cNvPr>
+              <p:cNvSpPr txBox="1">
+                <a:spLocks noRot="1" noChangeAspect="1" noMove="1" noResize="1" noEditPoints="1" noAdjustHandles="1" noChangeArrowheads="1" noChangeShapeType="1" noTextEdit="1"/>
+              </p:cNvSpPr>
+              <p:nvPr/>
+            </p:nvSpPr>
+            <p:spPr>
+              <a:xfrm>
+                <a:off x="5726234" y="1170637"/>
+                <a:ext cx="302198" cy="276999"/>
+              </a:xfrm>
+              <a:prstGeom prst="rect">
+                <a:avLst/>
+              </a:prstGeom>
+              <a:blipFill>
+                <a:blip r:embed="rId5"/>
+                <a:stretch>
+                  <a:fillRect l="-16000" b="-13636"/>
+                </a:stretch>
+              </a:blipFill>
+            </p:spPr>
+            <p:txBody>
+              <a:bodyPr/>
+              <a:lstStyle/>
+              <a:p>
+                <a:r>
+                  <a:rPr lang="es-ES_tradnl">
+                    <a:noFill/>
+                  </a:rPr>
+                  <a:t> </a:t>
+                </a:r>
+              </a:p>
+            </p:txBody>
+          </p:sp>
+        </mc:Fallback>
+      </mc:AlternateContent>
+      <p:sp>
+        <p:nvSpPr>
+          <p:cNvPr id="105" name="CuadroTexto 45">
+            <a:extLst>
+              <a:ext uri="{FF2B5EF4-FFF2-40B4-BE49-F238E27FC236}">
+                <a16:creationId xmlns:a16="http://schemas.microsoft.com/office/drawing/2014/main" id="{16932D2E-E6CF-1944-B310-5371FCC99CB2}"/>
+              </a:ext>
+            </a:extLst>
+          </p:cNvPr>
+          <p:cNvSpPr txBox="1"/>
+          <p:nvPr/>
+        </p:nvSpPr>
+        <p:spPr>
+          <a:xfrm>
+            <a:off x="9139453" y="5290400"/>
+            <a:ext cx="585260" cy="307777"/>
+          </a:xfrm>
+          <a:prstGeom prst="rect">
+            <a:avLst/>
+          </a:prstGeom>
+          <a:noFill/>
+        </p:spPr>
+        <p:txBody>
+          <a:bodyPr wrap="square" rtlCol="0">
+            <a:spAutoFit/>
+          </a:bodyPr>
+          <a:lstStyle/>
+          <a:p>
+            <a:r>
+              <a:rPr lang="es-CO" sz="1400" dirty="0">
+                <a:solidFill>
+                  <a:srgbClr val="FF0000"/>
+                </a:solidFill>
+              </a:rPr>
+              <a:t>X </a:t>
+            </a:r>
+          </a:p>
+        </p:txBody>
+      </p:sp>
+      <p:cxnSp>
+        <p:nvCxnSpPr>
+          <p:cNvPr id="106" name="Conector recto de flecha 14">
+            <a:extLst>
+              <a:ext uri="{FF2B5EF4-FFF2-40B4-BE49-F238E27FC236}">
+                <a16:creationId xmlns:a16="http://schemas.microsoft.com/office/drawing/2014/main" id="{90F25760-60A0-DC4A-A82D-7FEFB0903ADA}"/>
+              </a:ext>
+            </a:extLst>
+          </p:cNvPr>
+          <p:cNvCxnSpPr>
+            <a:cxnSpLocks/>
+          </p:cNvCxnSpPr>
+          <p:nvPr/>
+        </p:nvCxnSpPr>
+        <p:spPr>
+          <a:xfrm>
+            <a:off x="8247108" y="5358901"/>
+            <a:ext cx="993145" cy="0"/>
+          </a:xfrm>
+          <a:prstGeom prst="straightConnector1">
+            <a:avLst/>
+          </a:prstGeom>
+          <a:ln w="38100">
+            <a:solidFill>
+              <a:srgbClr val="FF0000"/>
+            </a:solidFill>
+            <a:tailEnd type="triangle"/>
+          </a:ln>
+        </p:spPr>
+        <p:style>
+          <a:lnRef idx="1">
+            <a:schemeClr val="accent1"/>
+          </a:lnRef>
+          <a:fillRef idx="0">
+            <a:schemeClr val="accent1"/>
+          </a:fillRef>
+          <a:effectRef idx="0">
+            <a:schemeClr val="accent1"/>
+          </a:effectRef>
+          <a:fontRef idx="minor">
+            <a:schemeClr val="tx1"/>
+          </a:fontRef>
+        </p:style>
+      </p:cxnSp>
+      <p:cxnSp>
+        <p:nvCxnSpPr>
+          <p:cNvPr id="112" name="Conector recto de flecha 14">
+            <a:extLst>
+              <a:ext uri="{FF2B5EF4-FFF2-40B4-BE49-F238E27FC236}">
+                <a16:creationId xmlns:a16="http://schemas.microsoft.com/office/drawing/2014/main" id="{B6E6342C-75AE-1846-BA28-0F290DA1C953}"/>
+              </a:ext>
+            </a:extLst>
+          </p:cNvPr>
+          <p:cNvCxnSpPr>
+            <a:cxnSpLocks/>
+          </p:cNvCxnSpPr>
+          <p:nvPr/>
+        </p:nvCxnSpPr>
+        <p:spPr>
+          <a:xfrm flipH="1" flipV="1">
+            <a:off x="8247108" y="4335804"/>
+            <a:ext cx="24224" cy="1023097"/>
+          </a:xfrm>
+          <a:prstGeom prst="straightConnector1">
+            <a:avLst/>
+          </a:prstGeom>
+          <a:ln w="38100">
+            <a:solidFill>
+              <a:srgbClr val="00B050"/>
+            </a:solidFill>
+            <a:tailEnd type="triangle"/>
+          </a:ln>
+        </p:spPr>
+        <p:style>
+          <a:lnRef idx="1">
+            <a:schemeClr val="accent1"/>
+          </a:lnRef>
+          <a:fillRef idx="0">
+            <a:schemeClr val="accent1"/>
+          </a:fillRef>
+          <a:effectRef idx="0">
+            <a:schemeClr val="accent1"/>
+          </a:effectRef>
+          <a:fontRef idx="minor">
+            <a:schemeClr val="tx1"/>
+          </a:fontRef>
+        </p:style>
+      </p:cxnSp>
+      <p:sp>
+        <p:nvSpPr>
+          <p:cNvPr id="116" name="Elipse 40">
+            <a:extLst>
+              <a:ext uri="{FF2B5EF4-FFF2-40B4-BE49-F238E27FC236}">
+                <a16:creationId xmlns:a16="http://schemas.microsoft.com/office/drawing/2014/main" id="{130CB484-DBEA-FD4B-850B-9A032455FDDF}"/>
+              </a:ext>
+            </a:extLst>
+          </p:cNvPr>
+          <p:cNvSpPr/>
+          <p:nvPr/>
+        </p:nvSpPr>
+        <p:spPr>
+          <a:xfrm>
+            <a:off x="8126656" y="5172641"/>
+            <a:ext cx="329809" cy="307777"/>
+          </a:xfrm>
+          <a:prstGeom prst="ellipse">
+            <a:avLst/>
+          </a:prstGeom>
+          <a:solidFill>
+            <a:schemeClr val="accent1"/>
+          </a:solidFill>
+        </p:spPr>
+        <p:style>
+          <a:lnRef idx="2">
+            <a:schemeClr val="accent1">
+              <a:shade val="50000"/>
+            </a:schemeClr>
+          </a:lnRef>
+          <a:fillRef idx="1">
+            <a:schemeClr val="accent1"/>
+          </a:fillRef>
+          <a:effectRef idx="0">
+            <a:schemeClr val="accent1"/>
+          </a:effectRef>
+          <a:fontRef idx="minor">
+            <a:schemeClr val="lt1"/>
+          </a:fontRef>
+        </p:style>
+        <p:txBody>
+          <a:bodyPr rtlCol="0" anchor="ctr"/>
+          <a:lstStyle/>
+          <a:p>
+            <a:pPr algn="ctr"/>
+            <a:endParaRPr lang="es-CO" dirty="0"/>
+          </a:p>
+        </p:txBody>
+      </p:sp>
+      <p:cxnSp>
+        <p:nvCxnSpPr>
+          <p:cNvPr id="119" name="Gerade Verbindung 118">
+            <a:extLst>
+              <a:ext uri="{FF2B5EF4-FFF2-40B4-BE49-F238E27FC236}">
+                <a16:creationId xmlns:a16="http://schemas.microsoft.com/office/drawing/2014/main" id="{CA43105B-B53F-B24C-BB4B-DD885F8F2625}"/>
+              </a:ext>
+            </a:extLst>
+          </p:cNvPr>
+          <p:cNvCxnSpPr>
+            <a:cxnSpLocks/>
+          </p:cNvCxnSpPr>
+          <p:nvPr/>
+        </p:nvCxnSpPr>
+        <p:spPr>
+          <a:xfrm flipV="1">
+            <a:off x="8391784" y="4430889"/>
+            <a:ext cx="587051" cy="774123"/>
+          </a:xfrm>
+          <a:prstGeom prst="line">
+            <a:avLst/>
+          </a:prstGeom>
+          <a:ln w="25400">
+            <a:solidFill>
+              <a:schemeClr val="accent2"/>
+            </a:solidFill>
+          </a:ln>
+        </p:spPr>
+        <p:style>
+          <a:lnRef idx="1">
+            <a:schemeClr val="accent1"/>
+          </a:lnRef>
+          <a:fillRef idx="0">
+            <a:schemeClr val="accent1"/>
+          </a:fillRef>
+          <a:effectRef idx="0">
+            <a:schemeClr val="accent1"/>
+          </a:effectRef>
+          <a:fontRef idx="minor">
+            <a:schemeClr val="tx1"/>
+          </a:fontRef>
+        </p:style>
+      </p:cxnSp>
+      <p:sp>
+        <p:nvSpPr>
+          <p:cNvPr id="122" name="Rechteck 121">
+            <a:extLst>
+              <a:ext uri="{FF2B5EF4-FFF2-40B4-BE49-F238E27FC236}">
+                <a16:creationId xmlns:a16="http://schemas.microsoft.com/office/drawing/2014/main" id="{D49633E4-60BD-4F4C-8063-A4EF3F685140}"/>
+              </a:ext>
+            </a:extLst>
+          </p:cNvPr>
+          <p:cNvSpPr/>
+          <p:nvPr/>
+        </p:nvSpPr>
+        <p:spPr>
+          <a:xfrm rot="18419274">
+            <a:off x="8929436" y="4089487"/>
+            <a:ext cx="192506" cy="537009"/>
+          </a:xfrm>
+          <a:prstGeom prst="rect">
+            <a:avLst/>
+          </a:prstGeom>
+        </p:spPr>
+        <p:style>
+          <a:lnRef idx="2">
+            <a:schemeClr val="accent1">
+              <a:shade val="50000"/>
+            </a:schemeClr>
+          </a:lnRef>
+          <a:fillRef idx="1">
+            <a:schemeClr val="accent1"/>
+          </a:fillRef>
+          <a:effectRef idx="0">
+            <a:schemeClr val="accent1"/>
+          </a:effectRef>
+          <a:fontRef idx="minor">
+            <a:schemeClr val="lt1"/>
+          </a:fontRef>
+        </p:style>
+        <p:txBody>
+          <a:bodyPr rtlCol="0" anchor="ctr"/>
+          <a:lstStyle/>
+          <a:p>
+            <a:pPr algn="ctr"/>
+            <a:endParaRPr lang="es-ES_tradnl" dirty="0"/>
+          </a:p>
+        </p:txBody>
+      </p:sp>
+      <p:sp>
+        <p:nvSpPr>
+          <p:cNvPr id="123" name="Rechteck 122">
+            <a:extLst>
+              <a:ext uri="{FF2B5EF4-FFF2-40B4-BE49-F238E27FC236}">
+                <a16:creationId xmlns:a16="http://schemas.microsoft.com/office/drawing/2014/main" id="{AF04D672-BEDF-F647-9307-D212EAD599A1}"/>
+              </a:ext>
+            </a:extLst>
+          </p:cNvPr>
+          <p:cNvSpPr/>
+          <p:nvPr/>
+        </p:nvSpPr>
+        <p:spPr>
+          <a:xfrm rot="18419274">
+            <a:off x="9381734" y="3526976"/>
+            <a:ext cx="192506" cy="537009"/>
+          </a:xfrm>
+          <a:prstGeom prst="rect">
+            <a:avLst/>
+          </a:prstGeom>
+        </p:spPr>
+        <p:style>
+          <a:lnRef idx="2">
+            <a:schemeClr val="accent1">
+              <a:shade val="50000"/>
+            </a:schemeClr>
+          </a:lnRef>
+          <a:fillRef idx="1">
+            <a:schemeClr val="accent1"/>
+          </a:fillRef>
+          <a:effectRef idx="0">
+            <a:schemeClr val="accent1"/>
+          </a:effectRef>
+          <a:fontRef idx="minor">
+            <a:schemeClr val="lt1"/>
+          </a:fontRef>
+        </p:style>
+        <p:txBody>
+          <a:bodyPr rtlCol="0" anchor="ctr"/>
+          <a:lstStyle/>
+          <a:p>
+            <a:pPr algn="ctr"/>
+            <a:endParaRPr lang="es-ES_tradnl" dirty="0"/>
+          </a:p>
+        </p:txBody>
+      </p:sp>
+      <p:cxnSp>
+        <p:nvCxnSpPr>
+          <p:cNvPr id="124" name="Gerade Verbindung 123">
+            <a:extLst>
+              <a:ext uri="{FF2B5EF4-FFF2-40B4-BE49-F238E27FC236}">
+                <a16:creationId xmlns:a16="http://schemas.microsoft.com/office/drawing/2014/main" id="{C71B7B31-AB8B-0D4F-A630-42B7EF5105FC}"/>
+              </a:ext>
+            </a:extLst>
+          </p:cNvPr>
+          <p:cNvCxnSpPr>
+            <a:cxnSpLocks/>
+            <a:endCxn id="123" idx="1"/>
+          </p:cNvCxnSpPr>
+          <p:nvPr/>
+        </p:nvCxnSpPr>
+        <p:spPr>
+          <a:xfrm flipV="1">
+            <a:off x="9072543" y="3872364"/>
+            <a:ext cx="347534" cy="412732"/>
+          </a:xfrm>
+          <a:prstGeom prst="line">
+            <a:avLst/>
+          </a:prstGeom>
+          <a:ln w="25400">
+            <a:solidFill>
+              <a:schemeClr val="accent2"/>
+            </a:solidFill>
+          </a:ln>
+        </p:spPr>
+        <p:style>
+          <a:lnRef idx="1">
+            <a:schemeClr val="accent1"/>
+          </a:lnRef>
+          <a:fillRef idx="0">
+            <a:schemeClr val="accent1"/>
+          </a:fillRef>
+          <a:effectRef idx="0">
+            <a:schemeClr val="accent1"/>
+          </a:effectRef>
+          <a:fontRef idx="minor">
+            <a:schemeClr val="tx1"/>
+          </a:fontRef>
+        </p:style>
+      </p:cxnSp>
+      <p:cxnSp>
+        <p:nvCxnSpPr>
+          <p:cNvPr id="126" name="Gerade Verbindung 125">
+            <a:extLst>
+              <a:ext uri="{FF2B5EF4-FFF2-40B4-BE49-F238E27FC236}">
+                <a16:creationId xmlns:a16="http://schemas.microsoft.com/office/drawing/2014/main" id="{338A43F1-50DF-1C4C-AB01-7A2651CC756A}"/>
+              </a:ext>
+            </a:extLst>
+          </p:cNvPr>
+          <p:cNvCxnSpPr>
+            <a:cxnSpLocks/>
+          </p:cNvCxnSpPr>
+          <p:nvPr/>
+        </p:nvCxnSpPr>
+        <p:spPr>
+          <a:xfrm flipV="1">
+            <a:off x="9543471" y="3300948"/>
+            <a:ext cx="347534" cy="412732"/>
+          </a:xfrm>
+          <a:prstGeom prst="line">
+            <a:avLst/>
+          </a:prstGeom>
+          <a:ln w="25400">
+            <a:solidFill>
+              <a:schemeClr val="accent2"/>
+            </a:solidFill>
+          </a:ln>
+        </p:spPr>
+        <p:style>
+          <a:lnRef idx="1">
+            <a:schemeClr val="accent1"/>
+          </a:lnRef>
+          <a:fillRef idx="0">
+            <a:schemeClr val="accent1"/>
+          </a:fillRef>
+          <a:effectRef idx="0">
+            <a:schemeClr val="accent1"/>
+          </a:effectRef>
+          <a:fontRef idx="minor">
+            <a:schemeClr val="tx1"/>
+          </a:fontRef>
+        </p:style>
+      </p:cxnSp>
+      <p:cxnSp>
+        <p:nvCxnSpPr>
+          <p:cNvPr id="130" name="Gerade Verbindung 129">
+            <a:extLst>
+              <a:ext uri="{FF2B5EF4-FFF2-40B4-BE49-F238E27FC236}">
+                <a16:creationId xmlns:a16="http://schemas.microsoft.com/office/drawing/2014/main" id="{3476A458-1F32-2246-B539-6EE57C68EA0E}"/>
+              </a:ext>
+            </a:extLst>
+          </p:cNvPr>
+          <p:cNvCxnSpPr>
+            <a:cxnSpLocks/>
+          </p:cNvCxnSpPr>
+          <p:nvPr/>
+        </p:nvCxnSpPr>
+        <p:spPr>
+          <a:xfrm flipV="1">
+            <a:off x="9971594" y="2864731"/>
+            <a:ext cx="312333" cy="355924"/>
+          </a:xfrm>
+          <a:prstGeom prst="line">
+            <a:avLst/>
+          </a:prstGeom>
+          <a:ln w="25400">
+            <a:solidFill>
+              <a:schemeClr val="accent2"/>
+            </a:solidFill>
+          </a:ln>
+        </p:spPr>
+        <p:style>
+          <a:lnRef idx="1">
+            <a:schemeClr val="accent1"/>
+          </a:lnRef>
+          <a:fillRef idx="0">
+            <a:schemeClr val="accent1"/>
+          </a:fillRef>
+          <a:effectRef idx="0">
+            <a:schemeClr val="accent1"/>
+          </a:effectRef>
+          <a:fontRef idx="minor">
+            <a:schemeClr val="tx1"/>
+          </a:fontRef>
+        </p:style>
+      </p:cxnSp>
+      <p:sp>
+        <p:nvSpPr>
+          <p:cNvPr id="131" name="CuadroTexto 45">
+            <a:extLst>
+              <a:ext uri="{FF2B5EF4-FFF2-40B4-BE49-F238E27FC236}">
+                <a16:creationId xmlns:a16="http://schemas.microsoft.com/office/drawing/2014/main" id="{17B7814C-9885-4646-BEED-87AAFCA50489}"/>
+              </a:ext>
+            </a:extLst>
+          </p:cNvPr>
+          <p:cNvSpPr txBox="1"/>
+          <p:nvPr/>
+        </p:nvSpPr>
+        <p:spPr>
+          <a:xfrm>
+            <a:off x="9891005" y="3249275"/>
+            <a:ext cx="795964" cy="307777"/>
+          </a:xfrm>
+          <a:prstGeom prst="rect">
+            <a:avLst/>
+          </a:prstGeom>
+          <a:noFill/>
+        </p:spPr>
+        <p:txBody>
+          <a:bodyPr wrap="square" rtlCol="0">
+            <a:spAutoFit/>
+          </a:bodyPr>
+          <a:lstStyle/>
+          <a:p>
+            <a:r>
+              <a:rPr lang="es-CO" sz="1400" dirty="0"/>
+              <a:t>(x, y, z)</a:t>
+            </a:r>
+          </a:p>
+        </p:txBody>
+      </p:sp>
+      <p:sp>
+        <p:nvSpPr>
+          <p:cNvPr id="132" name="Elipse 40">
+            <a:extLst>
+              <a:ext uri="{FF2B5EF4-FFF2-40B4-BE49-F238E27FC236}">
+                <a16:creationId xmlns:a16="http://schemas.microsoft.com/office/drawing/2014/main" id="{AE683901-CEA4-0E40-BAAE-D3CB230F369F}"/>
+              </a:ext>
+            </a:extLst>
+          </p:cNvPr>
+          <p:cNvSpPr/>
+          <p:nvPr/>
+        </p:nvSpPr>
+        <p:spPr>
+          <a:xfrm>
+            <a:off x="9860916" y="3202642"/>
+            <a:ext cx="143393" cy="126494"/>
+          </a:xfrm>
+          <a:prstGeom prst="ellipse">
+            <a:avLst/>
+          </a:prstGeom>
+          <a:solidFill>
+            <a:srgbClr val="7030A0"/>
+          </a:solidFill>
+        </p:spPr>
+        <p:style>
+          <a:lnRef idx="2">
+            <a:schemeClr val="accent1">
+              <a:shade val="50000"/>
+            </a:schemeClr>
+          </a:lnRef>
+          <a:fillRef idx="1">
+            <a:schemeClr val="accent1"/>
+          </a:fillRef>
+          <a:effectRef idx="0">
+            <a:schemeClr val="accent1"/>
+          </a:effectRef>
+          <a:fontRef idx="minor">
+            <a:schemeClr val="lt1"/>
+          </a:fontRef>
+        </p:style>
+        <p:txBody>
+          <a:bodyPr rtlCol="0" anchor="ctr"/>
+          <a:lstStyle/>
+          <a:p>
+            <a:pPr algn="ctr"/>
+            <a:endParaRPr lang="es-CO" dirty="0">
+              <a:solidFill>
+                <a:schemeClr val="tx1"/>
+              </a:solidFill>
+            </a:endParaRPr>
+          </a:p>
+        </p:txBody>
+      </p:sp>
+      <p:sp>
+        <p:nvSpPr>
+          <p:cNvPr id="133" name="Elipse 40">
+            <a:extLst>
+              <a:ext uri="{FF2B5EF4-FFF2-40B4-BE49-F238E27FC236}">
+                <a16:creationId xmlns:a16="http://schemas.microsoft.com/office/drawing/2014/main" id="{584B4E67-770B-8743-B37E-F03798A93EB7}"/>
+              </a:ext>
+            </a:extLst>
+          </p:cNvPr>
+          <p:cNvSpPr/>
+          <p:nvPr/>
+        </p:nvSpPr>
+        <p:spPr>
+          <a:xfrm>
+            <a:off x="10251212" y="2744772"/>
+            <a:ext cx="143393" cy="126494"/>
+          </a:xfrm>
+          <a:prstGeom prst="ellipse">
+            <a:avLst/>
+          </a:prstGeom>
+          <a:solidFill>
+            <a:srgbClr val="7030A0"/>
+          </a:solidFill>
+        </p:spPr>
+        <p:style>
+          <a:lnRef idx="2">
+            <a:schemeClr val="accent1">
+              <a:shade val="50000"/>
+            </a:schemeClr>
+          </a:lnRef>
+          <a:fillRef idx="1">
+            <a:schemeClr val="accent1"/>
+          </a:fillRef>
+          <a:effectRef idx="0">
+            <a:schemeClr val="accent1"/>
+          </a:effectRef>
+          <a:fontRef idx="minor">
+            <a:schemeClr val="lt1"/>
+          </a:fontRef>
+        </p:style>
+        <p:txBody>
+          <a:bodyPr rtlCol="0" anchor="ctr"/>
+          <a:lstStyle/>
+          <a:p>
+            <a:pPr algn="ctr"/>
+            <a:endParaRPr lang="es-CO" dirty="0">
+              <a:solidFill>
+                <a:schemeClr val="tx1"/>
+              </a:solidFill>
+            </a:endParaRPr>
+          </a:p>
+        </p:txBody>
+      </p:sp>
+      <mc:AlternateContent xmlns:mc="http://schemas.openxmlformats.org/markup-compatibility/2006">
+        <mc:Choice xmlns:a14="http://schemas.microsoft.com/office/drawing/2010/main" Requires="a14">
+          <p:sp>
+            <p:nvSpPr>
+              <p:cNvPr id="134" name="Textfeld 133">
+                <a:extLst>
+                  <a:ext uri="{FF2B5EF4-FFF2-40B4-BE49-F238E27FC236}">
+                    <a16:creationId xmlns:a16="http://schemas.microsoft.com/office/drawing/2014/main" id="{911B4F0C-054B-924B-A600-82A64BA8B78A}"/>
+                  </a:ext>
+                </a:extLst>
+              </p:cNvPr>
+              <p:cNvSpPr txBox="1"/>
+              <p:nvPr/>
+            </p:nvSpPr>
+            <p:spPr>
+              <a:xfrm>
+                <a:off x="10194668" y="2415516"/>
+                <a:ext cx="256480" cy="276999"/>
+              </a:xfrm>
+              <a:prstGeom prst="rect">
+                <a:avLst/>
+              </a:prstGeom>
+              <a:noFill/>
+            </p:spPr>
+            <p:txBody>
+              <a:bodyPr wrap="none" lIns="0" tIns="0" rIns="0" bIns="0" rtlCol="0">
+                <a:spAutoFit/>
+              </a:bodyPr>
+              <a:lstStyle/>
+              <a:p>
+                <a14:m>
+                  <m:oMathPara xmlns:m="http://schemas.openxmlformats.org/officeDocument/2006/math">
+                    <m:oMathParaPr>
+                      <m:jc m:val="centerGroup"/>
+                    </m:oMathParaPr>
+                    <m:oMath xmlns:m="http://schemas.openxmlformats.org/officeDocument/2006/math">
+                      <m:sSub>
+                        <m:sSubPr>
+                          <m:ctrlPr>
+                            <a:rPr lang="es-ES" b="0" i="1" smtClean="0">
+                              <a:latin typeface="Cambria Math" panose="02040503050406030204" pitchFamily="18" charset="0"/>
+                            </a:rPr>
+                          </m:ctrlPr>
+                        </m:sSubPr>
+                        <m:e>
+                          <m:r>
+                            <a:rPr lang="es-ES" b="0" i="1" smtClean="0">
+                              <a:latin typeface="Cambria Math" panose="02040503050406030204" pitchFamily="18" charset="0"/>
+                            </a:rPr>
+                            <m:t>𝑃</m:t>
+                          </m:r>
+                        </m:e>
+                        <m:sub>
+                          <m:r>
+                            <a:rPr lang="es-ES" b="0" i="1" smtClean="0">
+                              <a:latin typeface="Cambria Math" panose="02040503050406030204" pitchFamily="18" charset="0"/>
+                            </a:rPr>
+                            <m:t>𝑒</m:t>
+                          </m:r>
+                        </m:sub>
+                      </m:sSub>
+                    </m:oMath>
+                  </m:oMathPara>
+                </a14:m>
+                <a:endParaRPr lang="es-ES_tradnl" dirty="0"/>
+              </a:p>
+            </p:txBody>
+          </p:sp>
+        </mc:Choice>
+        <mc:Fallback>
+          <p:sp>
+            <p:nvSpPr>
+              <p:cNvPr id="134" name="Textfeld 133">
+                <a:extLst>
+                  <a:ext uri="{FF2B5EF4-FFF2-40B4-BE49-F238E27FC236}">
+                    <a16:creationId xmlns:a16="http://schemas.microsoft.com/office/drawing/2014/main" id="{911B4F0C-054B-924B-A600-82A64BA8B78A}"/>
+                  </a:ext>
+                </a:extLst>
+              </p:cNvPr>
+              <p:cNvSpPr txBox="1">
+                <a:spLocks noRot="1" noChangeAspect="1" noMove="1" noResize="1" noEditPoints="1" noAdjustHandles="1" noChangeArrowheads="1" noChangeShapeType="1" noTextEdit="1"/>
+              </p:cNvSpPr>
+              <p:nvPr/>
+            </p:nvSpPr>
+            <p:spPr>
+              <a:xfrm>
+                <a:off x="10194668" y="2415516"/>
+                <a:ext cx="256480" cy="276999"/>
+              </a:xfrm>
+              <a:prstGeom prst="rect">
+                <a:avLst/>
+              </a:prstGeom>
+              <a:blipFill>
+                <a:blip r:embed="rId6"/>
+                <a:stretch>
+                  <a:fillRect l="-19048" b="-8696"/>
+                </a:stretch>
+              </a:blipFill>
+            </p:spPr>
+            <p:txBody>
+              <a:bodyPr/>
+              <a:lstStyle/>
+              <a:p>
+                <a:r>
+                  <a:rPr lang="es-ES_tradnl">
+                    <a:noFill/>
+                  </a:rPr>
+                  <a:t> </a:t>
+                </a:r>
+              </a:p>
+            </p:txBody>
+          </p:sp>
+        </mc:Fallback>
+      </mc:AlternateContent>
+      <mc:AlternateContent xmlns:mc="http://schemas.openxmlformats.org/markup-compatibility/2006">
+        <mc:Choice xmlns:a14="http://schemas.microsoft.com/office/drawing/2010/main" Requires="a14">
+          <p:sp>
+            <p:nvSpPr>
+              <p:cNvPr id="135" name="Textfeld 134">
+                <a:extLst>
+                  <a:ext uri="{FF2B5EF4-FFF2-40B4-BE49-F238E27FC236}">
+                    <a16:creationId xmlns:a16="http://schemas.microsoft.com/office/drawing/2014/main" id="{1308C0A6-82DF-9A41-9C81-5E07C8F4D074}"/>
+                  </a:ext>
+                </a:extLst>
+              </p:cNvPr>
+              <p:cNvSpPr txBox="1"/>
+              <p:nvPr/>
+            </p:nvSpPr>
+            <p:spPr>
+              <a:xfrm>
+                <a:off x="9690146" y="2908460"/>
+                <a:ext cx="302198" cy="276999"/>
+              </a:xfrm>
+              <a:prstGeom prst="rect">
+                <a:avLst/>
+              </a:prstGeom>
+              <a:noFill/>
+            </p:spPr>
+            <p:txBody>
+              <a:bodyPr wrap="none" lIns="0" tIns="0" rIns="0" bIns="0" rtlCol="0">
+                <a:spAutoFit/>
+              </a:bodyPr>
+              <a:lstStyle/>
+              <a:p>
+                <a14:m>
+                  <m:oMathPara xmlns:m="http://schemas.openxmlformats.org/officeDocument/2006/math">
+                    <m:oMathParaPr>
+                      <m:jc m:val="centerGroup"/>
+                    </m:oMathParaPr>
+                    <m:oMath xmlns:m="http://schemas.openxmlformats.org/officeDocument/2006/math">
+                      <m:sSub>
+                        <m:sSubPr>
+                          <m:ctrlPr>
+                            <a:rPr lang="es-ES" b="0" i="1" smtClean="0">
+                              <a:latin typeface="Cambria Math" panose="02040503050406030204" pitchFamily="18" charset="0"/>
+                            </a:rPr>
+                          </m:ctrlPr>
+                        </m:sSubPr>
+                        <m:e>
+                          <m:r>
+                            <a:rPr lang="es-ES" b="0" i="1" smtClean="0">
+                              <a:latin typeface="Cambria Math" panose="02040503050406030204" pitchFamily="18" charset="0"/>
+                            </a:rPr>
+                            <m:t>𝑃</m:t>
+                          </m:r>
+                        </m:e>
+                        <m:sub>
+                          <m:r>
+                            <a:rPr lang="es-ES" b="0" i="1" smtClean="0">
+                              <a:latin typeface="Cambria Math" panose="02040503050406030204" pitchFamily="18" charset="0"/>
+                            </a:rPr>
+                            <m:t>𝑤</m:t>
+                          </m:r>
+                        </m:sub>
+                      </m:sSub>
+                    </m:oMath>
+                  </m:oMathPara>
+                </a14:m>
+                <a:endParaRPr lang="es-ES_tradnl" dirty="0"/>
+              </a:p>
+            </p:txBody>
+          </p:sp>
+        </mc:Choice>
+        <mc:Fallback>
+          <p:sp>
+            <p:nvSpPr>
+              <p:cNvPr id="135" name="Textfeld 134">
+                <a:extLst>
+                  <a:ext uri="{FF2B5EF4-FFF2-40B4-BE49-F238E27FC236}">
+                    <a16:creationId xmlns:a16="http://schemas.microsoft.com/office/drawing/2014/main" id="{1308C0A6-82DF-9A41-9C81-5E07C8F4D074}"/>
+                  </a:ext>
+                </a:extLst>
+              </p:cNvPr>
+              <p:cNvSpPr txBox="1">
+                <a:spLocks noRot="1" noChangeAspect="1" noMove="1" noResize="1" noEditPoints="1" noAdjustHandles="1" noChangeArrowheads="1" noChangeShapeType="1" noTextEdit="1"/>
+              </p:cNvSpPr>
+              <p:nvPr/>
+            </p:nvSpPr>
+            <p:spPr>
+              <a:xfrm>
+                <a:off x="9690146" y="2908460"/>
+                <a:ext cx="302198" cy="276999"/>
+              </a:xfrm>
+              <a:prstGeom prst="rect">
+                <a:avLst/>
+              </a:prstGeom>
+              <a:blipFill>
+                <a:blip r:embed="rId7"/>
+                <a:stretch>
+                  <a:fillRect l="-20833" b="-4167"/>
+                </a:stretch>
+              </a:blipFill>
+            </p:spPr>
+            <p:txBody>
+              <a:bodyPr/>
+              <a:lstStyle/>
+              <a:p>
+                <a:r>
+                  <a:rPr lang="es-ES_tradnl">
+                    <a:noFill/>
+                  </a:rPr>
+                  <a:t> </a:t>
+                </a:r>
+              </a:p>
+            </p:txBody>
+          </p:sp>
+        </mc:Fallback>
+      </mc:AlternateContent>
+      <mc:AlternateContent xmlns:mc="http://schemas.openxmlformats.org/markup-compatibility/2006">
+        <mc:Choice xmlns:a14="http://schemas.microsoft.com/office/drawing/2010/main" Requires="a14">
+          <p:sp>
+            <p:nvSpPr>
+              <p:cNvPr id="143" name="Textfeld 142">
+                <a:extLst>
+                  <a:ext uri="{FF2B5EF4-FFF2-40B4-BE49-F238E27FC236}">
+                    <a16:creationId xmlns:a16="http://schemas.microsoft.com/office/drawing/2014/main" id="{46982F3C-5788-6649-982F-2696FC118898}"/>
+                  </a:ext>
+                </a:extLst>
+              </p:cNvPr>
+              <p:cNvSpPr txBox="1"/>
+              <p:nvPr/>
+            </p:nvSpPr>
+            <p:spPr>
+              <a:xfrm>
+                <a:off x="4375403" y="2887921"/>
+                <a:ext cx="598625" cy="215444"/>
+              </a:xfrm>
+              <a:prstGeom prst="rect">
+                <a:avLst/>
+              </a:prstGeom>
+              <a:noFill/>
+            </p:spPr>
+            <p:txBody>
+              <a:bodyPr wrap="none" lIns="0" tIns="0" rIns="0" bIns="0" rtlCol="0">
+                <a:spAutoFit/>
+              </a:bodyPr>
+              <a:lstStyle/>
+              <a:p>
+                <a14:m>
+                  <m:oMathPara xmlns:m="http://schemas.openxmlformats.org/officeDocument/2006/math">
+                    <m:oMathParaPr>
+                      <m:jc m:val="centerGroup"/>
+                    </m:oMathParaPr>
+                    <m:oMath xmlns:m="http://schemas.openxmlformats.org/officeDocument/2006/math">
+                      <m:sSub>
+                        <m:sSubPr>
+                          <m:ctrlPr>
+                            <a:rPr lang="es-ES" sz="1400" b="0" i="1" smtClean="0">
+                              <a:latin typeface="Cambria Math" panose="02040503050406030204" pitchFamily="18" charset="0"/>
+                            </a:rPr>
+                          </m:ctrlPr>
+                        </m:sSubPr>
+                        <m:e>
+                          <m:r>
+                            <a:rPr lang="es-ES" sz="1400" b="0" i="1" smtClean="0">
+                              <a:latin typeface="Cambria Math" panose="02040503050406030204" pitchFamily="18" charset="0"/>
+                            </a:rPr>
+                            <m:t>𝑙</m:t>
+                          </m:r>
+                        </m:e>
+                        <m:sub>
+                          <m:r>
+                            <a:rPr lang="es-ES" sz="1400" b="0" i="1" smtClean="0">
+                              <a:latin typeface="Cambria Math" panose="02040503050406030204" pitchFamily="18" charset="0"/>
+                            </a:rPr>
+                            <m:t>2</m:t>
+                          </m:r>
+                        </m:sub>
+                      </m:sSub>
+                      <m:r>
+                        <a:rPr lang="es-ES" sz="1400" i="1">
+                          <a:latin typeface="Cambria Math" panose="02040503050406030204" pitchFamily="18" charset="0"/>
+                        </a:rPr>
+                        <m:t>⋅</m:t>
+                      </m:r>
+                      <m:r>
+                        <a:rPr lang="es-ES" sz="1400" i="1">
+                          <a:latin typeface="Cambria Math" panose="02040503050406030204" pitchFamily="18" charset="0"/>
+                        </a:rPr>
+                        <m:t>𝐶</m:t>
+                      </m:r>
+                      <m:sSub>
+                        <m:sSubPr>
+                          <m:ctrlPr>
+                            <a:rPr lang="es-ES" sz="1400" i="1">
+                              <a:latin typeface="Cambria Math" panose="02040503050406030204" pitchFamily="18" charset="0"/>
+                            </a:rPr>
+                          </m:ctrlPr>
+                        </m:sSubPr>
+                        <m:e>
+                          <m:r>
+                            <a:rPr lang="es-ES" sz="1400" i="1">
+                              <a:latin typeface="Cambria Math" panose="02040503050406030204" pitchFamily="18" charset="0"/>
+                            </a:rPr>
+                            <m:t>𝜃</m:t>
+                          </m:r>
+                        </m:e>
+                        <m:sub>
+                          <m:r>
+                            <a:rPr lang="es-ES" sz="1400" i="1">
+                              <a:latin typeface="Cambria Math" panose="02040503050406030204" pitchFamily="18" charset="0"/>
+                            </a:rPr>
+                            <m:t>1</m:t>
+                          </m:r>
+                        </m:sub>
+                      </m:sSub>
+                    </m:oMath>
+                  </m:oMathPara>
+                </a14:m>
+                <a:endParaRPr lang="es-ES_tradnl" sz="1400" dirty="0"/>
+              </a:p>
+            </p:txBody>
+          </p:sp>
+        </mc:Choice>
+        <mc:Fallback>
+          <p:sp>
+            <p:nvSpPr>
+              <p:cNvPr id="143" name="Textfeld 142">
+                <a:extLst>
+                  <a:ext uri="{FF2B5EF4-FFF2-40B4-BE49-F238E27FC236}">
+                    <a16:creationId xmlns:a16="http://schemas.microsoft.com/office/drawing/2014/main" id="{46982F3C-5788-6649-982F-2696FC118898}"/>
+                  </a:ext>
+                </a:extLst>
+              </p:cNvPr>
+              <p:cNvSpPr txBox="1">
+                <a:spLocks noRot="1" noChangeAspect="1" noMove="1" noResize="1" noEditPoints="1" noAdjustHandles="1" noChangeArrowheads="1" noChangeShapeType="1" noTextEdit="1"/>
+              </p:cNvSpPr>
+              <p:nvPr/>
+            </p:nvSpPr>
+            <p:spPr>
+              <a:xfrm>
+                <a:off x="4375403" y="2887921"/>
+                <a:ext cx="598625" cy="215444"/>
+              </a:xfrm>
+              <a:prstGeom prst="rect">
+                <a:avLst/>
+              </a:prstGeom>
+              <a:blipFill>
+                <a:blip r:embed="rId8"/>
+                <a:stretch>
+                  <a:fillRect l="-6250" r="-2083" b="-11111"/>
+                </a:stretch>
+              </a:blipFill>
+            </p:spPr>
+            <p:txBody>
+              <a:bodyPr/>
+              <a:lstStyle/>
+              <a:p>
+                <a:r>
+                  <a:rPr lang="es-ES_tradnl">
+                    <a:noFill/>
+                  </a:rPr>
+                  <a:t> </a:t>
+                </a:r>
+              </a:p>
+            </p:txBody>
+          </p:sp>
+        </mc:Fallback>
+      </mc:AlternateContent>
+      <mc:AlternateContent xmlns:mc="http://schemas.openxmlformats.org/markup-compatibility/2006">
+        <mc:Choice xmlns:a14="http://schemas.microsoft.com/office/drawing/2010/main" Requires="a14">
+          <p:sp>
+            <p:nvSpPr>
+              <p:cNvPr id="145" name="Textfeld 144">
+                <a:extLst>
+                  <a:ext uri="{FF2B5EF4-FFF2-40B4-BE49-F238E27FC236}">
+                    <a16:creationId xmlns:a16="http://schemas.microsoft.com/office/drawing/2014/main" id="{BC002DD8-0FA5-4A45-B87E-EEB0F5541D55}"/>
+                  </a:ext>
+                </a:extLst>
+              </p:cNvPr>
+              <p:cNvSpPr txBox="1"/>
+              <p:nvPr/>
+            </p:nvSpPr>
+            <p:spPr>
+              <a:xfrm>
+                <a:off x="3780587" y="4212784"/>
+                <a:ext cx="232371" cy="276999"/>
+              </a:xfrm>
+              <a:prstGeom prst="rect">
+                <a:avLst/>
+              </a:prstGeom>
+              <a:noFill/>
+            </p:spPr>
+            <p:txBody>
+              <a:bodyPr wrap="none" lIns="0" tIns="0" rIns="0" bIns="0" rtlCol="0">
+                <a:spAutoFit/>
+              </a:bodyPr>
+              <a:lstStyle/>
+              <a:p>
+                <a14:m>
+                  <m:oMathPara xmlns:m="http://schemas.openxmlformats.org/officeDocument/2006/math">
+                    <m:oMathParaPr>
+                      <m:jc m:val="centerGroup"/>
+                    </m:oMathParaPr>
+                    <m:oMath xmlns:m="http://schemas.openxmlformats.org/officeDocument/2006/math">
+                      <m:sSub>
+                        <m:sSubPr>
+                          <m:ctrlPr>
+                            <a:rPr lang="es-ES" b="0" i="1" smtClean="0">
+                              <a:latin typeface="Cambria Math" panose="02040503050406030204" pitchFamily="18" charset="0"/>
+                            </a:rPr>
+                          </m:ctrlPr>
+                        </m:sSubPr>
+                        <m:e>
+                          <m:r>
+                            <a:rPr lang="es-ES" b="0" i="1" smtClean="0">
+                              <a:latin typeface="Cambria Math" panose="02040503050406030204" pitchFamily="18" charset="0"/>
+                            </a:rPr>
+                            <m:t>𝑙</m:t>
+                          </m:r>
+                        </m:e>
+                        <m:sub>
+                          <m:r>
+                            <a:rPr lang="es-ES" b="0" i="1" smtClean="0">
+                              <a:latin typeface="Cambria Math" panose="02040503050406030204" pitchFamily="18" charset="0"/>
+                            </a:rPr>
+                            <m:t>0</m:t>
+                          </m:r>
+                        </m:sub>
+                      </m:sSub>
+                    </m:oMath>
+                  </m:oMathPara>
+                </a14:m>
+                <a:endParaRPr lang="es-ES_tradnl" dirty="0"/>
+              </a:p>
+            </p:txBody>
+          </p:sp>
+        </mc:Choice>
+        <mc:Fallback>
+          <p:sp>
+            <p:nvSpPr>
+              <p:cNvPr id="145" name="Textfeld 144">
+                <a:extLst>
+                  <a:ext uri="{FF2B5EF4-FFF2-40B4-BE49-F238E27FC236}">
+                    <a16:creationId xmlns:a16="http://schemas.microsoft.com/office/drawing/2014/main" id="{BC002DD8-0FA5-4A45-B87E-EEB0F5541D55}"/>
+                  </a:ext>
+                </a:extLst>
+              </p:cNvPr>
+              <p:cNvSpPr txBox="1">
+                <a:spLocks noRot="1" noChangeAspect="1" noMove="1" noResize="1" noEditPoints="1" noAdjustHandles="1" noChangeArrowheads="1" noChangeShapeType="1" noTextEdit="1"/>
+              </p:cNvSpPr>
+              <p:nvPr/>
+            </p:nvSpPr>
+            <p:spPr>
+              <a:xfrm>
+                <a:off x="3780587" y="4212784"/>
+                <a:ext cx="232371" cy="276999"/>
+              </a:xfrm>
+              <a:prstGeom prst="rect">
+                <a:avLst/>
+              </a:prstGeom>
+              <a:blipFill>
+                <a:blip r:embed="rId9"/>
+                <a:stretch>
+                  <a:fillRect l="-21053" r="-10526" b="-13043"/>
+                </a:stretch>
+              </a:blipFill>
+            </p:spPr>
+            <p:txBody>
+              <a:bodyPr/>
+              <a:lstStyle/>
+              <a:p>
+                <a:r>
+                  <a:rPr lang="es-ES_tradnl">
+                    <a:noFill/>
+                  </a:rPr>
+                  <a:t> </a:t>
+                </a:r>
+              </a:p>
+            </p:txBody>
+          </p:sp>
+        </mc:Fallback>
+      </mc:AlternateContent>
+      <mc:AlternateContent xmlns:mc="http://schemas.openxmlformats.org/markup-compatibility/2006">
+        <mc:Choice xmlns:a14="http://schemas.microsoft.com/office/drawing/2010/main" Requires="a14">
+          <p:sp>
+            <p:nvSpPr>
+              <p:cNvPr id="146" name="Textfeld 145">
+                <a:extLst>
+                  <a:ext uri="{FF2B5EF4-FFF2-40B4-BE49-F238E27FC236}">
+                    <a16:creationId xmlns:a16="http://schemas.microsoft.com/office/drawing/2014/main" id="{35478D34-F24A-D54D-87B0-3C4658E7C544}"/>
+                  </a:ext>
+                </a:extLst>
+              </p:cNvPr>
+              <p:cNvSpPr txBox="1"/>
+              <p:nvPr/>
+            </p:nvSpPr>
+            <p:spPr>
+              <a:xfrm rot="19455288">
+                <a:off x="5058174" y="1710736"/>
+                <a:ext cx="598625" cy="215444"/>
+              </a:xfrm>
+              <a:prstGeom prst="rect">
+                <a:avLst/>
+              </a:prstGeom>
+              <a:noFill/>
+            </p:spPr>
+            <p:txBody>
+              <a:bodyPr wrap="none" lIns="0" tIns="0" rIns="0" bIns="0" rtlCol="0">
+                <a:spAutoFit/>
+              </a:bodyPr>
+              <a:lstStyle/>
+              <a:p>
+                <a14:m>
+                  <m:oMathPara xmlns:m="http://schemas.openxmlformats.org/officeDocument/2006/math">
+                    <m:oMathParaPr>
+                      <m:jc m:val="centerGroup"/>
+                    </m:oMathParaPr>
+                    <m:oMath xmlns:m="http://schemas.openxmlformats.org/officeDocument/2006/math">
+                      <m:sSub>
+                        <m:sSubPr>
+                          <m:ctrlPr>
+                            <a:rPr lang="es-ES" sz="1400" b="0" i="1" smtClean="0">
+                              <a:latin typeface="Cambria Math" panose="02040503050406030204" pitchFamily="18" charset="0"/>
+                            </a:rPr>
+                          </m:ctrlPr>
+                        </m:sSubPr>
+                        <m:e>
+                          <m:r>
+                            <a:rPr lang="es-ES" sz="1400" b="0" i="1" smtClean="0">
+                              <a:latin typeface="Cambria Math" panose="02040503050406030204" pitchFamily="18" charset="0"/>
+                            </a:rPr>
+                            <m:t>𝑙</m:t>
+                          </m:r>
+                        </m:e>
+                        <m:sub>
+                          <m:r>
+                            <a:rPr lang="es-ES" sz="1400" b="0" i="1" smtClean="0">
+                              <a:latin typeface="Cambria Math" panose="02040503050406030204" pitchFamily="18" charset="0"/>
+                            </a:rPr>
+                            <m:t>3</m:t>
+                          </m:r>
+                        </m:sub>
+                      </m:sSub>
+                      <m:r>
+                        <a:rPr lang="es-ES" sz="1400" i="1">
+                          <a:latin typeface="Cambria Math" panose="02040503050406030204" pitchFamily="18" charset="0"/>
+                        </a:rPr>
+                        <m:t>⋅</m:t>
+                      </m:r>
+                      <m:r>
+                        <a:rPr lang="es-ES" sz="1400" i="1">
+                          <a:latin typeface="Cambria Math" panose="02040503050406030204" pitchFamily="18" charset="0"/>
+                        </a:rPr>
+                        <m:t>𝐶</m:t>
+                      </m:r>
+                      <m:sSub>
+                        <m:sSubPr>
+                          <m:ctrlPr>
+                            <a:rPr lang="es-ES" sz="1400" i="1">
+                              <a:latin typeface="Cambria Math" panose="02040503050406030204" pitchFamily="18" charset="0"/>
+                            </a:rPr>
+                          </m:ctrlPr>
+                        </m:sSubPr>
+                        <m:e>
+                          <m:r>
+                            <a:rPr lang="es-ES" sz="1400" i="1">
+                              <a:latin typeface="Cambria Math" panose="02040503050406030204" pitchFamily="18" charset="0"/>
+                            </a:rPr>
+                            <m:t>𝜃</m:t>
+                          </m:r>
+                        </m:e>
+                        <m:sub>
+                          <m:r>
+                            <a:rPr lang="es-ES" sz="1400" i="1">
+                              <a:latin typeface="Cambria Math" panose="02040503050406030204" pitchFamily="18" charset="0"/>
+                            </a:rPr>
+                            <m:t>1</m:t>
+                          </m:r>
+                        </m:sub>
+                      </m:sSub>
+                    </m:oMath>
+                  </m:oMathPara>
+                </a14:m>
+                <a:endParaRPr lang="es-ES_tradnl" sz="1400" dirty="0"/>
+              </a:p>
+            </p:txBody>
+          </p:sp>
+        </mc:Choice>
+        <mc:Fallback>
+          <p:sp>
+            <p:nvSpPr>
+              <p:cNvPr id="146" name="Textfeld 145">
+                <a:extLst>
+                  <a:ext uri="{FF2B5EF4-FFF2-40B4-BE49-F238E27FC236}">
+                    <a16:creationId xmlns:a16="http://schemas.microsoft.com/office/drawing/2014/main" id="{35478D34-F24A-D54D-87B0-3C4658E7C544}"/>
+                  </a:ext>
+                </a:extLst>
+              </p:cNvPr>
+              <p:cNvSpPr txBox="1">
+                <a:spLocks noRot="1" noChangeAspect="1" noMove="1" noResize="1" noEditPoints="1" noAdjustHandles="1" noChangeArrowheads="1" noChangeShapeType="1" noTextEdit="1"/>
+              </p:cNvSpPr>
+              <p:nvPr/>
+            </p:nvSpPr>
+            <p:spPr>
+              <a:xfrm rot="19455288">
+                <a:off x="5058174" y="1710736"/>
+                <a:ext cx="598625" cy="215444"/>
+              </a:xfrm>
+              <a:prstGeom prst="rect">
+                <a:avLst/>
+              </a:prstGeom>
+              <a:blipFill>
+                <a:blip r:embed="rId10"/>
+                <a:stretch>
+                  <a:fillRect l="-4000" r="-2000" b="-4651"/>
+                </a:stretch>
+              </a:blipFill>
+            </p:spPr>
+            <p:txBody>
+              <a:bodyPr/>
+              <a:lstStyle/>
+              <a:p>
+                <a:r>
+                  <a:rPr lang="es-ES_tradnl">
+                    <a:noFill/>
+                  </a:rPr>
+                  <a:t> </a:t>
+                </a:r>
+              </a:p>
+            </p:txBody>
+          </p:sp>
+        </mc:Fallback>
+      </mc:AlternateContent>
+      <mc:AlternateContent xmlns:mc="http://schemas.openxmlformats.org/markup-compatibility/2006">
+        <mc:Choice xmlns:a14="http://schemas.microsoft.com/office/drawing/2010/main" Requires="a14">
+          <p:sp>
+            <p:nvSpPr>
+              <p:cNvPr id="147" name="Textfeld 146">
+                <a:extLst>
+                  <a:ext uri="{FF2B5EF4-FFF2-40B4-BE49-F238E27FC236}">
+                    <a16:creationId xmlns:a16="http://schemas.microsoft.com/office/drawing/2014/main" id="{C0BD3A5B-7B3F-9D4C-B32A-761B4886C4AE}"/>
+                  </a:ext>
+                </a:extLst>
+              </p:cNvPr>
+              <p:cNvSpPr txBox="1"/>
+              <p:nvPr/>
+            </p:nvSpPr>
+            <p:spPr>
+              <a:xfrm>
+                <a:off x="4325225" y="3490352"/>
+                <a:ext cx="594458" cy="215444"/>
+              </a:xfrm>
+              <a:prstGeom prst="rect">
+                <a:avLst/>
+              </a:prstGeom>
+              <a:noFill/>
+            </p:spPr>
+            <p:txBody>
+              <a:bodyPr wrap="none" lIns="0" tIns="0" rIns="0" bIns="0" rtlCol="0">
+                <a:spAutoFit/>
+              </a:bodyPr>
+              <a:lstStyle/>
+              <a:p>
+                <a14:m>
+                  <m:oMathPara xmlns:m="http://schemas.openxmlformats.org/officeDocument/2006/math">
+                    <m:oMathParaPr>
+                      <m:jc m:val="centerGroup"/>
+                    </m:oMathParaPr>
+                    <m:oMath xmlns:m="http://schemas.openxmlformats.org/officeDocument/2006/math">
+                      <m:sSub>
+                        <m:sSubPr>
+                          <m:ctrlPr>
+                            <a:rPr lang="es-ES" sz="1400" b="0" i="1" smtClean="0">
+                              <a:latin typeface="Cambria Math" panose="02040503050406030204" pitchFamily="18" charset="0"/>
+                            </a:rPr>
+                          </m:ctrlPr>
+                        </m:sSubPr>
+                        <m:e>
+                          <m:r>
+                            <a:rPr lang="es-ES" sz="1400" b="0" i="1" smtClean="0">
+                              <a:latin typeface="Cambria Math" panose="02040503050406030204" pitchFamily="18" charset="0"/>
+                            </a:rPr>
+                            <m:t>𝑙</m:t>
+                          </m:r>
+                        </m:e>
+                        <m:sub>
+                          <m:r>
+                            <a:rPr lang="es-ES" sz="1400" b="0" i="1" smtClean="0">
+                              <a:latin typeface="Cambria Math" panose="02040503050406030204" pitchFamily="18" charset="0"/>
+                            </a:rPr>
+                            <m:t>1</m:t>
+                          </m:r>
+                        </m:sub>
+                      </m:sSub>
+                      <m:r>
+                        <a:rPr lang="es-ES" sz="1400" b="0" i="1" smtClean="0">
+                          <a:latin typeface="Cambria Math" panose="02040503050406030204" pitchFamily="18" charset="0"/>
+                        </a:rPr>
+                        <m:t>⋅</m:t>
+                      </m:r>
+                      <m:r>
+                        <a:rPr lang="es-ES" sz="1400" b="0" i="1" smtClean="0">
+                          <a:latin typeface="Cambria Math" panose="02040503050406030204" pitchFamily="18" charset="0"/>
+                        </a:rPr>
+                        <m:t>𝐶</m:t>
+                      </m:r>
+                      <m:sSub>
+                        <m:sSubPr>
+                          <m:ctrlPr>
+                            <a:rPr lang="es-ES" sz="1400" b="0" i="1" smtClean="0">
+                              <a:latin typeface="Cambria Math" panose="02040503050406030204" pitchFamily="18" charset="0"/>
+                            </a:rPr>
+                          </m:ctrlPr>
+                        </m:sSubPr>
+                        <m:e>
+                          <m:r>
+                            <a:rPr lang="es-ES" sz="1400" b="0" i="1" smtClean="0">
+                              <a:latin typeface="Cambria Math" panose="02040503050406030204" pitchFamily="18" charset="0"/>
+                            </a:rPr>
+                            <m:t>𝜃</m:t>
+                          </m:r>
+                        </m:e>
+                        <m:sub>
+                          <m:r>
+                            <a:rPr lang="es-ES" sz="1400" b="0" i="1" smtClean="0">
+                              <a:latin typeface="Cambria Math" panose="02040503050406030204" pitchFamily="18" charset="0"/>
+                            </a:rPr>
+                            <m:t>1</m:t>
+                          </m:r>
+                        </m:sub>
+                      </m:sSub>
+                    </m:oMath>
+                  </m:oMathPara>
+                </a14:m>
+                <a:endParaRPr lang="es-ES_tradnl" sz="1400" dirty="0"/>
+              </a:p>
+            </p:txBody>
+          </p:sp>
+        </mc:Choice>
+        <mc:Fallback>
+          <p:sp>
+            <p:nvSpPr>
+              <p:cNvPr id="147" name="Textfeld 146">
+                <a:extLst>
+                  <a:ext uri="{FF2B5EF4-FFF2-40B4-BE49-F238E27FC236}">
+                    <a16:creationId xmlns:a16="http://schemas.microsoft.com/office/drawing/2014/main" id="{C0BD3A5B-7B3F-9D4C-B32A-761B4886C4AE}"/>
+                  </a:ext>
+                </a:extLst>
+              </p:cNvPr>
+              <p:cNvSpPr txBox="1">
+                <a:spLocks noRot="1" noChangeAspect="1" noMove="1" noResize="1" noEditPoints="1" noAdjustHandles="1" noChangeArrowheads="1" noChangeShapeType="1" noTextEdit="1"/>
+              </p:cNvSpPr>
+              <p:nvPr/>
+            </p:nvSpPr>
+            <p:spPr>
+              <a:xfrm>
+                <a:off x="4325225" y="3490352"/>
+                <a:ext cx="594458" cy="215444"/>
+              </a:xfrm>
+              <a:prstGeom prst="rect">
+                <a:avLst/>
+              </a:prstGeom>
+              <a:blipFill>
+                <a:blip r:embed="rId11"/>
+                <a:stretch>
+                  <a:fillRect l="-8333" r="-2083" b="-11765"/>
+                </a:stretch>
+              </a:blipFill>
+            </p:spPr>
+            <p:txBody>
+              <a:bodyPr/>
+              <a:lstStyle/>
+              <a:p>
+                <a:r>
+                  <a:rPr lang="es-ES_tradnl">
+                    <a:noFill/>
+                  </a:rPr>
+                  <a:t> </a:t>
+                </a:r>
+              </a:p>
+            </p:txBody>
+          </p:sp>
+        </mc:Fallback>
+      </mc:AlternateContent>
+      <p:sp>
+        <p:nvSpPr>
+          <p:cNvPr id="148" name="Bogen 147">
+            <a:extLst>
+              <a:ext uri="{FF2B5EF4-FFF2-40B4-BE49-F238E27FC236}">
+                <a16:creationId xmlns:a16="http://schemas.microsoft.com/office/drawing/2014/main" id="{45F95801-DEBE-DB40-87A5-274E21AAB566}"/>
+              </a:ext>
+            </a:extLst>
+          </p:cNvPr>
+          <p:cNvSpPr/>
+          <p:nvPr/>
+        </p:nvSpPr>
+        <p:spPr>
+          <a:xfrm rot="158902">
+            <a:off x="7876778" y="5040109"/>
+            <a:ext cx="740659" cy="572838"/>
+          </a:xfrm>
+          <a:prstGeom prst="arc">
+            <a:avLst>
+              <a:gd name="adj1" fmla="val 18933576"/>
+              <a:gd name="adj2" fmla="val 0"/>
+            </a:avLst>
+          </a:prstGeom>
+        </p:spPr>
+        <p:style>
+          <a:lnRef idx="1">
+            <a:schemeClr val="accent1"/>
+          </a:lnRef>
+          <a:fillRef idx="0">
+            <a:schemeClr val="accent1"/>
+          </a:fillRef>
+          <a:effectRef idx="0">
+            <a:schemeClr val="accent1"/>
+          </a:effectRef>
+          <a:fontRef idx="minor">
+            <a:schemeClr val="tx1"/>
+          </a:fontRef>
+        </p:style>
+        <p:txBody>
+          <a:bodyPr rtlCol="0" anchor="ctr"/>
+          <a:lstStyle/>
+          <a:p>
+            <a:pPr algn="ctr"/>
+            <a:endParaRPr lang="es-ES_tradnl"/>
+          </a:p>
+        </p:txBody>
+      </p:sp>
+      <mc:AlternateContent xmlns:mc="http://schemas.openxmlformats.org/markup-compatibility/2006">
+        <mc:Choice xmlns:a14="http://schemas.microsoft.com/office/drawing/2010/main" Requires="a14">
+          <p:sp>
+            <p:nvSpPr>
+              <p:cNvPr id="149" name="Textfeld 148">
+                <a:extLst>
+                  <a:ext uri="{FF2B5EF4-FFF2-40B4-BE49-F238E27FC236}">
+                    <a16:creationId xmlns:a16="http://schemas.microsoft.com/office/drawing/2014/main" id="{219B5A4F-D833-264A-B7E6-6E6BC1625D7C}"/>
+                  </a:ext>
+                </a:extLst>
+              </p:cNvPr>
+              <p:cNvSpPr txBox="1"/>
+              <p:nvPr/>
+            </p:nvSpPr>
+            <p:spPr>
+              <a:xfrm>
+                <a:off x="8621472" y="4995717"/>
+                <a:ext cx="191420" cy="184666"/>
+              </a:xfrm>
+              <a:prstGeom prst="rect">
+                <a:avLst/>
+              </a:prstGeom>
+              <a:noFill/>
+            </p:spPr>
+            <p:txBody>
+              <a:bodyPr wrap="square" lIns="0" tIns="0" rIns="0" bIns="0" rtlCol="0">
+                <a:spAutoFit/>
+              </a:bodyPr>
+              <a:lstStyle/>
+              <a:p>
+                <a14:m>
+                  <m:oMathPara xmlns:m="http://schemas.openxmlformats.org/officeDocument/2006/math">
+                    <m:oMathParaPr>
+                      <m:jc m:val="centerGroup"/>
+                    </m:oMathParaPr>
+                    <m:oMath xmlns:m="http://schemas.openxmlformats.org/officeDocument/2006/math">
+                      <m:sSub>
+                        <m:sSubPr>
+                          <m:ctrlPr>
+                            <a:rPr lang="es-ES" sz="1200" b="0" i="1" smtClean="0">
+                              <a:latin typeface="Cambria Math" panose="02040503050406030204" pitchFamily="18" charset="0"/>
+                            </a:rPr>
+                          </m:ctrlPr>
+                        </m:sSubPr>
+                        <m:e>
+                          <m:r>
+                            <a:rPr lang="es-ES" sz="1200" b="0" i="1" smtClean="0">
+                              <a:latin typeface="Cambria Math" panose="02040503050406030204" pitchFamily="18" charset="0"/>
+                            </a:rPr>
+                            <m:t>𝑞</m:t>
+                          </m:r>
+                        </m:e>
+                        <m:sub>
+                          <m:r>
+                            <a:rPr lang="es-ES" sz="1200" b="0" i="1" smtClean="0">
+                              <a:latin typeface="Cambria Math" panose="02040503050406030204" pitchFamily="18" charset="0"/>
+                            </a:rPr>
+                            <m:t>1</m:t>
+                          </m:r>
+                        </m:sub>
+                      </m:sSub>
+                    </m:oMath>
+                  </m:oMathPara>
+                </a14:m>
+                <a:endParaRPr lang="es-ES_tradnl" sz="1200" dirty="0"/>
+              </a:p>
+            </p:txBody>
+          </p:sp>
+        </mc:Choice>
+        <mc:Fallback>
+          <p:sp>
+            <p:nvSpPr>
+              <p:cNvPr id="149" name="Textfeld 148">
+                <a:extLst>
+                  <a:ext uri="{FF2B5EF4-FFF2-40B4-BE49-F238E27FC236}">
+                    <a16:creationId xmlns:a16="http://schemas.microsoft.com/office/drawing/2014/main" id="{219B5A4F-D833-264A-B7E6-6E6BC1625D7C}"/>
+                  </a:ext>
+                </a:extLst>
+              </p:cNvPr>
+              <p:cNvSpPr txBox="1">
+                <a:spLocks noRot="1" noChangeAspect="1" noMove="1" noResize="1" noEditPoints="1" noAdjustHandles="1" noChangeArrowheads="1" noChangeShapeType="1" noTextEdit="1"/>
+              </p:cNvSpPr>
+              <p:nvPr/>
+            </p:nvSpPr>
+            <p:spPr>
+              <a:xfrm>
+                <a:off x="8621472" y="4995717"/>
+                <a:ext cx="191420" cy="184666"/>
+              </a:xfrm>
+              <a:prstGeom prst="rect">
+                <a:avLst/>
+              </a:prstGeom>
+              <a:blipFill>
+                <a:blip r:embed="rId12"/>
+                <a:stretch>
+                  <a:fillRect l="-17647" r="-5882" b="-25000"/>
+                </a:stretch>
+              </a:blipFill>
+            </p:spPr>
+            <p:txBody>
+              <a:bodyPr/>
+              <a:lstStyle/>
+              <a:p>
+                <a:r>
+                  <a:rPr lang="es-ES_tradnl">
+                    <a:noFill/>
+                  </a:rPr>
+                  <a:t> </a:t>
+                </a:r>
+              </a:p>
+            </p:txBody>
+          </p:sp>
+        </mc:Fallback>
+      </mc:AlternateContent>
+      <p:cxnSp>
+        <p:nvCxnSpPr>
+          <p:cNvPr id="150" name="Gerade Verbindung 149">
+            <a:extLst>
+              <a:ext uri="{FF2B5EF4-FFF2-40B4-BE49-F238E27FC236}">
+                <a16:creationId xmlns:a16="http://schemas.microsoft.com/office/drawing/2014/main" id="{9332B406-83DD-0347-8EFC-0EC39EC571B4}"/>
+              </a:ext>
+            </a:extLst>
+          </p:cNvPr>
+          <p:cNvCxnSpPr>
+            <a:cxnSpLocks/>
+          </p:cNvCxnSpPr>
+          <p:nvPr/>
+        </p:nvCxnSpPr>
+        <p:spPr>
+          <a:xfrm>
+            <a:off x="5182946" y="3783391"/>
+            <a:ext cx="1033004" cy="0"/>
+          </a:xfrm>
+          <a:prstGeom prst="line">
+            <a:avLst/>
+          </a:prstGeom>
+          <a:ln w="25400">
+            <a:solidFill>
+              <a:schemeClr val="accent3"/>
+            </a:solidFill>
+            <a:prstDash val="lgDash"/>
+          </a:ln>
+        </p:spPr>
+        <p:style>
+          <a:lnRef idx="1">
+            <a:schemeClr val="accent1"/>
+          </a:lnRef>
+          <a:fillRef idx="0">
+            <a:schemeClr val="accent1"/>
+          </a:fillRef>
+          <a:effectRef idx="0">
+            <a:schemeClr val="accent1"/>
+          </a:effectRef>
+          <a:fontRef idx="minor">
+            <a:schemeClr val="tx1"/>
+          </a:fontRef>
+        </p:style>
+      </p:cxnSp>
+      <p:sp>
+        <p:nvSpPr>
+          <p:cNvPr id="152" name="Bogen 151">
+            <a:extLst>
+              <a:ext uri="{FF2B5EF4-FFF2-40B4-BE49-F238E27FC236}">
+                <a16:creationId xmlns:a16="http://schemas.microsoft.com/office/drawing/2014/main" id="{49D6E167-5D3A-1F46-846B-3BFCCE641408}"/>
+              </a:ext>
+            </a:extLst>
+          </p:cNvPr>
+          <p:cNvSpPr/>
+          <p:nvPr/>
+        </p:nvSpPr>
+        <p:spPr>
+          <a:xfrm rot="488122">
+            <a:off x="4484602" y="3209977"/>
+            <a:ext cx="1183655" cy="951191"/>
+          </a:xfrm>
+          <a:prstGeom prst="arc">
+            <a:avLst>
+              <a:gd name="adj1" fmla="val 18040066"/>
+              <a:gd name="adj2" fmla="val 0"/>
+            </a:avLst>
+          </a:prstGeom>
+        </p:spPr>
+        <p:style>
+          <a:lnRef idx="1">
+            <a:schemeClr val="accent1"/>
+          </a:lnRef>
+          <a:fillRef idx="0">
+            <a:schemeClr val="accent1"/>
+          </a:fillRef>
+          <a:effectRef idx="0">
+            <a:schemeClr val="accent1"/>
+          </a:effectRef>
+          <a:fontRef idx="minor">
+            <a:schemeClr val="tx1"/>
+          </a:fontRef>
+        </p:style>
+        <p:txBody>
+          <a:bodyPr rtlCol="0" anchor="ctr"/>
+          <a:lstStyle/>
+          <a:p>
+            <a:pPr algn="ctr"/>
+            <a:endParaRPr lang="es-ES_tradnl"/>
+          </a:p>
+        </p:txBody>
+      </p:sp>
+      <mc:AlternateContent xmlns:mc="http://schemas.openxmlformats.org/markup-compatibility/2006">
+        <mc:Choice xmlns:a14="http://schemas.microsoft.com/office/drawing/2010/main" Requires="a14">
+          <p:sp>
+            <p:nvSpPr>
+              <p:cNvPr id="153" name="Textfeld 152">
+                <a:extLst>
+                  <a:ext uri="{FF2B5EF4-FFF2-40B4-BE49-F238E27FC236}">
+                    <a16:creationId xmlns:a16="http://schemas.microsoft.com/office/drawing/2014/main" id="{76655D7D-32FB-0A4F-B125-7EC1CC86F982}"/>
+                  </a:ext>
+                </a:extLst>
+              </p:cNvPr>
+              <p:cNvSpPr txBox="1"/>
+              <p:nvPr/>
+            </p:nvSpPr>
+            <p:spPr>
+              <a:xfrm>
+                <a:off x="5567635" y="3267812"/>
+                <a:ext cx="191420" cy="184666"/>
+              </a:xfrm>
+              <a:prstGeom prst="rect">
+                <a:avLst/>
+              </a:prstGeom>
+              <a:noFill/>
+            </p:spPr>
+            <p:txBody>
+              <a:bodyPr wrap="square" lIns="0" tIns="0" rIns="0" bIns="0" rtlCol="0">
+                <a:spAutoFit/>
+              </a:bodyPr>
+              <a:lstStyle/>
+              <a:p>
+                <a14:m>
+                  <m:oMathPara xmlns:m="http://schemas.openxmlformats.org/officeDocument/2006/math">
+                    <m:oMathParaPr>
+                      <m:jc m:val="centerGroup"/>
+                    </m:oMathParaPr>
+                    <m:oMath xmlns:m="http://schemas.openxmlformats.org/officeDocument/2006/math">
+                      <m:r>
+                        <a:rPr lang="es-ES" sz="1200" b="0" i="1" smtClean="0">
+                          <a:latin typeface="Cambria Math" panose="02040503050406030204" pitchFamily="18" charset="0"/>
+                        </a:rPr>
+                        <m:t> </m:t>
+                      </m:r>
+                    </m:oMath>
+                  </m:oMathPara>
+                </a14:m>
+                <a:endParaRPr lang="es-ES_tradnl" sz="1200" dirty="0"/>
+              </a:p>
+            </p:txBody>
+          </p:sp>
+        </mc:Choice>
+        <mc:Fallback>
+          <p:sp>
+            <p:nvSpPr>
+              <p:cNvPr id="153" name="Textfeld 152">
+                <a:extLst>
+                  <a:ext uri="{FF2B5EF4-FFF2-40B4-BE49-F238E27FC236}">
+                    <a16:creationId xmlns:a16="http://schemas.microsoft.com/office/drawing/2014/main" id="{76655D7D-32FB-0A4F-B125-7EC1CC86F982}"/>
+                  </a:ext>
+                </a:extLst>
+              </p:cNvPr>
+              <p:cNvSpPr txBox="1">
+                <a:spLocks noRot="1" noChangeAspect="1" noMove="1" noResize="1" noEditPoints="1" noAdjustHandles="1" noChangeArrowheads="1" noChangeShapeType="1" noTextEdit="1"/>
+              </p:cNvSpPr>
+              <p:nvPr/>
+            </p:nvSpPr>
+            <p:spPr>
+              <a:xfrm>
+                <a:off x="5567635" y="3267812"/>
+                <a:ext cx="191420" cy="184666"/>
+              </a:xfrm>
+              <a:prstGeom prst="rect">
+                <a:avLst/>
+              </a:prstGeom>
+              <a:blipFill>
+                <a:blip r:embed="rId13"/>
+                <a:stretch>
+                  <a:fillRect t="-13333" b="-40000"/>
+                </a:stretch>
+              </a:blipFill>
+            </p:spPr>
+            <p:txBody>
+              <a:bodyPr/>
+              <a:lstStyle/>
+              <a:p>
+                <a:r>
+                  <a:rPr lang="es-ES_tradnl">
+                    <a:noFill/>
+                  </a:rPr>
+                  <a:t> </a:t>
+                </a:r>
+              </a:p>
+            </p:txBody>
+          </p:sp>
+        </mc:Fallback>
+      </mc:AlternateContent>
+      <mc:AlternateContent xmlns:mc="http://schemas.openxmlformats.org/markup-compatibility/2006">
+        <mc:Choice xmlns:a14="http://schemas.microsoft.com/office/drawing/2010/main" Requires="a14">
+          <p:sp>
+            <p:nvSpPr>
+              <p:cNvPr id="154" name="Textfeld 153">
+                <a:extLst>
+                  <a:ext uri="{FF2B5EF4-FFF2-40B4-BE49-F238E27FC236}">
+                    <a16:creationId xmlns:a16="http://schemas.microsoft.com/office/drawing/2014/main" id="{77B63522-C354-C44B-B9E3-C409ECD9B8E0}"/>
+                  </a:ext>
+                </a:extLst>
+              </p:cNvPr>
+              <p:cNvSpPr txBox="1"/>
+              <p:nvPr/>
+            </p:nvSpPr>
+            <p:spPr>
+              <a:xfrm>
+                <a:off x="5618909" y="3311645"/>
+                <a:ext cx="132920" cy="184666"/>
+              </a:xfrm>
+              <a:prstGeom prst="rect">
+                <a:avLst/>
+              </a:prstGeom>
+              <a:noFill/>
+            </p:spPr>
+            <p:txBody>
+              <a:bodyPr wrap="none" lIns="0" tIns="0" rIns="0" bIns="0" rtlCol="0">
+                <a:spAutoFit/>
+              </a:bodyPr>
+              <a:lstStyle/>
+              <a:p>
+                <a14:m>
+                  <m:oMathPara xmlns:m="http://schemas.openxmlformats.org/officeDocument/2006/math">
+                    <m:oMathParaPr>
+                      <m:jc m:val="centerGroup"/>
+                    </m:oMathParaPr>
+                    <m:oMath xmlns:m="http://schemas.openxmlformats.org/officeDocument/2006/math">
+                      <m:r>
+                        <a:rPr lang="es-ES" sz="1200" b="0" i="1" smtClean="0">
+                          <a:latin typeface="Cambria Math" panose="02040503050406030204" pitchFamily="18" charset="0"/>
+                        </a:rPr>
+                        <m:t>𝛽</m:t>
+                      </m:r>
+                    </m:oMath>
+                  </m:oMathPara>
+                </a14:m>
+                <a:endParaRPr lang="es-ES_tradnl" sz="1200" dirty="0"/>
+              </a:p>
+            </p:txBody>
+          </p:sp>
+        </mc:Choice>
+        <mc:Fallback>
+          <p:sp>
+            <p:nvSpPr>
+              <p:cNvPr id="154" name="Textfeld 153">
+                <a:extLst>
+                  <a:ext uri="{FF2B5EF4-FFF2-40B4-BE49-F238E27FC236}">
+                    <a16:creationId xmlns:a16="http://schemas.microsoft.com/office/drawing/2014/main" id="{77B63522-C354-C44B-B9E3-C409ECD9B8E0}"/>
+                  </a:ext>
+                </a:extLst>
+              </p:cNvPr>
+              <p:cNvSpPr txBox="1">
+                <a:spLocks noRot="1" noChangeAspect="1" noMove="1" noResize="1" noEditPoints="1" noAdjustHandles="1" noChangeArrowheads="1" noChangeShapeType="1" noTextEdit="1"/>
+              </p:cNvSpPr>
+              <p:nvPr/>
+            </p:nvSpPr>
+            <p:spPr>
+              <a:xfrm>
+                <a:off x="5618909" y="3311645"/>
+                <a:ext cx="132920" cy="184666"/>
+              </a:xfrm>
+              <a:prstGeom prst="rect">
+                <a:avLst/>
+              </a:prstGeom>
+              <a:blipFill>
+                <a:blip r:embed="rId14"/>
+                <a:stretch>
+                  <a:fillRect l="-33333" r="-25000" b="-31250"/>
+                </a:stretch>
+              </a:blipFill>
+            </p:spPr>
+            <p:txBody>
+              <a:bodyPr/>
+              <a:lstStyle/>
+              <a:p>
+                <a:r>
+                  <a:rPr lang="es-ES_tradnl">
+                    <a:noFill/>
+                  </a:rPr>
+                  <a:t> </a:t>
+                </a:r>
+              </a:p>
+            </p:txBody>
+          </p:sp>
+        </mc:Fallback>
+      </mc:AlternateContent>
+      <p:sp>
+        <p:nvSpPr>
+          <p:cNvPr id="155" name="Bogen 154">
+            <a:extLst>
+              <a:ext uri="{FF2B5EF4-FFF2-40B4-BE49-F238E27FC236}">
+                <a16:creationId xmlns:a16="http://schemas.microsoft.com/office/drawing/2014/main" id="{6898BE36-3EC5-8E4C-A41C-4AEDEB0B2AC1}"/>
+              </a:ext>
+            </a:extLst>
+          </p:cNvPr>
+          <p:cNvSpPr/>
+          <p:nvPr/>
+        </p:nvSpPr>
+        <p:spPr>
+          <a:xfrm rot="18567711">
+            <a:off x="4521729" y="2875973"/>
+            <a:ext cx="1183655" cy="951191"/>
+          </a:xfrm>
+          <a:prstGeom prst="arc">
+            <a:avLst>
+              <a:gd name="adj1" fmla="val 18040066"/>
+              <a:gd name="adj2" fmla="val 0"/>
+            </a:avLst>
+          </a:prstGeom>
+        </p:spPr>
+        <p:style>
+          <a:lnRef idx="1">
+            <a:schemeClr val="accent1"/>
+          </a:lnRef>
+          <a:fillRef idx="0">
+            <a:schemeClr val="accent1"/>
+          </a:fillRef>
+          <a:effectRef idx="0">
+            <a:schemeClr val="accent1"/>
+          </a:effectRef>
+          <a:fontRef idx="minor">
+            <a:schemeClr val="tx1"/>
+          </a:fontRef>
+        </p:style>
+        <p:txBody>
+          <a:bodyPr rtlCol="0" anchor="ctr"/>
+          <a:lstStyle/>
+          <a:p>
+            <a:pPr algn="ctr"/>
+            <a:endParaRPr lang="es-ES_tradnl"/>
+          </a:p>
+        </p:txBody>
+      </p:sp>
+      <mc:AlternateContent xmlns:mc="http://schemas.openxmlformats.org/markup-compatibility/2006">
+        <mc:Choice xmlns:a14="http://schemas.microsoft.com/office/drawing/2010/main" Requires="a14">
+          <p:sp>
+            <p:nvSpPr>
+              <p:cNvPr id="156" name="Textfeld 155">
+                <a:extLst>
+                  <a:ext uri="{FF2B5EF4-FFF2-40B4-BE49-F238E27FC236}">
+                    <a16:creationId xmlns:a16="http://schemas.microsoft.com/office/drawing/2014/main" id="{ABA5AB04-255C-2A41-AAFA-2AD175068E42}"/>
+                  </a:ext>
+                </a:extLst>
+              </p:cNvPr>
+              <p:cNvSpPr txBox="1"/>
+              <p:nvPr/>
+            </p:nvSpPr>
+            <p:spPr>
+              <a:xfrm>
+                <a:off x="5150452" y="2602951"/>
+                <a:ext cx="132920" cy="184666"/>
+              </a:xfrm>
+              <a:prstGeom prst="rect">
+                <a:avLst/>
+              </a:prstGeom>
+              <a:noFill/>
+            </p:spPr>
+            <p:txBody>
+              <a:bodyPr wrap="none" lIns="0" tIns="0" rIns="0" bIns="0" rtlCol="0">
+                <a:spAutoFit/>
+              </a:bodyPr>
+              <a:lstStyle/>
+              <a:p>
+                <a14:m>
+                  <m:oMathPara xmlns:m="http://schemas.openxmlformats.org/officeDocument/2006/math">
+                    <m:oMathParaPr>
+                      <m:jc m:val="centerGroup"/>
+                    </m:oMathParaPr>
+                    <m:oMath xmlns:m="http://schemas.openxmlformats.org/officeDocument/2006/math">
+                      <m:r>
+                        <a:rPr lang="es-ES" sz="1200" b="0" i="1" smtClean="0">
+                          <a:latin typeface="Cambria Math" panose="02040503050406030204" pitchFamily="18" charset="0"/>
+                        </a:rPr>
+                        <m:t>𝛼</m:t>
+                      </m:r>
+                    </m:oMath>
+                  </m:oMathPara>
+                </a14:m>
+                <a:endParaRPr lang="es-ES_tradnl" sz="1200" dirty="0"/>
+              </a:p>
+            </p:txBody>
+          </p:sp>
+        </mc:Choice>
+        <mc:Fallback>
+          <p:sp>
+            <p:nvSpPr>
+              <p:cNvPr id="156" name="Textfeld 155">
+                <a:extLst>
+                  <a:ext uri="{FF2B5EF4-FFF2-40B4-BE49-F238E27FC236}">
+                    <a16:creationId xmlns:a16="http://schemas.microsoft.com/office/drawing/2014/main" id="{ABA5AB04-255C-2A41-AAFA-2AD175068E42}"/>
+                  </a:ext>
+                </a:extLst>
+              </p:cNvPr>
+              <p:cNvSpPr txBox="1">
+                <a:spLocks noRot="1" noChangeAspect="1" noMove="1" noResize="1" noEditPoints="1" noAdjustHandles="1" noChangeArrowheads="1" noChangeShapeType="1" noTextEdit="1"/>
+              </p:cNvSpPr>
+              <p:nvPr/>
+            </p:nvSpPr>
+            <p:spPr>
+              <a:xfrm>
+                <a:off x="5150452" y="2602951"/>
+                <a:ext cx="132920" cy="184666"/>
+              </a:xfrm>
+              <a:prstGeom prst="rect">
+                <a:avLst/>
+              </a:prstGeom>
+              <a:blipFill>
+                <a:blip r:embed="rId15"/>
+                <a:stretch>
+                  <a:fillRect l="-16667" r="-8333"/>
+                </a:stretch>
+              </a:blipFill>
+            </p:spPr>
+            <p:txBody>
+              <a:bodyPr/>
+              <a:lstStyle/>
+              <a:p>
+                <a:r>
+                  <a:rPr lang="es-ES_tradnl">
+                    <a:noFill/>
+                  </a:rPr>
+                  <a:t> </a:t>
+                </a:r>
+              </a:p>
+            </p:txBody>
+          </p:sp>
+        </mc:Fallback>
+      </mc:AlternateContent>
+      <p:cxnSp>
+        <p:nvCxnSpPr>
+          <p:cNvPr id="159" name="Gerade Verbindung 158">
+            <a:extLst>
+              <a:ext uri="{FF2B5EF4-FFF2-40B4-BE49-F238E27FC236}">
+                <a16:creationId xmlns:a16="http://schemas.microsoft.com/office/drawing/2014/main" id="{C7C289D4-5D63-7040-B96D-0B1FA6E6C641}"/>
+              </a:ext>
+            </a:extLst>
+          </p:cNvPr>
+          <p:cNvCxnSpPr>
+            <a:cxnSpLocks/>
+          </p:cNvCxnSpPr>
+          <p:nvPr/>
+        </p:nvCxnSpPr>
+        <p:spPr>
+          <a:xfrm flipV="1">
+            <a:off x="5197920" y="3479451"/>
+            <a:ext cx="256871" cy="532"/>
+          </a:xfrm>
+          <a:prstGeom prst="line">
+            <a:avLst/>
+          </a:prstGeom>
+        </p:spPr>
+        <p:style>
+          <a:lnRef idx="1">
+            <a:schemeClr val="accent1"/>
+          </a:lnRef>
+          <a:fillRef idx="0">
+            <a:schemeClr val="accent1"/>
+          </a:fillRef>
+          <a:effectRef idx="0">
+            <a:schemeClr val="accent1"/>
+          </a:effectRef>
+          <a:fontRef idx="minor">
+            <a:schemeClr val="tx1"/>
+          </a:fontRef>
+        </p:style>
+      </p:cxnSp>
+      <p:cxnSp>
+        <p:nvCxnSpPr>
+          <p:cNvPr id="162" name="Gerade Verbindung 161">
+            <a:extLst>
+              <a:ext uri="{FF2B5EF4-FFF2-40B4-BE49-F238E27FC236}">
+                <a16:creationId xmlns:a16="http://schemas.microsoft.com/office/drawing/2014/main" id="{AB6F553A-7D83-6449-97EA-028FB90E3DB1}"/>
+              </a:ext>
+            </a:extLst>
+          </p:cNvPr>
+          <p:cNvCxnSpPr>
+            <a:cxnSpLocks/>
+          </p:cNvCxnSpPr>
+          <p:nvPr/>
+        </p:nvCxnSpPr>
+        <p:spPr>
+          <a:xfrm flipH="1" flipV="1">
+            <a:off x="5447763" y="3479451"/>
+            <a:ext cx="7028" cy="303940"/>
+          </a:xfrm>
+          <a:prstGeom prst="line">
+            <a:avLst/>
+          </a:prstGeom>
+        </p:spPr>
+        <p:style>
+          <a:lnRef idx="1">
+            <a:schemeClr val="accent1"/>
+          </a:lnRef>
+          <a:fillRef idx="0">
+            <a:schemeClr val="accent1"/>
+          </a:fillRef>
+          <a:effectRef idx="0">
+            <a:schemeClr val="accent1"/>
+          </a:effectRef>
+          <a:fontRef idx="minor">
+            <a:schemeClr val="tx1"/>
+          </a:fontRef>
+        </p:style>
+      </p:cxnSp>
+      <p:sp>
+        <p:nvSpPr>
+          <p:cNvPr id="165" name="CuadroTexto 45">
+            <a:extLst>
+              <a:ext uri="{FF2B5EF4-FFF2-40B4-BE49-F238E27FC236}">
+                <a16:creationId xmlns:a16="http://schemas.microsoft.com/office/drawing/2014/main" id="{C7B3AFC2-6FA4-5B40-8247-684B34052D3F}"/>
+              </a:ext>
+            </a:extLst>
+          </p:cNvPr>
+          <p:cNvSpPr txBox="1"/>
+          <p:nvPr/>
+        </p:nvSpPr>
+        <p:spPr>
+          <a:xfrm>
+            <a:off x="7930731" y="4265431"/>
+            <a:ext cx="585260" cy="307777"/>
+          </a:xfrm>
+          <a:prstGeom prst="rect">
+            <a:avLst/>
+          </a:prstGeom>
+          <a:noFill/>
+        </p:spPr>
+        <p:txBody>
+          <a:bodyPr wrap="square" rtlCol="0">
+            <a:spAutoFit/>
+          </a:bodyPr>
+          <a:lstStyle/>
+          <a:p>
+            <a:r>
+              <a:rPr lang="es-CO" sz="1400" dirty="0">
+                <a:solidFill>
+                  <a:srgbClr val="00B050"/>
+                </a:solidFill>
+              </a:rPr>
+              <a:t>Y</a:t>
+            </a:r>
+            <a:r>
+              <a:rPr lang="es-CO" sz="1400" dirty="0">
+                <a:solidFill>
+                  <a:srgbClr val="FF0000"/>
+                </a:solidFill>
+              </a:rPr>
+              <a:t> </a:t>
+            </a:r>
+          </a:p>
+        </p:txBody>
+      </p:sp>
+      <mc:AlternateContent xmlns:mc="http://schemas.openxmlformats.org/markup-compatibility/2006">
+        <mc:Choice xmlns:a14="http://schemas.microsoft.com/office/drawing/2010/main" Requires="a14">
+          <p:sp>
+            <p:nvSpPr>
+              <p:cNvPr id="166" name="Textfeld 165">
+                <a:extLst>
+                  <a:ext uri="{FF2B5EF4-FFF2-40B4-BE49-F238E27FC236}">
+                    <a16:creationId xmlns:a16="http://schemas.microsoft.com/office/drawing/2014/main" id="{B40B9521-9799-6542-8099-0848B1CCC2FF}"/>
+                  </a:ext>
+                </a:extLst>
+              </p:cNvPr>
+              <p:cNvSpPr txBox="1"/>
+              <p:nvPr/>
+            </p:nvSpPr>
+            <p:spPr>
+              <a:xfrm>
+                <a:off x="5638095" y="2504709"/>
+                <a:ext cx="166969" cy="276999"/>
+              </a:xfrm>
+              <a:prstGeom prst="rect">
+                <a:avLst/>
+              </a:prstGeom>
+              <a:noFill/>
+            </p:spPr>
+            <p:txBody>
+              <a:bodyPr wrap="none" lIns="0" tIns="0" rIns="0" bIns="0" rtlCol="0">
+                <a:spAutoFit/>
+              </a:bodyPr>
+              <a:lstStyle/>
+              <a:p>
+                <a14:m>
+                  <m:oMathPara xmlns:m="http://schemas.openxmlformats.org/officeDocument/2006/math">
+                    <m:oMathParaPr>
+                      <m:jc m:val="centerGroup"/>
+                    </m:oMathParaPr>
+                    <m:oMath xmlns:m="http://schemas.openxmlformats.org/officeDocument/2006/math">
+                      <m:r>
+                        <a:rPr lang="es-ES" b="0" i="1" smtClean="0">
+                          <a:latin typeface="Cambria Math" panose="02040503050406030204" pitchFamily="18" charset="0"/>
+                        </a:rPr>
+                        <m:t>𝑟</m:t>
+                      </m:r>
+                    </m:oMath>
+                  </m:oMathPara>
+                </a14:m>
+                <a:endParaRPr lang="es-ES_tradnl" dirty="0"/>
+              </a:p>
+            </p:txBody>
+          </p:sp>
+        </mc:Choice>
+        <mc:Fallback>
+          <p:sp>
+            <p:nvSpPr>
+              <p:cNvPr id="166" name="Textfeld 165">
+                <a:extLst>
+                  <a:ext uri="{FF2B5EF4-FFF2-40B4-BE49-F238E27FC236}">
+                    <a16:creationId xmlns:a16="http://schemas.microsoft.com/office/drawing/2014/main" id="{B40B9521-9799-6542-8099-0848B1CCC2FF}"/>
+                  </a:ext>
+                </a:extLst>
+              </p:cNvPr>
+              <p:cNvSpPr txBox="1">
+                <a:spLocks noRot="1" noChangeAspect="1" noMove="1" noResize="1" noEditPoints="1" noAdjustHandles="1" noChangeArrowheads="1" noChangeShapeType="1" noTextEdit="1"/>
+              </p:cNvSpPr>
+              <p:nvPr/>
+            </p:nvSpPr>
+            <p:spPr>
+              <a:xfrm>
+                <a:off x="5638095" y="2504709"/>
+                <a:ext cx="166969" cy="276999"/>
+              </a:xfrm>
+              <a:prstGeom prst="rect">
+                <a:avLst/>
+              </a:prstGeom>
+              <a:blipFill>
+                <a:blip r:embed="rId16"/>
+                <a:stretch>
+                  <a:fillRect l="-23077" r="-23077"/>
+                </a:stretch>
+              </a:blipFill>
+            </p:spPr>
+            <p:txBody>
+              <a:bodyPr/>
+              <a:lstStyle/>
+              <a:p>
+                <a:r>
+                  <a:rPr lang="es-ES_tradnl">
+                    <a:noFill/>
+                  </a:rPr>
+                  <a:t> </a:t>
+                </a:r>
+              </a:p>
+            </p:txBody>
+          </p:sp>
+        </mc:Fallback>
+      </mc:AlternateContent>
+    </p:spTree>
+    <p:extLst>
+      <p:ext uri="{BB962C8B-B14F-4D97-AF65-F5344CB8AC3E}">
+        <p14:creationId xmlns:p14="http://schemas.microsoft.com/office/powerpoint/2010/main" val="3220340993"/>
       </p:ext>
     </p:extLst>
   </p:cSld>

--- a/Lab2.pptx
+++ b/Lab2.pptx
@@ -8,6 +8,7 @@
     <p:sldId id="256" r:id="rId2"/>
     <p:sldId id="257" r:id="rId3"/>
     <p:sldId id="258" r:id="rId4"/>
+    <p:sldId id="268" r:id="rId5"/>
   </p:sldIdLst>
   <p:sldSz cx="12192000" cy="6858000"/>
   <p:notesSz cx="6858000" cy="9144000"/>
@@ -263,7 +264,7 @@
           <a:p>
             <a:fld id="{C7415BBE-5759-4144-BE94-42AB820F739B}" type="datetimeFigureOut">
               <a:rPr lang="es-ES_tradnl" smtClean="0"/>
-              <a:t>17/7/21</a:t>
+              <a:t>20/07/2021</a:t>
             </a:fld>
             <a:endParaRPr lang="es-ES_tradnl"/>
           </a:p>
@@ -317,7 +318,7 @@
           <a:p>
             <a:fld id="{B8181947-5F79-B84A-A929-106AF9B670BE}" type="slidenum">
               <a:rPr lang="es-ES_tradnl" smtClean="0"/>
-              <a:t>‹Nr.›</a:t>
+              <a:t>‹Nº›</a:t>
             </a:fld>
             <a:endParaRPr lang="es-ES_tradnl"/>
           </a:p>
@@ -463,7 +464,7 @@
           <a:p>
             <a:fld id="{C7415BBE-5759-4144-BE94-42AB820F739B}" type="datetimeFigureOut">
               <a:rPr lang="es-ES_tradnl" smtClean="0"/>
-              <a:t>17/7/21</a:t>
+              <a:t>20/07/2021</a:t>
             </a:fld>
             <a:endParaRPr lang="es-ES_tradnl"/>
           </a:p>
@@ -517,7 +518,7 @@
           <a:p>
             <a:fld id="{B8181947-5F79-B84A-A929-106AF9B670BE}" type="slidenum">
               <a:rPr lang="es-ES_tradnl" smtClean="0"/>
-              <a:t>‹Nr.›</a:t>
+              <a:t>‹Nº›</a:t>
             </a:fld>
             <a:endParaRPr lang="es-ES_tradnl"/>
           </a:p>
@@ -673,7 +674,7 @@
           <a:p>
             <a:fld id="{C7415BBE-5759-4144-BE94-42AB820F739B}" type="datetimeFigureOut">
               <a:rPr lang="es-ES_tradnl" smtClean="0"/>
-              <a:t>17/7/21</a:t>
+              <a:t>20/07/2021</a:t>
             </a:fld>
             <a:endParaRPr lang="es-ES_tradnl"/>
           </a:p>
@@ -727,7 +728,7 @@
           <a:p>
             <a:fld id="{B8181947-5F79-B84A-A929-106AF9B670BE}" type="slidenum">
               <a:rPr lang="es-ES_tradnl" smtClean="0"/>
-              <a:t>‹Nr.›</a:t>
+              <a:t>‹Nº›</a:t>
             </a:fld>
             <a:endParaRPr lang="es-ES_tradnl"/>
           </a:p>
@@ -873,7 +874,7 @@
           <a:p>
             <a:fld id="{C7415BBE-5759-4144-BE94-42AB820F739B}" type="datetimeFigureOut">
               <a:rPr lang="es-ES_tradnl" smtClean="0"/>
-              <a:t>17/7/21</a:t>
+              <a:t>20/07/2021</a:t>
             </a:fld>
             <a:endParaRPr lang="es-ES_tradnl"/>
           </a:p>
@@ -927,7 +928,7 @@
           <a:p>
             <a:fld id="{B8181947-5F79-B84A-A929-106AF9B670BE}" type="slidenum">
               <a:rPr lang="es-ES_tradnl" smtClean="0"/>
-              <a:t>‹Nr.›</a:t>
+              <a:t>‹Nº›</a:t>
             </a:fld>
             <a:endParaRPr lang="es-ES_tradnl"/>
           </a:p>
@@ -1149,7 +1150,7 @@
           <a:p>
             <a:fld id="{C7415BBE-5759-4144-BE94-42AB820F739B}" type="datetimeFigureOut">
               <a:rPr lang="es-ES_tradnl" smtClean="0"/>
-              <a:t>17/7/21</a:t>
+              <a:t>20/07/2021</a:t>
             </a:fld>
             <a:endParaRPr lang="es-ES_tradnl"/>
           </a:p>
@@ -1203,7 +1204,7 @@
           <a:p>
             <a:fld id="{B8181947-5F79-B84A-A929-106AF9B670BE}" type="slidenum">
               <a:rPr lang="es-ES_tradnl" smtClean="0"/>
-              <a:t>‹Nr.›</a:t>
+              <a:t>‹Nº›</a:t>
             </a:fld>
             <a:endParaRPr lang="es-ES_tradnl"/>
           </a:p>
@@ -1417,7 +1418,7 @@
           <a:p>
             <a:fld id="{C7415BBE-5759-4144-BE94-42AB820F739B}" type="datetimeFigureOut">
               <a:rPr lang="es-ES_tradnl" smtClean="0"/>
-              <a:t>17/7/21</a:t>
+              <a:t>20/07/2021</a:t>
             </a:fld>
             <a:endParaRPr lang="es-ES_tradnl"/>
           </a:p>
@@ -1471,7 +1472,7 @@
           <a:p>
             <a:fld id="{B8181947-5F79-B84A-A929-106AF9B670BE}" type="slidenum">
               <a:rPr lang="es-ES_tradnl" smtClean="0"/>
-              <a:t>‹Nr.›</a:t>
+              <a:t>‹Nº›</a:t>
             </a:fld>
             <a:endParaRPr lang="es-ES_tradnl"/>
           </a:p>
@@ -1832,7 +1833,7 @@
           <a:p>
             <a:fld id="{C7415BBE-5759-4144-BE94-42AB820F739B}" type="datetimeFigureOut">
               <a:rPr lang="es-ES_tradnl" smtClean="0"/>
-              <a:t>17/7/21</a:t>
+              <a:t>20/07/2021</a:t>
             </a:fld>
             <a:endParaRPr lang="es-ES_tradnl"/>
           </a:p>
@@ -1886,7 +1887,7 @@
           <a:p>
             <a:fld id="{B8181947-5F79-B84A-A929-106AF9B670BE}" type="slidenum">
               <a:rPr lang="es-ES_tradnl" smtClean="0"/>
-              <a:t>‹Nr.›</a:t>
+              <a:t>‹Nº›</a:t>
             </a:fld>
             <a:endParaRPr lang="es-ES_tradnl"/>
           </a:p>
@@ -1974,7 +1975,7 @@
           <a:p>
             <a:fld id="{C7415BBE-5759-4144-BE94-42AB820F739B}" type="datetimeFigureOut">
               <a:rPr lang="es-ES_tradnl" smtClean="0"/>
-              <a:t>17/7/21</a:t>
+              <a:t>20/07/2021</a:t>
             </a:fld>
             <a:endParaRPr lang="es-ES_tradnl"/>
           </a:p>
@@ -2028,7 +2029,7 @@
           <a:p>
             <a:fld id="{B8181947-5F79-B84A-A929-106AF9B670BE}" type="slidenum">
               <a:rPr lang="es-ES_tradnl" smtClean="0"/>
-              <a:t>‹Nr.›</a:t>
+              <a:t>‹Nº›</a:t>
             </a:fld>
             <a:endParaRPr lang="es-ES_tradnl"/>
           </a:p>
@@ -2087,7 +2088,7 @@
           <a:p>
             <a:fld id="{C7415BBE-5759-4144-BE94-42AB820F739B}" type="datetimeFigureOut">
               <a:rPr lang="es-ES_tradnl" smtClean="0"/>
-              <a:t>17/7/21</a:t>
+              <a:t>20/07/2021</a:t>
             </a:fld>
             <a:endParaRPr lang="es-ES_tradnl"/>
           </a:p>
@@ -2141,7 +2142,7 @@
           <a:p>
             <a:fld id="{B8181947-5F79-B84A-A929-106AF9B670BE}" type="slidenum">
               <a:rPr lang="es-ES_tradnl" smtClean="0"/>
-              <a:t>‹Nr.›</a:t>
+              <a:t>‹Nº›</a:t>
             </a:fld>
             <a:endParaRPr lang="es-ES_tradnl"/>
           </a:p>
@@ -2400,7 +2401,7 @@
           <a:p>
             <a:fld id="{C7415BBE-5759-4144-BE94-42AB820F739B}" type="datetimeFigureOut">
               <a:rPr lang="es-ES_tradnl" smtClean="0"/>
-              <a:t>17/7/21</a:t>
+              <a:t>20/07/2021</a:t>
             </a:fld>
             <a:endParaRPr lang="es-ES_tradnl"/>
           </a:p>
@@ -2454,7 +2455,7 @@
           <a:p>
             <a:fld id="{B8181947-5F79-B84A-A929-106AF9B670BE}" type="slidenum">
               <a:rPr lang="es-ES_tradnl" smtClean="0"/>
-              <a:t>‹Nr.›</a:t>
+              <a:t>‹Nº›</a:t>
             </a:fld>
             <a:endParaRPr lang="es-ES_tradnl"/>
           </a:p>
@@ -2689,7 +2690,7 @@
           <a:p>
             <a:fld id="{C7415BBE-5759-4144-BE94-42AB820F739B}" type="datetimeFigureOut">
               <a:rPr lang="es-ES_tradnl" smtClean="0"/>
-              <a:t>17/7/21</a:t>
+              <a:t>20/07/2021</a:t>
             </a:fld>
             <a:endParaRPr lang="es-ES_tradnl"/>
           </a:p>
@@ -2743,7 +2744,7 @@
           <a:p>
             <a:fld id="{B8181947-5F79-B84A-A929-106AF9B670BE}" type="slidenum">
               <a:rPr lang="es-ES_tradnl" smtClean="0"/>
-              <a:t>‹Nr.›</a:t>
+              <a:t>‹Nº›</a:t>
             </a:fld>
             <a:endParaRPr lang="es-ES_tradnl"/>
           </a:p>
@@ -2932,7 +2933,7 @@
           <a:p>
             <a:fld id="{C7415BBE-5759-4144-BE94-42AB820F739B}" type="datetimeFigureOut">
               <a:rPr lang="es-ES_tradnl" smtClean="0"/>
-              <a:t>17/7/21</a:t>
+              <a:t>20/07/2021</a:t>
             </a:fld>
             <a:endParaRPr lang="es-ES_tradnl"/>
           </a:p>
@@ -3022,7 +3023,7 @@
           <a:p>
             <a:fld id="{B8181947-5F79-B84A-A929-106AF9B670BE}" type="slidenum">
               <a:rPr lang="es-ES_tradnl" smtClean="0"/>
-              <a:t>‹Nr.›</a:t>
+              <a:t>‹Nº›</a:t>
             </a:fld>
             <a:endParaRPr lang="es-ES_tradnl"/>
           </a:p>
@@ -7273,8 +7274,8 @@
           </a:p>
         </p:txBody>
       </p:sp>
-      <mc:AlternateContent xmlns:mc="http://schemas.openxmlformats.org/markup-compatibility/2006">
-        <mc:Choice xmlns:a14="http://schemas.microsoft.com/office/drawing/2010/main" Requires="a14">
+      <mc:AlternateContent xmlns:mc="http://schemas.openxmlformats.org/markup-compatibility/2006" xmlns:a14="http://schemas.microsoft.com/office/drawing/2010/main">
+        <mc:Choice Requires="a14">
           <p:sp>
             <p:nvSpPr>
               <p:cNvPr id="85" name="Textfeld 84">
@@ -7303,6 +7304,7 @@
               </a:bodyPr>
               <a:lstStyle/>
               <a:p>
+                <a:pPr/>
                 <a14:m>
                   <m:oMathPara xmlns:m="http://schemas.openxmlformats.org/officeDocument/2006/math">
                     <m:oMathParaPr>
@@ -7342,7 +7344,7 @@
             </p:txBody>
           </p:sp>
         </mc:Choice>
-        <mc:Fallback>
+        <mc:Fallback xmlns="">
           <p:sp>
             <p:nvSpPr>
               <p:cNvPr id="85" name="Textfeld 84">
@@ -7387,8 +7389,8 @@
           </p:sp>
         </mc:Fallback>
       </mc:AlternateContent>
-      <mc:AlternateContent xmlns:mc="http://schemas.openxmlformats.org/markup-compatibility/2006">
-        <mc:Choice xmlns:a14="http://schemas.microsoft.com/office/drawing/2010/main" Requires="a14">
+      <mc:AlternateContent xmlns:mc="http://schemas.openxmlformats.org/markup-compatibility/2006" xmlns:a14="http://schemas.microsoft.com/office/drawing/2010/main">
+        <mc:Choice Requires="a14">
           <p:sp>
             <p:nvSpPr>
               <p:cNvPr id="86" name="Textfeld 85">
@@ -7417,6 +7419,7 @@
               </a:bodyPr>
               <a:lstStyle/>
               <a:p>
+                <a:pPr/>
                 <a14:m>
                   <m:oMathPara xmlns:m="http://schemas.openxmlformats.org/officeDocument/2006/math">
                     <m:oMathParaPr>
@@ -7456,7 +7459,7 @@
             </p:txBody>
           </p:sp>
         </mc:Choice>
-        <mc:Fallback>
+        <mc:Fallback xmlns="">
           <p:sp>
             <p:nvSpPr>
               <p:cNvPr id="86" name="Textfeld 85">
@@ -7681,8 +7684,8 @@
           </a:p>
         </p:txBody>
       </p:sp>
-      <mc:AlternateContent xmlns:mc="http://schemas.openxmlformats.org/markup-compatibility/2006">
-        <mc:Choice xmlns:a14="http://schemas.microsoft.com/office/drawing/2010/main" Requires="a14">
+      <mc:AlternateContent xmlns:mc="http://schemas.openxmlformats.org/markup-compatibility/2006" xmlns:a14="http://schemas.microsoft.com/office/drawing/2010/main">
+        <mc:Choice Requires="a14">
           <p:sp>
             <p:nvSpPr>
               <p:cNvPr id="102" name="Textfeld 101">
@@ -7711,6 +7714,7 @@
               </a:bodyPr>
               <a:lstStyle/>
               <a:p>
+                <a:pPr/>
                 <a14:m>
                   <m:oMathPara xmlns:m="http://schemas.openxmlformats.org/officeDocument/2006/math">
                     <m:oMathParaPr>
@@ -7750,7 +7754,7 @@
             </p:txBody>
           </p:sp>
         </mc:Choice>
-        <mc:Fallback>
+        <mc:Fallback xmlns="">
           <p:sp>
             <p:nvSpPr>
               <p:cNvPr id="102" name="Textfeld 101">
@@ -7795,8 +7799,8 @@
           </p:sp>
         </mc:Fallback>
       </mc:AlternateContent>
-      <mc:AlternateContent xmlns:mc="http://schemas.openxmlformats.org/markup-compatibility/2006">
-        <mc:Choice xmlns:a14="http://schemas.microsoft.com/office/drawing/2010/main" Requires="a14">
+      <mc:AlternateContent xmlns:mc="http://schemas.openxmlformats.org/markup-compatibility/2006" xmlns:a14="http://schemas.microsoft.com/office/drawing/2010/main">
+        <mc:Choice Requires="a14">
           <p:sp>
             <p:nvSpPr>
               <p:cNvPr id="103" name="Textfeld 102">
@@ -7825,6 +7829,7 @@
               </a:bodyPr>
               <a:lstStyle/>
               <a:p>
+                <a:pPr/>
                 <a14:m>
                   <m:oMathPara xmlns:m="http://schemas.openxmlformats.org/officeDocument/2006/math">
                     <m:oMathParaPr>
@@ -7864,7 +7869,7 @@
             </p:txBody>
           </p:sp>
         </mc:Choice>
-        <mc:Fallback>
+        <mc:Fallback xmlns="">
           <p:sp>
             <p:nvSpPr>
               <p:cNvPr id="103" name="Textfeld 102">
@@ -8491,8 +8496,8 @@
           </a:p>
         </p:txBody>
       </p:sp>
-      <mc:AlternateContent xmlns:mc="http://schemas.openxmlformats.org/markup-compatibility/2006">
-        <mc:Choice xmlns:a14="http://schemas.microsoft.com/office/drawing/2010/main" Requires="a14">
+      <mc:AlternateContent xmlns:mc="http://schemas.openxmlformats.org/markup-compatibility/2006" xmlns:a14="http://schemas.microsoft.com/office/drawing/2010/main">
+        <mc:Choice Requires="a14">
           <p:sp>
             <p:nvSpPr>
               <p:cNvPr id="134" name="Textfeld 133">
@@ -8521,6 +8526,7 @@
               </a:bodyPr>
               <a:lstStyle/>
               <a:p>
+                <a:pPr/>
                 <a14:m>
                   <m:oMathPara xmlns:m="http://schemas.openxmlformats.org/officeDocument/2006/math">
                     <m:oMathParaPr>
@@ -8560,7 +8566,7 @@
             </p:txBody>
           </p:sp>
         </mc:Choice>
-        <mc:Fallback>
+        <mc:Fallback xmlns="">
           <p:sp>
             <p:nvSpPr>
               <p:cNvPr id="134" name="Textfeld 133">
@@ -8605,8 +8611,8 @@
           </p:sp>
         </mc:Fallback>
       </mc:AlternateContent>
-      <mc:AlternateContent xmlns:mc="http://schemas.openxmlformats.org/markup-compatibility/2006">
-        <mc:Choice xmlns:a14="http://schemas.microsoft.com/office/drawing/2010/main" Requires="a14">
+      <mc:AlternateContent xmlns:mc="http://schemas.openxmlformats.org/markup-compatibility/2006" xmlns:a14="http://schemas.microsoft.com/office/drawing/2010/main">
+        <mc:Choice Requires="a14">
           <p:sp>
             <p:nvSpPr>
               <p:cNvPr id="135" name="Textfeld 134">
@@ -8635,6 +8641,7 @@
               </a:bodyPr>
               <a:lstStyle/>
               <a:p>
+                <a:pPr/>
                 <a14:m>
                   <m:oMathPara xmlns:m="http://schemas.openxmlformats.org/officeDocument/2006/math">
                     <m:oMathParaPr>
@@ -8674,7 +8681,7 @@
             </p:txBody>
           </p:sp>
         </mc:Choice>
-        <mc:Fallback>
+        <mc:Fallback xmlns="">
           <p:sp>
             <p:nvSpPr>
               <p:cNvPr id="135" name="Textfeld 134">
@@ -8719,8 +8726,8 @@
           </p:sp>
         </mc:Fallback>
       </mc:AlternateContent>
-      <mc:AlternateContent xmlns:mc="http://schemas.openxmlformats.org/markup-compatibility/2006">
-        <mc:Choice xmlns:a14="http://schemas.microsoft.com/office/drawing/2010/main" Requires="a14">
+      <mc:AlternateContent xmlns:mc="http://schemas.openxmlformats.org/markup-compatibility/2006" xmlns:a14="http://schemas.microsoft.com/office/drawing/2010/main">
+        <mc:Choice Requires="a14">
           <p:sp>
             <p:nvSpPr>
               <p:cNvPr id="143" name="Textfeld 142">
@@ -8749,6 +8756,7 @@
               </a:bodyPr>
               <a:lstStyle/>
               <a:p>
+                <a:pPr/>
                 <a14:m>
                   <m:oMathPara xmlns:m="http://schemas.openxmlformats.org/officeDocument/2006/math">
                     <m:oMathParaPr>
@@ -8825,7 +8833,7 @@
             </p:txBody>
           </p:sp>
         </mc:Choice>
-        <mc:Fallback>
+        <mc:Fallback xmlns="">
           <p:sp>
             <p:nvSpPr>
               <p:cNvPr id="143" name="Textfeld 142">
@@ -8870,8 +8878,8 @@
           </p:sp>
         </mc:Fallback>
       </mc:AlternateContent>
-      <mc:AlternateContent xmlns:mc="http://schemas.openxmlformats.org/markup-compatibility/2006">
-        <mc:Choice xmlns:a14="http://schemas.microsoft.com/office/drawing/2010/main" Requires="a14">
+      <mc:AlternateContent xmlns:mc="http://schemas.openxmlformats.org/markup-compatibility/2006" xmlns:a14="http://schemas.microsoft.com/office/drawing/2010/main">
+        <mc:Choice Requires="a14">
           <p:sp>
             <p:nvSpPr>
               <p:cNvPr id="145" name="Textfeld 144">
@@ -8900,6 +8908,7 @@
               </a:bodyPr>
               <a:lstStyle/>
               <a:p>
+                <a:pPr/>
                 <a14:m>
                   <m:oMathPara xmlns:m="http://schemas.openxmlformats.org/officeDocument/2006/math">
                     <m:oMathParaPr>
@@ -8939,7 +8948,7 @@
             </p:txBody>
           </p:sp>
         </mc:Choice>
-        <mc:Fallback>
+        <mc:Fallback xmlns="">
           <p:sp>
             <p:nvSpPr>
               <p:cNvPr id="145" name="Textfeld 144">
@@ -8984,8 +8993,8 @@
           </p:sp>
         </mc:Fallback>
       </mc:AlternateContent>
-      <mc:AlternateContent xmlns:mc="http://schemas.openxmlformats.org/markup-compatibility/2006">
-        <mc:Choice xmlns:a14="http://schemas.microsoft.com/office/drawing/2010/main" Requires="a14">
+      <mc:AlternateContent xmlns:mc="http://schemas.openxmlformats.org/markup-compatibility/2006" xmlns:a14="http://schemas.microsoft.com/office/drawing/2010/main">
+        <mc:Choice Requires="a14">
           <p:sp>
             <p:nvSpPr>
               <p:cNvPr id="146" name="Textfeld 145">
@@ -9014,6 +9023,7 @@
               </a:bodyPr>
               <a:lstStyle/>
               <a:p>
+                <a:pPr/>
                 <a14:m>
                   <m:oMathPara xmlns:m="http://schemas.openxmlformats.org/officeDocument/2006/math">
                     <m:oMathParaPr>
@@ -9090,7 +9100,7 @@
             </p:txBody>
           </p:sp>
         </mc:Choice>
-        <mc:Fallback>
+        <mc:Fallback xmlns="">
           <p:sp>
             <p:nvSpPr>
               <p:cNvPr id="146" name="Textfeld 145">
@@ -9135,8 +9145,8 @@
           </p:sp>
         </mc:Fallback>
       </mc:AlternateContent>
-      <mc:AlternateContent xmlns:mc="http://schemas.openxmlformats.org/markup-compatibility/2006">
-        <mc:Choice xmlns:a14="http://schemas.microsoft.com/office/drawing/2010/main" Requires="a14">
+      <mc:AlternateContent xmlns:mc="http://schemas.openxmlformats.org/markup-compatibility/2006" xmlns:a14="http://schemas.microsoft.com/office/drawing/2010/main">
+        <mc:Choice Requires="a14">
           <p:sp>
             <p:nvSpPr>
               <p:cNvPr id="147" name="Textfeld 146">
@@ -9165,6 +9175,7 @@
               </a:bodyPr>
               <a:lstStyle/>
               <a:p>
+                <a:pPr/>
                 <a14:m>
                   <m:oMathPara xmlns:m="http://schemas.openxmlformats.org/officeDocument/2006/math">
                     <m:oMathParaPr>
@@ -9241,7 +9252,7 @@
             </p:txBody>
           </p:sp>
         </mc:Choice>
-        <mc:Fallback>
+        <mc:Fallback xmlns="">
           <p:sp>
             <p:nvSpPr>
               <p:cNvPr id="147" name="Textfeld 146">
@@ -9333,8 +9344,8 @@
           </a:p>
         </p:txBody>
       </p:sp>
-      <mc:AlternateContent xmlns:mc="http://schemas.openxmlformats.org/markup-compatibility/2006">
-        <mc:Choice xmlns:a14="http://schemas.microsoft.com/office/drawing/2010/main" Requires="a14">
+      <mc:AlternateContent xmlns:mc="http://schemas.openxmlformats.org/markup-compatibility/2006" xmlns:a14="http://schemas.microsoft.com/office/drawing/2010/main">
+        <mc:Choice Requires="a14">
           <p:sp>
             <p:nvSpPr>
               <p:cNvPr id="149" name="Textfeld 148">
@@ -9363,6 +9374,7 @@
               </a:bodyPr>
               <a:lstStyle/>
               <a:p>
+                <a:pPr/>
                 <a14:m>
                   <m:oMathPara xmlns:m="http://schemas.openxmlformats.org/officeDocument/2006/math">
                     <m:oMathParaPr>
@@ -9402,7 +9414,7 @@
             </p:txBody>
           </p:sp>
         </mc:Choice>
-        <mc:Fallback>
+        <mc:Fallback xmlns="">
           <p:sp>
             <p:nvSpPr>
               <p:cNvPr id="149" name="Textfeld 148">
@@ -9538,8 +9550,8 @@
           </a:p>
         </p:txBody>
       </p:sp>
-      <mc:AlternateContent xmlns:mc="http://schemas.openxmlformats.org/markup-compatibility/2006">
-        <mc:Choice xmlns:a14="http://schemas.microsoft.com/office/drawing/2010/main" Requires="a14">
+      <mc:AlternateContent xmlns:mc="http://schemas.openxmlformats.org/markup-compatibility/2006" xmlns:a14="http://schemas.microsoft.com/office/drawing/2010/main">
+        <mc:Choice Requires="a14">
           <p:sp>
             <p:nvSpPr>
               <p:cNvPr id="153" name="Textfeld 152">
@@ -9568,6 +9580,7 @@
               </a:bodyPr>
               <a:lstStyle/>
               <a:p>
+                <a:pPr/>
                 <a14:m>
                   <m:oMathPara xmlns:m="http://schemas.openxmlformats.org/officeDocument/2006/math">
                     <m:oMathParaPr>
@@ -9588,7 +9601,7 @@
             </p:txBody>
           </p:sp>
         </mc:Choice>
-        <mc:Fallback>
+        <mc:Fallback xmlns="">
           <p:sp>
             <p:nvSpPr>
               <p:cNvPr id="153" name="Textfeld 152">
@@ -9633,8 +9646,8 @@
           </p:sp>
         </mc:Fallback>
       </mc:AlternateContent>
-      <mc:AlternateContent xmlns:mc="http://schemas.openxmlformats.org/markup-compatibility/2006">
-        <mc:Choice xmlns:a14="http://schemas.microsoft.com/office/drawing/2010/main" Requires="a14">
+      <mc:AlternateContent xmlns:mc="http://schemas.openxmlformats.org/markup-compatibility/2006" xmlns:a14="http://schemas.microsoft.com/office/drawing/2010/main">
+        <mc:Choice Requires="a14">
           <p:sp>
             <p:nvSpPr>
               <p:cNvPr id="154" name="Textfeld 153">
@@ -9663,6 +9676,7 @@
               </a:bodyPr>
               <a:lstStyle/>
               <a:p>
+                <a:pPr/>
                 <a14:m>
                   <m:oMathPara xmlns:m="http://schemas.openxmlformats.org/officeDocument/2006/math">
                     <m:oMathParaPr>
@@ -9683,7 +9697,7 @@
             </p:txBody>
           </p:sp>
         </mc:Choice>
-        <mc:Fallback>
+        <mc:Fallback xmlns="">
           <p:sp>
             <p:nvSpPr>
               <p:cNvPr id="154" name="Textfeld 153">
@@ -9775,8 +9789,8 @@
           </a:p>
         </p:txBody>
       </p:sp>
-      <mc:AlternateContent xmlns:mc="http://schemas.openxmlformats.org/markup-compatibility/2006">
-        <mc:Choice xmlns:a14="http://schemas.microsoft.com/office/drawing/2010/main" Requires="a14">
+      <mc:AlternateContent xmlns:mc="http://schemas.openxmlformats.org/markup-compatibility/2006" xmlns:a14="http://schemas.microsoft.com/office/drawing/2010/main">
+        <mc:Choice Requires="a14">
           <p:sp>
             <p:nvSpPr>
               <p:cNvPr id="156" name="Textfeld 155">
@@ -9805,6 +9819,7 @@
               </a:bodyPr>
               <a:lstStyle/>
               <a:p>
+                <a:pPr/>
                 <a14:m>
                   <m:oMathPara xmlns:m="http://schemas.openxmlformats.org/officeDocument/2006/math">
                     <m:oMathParaPr>
@@ -9825,7 +9840,7 @@
             </p:txBody>
           </p:sp>
         </mc:Choice>
-        <mc:Fallback>
+        <mc:Fallback xmlns="">
           <p:sp>
             <p:nvSpPr>
               <p:cNvPr id="156" name="Textfeld 155">
@@ -9993,8 +10008,8 @@
           </a:p>
         </p:txBody>
       </p:sp>
-      <mc:AlternateContent xmlns:mc="http://schemas.openxmlformats.org/markup-compatibility/2006">
-        <mc:Choice xmlns:a14="http://schemas.microsoft.com/office/drawing/2010/main" Requires="a14">
+      <mc:AlternateContent xmlns:mc="http://schemas.openxmlformats.org/markup-compatibility/2006" xmlns:a14="http://schemas.microsoft.com/office/drawing/2010/main">
+        <mc:Choice Requires="a14">
           <p:sp>
             <p:nvSpPr>
               <p:cNvPr id="166" name="Textfeld 165">
@@ -10023,6 +10038,7 @@
               </a:bodyPr>
               <a:lstStyle/>
               <a:p>
+                <a:pPr/>
                 <a14:m>
                   <m:oMathPara xmlns:m="http://schemas.openxmlformats.org/officeDocument/2006/math">
                     <m:oMathParaPr>
@@ -10043,7 +10059,7 @@
             </p:txBody>
           </p:sp>
         </mc:Choice>
-        <mc:Fallback>
+        <mc:Fallback xmlns="">
           <p:sp>
             <p:nvSpPr>
               <p:cNvPr id="166" name="Textfeld 165">
@@ -10092,6 +10108,2255 @@
     <p:extLst>
       <p:ext uri="{BB962C8B-B14F-4D97-AF65-F5344CB8AC3E}">
         <p14:creationId xmlns:p14="http://schemas.microsoft.com/office/powerpoint/2010/main" val="3220340993"/>
+      </p:ext>
+    </p:extLst>
+  </p:cSld>
+  <p:clrMapOvr>
+    <a:masterClrMapping/>
+  </p:clrMapOvr>
+</p:sld>
+</file>
+
+<file path=ppt/slides/slide4.xml><?xml version="1.0" encoding="utf-8"?>
+<p:sld xmlns:a="http://schemas.openxmlformats.org/drawingml/2006/main" xmlns:r="http://schemas.openxmlformats.org/officeDocument/2006/relationships" xmlns:p="http://schemas.openxmlformats.org/presentationml/2006/main">
+  <p:cSld>
+    <p:spTree>
+      <p:nvGrpSpPr>
+        <p:cNvPr id="1" name=""/>
+        <p:cNvGrpSpPr/>
+        <p:nvPr/>
+      </p:nvGrpSpPr>
+      <p:grpSpPr>
+        <a:xfrm>
+          <a:off x="0" y="0"/>
+          <a:ext cx="0" cy="0"/>
+          <a:chOff x="0" y="0"/>
+          <a:chExt cx="0" cy="0"/>
+        </a:xfrm>
+      </p:grpSpPr>
+      <p:sp>
+        <p:nvSpPr>
+          <p:cNvPr id="56" name="Rectángulo 55">
+            <a:extLst>
+              <a:ext uri="{FF2B5EF4-FFF2-40B4-BE49-F238E27FC236}">
+                <a16:creationId xmlns:a16="http://schemas.microsoft.com/office/drawing/2014/main" id="{BF93FD69-781D-4D2E-9A36-687C8C1DC275}"/>
+              </a:ext>
+            </a:extLst>
+          </p:cNvPr>
+          <p:cNvSpPr/>
+          <p:nvPr/>
+        </p:nvSpPr>
+        <p:spPr>
+          <a:xfrm rot="20454315">
+            <a:off x="1909034" y="3535902"/>
+            <a:ext cx="169992" cy="213439"/>
+          </a:xfrm>
+          <a:prstGeom prst="rect">
+            <a:avLst/>
+          </a:prstGeom>
+          <a:noFill/>
+          <a:ln>
+            <a:solidFill>
+              <a:schemeClr val="bg2">
+                <a:lumMod val="75000"/>
+              </a:schemeClr>
+            </a:solidFill>
+          </a:ln>
+        </p:spPr>
+        <p:style>
+          <a:lnRef idx="2">
+            <a:schemeClr val="accent1">
+              <a:shade val="50000"/>
+            </a:schemeClr>
+          </a:lnRef>
+          <a:fillRef idx="1">
+            <a:schemeClr val="accent1"/>
+          </a:fillRef>
+          <a:effectRef idx="0">
+            <a:schemeClr val="accent1"/>
+          </a:effectRef>
+          <a:fontRef idx="minor">
+            <a:schemeClr val="lt1"/>
+          </a:fontRef>
+        </p:style>
+        <p:txBody>
+          <a:bodyPr rtlCol="0" anchor="ctr"/>
+          <a:lstStyle/>
+          <a:p>
+            <a:pPr algn="ctr"/>
+            <a:endParaRPr lang="es-CO"/>
+          </a:p>
+        </p:txBody>
+      </p:sp>
+      <p:cxnSp>
+        <p:nvCxnSpPr>
+          <p:cNvPr id="37" name="Conector recto de flecha 36">
+            <a:extLst>
+              <a:ext uri="{FF2B5EF4-FFF2-40B4-BE49-F238E27FC236}">
+                <a16:creationId xmlns:a16="http://schemas.microsoft.com/office/drawing/2014/main" id="{341102AE-03D8-4066-9B8A-2DF0E9BDDE59}"/>
+              </a:ext>
+            </a:extLst>
+          </p:cNvPr>
+          <p:cNvCxnSpPr>
+            <a:cxnSpLocks/>
+          </p:cNvCxnSpPr>
+          <p:nvPr/>
+        </p:nvCxnSpPr>
+        <p:spPr>
+          <a:xfrm flipV="1">
+            <a:off x="2540000" y="3760303"/>
+            <a:ext cx="1471876" cy="1914784"/>
+          </a:xfrm>
+          <a:prstGeom prst="straightConnector1">
+            <a:avLst/>
+          </a:prstGeom>
+          <a:ln w="38100">
+            <a:solidFill>
+              <a:schemeClr val="tx1"/>
+            </a:solidFill>
+            <a:tailEnd type="triangle"/>
+          </a:ln>
+        </p:spPr>
+        <p:style>
+          <a:lnRef idx="1">
+            <a:schemeClr val="accent1"/>
+          </a:lnRef>
+          <a:fillRef idx="0">
+            <a:schemeClr val="accent1"/>
+          </a:fillRef>
+          <a:effectRef idx="0">
+            <a:schemeClr val="accent1"/>
+          </a:effectRef>
+          <a:fontRef idx="minor">
+            <a:schemeClr val="tx1"/>
+          </a:fontRef>
+        </p:style>
+      </p:cxnSp>
+      <p:cxnSp>
+        <p:nvCxnSpPr>
+          <p:cNvPr id="2" name="Conector recto de flecha 1">
+            <a:extLst>
+              <a:ext uri="{FF2B5EF4-FFF2-40B4-BE49-F238E27FC236}">
+                <a16:creationId xmlns:a16="http://schemas.microsoft.com/office/drawing/2014/main" id="{843B1514-8426-47CB-BE10-C18AE6A20DFF}"/>
+              </a:ext>
+            </a:extLst>
+          </p:cNvPr>
+          <p:cNvCxnSpPr>
+            <a:cxnSpLocks/>
+          </p:cNvCxnSpPr>
+          <p:nvPr/>
+        </p:nvCxnSpPr>
+        <p:spPr>
+          <a:xfrm flipV="1">
+            <a:off x="2540000" y="364148"/>
+            <a:ext cx="0" cy="5310940"/>
+          </a:xfrm>
+          <a:prstGeom prst="straightConnector1">
+            <a:avLst/>
+          </a:prstGeom>
+          <a:ln w="38100">
+            <a:solidFill>
+              <a:schemeClr val="tx1"/>
+            </a:solidFill>
+            <a:tailEnd type="triangle"/>
+          </a:ln>
+        </p:spPr>
+        <p:style>
+          <a:lnRef idx="1">
+            <a:schemeClr val="accent1"/>
+          </a:lnRef>
+          <a:fillRef idx="0">
+            <a:schemeClr val="accent1"/>
+          </a:fillRef>
+          <a:effectRef idx="0">
+            <a:schemeClr val="accent1"/>
+          </a:effectRef>
+          <a:fontRef idx="minor">
+            <a:schemeClr val="tx1"/>
+          </a:fontRef>
+        </p:style>
+      </p:cxnSp>
+      <p:cxnSp>
+        <p:nvCxnSpPr>
+          <p:cNvPr id="3" name="Conector recto de flecha 2">
+            <a:extLst>
+              <a:ext uri="{FF2B5EF4-FFF2-40B4-BE49-F238E27FC236}">
+                <a16:creationId xmlns:a16="http://schemas.microsoft.com/office/drawing/2014/main" id="{C431CD7B-F98D-44BE-9175-AEF9196C034A}"/>
+              </a:ext>
+            </a:extLst>
+          </p:cNvPr>
+          <p:cNvCxnSpPr>
+            <a:cxnSpLocks/>
+          </p:cNvCxnSpPr>
+          <p:nvPr/>
+        </p:nvCxnSpPr>
+        <p:spPr>
+          <a:xfrm>
+            <a:off x="2540000" y="5687614"/>
+            <a:ext cx="6741786" cy="0"/>
+          </a:xfrm>
+          <a:prstGeom prst="straightConnector1">
+            <a:avLst/>
+          </a:prstGeom>
+          <a:ln w="38100">
+            <a:solidFill>
+              <a:schemeClr val="tx1"/>
+            </a:solidFill>
+            <a:tailEnd type="triangle"/>
+          </a:ln>
+        </p:spPr>
+        <p:style>
+          <a:lnRef idx="1">
+            <a:schemeClr val="accent1"/>
+          </a:lnRef>
+          <a:fillRef idx="0">
+            <a:schemeClr val="accent1"/>
+          </a:fillRef>
+          <a:effectRef idx="0">
+            <a:schemeClr val="accent1"/>
+          </a:effectRef>
+          <a:fontRef idx="minor">
+            <a:schemeClr val="tx1"/>
+          </a:fontRef>
+        </p:style>
+      </p:cxnSp>
+      <p:sp>
+        <p:nvSpPr>
+          <p:cNvPr id="4" name="CuadroTexto 3">
+            <a:extLst>
+              <a:ext uri="{FF2B5EF4-FFF2-40B4-BE49-F238E27FC236}">
+                <a16:creationId xmlns:a16="http://schemas.microsoft.com/office/drawing/2014/main" id="{9DC7CFE2-CBA5-427C-B715-A3376FB3FBB0}"/>
+              </a:ext>
+            </a:extLst>
+          </p:cNvPr>
+          <p:cNvSpPr txBox="1"/>
+          <p:nvPr/>
+        </p:nvSpPr>
+        <p:spPr>
+          <a:xfrm>
+            <a:off x="9347108" y="5675087"/>
+            <a:ext cx="304892" cy="369332"/>
+          </a:xfrm>
+          <a:prstGeom prst="rect">
+            <a:avLst/>
+          </a:prstGeom>
+          <a:noFill/>
+        </p:spPr>
+        <p:txBody>
+          <a:bodyPr wrap="none" rtlCol="0">
+            <a:spAutoFit/>
+          </a:bodyPr>
+          <a:lstStyle/>
+          <a:p>
+            <a:r>
+              <a:rPr lang="es-CO" dirty="0">
+                <a:latin typeface="Ancizar Sans Regular Italic" pitchFamily="50" charset="0"/>
+                <a:cs typeface="Times New Roman" panose="02020603050405020304" pitchFamily="18" charset="0"/>
+              </a:rPr>
+              <a:t>X</a:t>
+            </a:r>
+          </a:p>
+        </p:txBody>
+      </p:sp>
+      <p:sp>
+        <p:nvSpPr>
+          <p:cNvPr id="5" name="CuadroTexto 4">
+            <a:extLst>
+              <a:ext uri="{FF2B5EF4-FFF2-40B4-BE49-F238E27FC236}">
+                <a16:creationId xmlns:a16="http://schemas.microsoft.com/office/drawing/2014/main" id="{C12EDDC2-638E-45B8-9B69-6B5903AAE397}"/>
+              </a:ext>
+            </a:extLst>
+          </p:cNvPr>
+          <p:cNvSpPr txBox="1"/>
+          <p:nvPr/>
+        </p:nvSpPr>
+        <p:spPr>
+          <a:xfrm>
+            <a:off x="2237704" y="201495"/>
+            <a:ext cx="292068" cy="369332"/>
+          </a:xfrm>
+          <a:prstGeom prst="rect">
+            <a:avLst/>
+          </a:prstGeom>
+          <a:noFill/>
+        </p:spPr>
+        <p:txBody>
+          <a:bodyPr wrap="none" rtlCol="0">
+            <a:spAutoFit/>
+          </a:bodyPr>
+          <a:lstStyle/>
+          <a:p>
+            <a:r>
+              <a:rPr lang="es-MX" dirty="0">
+                <a:latin typeface="Ancizar Sans Regular Italic" pitchFamily="50" charset="0"/>
+                <a:cs typeface="Times New Roman" panose="02020603050405020304" pitchFamily="18" charset="0"/>
+              </a:rPr>
+              <a:t>Z</a:t>
+            </a:r>
+            <a:endParaRPr lang="es-CO" dirty="0">
+              <a:latin typeface="Ancizar Sans Regular Italic" pitchFamily="50" charset="0"/>
+              <a:cs typeface="Times New Roman" panose="02020603050405020304" pitchFamily="18" charset="0"/>
+            </a:endParaRPr>
+          </a:p>
+        </p:txBody>
+      </p:sp>
+      <p:sp>
+        <p:nvSpPr>
+          <p:cNvPr id="32" name="CuadroTexto 31">
+            <a:extLst>
+              <a:ext uri="{FF2B5EF4-FFF2-40B4-BE49-F238E27FC236}">
+                <a16:creationId xmlns:a16="http://schemas.microsoft.com/office/drawing/2014/main" id="{C491CB78-E325-4EF5-AFF2-5E29CE352820}"/>
+              </a:ext>
+            </a:extLst>
+          </p:cNvPr>
+          <p:cNvSpPr txBox="1"/>
+          <p:nvPr/>
+        </p:nvSpPr>
+        <p:spPr>
+          <a:xfrm>
+            <a:off x="7747753" y="73324"/>
+            <a:ext cx="300082" cy="369332"/>
+          </a:xfrm>
+          <a:prstGeom prst="rect">
+            <a:avLst/>
+          </a:prstGeom>
+          <a:noFill/>
+        </p:spPr>
+        <p:txBody>
+          <a:bodyPr wrap="none" rtlCol="0">
+            <a:spAutoFit/>
+          </a:bodyPr>
+          <a:lstStyle/>
+          <a:p>
+            <a:r>
+              <a:rPr lang="es-CO" b="1" dirty="0">
+                <a:solidFill>
+                  <a:schemeClr val="accent6">
+                    <a:lumMod val="75000"/>
+                  </a:schemeClr>
+                </a:solidFill>
+                <a:latin typeface="Ancizar Sans Regular Italic" pitchFamily="50" charset="0"/>
+                <a:cs typeface="Times New Roman" panose="02020603050405020304" pitchFamily="18" charset="0"/>
+              </a:rPr>
+              <a:t>e</a:t>
+            </a:r>
+          </a:p>
+        </p:txBody>
+      </p:sp>
+      <p:cxnSp>
+        <p:nvCxnSpPr>
+          <p:cNvPr id="14" name="Conector recto 13">
+            <a:extLst>
+              <a:ext uri="{FF2B5EF4-FFF2-40B4-BE49-F238E27FC236}">
+                <a16:creationId xmlns:a16="http://schemas.microsoft.com/office/drawing/2014/main" id="{755E35AE-4628-480F-92B3-C4BCBAE95D46}"/>
+              </a:ext>
+            </a:extLst>
+          </p:cNvPr>
+          <p:cNvCxnSpPr>
+            <a:cxnSpLocks/>
+          </p:cNvCxnSpPr>
+          <p:nvPr/>
+        </p:nvCxnSpPr>
+        <p:spPr>
+          <a:xfrm flipH="1" flipV="1">
+            <a:off x="1991412" y="3640000"/>
+            <a:ext cx="548588" cy="2035088"/>
+          </a:xfrm>
+          <a:prstGeom prst="line">
+            <a:avLst/>
+          </a:prstGeom>
+          <a:ln w="57150"/>
+        </p:spPr>
+        <p:style>
+          <a:lnRef idx="1">
+            <a:schemeClr val="accent1"/>
+          </a:lnRef>
+          <a:fillRef idx="0">
+            <a:schemeClr val="accent1"/>
+          </a:fillRef>
+          <a:effectRef idx="0">
+            <a:schemeClr val="accent1"/>
+          </a:effectRef>
+          <a:fontRef idx="minor">
+            <a:schemeClr val="tx1"/>
+          </a:fontRef>
+        </p:style>
+      </p:cxnSp>
+      <p:cxnSp>
+        <p:nvCxnSpPr>
+          <p:cNvPr id="39" name="Conector recto 38">
+            <a:extLst>
+              <a:ext uri="{FF2B5EF4-FFF2-40B4-BE49-F238E27FC236}">
+                <a16:creationId xmlns:a16="http://schemas.microsoft.com/office/drawing/2014/main" id="{5DF61B37-A1F0-4CD2-AA02-4FF5BC2758E6}"/>
+              </a:ext>
+            </a:extLst>
+          </p:cNvPr>
+          <p:cNvCxnSpPr>
+            <a:cxnSpLocks/>
+          </p:cNvCxnSpPr>
+          <p:nvPr/>
+        </p:nvCxnSpPr>
+        <p:spPr>
+          <a:xfrm flipV="1">
+            <a:off x="1948394" y="466917"/>
+            <a:ext cx="5933142" cy="3173084"/>
+          </a:xfrm>
+          <a:prstGeom prst="line">
+            <a:avLst/>
+          </a:prstGeom>
+          <a:ln w="57150">
+            <a:solidFill>
+              <a:schemeClr val="accent2">
+                <a:lumMod val="75000"/>
+              </a:schemeClr>
+            </a:solidFill>
+          </a:ln>
+        </p:spPr>
+        <p:style>
+          <a:lnRef idx="1">
+            <a:schemeClr val="accent1"/>
+          </a:lnRef>
+          <a:fillRef idx="0">
+            <a:schemeClr val="accent1"/>
+          </a:fillRef>
+          <a:effectRef idx="0">
+            <a:schemeClr val="accent1"/>
+          </a:effectRef>
+          <a:fontRef idx="minor">
+            <a:schemeClr val="tx1"/>
+          </a:fontRef>
+        </p:style>
+      </p:cxnSp>
+      <p:sp>
+        <p:nvSpPr>
+          <p:cNvPr id="19" name="Elipse 18">
+            <a:extLst>
+              <a:ext uri="{FF2B5EF4-FFF2-40B4-BE49-F238E27FC236}">
+                <a16:creationId xmlns:a16="http://schemas.microsoft.com/office/drawing/2014/main" id="{5CBDB23E-58E9-4FD6-97DA-AFA1E7DA4B9D}"/>
+              </a:ext>
+            </a:extLst>
+          </p:cNvPr>
+          <p:cNvSpPr/>
+          <p:nvPr/>
+        </p:nvSpPr>
+        <p:spPr>
+          <a:xfrm>
+            <a:off x="6675617" y="1040179"/>
+            <a:ext cx="77905" cy="94069"/>
+          </a:xfrm>
+          <a:prstGeom prst="ellipse">
+            <a:avLst/>
+          </a:prstGeom>
+        </p:spPr>
+        <p:style>
+          <a:lnRef idx="2">
+            <a:schemeClr val="accent1">
+              <a:shade val="50000"/>
+            </a:schemeClr>
+          </a:lnRef>
+          <a:fillRef idx="1">
+            <a:schemeClr val="accent1"/>
+          </a:fillRef>
+          <a:effectRef idx="0">
+            <a:schemeClr val="accent1"/>
+          </a:effectRef>
+          <a:fontRef idx="minor">
+            <a:schemeClr val="lt1"/>
+          </a:fontRef>
+        </p:style>
+        <p:txBody>
+          <a:bodyPr rtlCol="0" anchor="ctr"/>
+          <a:lstStyle/>
+          <a:p>
+            <a:pPr algn="ctr"/>
+            <a:endParaRPr lang="es-CO"/>
+          </a:p>
+        </p:txBody>
+      </p:sp>
+      <p:sp>
+        <p:nvSpPr>
+          <p:cNvPr id="40" name="CuadroTexto 39">
+            <a:extLst>
+              <a:ext uri="{FF2B5EF4-FFF2-40B4-BE49-F238E27FC236}">
+                <a16:creationId xmlns:a16="http://schemas.microsoft.com/office/drawing/2014/main" id="{09AE33B9-FDFF-4374-8451-9E02B82301C6}"/>
+              </a:ext>
+            </a:extLst>
+          </p:cNvPr>
+          <p:cNvSpPr txBox="1"/>
+          <p:nvPr/>
+        </p:nvSpPr>
+        <p:spPr>
+          <a:xfrm>
+            <a:off x="6433510" y="733480"/>
+            <a:ext cx="356188" cy="369332"/>
+          </a:xfrm>
+          <a:prstGeom prst="rect">
+            <a:avLst/>
+          </a:prstGeom>
+          <a:noFill/>
+        </p:spPr>
+        <p:txBody>
+          <a:bodyPr wrap="none" rtlCol="0">
+            <a:spAutoFit/>
+          </a:bodyPr>
+          <a:lstStyle/>
+          <a:p>
+            <a:r>
+              <a:rPr lang="es-CO" b="1" dirty="0">
+                <a:solidFill>
+                  <a:srgbClr val="7030A0"/>
+                </a:solidFill>
+                <a:latin typeface="Ancizar Sans Regular Italic" pitchFamily="50" charset="0"/>
+                <a:cs typeface="Times New Roman" panose="02020603050405020304" pitchFamily="18" charset="0"/>
+              </a:rPr>
+              <a:t>w</a:t>
+            </a:r>
+          </a:p>
+        </p:txBody>
+      </p:sp>
+      <mc:AlternateContent xmlns:mc="http://schemas.openxmlformats.org/markup-compatibility/2006">
+        <mc:Choice xmlns:a14="http://schemas.microsoft.com/office/drawing/2010/main" Requires="a14">
+          <p:sp>
+            <p:nvSpPr>
+              <p:cNvPr id="42" name="CuadroTexto 41">
+                <a:extLst>
+                  <a:ext uri="{FF2B5EF4-FFF2-40B4-BE49-F238E27FC236}">
+                    <a16:creationId xmlns:a16="http://schemas.microsoft.com/office/drawing/2014/main" id="{B99FCE46-E31F-49FA-81C2-B52C8EA8319E}"/>
+                  </a:ext>
+                </a:extLst>
+              </p:cNvPr>
+              <p:cNvSpPr txBox="1"/>
+              <p:nvPr/>
+            </p:nvSpPr>
+            <p:spPr>
+              <a:xfrm>
+                <a:off x="6979771" y="490940"/>
+                <a:ext cx="232371" cy="276999"/>
+              </a:xfrm>
+              <a:prstGeom prst="rect">
+                <a:avLst/>
+              </a:prstGeom>
+              <a:noFill/>
+            </p:spPr>
+            <p:txBody>
+              <a:bodyPr wrap="none" lIns="0" tIns="0" rIns="0" bIns="0" rtlCol="0">
+                <a:spAutoFit/>
+              </a:bodyPr>
+              <a:lstStyle/>
+              <a:p>
+                <a:pPr/>
+                <a14:m>
+                  <m:oMathPara xmlns:m="http://schemas.openxmlformats.org/officeDocument/2006/math">
+                    <m:oMathParaPr>
+                      <m:jc m:val="centerGroup"/>
+                    </m:oMathParaPr>
+                    <m:oMath xmlns:m="http://schemas.openxmlformats.org/officeDocument/2006/math">
+                      <m:sSub>
+                        <m:sSubPr>
+                          <m:ctrlPr>
+                            <a:rPr lang="es-MX" b="0" i="1" smtClean="0">
+                              <a:latin typeface="Cambria Math" panose="02040503050406030204" pitchFamily="18" charset="0"/>
+                            </a:rPr>
+                          </m:ctrlPr>
+                        </m:sSubPr>
+                        <m:e>
+                          <m:r>
+                            <a:rPr lang="es-MX" b="0" i="1" smtClean="0">
+                              <a:latin typeface="Cambria Math" panose="02040503050406030204" pitchFamily="18" charset="0"/>
+                            </a:rPr>
+                            <m:t>𝑙</m:t>
+                          </m:r>
+                        </m:e>
+                        <m:sub>
+                          <m:r>
+                            <a:rPr lang="es-CO" b="0" i="1" smtClean="0">
+                              <a:latin typeface="Cambria Math" panose="02040503050406030204" pitchFamily="18" charset="0"/>
+                            </a:rPr>
+                            <m:t>4</m:t>
+                          </m:r>
+                        </m:sub>
+                      </m:sSub>
+                    </m:oMath>
+                  </m:oMathPara>
+                </a14:m>
+                <a:endParaRPr lang="es-MX" b="0" dirty="0"/>
+              </a:p>
+            </p:txBody>
+          </p:sp>
+        </mc:Choice>
+        <mc:Fallback>
+          <p:sp>
+            <p:nvSpPr>
+              <p:cNvPr id="42" name="CuadroTexto 41">
+                <a:extLst>
+                  <a:ext uri="{FF2B5EF4-FFF2-40B4-BE49-F238E27FC236}">
+                    <a16:creationId xmlns:a16="http://schemas.microsoft.com/office/drawing/2014/main" id="{B99FCE46-E31F-49FA-81C2-B52C8EA8319E}"/>
+                  </a:ext>
+                </a:extLst>
+              </p:cNvPr>
+              <p:cNvSpPr txBox="1">
+                <a:spLocks noRot="1" noChangeAspect="1" noMove="1" noResize="1" noEditPoints="1" noAdjustHandles="1" noChangeArrowheads="1" noChangeShapeType="1" noTextEdit="1"/>
+              </p:cNvSpPr>
+              <p:nvPr/>
+            </p:nvSpPr>
+            <p:spPr>
+              <a:xfrm>
+                <a:off x="6979771" y="490940"/>
+                <a:ext cx="232371" cy="276999"/>
+              </a:xfrm>
+              <a:prstGeom prst="rect">
+                <a:avLst/>
+              </a:prstGeom>
+              <a:blipFill>
+                <a:blip r:embed="rId2"/>
+                <a:stretch>
+                  <a:fillRect l="-26316" r="-7895" b="-15556"/>
+                </a:stretch>
+              </a:blipFill>
+            </p:spPr>
+            <p:txBody>
+              <a:bodyPr/>
+              <a:lstStyle/>
+              <a:p>
+                <a:r>
+                  <a:rPr lang="en-US">
+                    <a:noFill/>
+                  </a:rPr>
+                  <a:t> </a:t>
+                </a:r>
+              </a:p>
+            </p:txBody>
+          </p:sp>
+        </mc:Fallback>
+      </mc:AlternateContent>
+      <mc:AlternateContent xmlns:mc="http://schemas.openxmlformats.org/markup-compatibility/2006">
+        <mc:Choice xmlns:a14="http://schemas.microsoft.com/office/drawing/2010/main" Requires="a14">
+          <p:sp>
+            <p:nvSpPr>
+              <p:cNvPr id="43" name="CuadroTexto 42">
+                <a:extLst>
+                  <a:ext uri="{FF2B5EF4-FFF2-40B4-BE49-F238E27FC236}">
+                    <a16:creationId xmlns:a16="http://schemas.microsoft.com/office/drawing/2014/main" id="{5FB92E59-4465-429A-8F40-D5E186269570}"/>
+                  </a:ext>
+                </a:extLst>
+              </p:cNvPr>
+              <p:cNvSpPr txBox="1"/>
+              <p:nvPr/>
+            </p:nvSpPr>
+            <p:spPr>
+              <a:xfrm>
+                <a:off x="1909270" y="4458989"/>
+                <a:ext cx="232371" cy="276999"/>
+              </a:xfrm>
+              <a:prstGeom prst="rect">
+                <a:avLst/>
+              </a:prstGeom>
+              <a:noFill/>
+            </p:spPr>
+            <p:txBody>
+              <a:bodyPr wrap="none" lIns="0" tIns="0" rIns="0" bIns="0" rtlCol="0">
+                <a:spAutoFit/>
+              </a:bodyPr>
+              <a:lstStyle/>
+              <a:p>
+                <a:pPr/>
+                <a14:m>
+                  <m:oMathPara xmlns:m="http://schemas.openxmlformats.org/officeDocument/2006/math">
+                    <m:oMathParaPr>
+                      <m:jc m:val="centerGroup"/>
+                    </m:oMathParaPr>
+                    <m:oMath xmlns:m="http://schemas.openxmlformats.org/officeDocument/2006/math">
+                      <m:sSub>
+                        <m:sSubPr>
+                          <m:ctrlPr>
+                            <a:rPr lang="es-MX" b="0" i="1" smtClean="0">
+                              <a:latin typeface="Cambria Math" panose="02040503050406030204" pitchFamily="18" charset="0"/>
+                            </a:rPr>
+                          </m:ctrlPr>
+                        </m:sSubPr>
+                        <m:e>
+                          <m:r>
+                            <a:rPr lang="es-MX" b="0" i="1" smtClean="0">
+                              <a:latin typeface="Cambria Math" panose="02040503050406030204" pitchFamily="18" charset="0"/>
+                            </a:rPr>
+                            <m:t>𝑙</m:t>
+                          </m:r>
+                        </m:e>
+                        <m:sub>
+                          <m:r>
+                            <a:rPr lang="es-CO" b="0" i="1" smtClean="0">
+                              <a:latin typeface="Cambria Math" panose="02040503050406030204" pitchFamily="18" charset="0"/>
+                            </a:rPr>
+                            <m:t>2</m:t>
+                          </m:r>
+                        </m:sub>
+                      </m:sSub>
+                    </m:oMath>
+                  </m:oMathPara>
+                </a14:m>
+                <a:endParaRPr lang="es-MX" b="0" dirty="0"/>
+              </a:p>
+            </p:txBody>
+          </p:sp>
+        </mc:Choice>
+        <mc:Fallback>
+          <p:sp>
+            <p:nvSpPr>
+              <p:cNvPr id="43" name="CuadroTexto 42">
+                <a:extLst>
+                  <a:ext uri="{FF2B5EF4-FFF2-40B4-BE49-F238E27FC236}">
+                    <a16:creationId xmlns:a16="http://schemas.microsoft.com/office/drawing/2014/main" id="{5FB92E59-4465-429A-8F40-D5E186269570}"/>
+                  </a:ext>
+                </a:extLst>
+              </p:cNvPr>
+              <p:cNvSpPr txBox="1">
+                <a:spLocks noRot="1" noChangeAspect="1" noMove="1" noResize="1" noEditPoints="1" noAdjustHandles="1" noChangeArrowheads="1" noChangeShapeType="1" noTextEdit="1"/>
+              </p:cNvSpPr>
+              <p:nvPr/>
+            </p:nvSpPr>
+            <p:spPr>
+              <a:xfrm>
+                <a:off x="1909270" y="4458989"/>
+                <a:ext cx="232371" cy="276999"/>
+              </a:xfrm>
+              <a:prstGeom prst="rect">
+                <a:avLst/>
+              </a:prstGeom>
+              <a:blipFill>
+                <a:blip r:embed="rId3"/>
+                <a:stretch>
+                  <a:fillRect l="-26316" r="-10526" b="-15217"/>
+                </a:stretch>
+              </a:blipFill>
+            </p:spPr>
+            <p:txBody>
+              <a:bodyPr/>
+              <a:lstStyle/>
+              <a:p>
+                <a:r>
+                  <a:rPr lang="en-US">
+                    <a:noFill/>
+                  </a:rPr>
+                  <a:t> </a:t>
+                </a:r>
+              </a:p>
+            </p:txBody>
+          </p:sp>
+        </mc:Fallback>
+      </mc:AlternateContent>
+      <mc:AlternateContent xmlns:mc="http://schemas.openxmlformats.org/markup-compatibility/2006">
+        <mc:Choice xmlns:a14="http://schemas.microsoft.com/office/drawing/2010/main" Requires="a14">
+          <p:sp>
+            <p:nvSpPr>
+              <p:cNvPr id="45" name="CuadroTexto 44">
+                <a:extLst>
+                  <a:ext uri="{FF2B5EF4-FFF2-40B4-BE49-F238E27FC236}">
+                    <a16:creationId xmlns:a16="http://schemas.microsoft.com/office/drawing/2014/main" id="{0EF8E5FE-FD47-466C-95EB-2188C28FE758}"/>
+                  </a:ext>
+                </a:extLst>
+              </p:cNvPr>
+              <p:cNvSpPr txBox="1"/>
+              <p:nvPr/>
+            </p:nvSpPr>
+            <p:spPr>
+              <a:xfrm>
+                <a:off x="5455967" y="2922538"/>
+                <a:ext cx="256480" cy="276999"/>
+              </a:xfrm>
+              <a:prstGeom prst="rect">
+                <a:avLst/>
+              </a:prstGeom>
+              <a:noFill/>
+            </p:spPr>
+            <p:txBody>
+              <a:bodyPr wrap="none" lIns="0" tIns="0" rIns="0" bIns="0" rtlCol="0">
+                <a:spAutoFit/>
+              </a:bodyPr>
+              <a:lstStyle/>
+              <a:p>
+                <a:pPr/>
+                <a14:m>
+                  <m:oMathPara xmlns:m="http://schemas.openxmlformats.org/officeDocument/2006/math">
+                    <m:oMathParaPr>
+                      <m:jc m:val="centerGroup"/>
+                    </m:oMathParaPr>
+                    <m:oMath xmlns:m="http://schemas.openxmlformats.org/officeDocument/2006/math">
+                      <m:sSub>
+                        <m:sSubPr>
+                          <m:ctrlPr>
+                            <a:rPr lang="es-MX" b="0" i="1" smtClean="0">
+                              <a:latin typeface="Cambria Math" panose="02040503050406030204" pitchFamily="18" charset="0"/>
+                            </a:rPr>
+                          </m:ctrlPr>
+                        </m:sSubPr>
+                        <m:e>
+                          <m:r>
+                            <a:rPr lang="es-MX" b="0" i="1" smtClean="0">
+                              <a:latin typeface="Cambria Math" panose="02040503050406030204" pitchFamily="18" charset="0"/>
+                            </a:rPr>
+                            <m:t>𝑃</m:t>
+                          </m:r>
+                        </m:e>
+                        <m:sub>
+                          <m:r>
+                            <a:rPr lang="es-CO" b="0" i="1" smtClean="0">
+                              <a:latin typeface="Cambria Math" panose="02040503050406030204" pitchFamily="18" charset="0"/>
+                            </a:rPr>
+                            <m:t>𝑒</m:t>
+                          </m:r>
+                        </m:sub>
+                      </m:sSub>
+                    </m:oMath>
+                  </m:oMathPara>
+                </a14:m>
+                <a:endParaRPr lang="es-MX" b="0" dirty="0"/>
+              </a:p>
+            </p:txBody>
+          </p:sp>
+        </mc:Choice>
+        <mc:Fallback>
+          <p:sp>
+            <p:nvSpPr>
+              <p:cNvPr id="45" name="CuadroTexto 44">
+                <a:extLst>
+                  <a:ext uri="{FF2B5EF4-FFF2-40B4-BE49-F238E27FC236}">
+                    <a16:creationId xmlns:a16="http://schemas.microsoft.com/office/drawing/2014/main" id="{0EF8E5FE-FD47-466C-95EB-2188C28FE758}"/>
+                  </a:ext>
+                </a:extLst>
+              </p:cNvPr>
+              <p:cNvSpPr txBox="1">
+                <a:spLocks noRot="1" noChangeAspect="1" noMove="1" noResize="1" noEditPoints="1" noAdjustHandles="1" noChangeArrowheads="1" noChangeShapeType="1" noTextEdit="1"/>
+              </p:cNvSpPr>
+              <p:nvPr/>
+            </p:nvSpPr>
+            <p:spPr>
+              <a:xfrm>
+                <a:off x="5455967" y="2922538"/>
+                <a:ext cx="256480" cy="276999"/>
+              </a:xfrm>
+              <a:prstGeom prst="rect">
+                <a:avLst/>
+              </a:prstGeom>
+              <a:blipFill>
+                <a:blip r:embed="rId4"/>
+                <a:stretch>
+                  <a:fillRect l="-21429" r="-4762" b="-10870"/>
+                </a:stretch>
+              </a:blipFill>
+            </p:spPr>
+            <p:txBody>
+              <a:bodyPr/>
+              <a:lstStyle/>
+              <a:p>
+                <a:r>
+                  <a:rPr lang="en-US">
+                    <a:noFill/>
+                  </a:rPr>
+                  <a:t> </a:t>
+                </a:r>
+              </a:p>
+            </p:txBody>
+          </p:sp>
+        </mc:Fallback>
+      </mc:AlternateContent>
+      <p:sp>
+        <p:nvSpPr>
+          <p:cNvPr id="47" name="Arco 46">
+            <a:extLst>
+              <a:ext uri="{FF2B5EF4-FFF2-40B4-BE49-F238E27FC236}">
+                <a16:creationId xmlns:a16="http://schemas.microsoft.com/office/drawing/2014/main" id="{40183F1A-5894-4962-8521-BFE8B467505E}"/>
+              </a:ext>
+            </a:extLst>
+          </p:cNvPr>
+          <p:cNvSpPr/>
+          <p:nvPr/>
+        </p:nvSpPr>
+        <p:spPr>
+          <a:xfrm rot="18191689">
+            <a:off x="2357316" y="4698757"/>
+            <a:ext cx="887158" cy="1023886"/>
+          </a:xfrm>
+          <a:prstGeom prst="arc">
+            <a:avLst>
+              <a:gd name="adj1" fmla="val 16199990"/>
+              <a:gd name="adj2" fmla="val 1897043"/>
+            </a:avLst>
+          </a:prstGeom>
+          <a:ln w="28575">
+            <a:solidFill>
+              <a:srgbClr val="C00000"/>
+            </a:solidFill>
+          </a:ln>
+        </p:spPr>
+        <p:style>
+          <a:lnRef idx="1">
+            <a:schemeClr val="accent1"/>
+          </a:lnRef>
+          <a:fillRef idx="0">
+            <a:schemeClr val="accent1"/>
+          </a:fillRef>
+          <a:effectRef idx="0">
+            <a:schemeClr val="accent1"/>
+          </a:effectRef>
+          <a:fontRef idx="minor">
+            <a:schemeClr val="tx1"/>
+          </a:fontRef>
+        </p:style>
+        <p:txBody>
+          <a:bodyPr rtlCol="0" anchor="ctr"/>
+          <a:lstStyle/>
+          <a:p>
+            <a:pPr algn="ctr"/>
+            <a:endParaRPr lang="es-CO"/>
+          </a:p>
+        </p:txBody>
+      </p:sp>
+      <p:sp>
+        <p:nvSpPr>
+          <p:cNvPr id="18" name="Arco 17">
+            <a:extLst>
+              <a:ext uri="{FF2B5EF4-FFF2-40B4-BE49-F238E27FC236}">
+                <a16:creationId xmlns:a16="http://schemas.microsoft.com/office/drawing/2014/main" id="{A8D0EA01-05FA-4B90-B834-179F39CD8A5A}"/>
+              </a:ext>
+            </a:extLst>
+          </p:cNvPr>
+          <p:cNvSpPr/>
+          <p:nvPr/>
+        </p:nvSpPr>
+        <p:spPr>
+          <a:xfrm rot="4742630">
+            <a:off x="1580761" y="3125318"/>
+            <a:ext cx="762985" cy="881061"/>
+          </a:xfrm>
+          <a:prstGeom prst="arc">
+            <a:avLst>
+              <a:gd name="adj1" fmla="val 15849441"/>
+              <a:gd name="adj2" fmla="val 21197159"/>
+            </a:avLst>
+          </a:prstGeom>
+          <a:ln w="28575">
+            <a:solidFill>
+              <a:srgbClr val="C00000"/>
+            </a:solidFill>
+          </a:ln>
+        </p:spPr>
+        <p:style>
+          <a:lnRef idx="1">
+            <a:schemeClr val="accent1"/>
+          </a:lnRef>
+          <a:fillRef idx="0">
+            <a:schemeClr val="accent1"/>
+          </a:fillRef>
+          <a:effectRef idx="0">
+            <a:schemeClr val="accent1"/>
+          </a:effectRef>
+          <a:fontRef idx="minor">
+            <a:schemeClr val="tx1"/>
+          </a:fontRef>
+        </p:style>
+        <p:txBody>
+          <a:bodyPr rtlCol="0" anchor="ctr"/>
+          <a:lstStyle/>
+          <a:p>
+            <a:pPr algn="ctr"/>
+            <a:endParaRPr lang="es-CO">
+              <a:solidFill>
+                <a:srgbClr val="FF0000"/>
+              </a:solidFill>
+            </a:endParaRPr>
+          </a:p>
+        </p:txBody>
+      </p:sp>
+      <p:sp>
+        <p:nvSpPr>
+          <p:cNvPr id="21" name="Arco 20">
+            <a:extLst>
+              <a:ext uri="{FF2B5EF4-FFF2-40B4-BE49-F238E27FC236}">
+                <a16:creationId xmlns:a16="http://schemas.microsoft.com/office/drawing/2014/main" id="{24A58B17-2B31-43E7-8021-D7F5C0995932}"/>
+              </a:ext>
+            </a:extLst>
+          </p:cNvPr>
+          <p:cNvSpPr/>
+          <p:nvPr/>
+        </p:nvSpPr>
+        <p:spPr>
+          <a:xfrm rot="2202727">
+            <a:off x="2476813" y="3169782"/>
+            <a:ext cx="463445" cy="457860"/>
+          </a:xfrm>
+          <a:prstGeom prst="arc">
+            <a:avLst>
+              <a:gd name="adj1" fmla="val 16200000"/>
+              <a:gd name="adj2" fmla="val 19565744"/>
+            </a:avLst>
+          </a:prstGeom>
+          <a:ln w="28575">
+            <a:solidFill>
+              <a:srgbClr val="FF0000"/>
+            </a:solidFill>
+          </a:ln>
+        </p:spPr>
+        <p:style>
+          <a:lnRef idx="1">
+            <a:schemeClr val="accent1"/>
+          </a:lnRef>
+          <a:fillRef idx="0">
+            <a:schemeClr val="accent1"/>
+          </a:fillRef>
+          <a:effectRef idx="0">
+            <a:schemeClr val="accent1"/>
+          </a:effectRef>
+          <a:fontRef idx="minor">
+            <a:schemeClr val="tx1"/>
+          </a:fontRef>
+        </p:style>
+        <p:txBody>
+          <a:bodyPr rtlCol="0" anchor="ctr"/>
+          <a:lstStyle/>
+          <a:p>
+            <a:pPr algn="ctr"/>
+            <a:endParaRPr lang="es-CO"/>
+          </a:p>
+        </p:txBody>
+      </p:sp>
+      <p:sp>
+        <p:nvSpPr>
+          <p:cNvPr id="22" name="CuadroTexto 21">
+            <a:extLst>
+              <a:ext uri="{FF2B5EF4-FFF2-40B4-BE49-F238E27FC236}">
+                <a16:creationId xmlns:a16="http://schemas.microsoft.com/office/drawing/2014/main" id="{47F82276-E94D-4805-A11B-5E98F507FED1}"/>
+              </a:ext>
+            </a:extLst>
+          </p:cNvPr>
+          <p:cNvSpPr txBox="1"/>
+          <p:nvPr/>
+        </p:nvSpPr>
+        <p:spPr>
+          <a:xfrm>
+            <a:off x="2624984" y="4830078"/>
+            <a:ext cx="406165" cy="369332"/>
+          </a:xfrm>
+          <a:prstGeom prst="rect">
+            <a:avLst/>
+          </a:prstGeom>
+          <a:noFill/>
+          <a:ln>
+            <a:noFill/>
+          </a:ln>
+        </p:spPr>
+        <p:txBody>
+          <a:bodyPr wrap="square" rtlCol="0">
+            <a:spAutoFit/>
+          </a:bodyPr>
+          <a:lstStyle/>
+          <a:p>
+            <a:r>
+              <a:rPr lang="el-GR" dirty="0">
+                <a:solidFill>
+                  <a:schemeClr val="accent2">
+                    <a:lumMod val="75000"/>
+                  </a:schemeClr>
+                </a:solidFill>
+                <a:latin typeface="Times New Roman" panose="02020603050405020304" pitchFamily="18" charset="0"/>
+                <a:cs typeface="Times New Roman" panose="02020603050405020304" pitchFamily="18" charset="0"/>
+              </a:rPr>
+              <a:t>β</a:t>
+            </a:r>
+            <a:endParaRPr lang="es-CO" dirty="0">
+              <a:solidFill>
+                <a:schemeClr val="accent2">
+                  <a:lumMod val="75000"/>
+                </a:schemeClr>
+              </a:solidFill>
+              <a:latin typeface="Ancizar Sans Regular Italic" pitchFamily="50" charset="0"/>
+              <a:cs typeface="Times New Roman" panose="02020603050405020304" pitchFamily="18" charset="0"/>
+            </a:endParaRPr>
+          </a:p>
+        </p:txBody>
+      </p:sp>
+      <p:sp>
+        <p:nvSpPr>
+          <p:cNvPr id="23" name="CuadroTexto 22">
+            <a:extLst>
+              <a:ext uri="{FF2B5EF4-FFF2-40B4-BE49-F238E27FC236}">
+                <a16:creationId xmlns:a16="http://schemas.microsoft.com/office/drawing/2014/main" id="{8484D7A0-90DA-48D4-83C1-3AD44CBFA906}"/>
+              </a:ext>
+            </a:extLst>
+          </p:cNvPr>
+          <p:cNvSpPr txBox="1"/>
+          <p:nvPr/>
+        </p:nvSpPr>
+        <p:spPr>
+          <a:xfrm>
+            <a:off x="2814250" y="4431869"/>
+            <a:ext cx="406165" cy="369332"/>
+          </a:xfrm>
+          <a:prstGeom prst="rect">
+            <a:avLst/>
+          </a:prstGeom>
+          <a:noFill/>
+          <a:ln>
+            <a:noFill/>
+          </a:ln>
+        </p:spPr>
+        <p:txBody>
+          <a:bodyPr wrap="square" rtlCol="0">
+            <a:spAutoFit/>
+          </a:bodyPr>
+          <a:lstStyle/>
+          <a:p>
+            <a:r>
+              <a:rPr lang="el-GR" dirty="0">
+                <a:solidFill>
+                  <a:schemeClr val="accent2">
+                    <a:lumMod val="75000"/>
+                  </a:schemeClr>
+                </a:solidFill>
+                <a:latin typeface="Times New Roman" panose="02020603050405020304" pitchFamily="18" charset="0"/>
+                <a:cs typeface="Times New Roman" panose="02020603050405020304" pitchFamily="18" charset="0"/>
+              </a:rPr>
+              <a:t>α</a:t>
+            </a:r>
+            <a:endParaRPr lang="es-CO" dirty="0">
+              <a:solidFill>
+                <a:schemeClr val="accent2">
+                  <a:lumMod val="75000"/>
+                </a:schemeClr>
+              </a:solidFill>
+              <a:latin typeface="Ancizar Sans Regular Italic" pitchFamily="50" charset="0"/>
+              <a:cs typeface="Times New Roman" panose="02020603050405020304" pitchFamily="18" charset="0"/>
+            </a:endParaRPr>
+          </a:p>
+        </p:txBody>
+      </p:sp>
+      <p:cxnSp>
+        <p:nvCxnSpPr>
+          <p:cNvPr id="9" name="Conector recto 8">
+            <a:extLst>
+              <a:ext uri="{FF2B5EF4-FFF2-40B4-BE49-F238E27FC236}">
+                <a16:creationId xmlns:a16="http://schemas.microsoft.com/office/drawing/2014/main" id="{591BAABB-2764-40D0-8769-1ECEF852A5E8}"/>
+              </a:ext>
+            </a:extLst>
+          </p:cNvPr>
+          <p:cNvCxnSpPr>
+            <a:cxnSpLocks/>
+          </p:cNvCxnSpPr>
+          <p:nvPr/>
+        </p:nvCxnSpPr>
+        <p:spPr>
+          <a:xfrm flipV="1">
+            <a:off x="1534329" y="3165266"/>
+            <a:ext cx="2288949" cy="610372"/>
+          </a:xfrm>
+          <a:prstGeom prst="line">
+            <a:avLst/>
+          </a:prstGeom>
+          <a:ln w="28575">
+            <a:solidFill>
+              <a:srgbClr val="FFFF00"/>
+            </a:solidFill>
+          </a:ln>
+        </p:spPr>
+        <p:style>
+          <a:lnRef idx="1">
+            <a:schemeClr val="accent1"/>
+          </a:lnRef>
+          <a:fillRef idx="0">
+            <a:schemeClr val="accent1"/>
+          </a:fillRef>
+          <a:effectRef idx="0">
+            <a:schemeClr val="accent1"/>
+          </a:effectRef>
+          <a:fontRef idx="minor">
+            <a:schemeClr val="tx1"/>
+          </a:fontRef>
+        </p:style>
+      </p:cxnSp>
+      <p:sp>
+        <p:nvSpPr>
+          <p:cNvPr id="25" name="CuadroTexto 24">
+            <a:extLst>
+              <a:ext uri="{FF2B5EF4-FFF2-40B4-BE49-F238E27FC236}">
+                <a16:creationId xmlns:a16="http://schemas.microsoft.com/office/drawing/2014/main" id="{43521429-B42D-4221-841C-41496D0CE523}"/>
+              </a:ext>
+            </a:extLst>
+          </p:cNvPr>
+          <p:cNvSpPr txBox="1"/>
+          <p:nvPr/>
+        </p:nvSpPr>
+        <p:spPr>
+          <a:xfrm>
+            <a:off x="2115937" y="4077646"/>
+            <a:ext cx="645177" cy="369332"/>
+          </a:xfrm>
+          <a:prstGeom prst="rect">
+            <a:avLst/>
+          </a:prstGeom>
+          <a:noFill/>
+          <a:ln>
+            <a:noFill/>
+          </a:ln>
+        </p:spPr>
+        <p:txBody>
+          <a:bodyPr wrap="square" rtlCol="0">
+            <a:spAutoFit/>
+          </a:bodyPr>
+          <a:lstStyle/>
+          <a:p>
+            <a:r>
+              <a:rPr lang="el-GR" dirty="0">
+                <a:solidFill>
+                  <a:srgbClr val="FF0000"/>
+                </a:solidFill>
+                <a:latin typeface="Times New Roman" panose="02020603050405020304" pitchFamily="18" charset="0"/>
+                <a:cs typeface="Times New Roman" panose="02020603050405020304" pitchFamily="18" charset="0"/>
+              </a:rPr>
+              <a:t>θ</a:t>
+            </a:r>
+            <a:r>
+              <a:rPr lang="es-CO" baseline="-25000" dirty="0">
+                <a:solidFill>
+                  <a:srgbClr val="FF0000"/>
+                </a:solidFill>
+                <a:latin typeface="Times New Roman" panose="02020603050405020304" pitchFamily="18" charset="0"/>
+                <a:cs typeface="Times New Roman" panose="02020603050405020304" pitchFamily="18" charset="0"/>
+              </a:rPr>
+              <a:t>2-1</a:t>
+            </a:r>
+            <a:endParaRPr lang="es-CO" dirty="0">
+              <a:solidFill>
+                <a:srgbClr val="FF0000"/>
+              </a:solidFill>
+              <a:latin typeface="Ancizar Sans Regular Italic" pitchFamily="50" charset="0"/>
+              <a:cs typeface="Times New Roman" panose="02020603050405020304" pitchFamily="18" charset="0"/>
+            </a:endParaRPr>
+          </a:p>
+        </p:txBody>
+      </p:sp>
+      <p:sp>
+        <p:nvSpPr>
+          <p:cNvPr id="27" name="Arco 26">
+            <a:extLst>
+              <a:ext uri="{FF2B5EF4-FFF2-40B4-BE49-F238E27FC236}">
+                <a16:creationId xmlns:a16="http://schemas.microsoft.com/office/drawing/2014/main" id="{62C87F77-09BA-4C1E-A2C0-6E7303DA2382}"/>
+              </a:ext>
+            </a:extLst>
+          </p:cNvPr>
+          <p:cNvSpPr/>
+          <p:nvPr/>
+        </p:nvSpPr>
+        <p:spPr>
+          <a:xfrm rot="16771024">
+            <a:off x="1719418" y="3188760"/>
+            <a:ext cx="671353" cy="723286"/>
+          </a:xfrm>
+          <a:prstGeom prst="arc">
+            <a:avLst>
+              <a:gd name="adj1" fmla="val 14184949"/>
+              <a:gd name="adj2" fmla="val 3330811"/>
+            </a:avLst>
+          </a:prstGeom>
+          <a:ln w="28575">
+            <a:solidFill>
+              <a:srgbClr val="FF0000"/>
+            </a:solidFill>
+          </a:ln>
+        </p:spPr>
+        <p:style>
+          <a:lnRef idx="1">
+            <a:schemeClr val="accent1"/>
+          </a:lnRef>
+          <a:fillRef idx="0">
+            <a:schemeClr val="accent1"/>
+          </a:fillRef>
+          <a:effectRef idx="0">
+            <a:schemeClr val="accent1"/>
+          </a:effectRef>
+          <a:fontRef idx="minor">
+            <a:schemeClr val="tx1"/>
+          </a:fontRef>
+        </p:style>
+        <p:txBody>
+          <a:bodyPr rtlCol="0" anchor="ctr"/>
+          <a:lstStyle/>
+          <a:p>
+            <a:pPr algn="ctr"/>
+            <a:endParaRPr lang="es-CO"/>
+          </a:p>
+        </p:txBody>
+      </p:sp>
+      <p:sp>
+        <p:nvSpPr>
+          <p:cNvPr id="28" name="CuadroTexto 27">
+            <a:extLst>
+              <a:ext uri="{FF2B5EF4-FFF2-40B4-BE49-F238E27FC236}">
+                <a16:creationId xmlns:a16="http://schemas.microsoft.com/office/drawing/2014/main" id="{8E2DC398-D99F-497D-865C-89B59BF81E1D}"/>
+              </a:ext>
+            </a:extLst>
+          </p:cNvPr>
+          <p:cNvSpPr txBox="1"/>
+          <p:nvPr/>
+        </p:nvSpPr>
+        <p:spPr>
+          <a:xfrm>
+            <a:off x="1594228" y="2856670"/>
+            <a:ext cx="1766196" cy="369332"/>
+          </a:xfrm>
+          <a:prstGeom prst="rect">
+            <a:avLst/>
+          </a:prstGeom>
+          <a:noFill/>
+          <a:ln>
+            <a:noFill/>
+          </a:ln>
+        </p:spPr>
+        <p:txBody>
+          <a:bodyPr wrap="square" rtlCol="0">
+            <a:spAutoFit/>
+          </a:bodyPr>
+          <a:lstStyle/>
+          <a:p>
+            <a:r>
+              <a:rPr lang="el-GR" dirty="0">
+                <a:solidFill>
+                  <a:srgbClr val="FF0000"/>
+                </a:solidFill>
+                <a:latin typeface="Times New Roman" panose="02020603050405020304" pitchFamily="18" charset="0"/>
+                <a:cs typeface="Times New Roman" panose="02020603050405020304" pitchFamily="18" charset="0"/>
+              </a:rPr>
+              <a:t>θ</a:t>
+            </a:r>
+            <a:r>
+              <a:rPr lang="es-CO" baseline="-25000" dirty="0">
+                <a:solidFill>
+                  <a:srgbClr val="FF0000"/>
+                </a:solidFill>
+                <a:latin typeface="Times New Roman" panose="02020603050405020304" pitchFamily="18" charset="0"/>
+                <a:cs typeface="Times New Roman" panose="02020603050405020304" pitchFamily="18" charset="0"/>
+              </a:rPr>
+              <a:t>3-2</a:t>
+            </a:r>
+            <a:endParaRPr lang="es-CO" dirty="0">
+              <a:solidFill>
+                <a:srgbClr val="FF0000"/>
+              </a:solidFill>
+              <a:latin typeface="Ancizar Sans Regular Italic" pitchFamily="50" charset="0"/>
+              <a:cs typeface="Times New Roman" panose="02020603050405020304" pitchFamily="18" charset="0"/>
+            </a:endParaRPr>
+          </a:p>
+        </p:txBody>
+      </p:sp>
+      <p:sp>
+        <p:nvSpPr>
+          <p:cNvPr id="41" name="CuadroTexto 40">
+            <a:extLst>
+              <a:ext uri="{FF2B5EF4-FFF2-40B4-BE49-F238E27FC236}">
+                <a16:creationId xmlns:a16="http://schemas.microsoft.com/office/drawing/2014/main" id="{E9489D5C-E771-42CA-82E8-3B0D208CD3D8}"/>
+              </a:ext>
+            </a:extLst>
+          </p:cNvPr>
+          <p:cNvSpPr txBox="1"/>
+          <p:nvPr/>
+        </p:nvSpPr>
+        <p:spPr>
+          <a:xfrm>
+            <a:off x="3788346" y="3473798"/>
+            <a:ext cx="301686" cy="369332"/>
+          </a:xfrm>
+          <a:prstGeom prst="rect">
+            <a:avLst/>
+          </a:prstGeom>
+          <a:noFill/>
+        </p:spPr>
+        <p:txBody>
+          <a:bodyPr wrap="none" rtlCol="0">
+            <a:spAutoFit/>
+          </a:bodyPr>
+          <a:lstStyle/>
+          <a:p>
+            <a:r>
+              <a:rPr lang="es-MX" dirty="0">
+                <a:latin typeface="Ancizar Sans Regular Italic" pitchFamily="50" charset="0"/>
+                <a:cs typeface="Times New Roman" panose="02020603050405020304" pitchFamily="18" charset="0"/>
+              </a:rPr>
+              <a:t>Y</a:t>
+            </a:r>
+            <a:endParaRPr lang="es-CO" dirty="0">
+              <a:latin typeface="Ancizar Sans Regular Italic" pitchFamily="50" charset="0"/>
+              <a:cs typeface="Times New Roman" panose="02020603050405020304" pitchFamily="18" charset="0"/>
+            </a:endParaRPr>
+          </a:p>
+        </p:txBody>
+      </p:sp>
+      <p:cxnSp>
+        <p:nvCxnSpPr>
+          <p:cNvPr id="44" name="Conector recto 43">
+            <a:extLst>
+              <a:ext uri="{FF2B5EF4-FFF2-40B4-BE49-F238E27FC236}">
+                <a16:creationId xmlns:a16="http://schemas.microsoft.com/office/drawing/2014/main" id="{C6B8F6AB-6ECE-4CB4-983E-7EA124F3639D}"/>
+              </a:ext>
+            </a:extLst>
+          </p:cNvPr>
+          <p:cNvCxnSpPr>
+            <a:cxnSpLocks/>
+          </p:cNvCxnSpPr>
+          <p:nvPr/>
+        </p:nvCxnSpPr>
+        <p:spPr>
+          <a:xfrm flipV="1">
+            <a:off x="102270" y="4169072"/>
+            <a:ext cx="7720183" cy="2192988"/>
+          </a:xfrm>
+          <a:prstGeom prst="line">
+            <a:avLst/>
+          </a:prstGeom>
+          <a:ln w="57150">
+            <a:solidFill>
+              <a:schemeClr val="accent1">
+                <a:lumMod val="20000"/>
+                <a:lumOff val="80000"/>
+              </a:schemeClr>
+            </a:solidFill>
+            <a:prstDash val="sysDash"/>
+          </a:ln>
+        </p:spPr>
+        <p:style>
+          <a:lnRef idx="1">
+            <a:schemeClr val="accent1"/>
+          </a:lnRef>
+          <a:fillRef idx="0">
+            <a:schemeClr val="accent1"/>
+          </a:fillRef>
+          <a:effectRef idx="0">
+            <a:schemeClr val="accent1"/>
+          </a:effectRef>
+          <a:fontRef idx="minor">
+            <a:schemeClr val="tx1"/>
+          </a:fontRef>
+        </p:style>
+      </p:cxnSp>
+      <p:cxnSp>
+        <p:nvCxnSpPr>
+          <p:cNvPr id="46" name="Conector recto 45">
+            <a:extLst>
+              <a:ext uri="{FF2B5EF4-FFF2-40B4-BE49-F238E27FC236}">
+                <a16:creationId xmlns:a16="http://schemas.microsoft.com/office/drawing/2014/main" id="{0DE7D396-1314-42B0-9316-08DAAFB8D0F6}"/>
+              </a:ext>
+            </a:extLst>
+          </p:cNvPr>
+          <p:cNvCxnSpPr>
+            <a:cxnSpLocks/>
+          </p:cNvCxnSpPr>
+          <p:nvPr/>
+        </p:nvCxnSpPr>
+        <p:spPr>
+          <a:xfrm flipV="1">
+            <a:off x="7783500" y="503349"/>
+            <a:ext cx="77906" cy="3714911"/>
+          </a:xfrm>
+          <a:prstGeom prst="line">
+            <a:avLst/>
+          </a:prstGeom>
+          <a:ln w="57150">
+            <a:solidFill>
+              <a:schemeClr val="accent1">
+                <a:lumMod val="20000"/>
+                <a:lumOff val="80000"/>
+              </a:schemeClr>
+            </a:solidFill>
+            <a:prstDash val="sysDash"/>
+          </a:ln>
+        </p:spPr>
+        <p:style>
+          <a:lnRef idx="1">
+            <a:schemeClr val="accent1"/>
+          </a:lnRef>
+          <a:fillRef idx="0">
+            <a:schemeClr val="accent1"/>
+          </a:fillRef>
+          <a:effectRef idx="0">
+            <a:schemeClr val="accent1"/>
+          </a:effectRef>
+          <a:fontRef idx="minor">
+            <a:schemeClr val="tx1"/>
+          </a:fontRef>
+        </p:style>
+      </p:cxnSp>
+      <p:sp>
+        <p:nvSpPr>
+          <p:cNvPr id="49" name="Arco 48">
+            <a:extLst>
+              <a:ext uri="{FF2B5EF4-FFF2-40B4-BE49-F238E27FC236}">
+                <a16:creationId xmlns:a16="http://schemas.microsoft.com/office/drawing/2014/main" id="{517292BA-5921-4854-9883-C2AB484D530D}"/>
+              </a:ext>
+            </a:extLst>
+          </p:cNvPr>
+          <p:cNvSpPr/>
+          <p:nvPr/>
+        </p:nvSpPr>
+        <p:spPr>
+          <a:xfrm rot="714552">
+            <a:off x="3645889" y="5310870"/>
+            <a:ext cx="462705" cy="451728"/>
+          </a:xfrm>
+          <a:prstGeom prst="arc">
+            <a:avLst>
+              <a:gd name="adj1" fmla="val 16199990"/>
+              <a:gd name="adj2" fmla="val 1897043"/>
+            </a:avLst>
+          </a:prstGeom>
+          <a:ln w="28575">
+            <a:solidFill>
+              <a:srgbClr val="FF0000"/>
+            </a:solidFill>
+          </a:ln>
+        </p:spPr>
+        <p:style>
+          <a:lnRef idx="1">
+            <a:schemeClr val="accent1"/>
+          </a:lnRef>
+          <a:fillRef idx="0">
+            <a:schemeClr val="accent1"/>
+          </a:fillRef>
+          <a:effectRef idx="0">
+            <a:schemeClr val="accent1"/>
+          </a:effectRef>
+          <a:fontRef idx="minor">
+            <a:schemeClr val="tx1"/>
+          </a:fontRef>
+        </p:style>
+        <p:txBody>
+          <a:bodyPr rtlCol="0" anchor="ctr"/>
+          <a:lstStyle/>
+          <a:p>
+            <a:pPr algn="ctr"/>
+            <a:endParaRPr lang="es-CO"/>
+          </a:p>
+        </p:txBody>
+      </p:sp>
+      <p:sp>
+        <p:nvSpPr>
+          <p:cNvPr id="50" name="CuadroTexto 49">
+            <a:extLst>
+              <a:ext uri="{FF2B5EF4-FFF2-40B4-BE49-F238E27FC236}">
+                <a16:creationId xmlns:a16="http://schemas.microsoft.com/office/drawing/2014/main" id="{EE81D3D5-8FFC-41F5-8A32-715BEA656E8E}"/>
+              </a:ext>
+            </a:extLst>
+          </p:cNvPr>
+          <p:cNvSpPr txBox="1"/>
+          <p:nvPr/>
+        </p:nvSpPr>
+        <p:spPr>
+          <a:xfrm>
+            <a:off x="4144697" y="5247212"/>
+            <a:ext cx="1766196" cy="369332"/>
+          </a:xfrm>
+          <a:prstGeom prst="rect">
+            <a:avLst/>
+          </a:prstGeom>
+          <a:noFill/>
+          <a:ln>
+            <a:noFill/>
+          </a:ln>
+        </p:spPr>
+        <p:txBody>
+          <a:bodyPr wrap="square" rtlCol="0">
+            <a:spAutoFit/>
+          </a:bodyPr>
+          <a:lstStyle/>
+          <a:p>
+            <a:r>
+              <a:rPr lang="el-GR" dirty="0">
+                <a:solidFill>
+                  <a:srgbClr val="FF0000"/>
+                </a:solidFill>
+                <a:latin typeface="Times New Roman" panose="02020603050405020304" pitchFamily="18" charset="0"/>
+                <a:cs typeface="Times New Roman" panose="02020603050405020304" pitchFamily="18" charset="0"/>
+              </a:rPr>
+              <a:t>θ</a:t>
+            </a:r>
+            <a:r>
+              <a:rPr lang="es-CO" baseline="-25000" dirty="0">
+                <a:solidFill>
+                  <a:srgbClr val="FF0000"/>
+                </a:solidFill>
+                <a:latin typeface="Times New Roman" panose="02020603050405020304" pitchFamily="18" charset="0"/>
+                <a:cs typeface="Times New Roman" panose="02020603050405020304" pitchFamily="18" charset="0"/>
+              </a:rPr>
+              <a:t>1-1</a:t>
+            </a:r>
+            <a:endParaRPr lang="es-CO" dirty="0">
+              <a:solidFill>
+                <a:srgbClr val="FF0000"/>
+              </a:solidFill>
+              <a:latin typeface="Ancizar Sans Regular Italic" pitchFamily="50" charset="0"/>
+              <a:cs typeface="Times New Roman" panose="02020603050405020304" pitchFamily="18" charset="0"/>
+            </a:endParaRPr>
+          </a:p>
+        </p:txBody>
+      </p:sp>
+      <p:sp>
+        <p:nvSpPr>
+          <p:cNvPr id="54" name="Arco 53">
+            <a:extLst>
+              <a:ext uri="{FF2B5EF4-FFF2-40B4-BE49-F238E27FC236}">
+                <a16:creationId xmlns:a16="http://schemas.microsoft.com/office/drawing/2014/main" id="{EE01E7D2-8EE2-4E7A-961E-B5253C903DC9}"/>
+              </a:ext>
+            </a:extLst>
+          </p:cNvPr>
+          <p:cNvSpPr/>
+          <p:nvPr/>
+        </p:nvSpPr>
+        <p:spPr>
+          <a:xfrm rot="8624387">
+            <a:off x="2281091" y="5385954"/>
+            <a:ext cx="636229" cy="613038"/>
+          </a:xfrm>
+          <a:prstGeom prst="arc">
+            <a:avLst>
+              <a:gd name="adj1" fmla="val 13177940"/>
+              <a:gd name="adj2" fmla="val 1616941"/>
+            </a:avLst>
+          </a:prstGeom>
+          <a:ln w="28575">
+            <a:solidFill>
+              <a:srgbClr val="FF0000"/>
+            </a:solidFill>
+          </a:ln>
+        </p:spPr>
+        <p:style>
+          <a:lnRef idx="1">
+            <a:schemeClr val="accent1"/>
+          </a:lnRef>
+          <a:fillRef idx="0">
+            <a:schemeClr val="accent1"/>
+          </a:fillRef>
+          <a:effectRef idx="0">
+            <a:schemeClr val="accent1"/>
+          </a:effectRef>
+          <a:fontRef idx="minor">
+            <a:schemeClr val="tx1"/>
+          </a:fontRef>
+        </p:style>
+        <p:txBody>
+          <a:bodyPr rtlCol="0" anchor="ctr"/>
+          <a:lstStyle/>
+          <a:p>
+            <a:pPr algn="ctr"/>
+            <a:endParaRPr lang="es-CO"/>
+          </a:p>
+        </p:txBody>
+      </p:sp>
+      <p:sp>
+        <p:nvSpPr>
+          <p:cNvPr id="55" name="CuadroTexto 54">
+            <a:extLst>
+              <a:ext uri="{FF2B5EF4-FFF2-40B4-BE49-F238E27FC236}">
+                <a16:creationId xmlns:a16="http://schemas.microsoft.com/office/drawing/2014/main" id="{9E41FD62-35CE-4A3C-94A9-18FC218C51DC}"/>
+              </a:ext>
+            </a:extLst>
+          </p:cNvPr>
+          <p:cNvSpPr txBox="1"/>
+          <p:nvPr/>
+        </p:nvSpPr>
+        <p:spPr>
+          <a:xfrm>
+            <a:off x="2843947" y="5849124"/>
+            <a:ext cx="1766196" cy="369332"/>
+          </a:xfrm>
+          <a:prstGeom prst="rect">
+            <a:avLst/>
+          </a:prstGeom>
+          <a:noFill/>
+          <a:ln>
+            <a:noFill/>
+          </a:ln>
+        </p:spPr>
+        <p:txBody>
+          <a:bodyPr wrap="square" rtlCol="0">
+            <a:spAutoFit/>
+          </a:bodyPr>
+          <a:lstStyle/>
+          <a:p>
+            <a:r>
+              <a:rPr lang="el-GR" dirty="0">
+                <a:solidFill>
+                  <a:srgbClr val="FF0000"/>
+                </a:solidFill>
+                <a:latin typeface="Times New Roman" panose="02020603050405020304" pitchFamily="18" charset="0"/>
+                <a:cs typeface="Times New Roman" panose="02020603050405020304" pitchFamily="18" charset="0"/>
+              </a:rPr>
+              <a:t>θ</a:t>
+            </a:r>
+            <a:r>
+              <a:rPr lang="es-CO" baseline="-25000" dirty="0">
+                <a:solidFill>
+                  <a:srgbClr val="FF0000"/>
+                </a:solidFill>
+                <a:latin typeface="Times New Roman" panose="02020603050405020304" pitchFamily="18" charset="0"/>
+                <a:cs typeface="Times New Roman" panose="02020603050405020304" pitchFamily="18" charset="0"/>
+              </a:rPr>
+              <a:t>1-2</a:t>
+            </a:r>
+            <a:endParaRPr lang="es-CO" dirty="0">
+              <a:solidFill>
+                <a:srgbClr val="FF0000"/>
+              </a:solidFill>
+              <a:latin typeface="Ancizar Sans Regular Italic" pitchFamily="50" charset="0"/>
+              <a:cs typeface="Times New Roman" panose="02020603050405020304" pitchFamily="18" charset="0"/>
+            </a:endParaRPr>
+          </a:p>
+        </p:txBody>
+      </p:sp>
+      <p:sp>
+        <p:nvSpPr>
+          <p:cNvPr id="57" name="Arco 56">
+            <a:extLst>
+              <a:ext uri="{FF2B5EF4-FFF2-40B4-BE49-F238E27FC236}">
+                <a16:creationId xmlns:a16="http://schemas.microsoft.com/office/drawing/2014/main" id="{B059E2B6-A97C-444D-8CAC-0FE5A8F02E2E}"/>
+              </a:ext>
+            </a:extLst>
+          </p:cNvPr>
+          <p:cNvSpPr/>
+          <p:nvPr/>
+        </p:nvSpPr>
+        <p:spPr>
+          <a:xfrm rot="19812442">
+            <a:off x="2414357" y="5188169"/>
+            <a:ext cx="563157" cy="538149"/>
+          </a:xfrm>
+          <a:prstGeom prst="arc">
+            <a:avLst>
+              <a:gd name="adj1" fmla="val 16199990"/>
+              <a:gd name="adj2" fmla="val 21318360"/>
+            </a:avLst>
+          </a:prstGeom>
+          <a:ln w="28575">
+            <a:solidFill>
+              <a:srgbClr val="C00000"/>
+            </a:solidFill>
+          </a:ln>
+        </p:spPr>
+        <p:style>
+          <a:lnRef idx="1">
+            <a:schemeClr val="accent1"/>
+          </a:lnRef>
+          <a:fillRef idx="0">
+            <a:schemeClr val="accent1"/>
+          </a:fillRef>
+          <a:effectRef idx="0">
+            <a:schemeClr val="accent1"/>
+          </a:effectRef>
+          <a:fontRef idx="minor">
+            <a:schemeClr val="tx1"/>
+          </a:fontRef>
+        </p:style>
+        <p:txBody>
+          <a:bodyPr rtlCol="0" anchor="ctr"/>
+          <a:lstStyle/>
+          <a:p>
+            <a:pPr algn="ctr"/>
+            <a:endParaRPr lang="es-CO"/>
+          </a:p>
+        </p:txBody>
+      </p:sp>
+      <mc:AlternateContent xmlns:mc="http://schemas.openxmlformats.org/markup-compatibility/2006">
+        <mc:Choice xmlns:a14="http://schemas.microsoft.com/office/drawing/2010/main" Requires="a14">
+          <p:sp>
+            <p:nvSpPr>
+              <p:cNvPr id="59" name="CuadroTexto 58">
+                <a:extLst>
+                  <a:ext uri="{FF2B5EF4-FFF2-40B4-BE49-F238E27FC236}">
+                    <a16:creationId xmlns:a16="http://schemas.microsoft.com/office/drawing/2014/main" id="{97353340-6C9C-4247-8064-A125AFE95D1E}"/>
+                  </a:ext>
+                </a:extLst>
+              </p:cNvPr>
+              <p:cNvSpPr txBox="1"/>
+              <p:nvPr/>
+            </p:nvSpPr>
+            <p:spPr>
+              <a:xfrm>
+                <a:off x="7907615" y="2222304"/>
+                <a:ext cx="265457" cy="276999"/>
+              </a:xfrm>
+              <a:prstGeom prst="rect">
+                <a:avLst/>
+              </a:prstGeom>
+              <a:noFill/>
+            </p:spPr>
+            <p:txBody>
+              <a:bodyPr wrap="none" lIns="0" tIns="0" rIns="0" bIns="0" rtlCol="0">
+                <a:spAutoFit/>
+              </a:bodyPr>
+              <a:lstStyle/>
+              <a:p>
+                <a:pPr/>
+                <a14:m>
+                  <m:oMathPara xmlns:m="http://schemas.openxmlformats.org/officeDocument/2006/math">
+                    <m:oMathParaPr>
+                      <m:jc m:val="centerGroup"/>
+                    </m:oMathParaPr>
+                    <m:oMath xmlns:m="http://schemas.openxmlformats.org/officeDocument/2006/math">
+                      <m:sSub>
+                        <m:sSubPr>
+                          <m:ctrlPr>
+                            <a:rPr lang="es-MX" b="0" i="1" smtClean="0">
+                              <a:latin typeface="Cambria Math" panose="02040503050406030204" pitchFamily="18" charset="0"/>
+                            </a:rPr>
+                          </m:ctrlPr>
+                        </m:sSubPr>
+                        <m:e>
+                          <m:r>
+                            <a:rPr lang="es-CO" b="0" i="1" smtClean="0">
+                              <a:latin typeface="Cambria Math" panose="02040503050406030204" pitchFamily="18" charset="0"/>
+                            </a:rPr>
+                            <m:t>𝑧</m:t>
+                          </m:r>
+                        </m:e>
+                        <m:sub>
+                          <m:r>
+                            <a:rPr lang="es-CO" b="0" i="1" smtClean="0">
+                              <a:latin typeface="Cambria Math" panose="02040503050406030204" pitchFamily="18" charset="0"/>
+                            </a:rPr>
+                            <m:t>𝑒</m:t>
+                          </m:r>
+                        </m:sub>
+                      </m:sSub>
+                    </m:oMath>
+                  </m:oMathPara>
+                </a14:m>
+                <a:endParaRPr lang="es-MX" b="0" dirty="0"/>
+              </a:p>
+            </p:txBody>
+          </p:sp>
+        </mc:Choice>
+        <mc:Fallback>
+          <p:sp>
+            <p:nvSpPr>
+              <p:cNvPr id="59" name="CuadroTexto 58">
+                <a:extLst>
+                  <a:ext uri="{FF2B5EF4-FFF2-40B4-BE49-F238E27FC236}">
+                    <a16:creationId xmlns:a16="http://schemas.microsoft.com/office/drawing/2014/main" id="{97353340-6C9C-4247-8064-A125AFE95D1E}"/>
+                  </a:ext>
+                </a:extLst>
+              </p:cNvPr>
+              <p:cNvSpPr txBox="1">
+                <a:spLocks noRot="1" noChangeAspect="1" noMove="1" noResize="1" noEditPoints="1" noAdjustHandles="1" noChangeArrowheads="1" noChangeShapeType="1" noTextEdit="1"/>
+              </p:cNvSpPr>
+              <p:nvPr/>
+            </p:nvSpPr>
+            <p:spPr>
+              <a:xfrm>
+                <a:off x="7907615" y="2222304"/>
+                <a:ext cx="265457" cy="276999"/>
+              </a:xfrm>
+              <a:prstGeom prst="rect">
+                <a:avLst/>
+              </a:prstGeom>
+              <a:blipFill>
+                <a:blip r:embed="rId5"/>
+                <a:stretch>
+                  <a:fillRect l="-13636" b="-11111"/>
+                </a:stretch>
+              </a:blipFill>
+            </p:spPr>
+            <p:txBody>
+              <a:bodyPr/>
+              <a:lstStyle/>
+              <a:p>
+                <a:r>
+                  <a:rPr lang="en-US">
+                    <a:noFill/>
+                  </a:rPr>
+                  <a:t> </a:t>
+                </a:r>
+              </a:p>
+            </p:txBody>
+          </p:sp>
+        </mc:Fallback>
+      </mc:AlternateContent>
+      <mc:AlternateContent xmlns:mc="http://schemas.openxmlformats.org/markup-compatibility/2006">
+        <mc:Choice xmlns:a14="http://schemas.microsoft.com/office/drawing/2010/main" Requires="a14">
+          <p:sp>
+            <p:nvSpPr>
+              <p:cNvPr id="48" name="CuadroTexto 47">
+                <a:extLst>
+                  <a:ext uri="{FF2B5EF4-FFF2-40B4-BE49-F238E27FC236}">
+                    <a16:creationId xmlns:a16="http://schemas.microsoft.com/office/drawing/2014/main" id="{D9C2CA8D-FDAA-4186-A1D6-A1B867D0CCA1}"/>
+                  </a:ext>
+                </a:extLst>
+              </p:cNvPr>
+              <p:cNvSpPr txBox="1"/>
+              <p:nvPr/>
+            </p:nvSpPr>
+            <p:spPr>
+              <a:xfrm>
+                <a:off x="4618365" y="1710429"/>
+                <a:ext cx="232371" cy="276999"/>
+              </a:xfrm>
+              <a:prstGeom prst="rect">
+                <a:avLst/>
+              </a:prstGeom>
+              <a:noFill/>
+            </p:spPr>
+            <p:txBody>
+              <a:bodyPr wrap="square" lIns="0" tIns="0" rIns="0" bIns="0" rtlCol="0">
+                <a:spAutoFit/>
+              </a:bodyPr>
+              <a:lstStyle/>
+              <a:p>
+                <a:pPr/>
+                <a14:m>
+                  <m:oMathPara xmlns:m="http://schemas.openxmlformats.org/officeDocument/2006/math">
+                    <m:oMathParaPr>
+                      <m:jc m:val="centerGroup"/>
+                    </m:oMathParaPr>
+                    <m:oMath xmlns:m="http://schemas.openxmlformats.org/officeDocument/2006/math">
+                      <m:sSub>
+                        <m:sSubPr>
+                          <m:ctrlPr>
+                            <a:rPr lang="es-MX" b="0" i="1" smtClean="0">
+                              <a:latin typeface="Cambria Math" panose="02040503050406030204" pitchFamily="18" charset="0"/>
+                            </a:rPr>
+                          </m:ctrlPr>
+                        </m:sSubPr>
+                        <m:e>
+                          <m:r>
+                            <a:rPr lang="es-MX" b="0" i="1" smtClean="0">
+                              <a:latin typeface="Cambria Math" panose="02040503050406030204" pitchFamily="18" charset="0"/>
+                            </a:rPr>
+                            <m:t>𝑙</m:t>
+                          </m:r>
+                        </m:e>
+                        <m:sub>
+                          <m:r>
+                            <a:rPr lang="es-CO" b="0" i="1" smtClean="0">
+                              <a:latin typeface="Cambria Math" panose="02040503050406030204" pitchFamily="18" charset="0"/>
+                            </a:rPr>
+                            <m:t>3</m:t>
+                          </m:r>
+                        </m:sub>
+                      </m:sSub>
+                    </m:oMath>
+                  </m:oMathPara>
+                </a14:m>
+                <a:endParaRPr lang="es-MX" b="0" dirty="0"/>
+              </a:p>
+            </p:txBody>
+          </p:sp>
+        </mc:Choice>
+        <mc:Fallback>
+          <p:sp>
+            <p:nvSpPr>
+              <p:cNvPr id="48" name="CuadroTexto 47">
+                <a:extLst>
+                  <a:ext uri="{FF2B5EF4-FFF2-40B4-BE49-F238E27FC236}">
+                    <a16:creationId xmlns:a16="http://schemas.microsoft.com/office/drawing/2014/main" id="{D9C2CA8D-FDAA-4186-A1D6-A1B867D0CCA1}"/>
+                  </a:ext>
+                </a:extLst>
+              </p:cNvPr>
+              <p:cNvSpPr txBox="1">
+                <a:spLocks noRot="1" noChangeAspect="1" noMove="1" noResize="1" noEditPoints="1" noAdjustHandles="1" noChangeArrowheads="1" noChangeShapeType="1" noTextEdit="1"/>
+              </p:cNvSpPr>
+              <p:nvPr/>
+            </p:nvSpPr>
+            <p:spPr>
+              <a:xfrm>
+                <a:off x="4618365" y="1710429"/>
+                <a:ext cx="232371" cy="276999"/>
+              </a:xfrm>
+              <a:prstGeom prst="rect">
+                <a:avLst/>
+              </a:prstGeom>
+              <a:blipFill>
+                <a:blip r:embed="rId6"/>
+                <a:stretch>
+                  <a:fillRect l="-26316" r="-7895" b="-15556"/>
+                </a:stretch>
+              </a:blipFill>
+            </p:spPr>
+            <p:txBody>
+              <a:bodyPr/>
+              <a:lstStyle/>
+              <a:p>
+                <a:r>
+                  <a:rPr lang="en-US">
+                    <a:noFill/>
+                  </a:rPr>
+                  <a:t> </a:t>
+                </a:r>
+              </a:p>
+            </p:txBody>
+          </p:sp>
+        </mc:Fallback>
+      </mc:AlternateContent>
+      <p:sp>
+        <p:nvSpPr>
+          <p:cNvPr id="33" name="Elipse 32">
+            <a:extLst>
+              <a:ext uri="{FF2B5EF4-FFF2-40B4-BE49-F238E27FC236}">
+                <a16:creationId xmlns:a16="http://schemas.microsoft.com/office/drawing/2014/main" id="{ADAD44AF-34D0-406C-8FF5-5B0DB3CF7D14}"/>
+              </a:ext>
+            </a:extLst>
+          </p:cNvPr>
+          <p:cNvSpPr/>
+          <p:nvPr/>
+        </p:nvSpPr>
+        <p:spPr>
+          <a:xfrm>
+            <a:off x="7808931" y="388630"/>
+            <a:ext cx="147381" cy="157937"/>
+          </a:xfrm>
+          <a:prstGeom prst="ellipse">
+            <a:avLst/>
+          </a:prstGeom>
+          <a:solidFill>
+            <a:schemeClr val="accent6">
+              <a:lumMod val="75000"/>
+            </a:schemeClr>
+          </a:solidFill>
+        </p:spPr>
+        <p:style>
+          <a:lnRef idx="2">
+            <a:schemeClr val="accent1">
+              <a:shade val="50000"/>
+            </a:schemeClr>
+          </a:lnRef>
+          <a:fillRef idx="1">
+            <a:schemeClr val="accent1"/>
+          </a:fillRef>
+          <a:effectRef idx="0">
+            <a:schemeClr val="accent1"/>
+          </a:effectRef>
+          <a:fontRef idx="minor">
+            <a:schemeClr val="lt1"/>
+          </a:fontRef>
+        </p:style>
+        <p:txBody>
+          <a:bodyPr rtlCol="0" anchor="ctr"/>
+          <a:lstStyle/>
+          <a:p>
+            <a:pPr algn="ctr"/>
+            <a:endParaRPr lang="es-CO"/>
+          </a:p>
+        </p:txBody>
+      </p:sp>
+      <p:cxnSp>
+        <p:nvCxnSpPr>
+          <p:cNvPr id="8" name="Conector recto de flecha 7">
+            <a:extLst>
+              <a:ext uri="{FF2B5EF4-FFF2-40B4-BE49-F238E27FC236}">
+                <a16:creationId xmlns:a16="http://schemas.microsoft.com/office/drawing/2014/main" id="{22DE9E3F-30F2-4628-8013-C304FB6E75CB}"/>
+              </a:ext>
+            </a:extLst>
+          </p:cNvPr>
+          <p:cNvCxnSpPr>
+            <a:cxnSpLocks/>
+          </p:cNvCxnSpPr>
+          <p:nvPr/>
+        </p:nvCxnSpPr>
+        <p:spPr>
+          <a:xfrm flipV="1">
+            <a:off x="2523621" y="466917"/>
+            <a:ext cx="5360085" cy="5220697"/>
+          </a:xfrm>
+          <a:prstGeom prst="straightConnector1">
+            <a:avLst/>
+          </a:prstGeom>
+          <a:ln w="57150">
+            <a:solidFill>
+              <a:srgbClr val="92D050"/>
+            </a:solidFill>
+            <a:tailEnd type="triangle"/>
+          </a:ln>
+        </p:spPr>
+        <p:style>
+          <a:lnRef idx="1">
+            <a:schemeClr val="accent1"/>
+          </a:lnRef>
+          <a:fillRef idx="0">
+            <a:schemeClr val="accent1"/>
+          </a:fillRef>
+          <a:effectRef idx="0">
+            <a:schemeClr val="accent1"/>
+          </a:effectRef>
+          <a:fontRef idx="minor">
+            <a:schemeClr val="tx1"/>
+          </a:fontRef>
+        </p:style>
+      </p:cxnSp>
+      <p:sp>
+        <p:nvSpPr>
+          <p:cNvPr id="61" name="CuadroTexto 60">
+            <a:extLst>
+              <a:ext uri="{FF2B5EF4-FFF2-40B4-BE49-F238E27FC236}">
+                <a16:creationId xmlns:a16="http://schemas.microsoft.com/office/drawing/2014/main" id="{6CE8696B-F352-4CE5-A38B-52A48410D011}"/>
+              </a:ext>
+            </a:extLst>
+          </p:cNvPr>
+          <p:cNvSpPr txBox="1"/>
+          <p:nvPr/>
+        </p:nvSpPr>
+        <p:spPr>
+          <a:xfrm>
+            <a:off x="2914704" y="3036567"/>
+            <a:ext cx="1766196" cy="369332"/>
+          </a:xfrm>
+          <a:prstGeom prst="rect">
+            <a:avLst/>
+          </a:prstGeom>
+          <a:noFill/>
+          <a:ln>
+            <a:noFill/>
+          </a:ln>
+        </p:spPr>
+        <p:txBody>
+          <a:bodyPr wrap="square" rtlCol="0">
+            <a:spAutoFit/>
+          </a:bodyPr>
+          <a:lstStyle/>
+          <a:p>
+            <a:r>
+              <a:rPr lang="el-GR" dirty="0">
+                <a:solidFill>
+                  <a:srgbClr val="FF0000"/>
+                </a:solidFill>
+                <a:latin typeface="Times New Roman" panose="02020603050405020304" pitchFamily="18" charset="0"/>
+                <a:cs typeface="Times New Roman" panose="02020603050405020304" pitchFamily="18" charset="0"/>
+              </a:rPr>
+              <a:t>θ</a:t>
+            </a:r>
+            <a:r>
+              <a:rPr lang="es-CO" baseline="-25000" dirty="0">
+                <a:solidFill>
+                  <a:srgbClr val="FF0000"/>
+                </a:solidFill>
+                <a:latin typeface="Times New Roman" panose="02020603050405020304" pitchFamily="18" charset="0"/>
+                <a:cs typeface="Times New Roman" panose="02020603050405020304" pitchFamily="18" charset="0"/>
+              </a:rPr>
+              <a:t>3-1</a:t>
+            </a:r>
+            <a:endParaRPr lang="es-CO" dirty="0">
+              <a:solidFill>
+                <a:srgbClr val="FF0000"/>
+              </a:solidFill>
+              <a:latin typeface="Ancizar Sans Regular Italic" pitchFamily="50" charset="0"/>
+              <a:cs typeface="Times New Roman" panose="02020603050405020304" pitchFamily="18" charset="0"/>
+            </a:endParaRPr>
+          </a:p>
+        </p:txBody>
+      </p:sp>
+      <p:sp>
+        <p:nvSpPr>
+          <p:cNvPr id="62" name="Arco 61">
+            <a:extLst>
+              <a:ext uri="{FF2B5EF4-FFF2-40B4-BE49-F238E27FC236}">
+                <a16:creationId xmlns:a16="http://schemas.microsoft.com/office/drawing/2014/main" id="{C8BCA61E-5037-4EDE-A01E-B0D0829B1DEC}"/>
+              </a:ext>
+            </a:extLst>
+          </p:cNvPr>
+          <p:cNvSpPr/>
+          <p:nvPr/>
+        </p:nvSpPr>
+        <p:spPr>
+          <a:xfrm rot="17404509">
+            <a:off x="2210589" y="4482387"/>
+            <a:ext cx="462705" cy="451728"/>
+          </a:xfrm>
+          <a:prstGeom prst="arc">
+            <a:avLst>
+              <a:gd name="adj1" fmla="val 17147791"/>
+              <a:gd name="adj2" fmla="val 125381"/>
+            </a:avLst>
+          </a:prstGeom>
+          <a:ln w="28575">
+            <a:solidFill>
+              <a:srgbClr val="FF0000"/>
+            </a:solidFill>
+          </a:ln>
+        </p:spPr>
+        <p:style>
+          <a:lnRef idx="1">
+            <a:schemeClr val="accent1"/>
+          </a:lnRef>
+          <a:fillRef idx="0">
+            <a:schemeClr val="accent1"/>
+          </a:fillRef>
+          <a:effectRef idx="0">
+            <a:schemeClr val="accent1"/>
+          </a:effectRef>
+          <a:fontRef idx="minor">
+            <a:schemeClr val="tx1"/>
+          </a:fontRef>
+        </p:style>
+        <p:txBody>
+          <a:bodyPr rtlCol="0" anchor="ctr"/>
+          <a:lstStyle/>
+          <a:p>
+            <a:pPr algn="ctr"/>
+            <a:endParaRPr lang="es-CO">
+              <a:solidFill>
+                <a:srgbClr val="FF0000"/>
+              </a:solidFill>
+            </a:endParaRPr>
+          </a:p>
+        </p:txBody>
+      </p:sp>
+      <p:sp>
+        <p:nvSpPr>
+          <p:cNvPr id="63" name="CuadroTexto 62">
+            <a:extLst>
+              <a:ext uri="{FF2B5EF4-FFF2-40B4-BE49-F238E27FC236}">
+                <a16:creationId xmlns:a16="http://schemas.microsoft.com/office/drawing/2014/main" id="{C9A877DE-8112-47F0-8BEE-1C8D1EB4D2DA}"/>
+              </a:ext>
+            </a:extLst>
+          </p:cNvPr>
+          <p:cNvSpPr txBox="1"/>
+          <p:nvPr/>
+        </p:nvSpPr>
+        <p:spPr>
+          <a:xfrm>
+            <a:off x="2281372" y="3616847"/>
+            <a:ext cx="519725" cy="369332"/>
+          </a:xfrm>
+          <a:prstGeom prst="rect">
+            <a:avLst/>
+          </a:prstGeom>
+          <a:noFill/>
+          <a:ln>
+            <a:noFill/>
+          </a:ln>
+        </p:spPr>
+        <p:txBody>
+          <a:bodyPr wrap="square" rtlCol="0">
+            <a:spAutoFit/>
+          </a:bodyPr>
+          <a:lstStyle/>
+          <a:p>
+            <a:r>
+              <a:rPr lang="el-GR" dirty="0">
+                <a:solidFill>
+                  <a:srgbClr val="C00000"/>
+                </a:solidFill>
+                <a:latin typeface="Times New Roman" panose="02020603050405020304" pitchFamily="18" charset="0"/>
+                <a:cs typeface="Times New Roman" panose="02020603050405020304" pitchFamily="18" charset="0"/>
+              </a:rPr>
+              <a:t>γ</a:t>
+            </a:r>
+            <a:endParaRPr lang="es-CO" dirty="0">
+              <a:solidFill>
+                <a:srgbClr val="C00000"/>
+              </a:solidFill>
+              <a:latin typeface="Ancizar Sans Regular Italic" pitchFamily="50" charset="0"/>
+              <a:cs typeface="Times New Roman" panose="02020603050405020304" pitchFamily="18" charset="0"/>
+            </a:endParaRPr>
+          </a:p>
+        </p:txBody>
+      </p:sp>
+    </p:spTree>
+    <p:extLst>
+      <p:ext uri="{BB962C8B-B14F-4D97-AF65-F5344CB8AC3E}">
+        <p14:creationId xmlns:p14="http://schemas.microsoft.com/office/powerpoint/2010/main" val="1452882623"/>
       </p:ext>
     </p:extLst>
   </p:cSld>

--- a/Lab2.pptx
+++ b/Lab2.pptx
@@ -4,11 +4,15 @@
   <p:sldMasterIdLst>
     <p:sldMasterId id="2147483648" r:id="rId1"/>
   </p:sldMasterIdLst>
+  <p:notesMasterIdLst>
+    <p:notesMasterId r:id="rId7"/>
+  </p:notesMasterIdLst>
   <p:sldIdLst>
     <p:sldId id="256" r:id="rId2"/>
     <p:sldId id="257" r:id="rId3"/>
     <p:sldId id="258" r:id="rId4"/>
     <p:sldId id="268" r:id="rId5"/>
+    <p:sldId id="269" r:id="rId6"/>
   </p:sldIdLst>
   <p:sldSz cx="12192000" cy="6858000"/>
   <p:notesSz cx="6858000" cy="9144000"/>
@@ -113,6 +117,440 @@
     </p:ext>
   </p:extLst>
 </p:presentation>
+</file>
+
+<file path=ppt/notesMasters/notesMaster1.xml><?xml version="1.0" encoding="utf-8"?>
+<p:notesMaster xmlns:a="http://schemas.openxmlformats.org/drawingml/2006/main" xmlns:r="http://schemas.openxmlformats.org/officeDocument/2006/relationships" xmlns:p="http://schemas.openxmlformats.org/presentationml/2006/main">
+  <p:cSld>
+    <p:bg>
+      <p:bgRef idx="1001">
+        <a:schemeClr val="bg1"/>
+      </p:bgRef>
+    </p:bg>
+    <p:spTree>
+      <p:nvGrpSpPr>
+        <p:cNvPr id="1" name=""/>
+        <p:cNvGrpSpPr/>
+        <p:nvPr/>
+      </p:nvGrpSpPr>
+      <p:grpSpPr>
+        <a:xfrm>
+          <a:off x="0" y="0"/>
+          <a:ext cx="0" cy="0"/>
+          <a:chOff x="0" y="0"/>
+          <a:chExt cx="0" cy="0"/>
+        </a:xfrm>
+      </p:grpSpPr>
+      <p:sp>
+        <p:nvSpPr>
+          <p:cNvPr id="2" name="Marcador de encabezado 1"/>
+          <p:cNvSpPr>
+            <a:spLocks noGrp="1"/>
+          </p:cNvSpPr>
+          <p:nvPr>
+            <p:ph type="hdr" sz="quarter"/>
+          </p:nvPr>
+        </p:nvSpPr>
+        <p:spPr>
+          <a:xfrm>
+            <a:off x="0" y="0"/>
+            <a:ext cx="2971800" cy="458788"/>
+          </a:xfrm>
+          <a:prstGeom prst="rect">
+            <a:avLst/>
+          </a:prstGeom>
+        </p:spPr>
+        <p:txBody>
+          <a:bodyPr vert="horz" lIns="91440" tIns="45720" rIns="91440" bIns="45720" rtlCol="0"/>
+          <a:lstStyle>
+            <a:lvl1pPr algn="l">
+              <a:defRPr sz="1200"/>
+            </a:lvl1pPr>
+          </a:lstStyle>
+          <a:p>
+            <a:endParaRPr lang="en-US"/>
+          </a:p>
+        </p:txBody>
+      </p:sp>
+      <p:sp>
+        <p:nvSpPr>
+          <p:cNvPr id="3" name="Marcador de fecha 2"/>
+          <p:cNvSpPr>
+            <a:spLocks noGrp="1"/>
+          </p:cNvSpPr>
+          <p:nvPr>
+            <p:ph type="dt" idx="1"/>
+          </p:nvPr>
+        </p:nvSpPr>
+        <p:spPr>
+          <a:xfrm>
+            <a:off x="3884613" y="0"/>
+            <a:ext cx="2971800" cy="458788"/>
+          </a:xfrm>
+          <a:prstGeom prst="rect">
+            <a:avLst/>
+          </a:prstGeom>
+        </p:spPr>
+        <p:txBody>
+          <a:bodyPr vert="horz" lIns="91440" tIns="45720" rIns="91440" bIns="45720" rtlCol="0"/>
+          <a:lstStyle>
+            <a:lvl1pPr algn="r">
+              <a:defRPr sz="1200"/>
+            </a:lvl1pPr>
+          </a:lstStyle>
+          <a:p>
+            <a:fld id="{5B4E12CA-9DCD-4156-BC00-669A02CF9D70}" type="datetimeFigureOut">
+              <a:rPr lang="en-US" smtClean="0"/>
+              <a:t>7/20/2021</a:t>
+            </a:fld>
+            <a:endParaRPr lang="en-US"/>
+          </a:p>
+        </p:txBody>
+      </p:sp>
+      <p:sp>
+        <p:nvSpPr>
+          <p:cNvPr id="4" name="Marcador de imagen de diapositiva 3"/>
+          <p:cNvSpPr>
+            <a:spLocks noGrp="1" noRot="1" noChangeAspect="1"/>
+          </p:cNvSpPr>
+          <p:nvPr>
+            <p:ph type="sldImg" idx="2"/>
+          </p:nvPr>
+        </p:nvSpPr>
+        <p:spPr>
+          <a:xfrm>
+            <a:off x="685800" y="1143000"/>
+            <a:ext cx="5486400" cy="3086100"/>
+          </a:xfrm>
+          <a:prstGeom prst="rect">
+            <a:avLst/>
+          </a:prstGeom>
+          <a:noFill/>
+          <a:ln w="12700">
+            <a:solidFill>
+              <a:prstClr val="black"/>
+            </a:solidFill>
+          </a:ln>
+        </p:spPr>
+        <p:txBody>
+          <a:bodyPr vert="horz" lIns="91440" tIns="45720" rIns="91440" bIns="45720" rtlCol="0" anchor="ctr"/>
+          <a:lstStyle/>
+          <a:p>
+            <a:endParaRPr lang="en-US"/>
+          </a:p>
+        </p:txBody>
+      </p:sp>
+      <p:sp>
+        <p:nvSpPr>
+          <p:cNvPr id="5" name="Marcador de notas 4"/>
+          <p:cNvSpPr>
+            <a:spLocks noGrp="1"/>
+          </p:cNvSpPr>
+          <p:nvPr>
+            <p:ph type="body" sz="quarter" idx="3"/>
+          </p:nvPr>
+        </p:nvSpPr>
+        <p:spPr>
+          <a:xfrm>
+            <a:off x="685800" y="4400550"/>
+            <a:ext cx="5486400" cy="3600450"/>
+          </a:xfrm>
+          <a:prstGeom prst="rect">
+            <a:avLst/>
+          </a:prstGeom>
+        </p:spPr>
+        <p:txBody>
+          <a:bodyPr vert="horz" lIns="91440" tIns="45720" rIns="91440" bIns="45720" rtlCol="0"/>
+          <a:lstStyle/>
+          <a:p>
+            <a:pPr lvl="0"/>
+            <a:r>
+              <a:rPr lang="es-ES"/>
+              <a:t>Haga clic para modificar los estilos de texto del patrón</a:t>
+            </a:r>
+          </a:p>
+          <a:p>
+            <a:pPr lvl="1"/>
+            <a:r>
+              <a:rPr lang="es-ES"/>
+              <a:t>Segundo nivel</a:t>
+            </a:r>
+          </a:p>
+          <a:p>
+            <a:pPr lvl="2"/>
+            <a:r>
+              <a:rPr lang="es-ES"/>
+              <a:t>Tercer nivel</a:t>
+            </a:r>
+          </a:p>
+          <a:p>
+            <a:pPr lvl="3"/>
+            <a:r>
+              <a:rPr lang="es-ES"/>
+              <a:t>Cuarto nivel</a:t>
+            </a:r>
+          </a:p>
+          <a:p>
+            <a:pPr lvl="4"/>
+            <a:r>
+              <a:rPr lang="es-ES"/>
+              <a:t>Quinto nivel</a:t>
+            </a:r>
+            <a:endParaRPr lang="en-US"/>
+          </a:p>
+        </p:txBody>
+      </p:sp>
+      <p:sp>
+        <p:nvSpPr>
+          <p:cNvPr id="6" name="Marcador de pie de página 5"/>
+          <p:cNvSpPr>
+            <a:spLocks noGrp="1"/>
+          </p:cNvSpPr>
+          <p:nvPr>
+            <p:ph type="ftr" sz="quarter" idx="4"/>
+          </p:nvPr>
+        </p:nvSpPr>
+        <p:spPr>
+          <a:xfrm>
+            <a:off x="0" y="8685213"/>
+            <a:ext cx="2971800" cy="458787"/>
+          </a:xfrm>
+          <a:prstGeom prst="rect">
+            <a:avLst/>
+          </a:prstGeom>
+        </p:spPr>
+        <p:txBody>
+          <a:bodyPr vert="horz" lIns="91440" tIns="45720" rIns="91440" bIns="45720" rtlCol="0" anchor="b"/>
+          <a:lstStyle>
+            <a:lvl1pPr algn="l">
+              <a:defRPr sz="1200"/>
+            </a:lvl1pPr>
+          </a:lstStyle>
+          <a:p>
+            <a:endParaRPr lang="en-US"/>
+          </a:p>
+        </p:txBody>
+      </p:sp>
+      <p:sp>
+        <p:nvSpPr>
+          <p:cNvPr id="7" name="Marcador de número de diapositiva 6"/>
+          <p:cNvSpPr>
+            <a:spLocks noGrp="1"/>
+          </p:cNvSpPr>
+          <p:nvPr>
+            <p:ph type="sldNum" sz="quarter" idx="5"/>
+          </p:nvPr>
+        </p:nvSpPr>
+        <p:spPr>
+          <a:xfrm>
+            <a:off x="3884613" y="8685213"/>
+            <a:ext cx="2971800" cy="458787"/>
+          </a:xfrm>
+          <a:prstGeom prst="rect">
+            <a:avLst/>
+          </a:prstGeom>
+        </p:spPr>
+        <p:txBody>
+          <a:bodyPr vert="horz" lIns="91440" tIns="45720" rIns="91440" bIns="45720" rtlCol="0" anchor="b"/>
+          <a:lstStyle>
+            <a:lvl1pPr algn="r">
+              <a:defRPr sz="1200"/>
+            </a:lvl1pPr>
+          </a:lstStyle>
+          <a:p>
+            <a:fld id="{CEDA878D-34BF-4DC6-A0A6-D84FEACA76C7}" type="slidenum">
+              <a:rPr lang="en-US" smtClean="0"/>
+              <a:t>‹Nº›</a:t>
+            </a:fld>
+            <a:endParaRPr lang="en-US"/>
+          </a:p>
+        </p:txBody>
+      </p:sp>
+    </p:spTree>
+    <p:extLst>
+      <p:ext uri="{BB962C8B-B14F-4D97-AF65-F5344CB8AC3E}">
+        <p14:creationId xmlns:p14="http://schemas.microsoft.com/office/powerpoint/2010/main" val="2460860264"/>
+      </p:ext>
+    </p:extLst>
+  </p:cSld>
+  <p:clrMap bg1="lt1" tx1="dk1" bg2="lt2" tx2="dk2" accent1="accent1" accent2="accent2" accent3="accent3" accent4="accent4" accent5="accent5" accent6="accent6" hlink="hlink" folHlink="folHlink"/>
+  <p:notesStyle>
+    <a:lvl1pPr marL="0" algn="l" defTabSz="914400" rtl="0" eaLnBrk="1" latinLnBrk="0" hangingPunct="1">
+      <a:defRPr sz="1200" kern="1200">
+        <a:solidFill>
+          <a:schemeClr val="tx1"/>
+        </a:solidFill>
+        <a:latin typeface="+mn-lt"/>
+        <a:ea typeface="+mn-ea"/>
+        <a:cs typeface="+mn-cs"/>
+      </a:defRPr>
+    </a:lvl1pPr>
+    <a:lvl2pPr marL="457200" algn="l" defTabSz="914400" rtl="0" eaLnBrk="1" latinLnBrk="0" hangingPunct="1">
+      <a:defRPr sz="1200" kern="1200">
+        <a:solidFill>
+          <a:schemeClr val="tx1"/>
+        </a:solidFill>
+        <a:latin typeface="+mn-lt"/>
+        <a:ea typeface="+mn-ea"/>
+        <a:cs typeface="+mn-cs"/>
+      </a:defRPr>
+    </a:lvl2pPr>
+    <a:lvl3pPr marL="914400" algn="l" defTabSz="914400" rtl="0" eaLnBrk="1" latinLnBrk="0" hangingPunct="1">
+      <a:defRPr sz="1200" kern="1200">
+        <a:solidFill>
+          <a:schemeClr val="tx1"/>
+        </a:solidFill>
+        <a:latin typeface="+mn-lt"/>
+        <a:ea typeface="+mn-ea"/>
+        <a:cs typeface="+mn-cs"/>
+      </a:defRPr>
+    </a:lvl3pPr>
+    <a:lvl4pPr marL="1371600" algn="l" defTabSz="914400" rtl="0" eaLnBrk="1" latinLnBrk="0" hangingPunct="1">
+      <a:defRPr sz="1200" kern="1200">
+        <a:solidFill>
+          <a:schemeClr val="tx1"/>
+        </a:solidFill>
+        <a:latin typeface="+mn-lt"/>
+        <a:ea typeface="+mn-ea"/>
+        <a:cs typeface="+mn-cs"/>
+      </a:defRPr>
+    </a:lvl4pPr>
+    <a:lvl5pPr marL="1828800" algn="l" defTabSz="914400" rtl="0" eaLnBrk="1" latinLnBrk="0" hangingPunct="1">
+      <a:defRPr sz="1200" kern="1200">
+        <a:solidFill>
+          <a:schemeClr val="tx1"/>
+        </a:solidFill>
+        <a:latin typeface="+mn-lt"/>
+        <a:ea typeface="+mn-ea"/>
+        <a:cs typeface="+mn-cs"/>
+      </a:defRPr>
+    </a:lvl5pPr>
+    <a:lvl6pPr marL="2286000" algn="l" defTabSz="914400" rtl="0" eaLnBrk="1" latinLnBrk="0" hangingPunct="1">
+      <a:defRPr sz="1200" kern="1200">
+        <a:solidFill>
+          <a:schemeClr val="tx1"/>
+        </a:solidFill>
+        <a:latin typeface="+mn-lt"/>
+        <a:ea typeface="+mn-ea"/>
+        <a:cs typeface="+mn-cs"/>
+      </a:defRPr>
+    </a:lvl6pPr>
+    <a:lvl7pPr marL="2743200" algn="l" defTabSz="914400" rtl="0" eaLnBrk="1" latinLnBrk="0" hangingPunct="1">
+      <a:defRPr sz="1200" kern="1200">
+        <a:solidFill>
+          <a:schemeClr val="tx1"/>
+        </a:solidFill>
+        <a:latin typeface="+mn-lt"/>
+        <a:ea typeface="+mn-ea"/>
+        <a:cs typeface="+mn-cs"/>
+      </a:defRPr>
+    </a:lvl7pPr>
+    <a:lvl8pPr marL="3200400" algn="l" defTabSz="914400" rtl="0" eaLnBrk="1" latinLnBrk="0" hangingPunct="1">
+      <a:defRPr sz="1200" kern="1200">
+        <a:solidFill>
+          <a:schemeClr val="tx1"/>
+        </a:solidFill>
+        <a:latin typeface="+mn-lt"/>
+        <a:ea typeface="+mn-ea"/>
+        <a:cs typeface="+mn-cs"/>
+      </a:defRPr>
+    </a:lvl8pPr>
+    <a:lvl9pPr marL="3657600" algn="l" defTabSz="914400" rtl="0" eaLnBrk="1" latinLnBrk="0" hangingPunct="1">
+      <a:defRPr sz="1200" kern="1200">
+        <a:solidFill>
+          <a:schemeClr val="tx1"/>
+        </a:solidFill>
+        <a:latin typeface="+mn-lt"/>
+        <a:ea typeface="+mn-ea"/>
+        <a:cs typeface="+mn-cs"/>
+      </a:defRPr>
+    </a:lvl9pPr>
+  </p:notesStyle>
+</p:notesMaster>
+</file>
+
+<file path=ppt/notesSlides/notesSlide1.xml><?xml version="1.0" encoding="utf-8"?>
+<p:notes xmlns:a="http://schemas.openxmlformats.org/drawingml/2006/main" xmlns:r="http://schemas.openxmlformats.org/officeDocument/2006/relationships" xmlns:p="http://schemas.openxmlformats.org/presentationml/2006/main">
+  <p:cSld>
+    <p:spTree>
+      <p:nvGrpSpPr>
+        <p:cNvPr id="1" name=""/>
+        <p:cNvGrpSpPr/>
+        <p:nvPr/>
+      </p:nvGrpSpPr>
+      <p:grpSpPr>
+        <a:xfrm>
+          <a:off x="0" y="0"/>
+          <a:ext cx="0" cy="0"/>
+          <a:chOff x="0" y="0"/>
+          <a:chExt cx="0" cy="0"/>
+        </a:xfrm>
+      </p:grpSpPr>
+      <p:sp>
+        <p:nvSpPr>
+          <p:cNvPr id="2" name="Marcador de imagen de diapositiva 1"/>
+          <p:cNvSpPr>
+            <a:spLocks noGrp="1" noRot="1" noChangeAspect="1"/>
+          </p:cNvSpPr>
+          <p:nvPr>
+            <p:ph type="sldImg"/>
+          </p:nvPr>
+        </p:nvSpPr>
+        <p:spPr/>
+      </p:sp>
+      <p:sp>
+        <p:nvSpPr>
+          <p:cNvPr id="3" name="Marcador de notas 2"/>
+          <p:cNvSpPr>
+            <a:spLocks noGrp="1"/>
+          </p:cNvSpPr>
+          <p:nvPr>
+            <p:ph type="body" idx="1"/>
+          </p:nvPr>
+        </p:nvSpPr>
+        <p:spPr/>
+        <p:txBody>
+          <a:bodyPr/>
+          <a:lstStyle/>
+          <a:p>
+            <a:endParaRPr lang="en-US" dirty="0"/>
+          </a:p>
+        </p:txBody>
+      </p:sp>
+      <p:sp>
+        <p:nvSpPr>
+          <p:cNvPr id="4" name="Marcador de número de diapositiva 3"/>
+          <p:cNvSpPr>
+            <a:spLocks noGrp="1"/>
+          </p:cNvSpPr>
+          <p:nvPr>
+            <p:ph type="sldNum" sz="quarter" idx="5"/>
+          </p:nvPr>
+        </p:nvSpPr>
+        <p:spPr/>
+        <p:txBody>
+          <a:bodyPr/>
+          <a:lstStyle/>
+          <a:p>
+            <a:fld id="{CEDA878D-34BF-4DC6-A0A6-D84FEACA76C7}" type="slidenum">
+              <a:rPr lang="en-US" smtClean="0"/>
+              <a:t>5</a:t>
+            </a:fld>
+            <a:endParaRPr lang="en-US"/>
+          </a:p>
+        </p:txBody>
+      </p:sp>
+    </p:spTree>
+    <p:extLst>
+      <p:ext uri="{BB962C8B-B14F-4D97-AF65-F5344CB8AC3E}">
+        <p14:creationId xmlns:p14="http://schemas.microsoft.com/office/powerpoint/2010/main" val="3501209583"/>
+      </p:ext>
+    </p:extLst>
+  </p:cSld>
+  <p:clrMapOvr>
+    <a:masterClrMapping/>
+  </p:clrMapOvr>
+</p:notes>
 </file>
 
 <file path=ppt/slideLayouts/slideLayout1.xml><?xml version="1.0" encoding="utf-8"?>
@@ -10614,8 +11052,8 @@
           </a:p>
         </p:txBody>
       </p:sp>
-      <mc:AlternateContent xmlns:mc="http://schemas.openxmlformats.org/markup-compatibility/2006">
-        <mc:Choice xmlns:a14="http://schemas.microsoft.com/office/drawing/2010/main" Requires="a14">
+      <mc:AlternateContent xmlns:mc="http://schemas.openxmlformats.org/markup-compatibility/2006" xmlns:a14="http://schemas.microsoft.com/office/drawing/2010/main">
+        <mc:Choice Requires="a14">
           <p:sp>
             <p:nvSpPr>
               <p:cNvPr id="42" name="CuadroTexto 41">
@@ -10684,7 +11122,7 @@
             </p:txBody>
           </p:sp>
         </mc:Choice>
-        <mc:Fallback>
+        <mc:Fallback xmlns="">
           <p:sp>
             <p:nvSpPr>
               <p:cNvPr id="42" name="CuadroTexto 41">
@@ -10729,8 +11167,8 @@
           </p:sp>
         </mc:Fallback>
       </mc:AlternateContent>
-      <mc:AlternateContent xmlns:mc="http://schemas.openxmlformats.org/markup-compatibility/2006">
-        <mc:Choice xmlns:a14="http://schemas.microsoft.com/office/drawing/2010/main" Requires="a14">
+      <mc:AlternateContent xmlns:mc="http://schemas.openxmlformats.org/markup-compatibility/2006" xmlns:a14="http://schemas.microsoft.com/office/drawing/2010/main">
+        <mc:Choice Requires="a14">
           <p:sp>
             <p:nvSpPr>
               <p:cNvPr id="43" name="CuadroTexto 42">
@@ -10799,7 +11237,7 @@
             </p:txBody>
           </p:sp>
         </mc:Choice>
-        <mc:Fallback>
+        <mc:Fallback xmlns="">
           <p:sp>
             <p:nvSpPr>
               <p:cNvPr id="43" name="CuadroTexto 42">
@@ -10844,8 +11282,8 @@
           </p:sp>
         </mc:Fallback>
       </mc:AlternateContent>
-      <mc:AlternateContent xmlns:mc="http://schemas.openxmlformats.org/markup-compatibility/2006">
-        <mc:Choice xmlns:a14="http://schemas.microsoft.com/office/drawing/2010/main" Requires="a14">
+      <mc:AlternateContent xmlns:mc="http://schemas.openxmlformats.org/markup-compatibility/2006" xmlns:a14="http://schemas.microsoft.com/office/drawing/2010/main">
+        <mc:Choice Requires="a14">
           <p:sp>
             <p:nvSpPr>
               <p:cNvPr id="45" name="CuadroTexto 44">
@@ -10914,7 +11352,7 @@
             </p:txBody>
           </p:sp>
         </mc:Choice>
-        <mc:Fallback>
+        <mc:Fallback xmlns="">
           <p:sp>
             <p:nvSpPr>
               <p:cNvPr id="45" name="CuadroTexto 44">
@@ -11860,8 +12298,8 @@
           </a:p>
         </p:txBody>
       </p:sp>
-      <mc:AlternateContent xmlns:mc="http://schemas.openxmlformats.org/markup-compatibility/2006">
-        <mc:Choice xmlns:a14="http://schemas.microsoft.com/office/drawing/2010/main" Requires="a14">
+      <mc:AlternateContent xmlns:mc="http://schemas.openxmlformats.org/markup-compatibility/2006" xmlns:a14="http://schemas.microsoft.com/office/drawing/2010/main">
+        <mc:Choice Requires="a14">
           <p:sp>
             <p:nvSpPr>
               <p:cNvPr id="59" name="CuadroTexto 58">
@@ -11930,7 +12368,7 @@
             </p:txBody>
           </p:sp>
         </mc:Choice>
-        <mc:Fallback>
+        <mc:Fallback xmlns="">
           <p:sp>
             <p:nvSpPr>
               <p:cNvPr id="59" name="CuadroTexto 58">
@@ -11975,8 +12413,8 @@
           </p:sp>
         </mc:Fallback>
       </mc:AlternateContent>
-      <mc:AlternateContent xmlns:mc="http://schemas.openxmlformats.org/markup-compatibility/2006">
-        <mc:Choice xmlns:a14="http://schemas.microsoft.com/office/drawing/2010/main" Requires="a14">
+      <mc:AlternateContent xmlns:mc="http://schemas.openxmlformats.org/markup-compatibility/2006" xmlns:a14="http://schemas.microsoft.com/office/drawing/2010/main">
+        <mc:Choice Requires="a14">
           <p:sp>
             <p:nvSpPr>
               <p:cNvPr id="48" name="CuadroTexto 47">
@@ -12045,7 +12483,7 @@
             </p:txBody>
           </p:sp>
         </mc:Choice>
-        <mc:Fallback>
+        <mc:Fallback xmlns="">
           <p:sp>
             <p:nvSpPr>
               <p:cNvPr id="48" name="CuadroTexto 47">
@@ -12357,6 +12795,828 @@
     <p:extLst>
       <p:ext uri="{BB962C8B-B14F-4D97-AF65-F5344CB8AC3E}">
         <p14:creationId xmlns:p14="http://schemas.microsoft.com/office/powerpoint/2010/main" val="1452882623"/>
+      </p:ext>
+    </p:extLst>
+  </p:cSld>
+  <p:clrMapOvr>
+    <a:masterClrMapping/>
+  </p:clrMapOvr>
+</p:sld>
+</file>
+
+<file path=ppt/slides/slide5.xml><?xml version="1.0" encoding="utf-8"?>
+<p:sld xmlns:a="http://schemas.openxmlformats.org/drawingml/2006/main" xmlns:r="http://schemas.openxmlformats.org/officeDocument/2006/relationships" xmlns:p="http://schemas.openxmlformats.org/presentationml/2006/main">
+  <p:cSld>
+    <p:bg>
+      <p:bgPr>
+        <a:solidFill>
+          <a:schemeClr val="bg1"/>
+        </a:solidFill>
+        <a:effectLst/>
+      </p:bgPr>
+    </p:bg>
+    <p:spTree>
+      <p:nvGrpSpPr>
+        <p:cNvPr id="1" name=""/>
+        <p:cNvGrpSpPr/>
+        <p:nvPr/>
+      </p:nvGrpSpPr>
+      <p:grpSpPr>
+        <a:xfrm>
+          <a:off x="0" y="0"/>
+          <a:ext cx="0" cy="0"/>
+          <a:chOff x="0" y="0"/>
+          <a:chExt cx="0" cy="0"/>
+        </a:xfrm>
+      </p:grpSpPr>
+      <p:pic>
+        <p:nvPicPr>
+          <p:cNvPr id="3" name="Imagen 2">
+            <a:extLst>
+              <a:ext uri="{FF2B5EF4-FFF2-40B4-BE49-F238E27FC236}">
+                <a16:creationId xmlns:a16="http://schemas.microsoft.com/office/drawing/2014/main" id="{C3397FB6-8836-4383-9872-116D04023F93}"/>
+              </a:ext>
+            </a:extLst>
+          </p:cNvPr>
+          <p:cNvPicPr>
+            <a:picLocks noChangeAspect="1"/>
+          </p:cNvPicPr>
+          <p:nvPr/>
+        </p:nvPicPr>
+        <p:blipFill>
+          <a:blip r:embed="rId3"/>
+          <a:stretch>
+            <a:fillRect/>
+          </a:stretch>
+        </p:blipFill>
+        <p:spPr>
+          <a:xfrm>
+            <a:off x="122766" y="1198787"/>
+            <a:ext cx="5874255" cy="4599761"/>
+          </a:xfrm>
+          <a:prstGeom prst="rect">
+            <a:avLst/>
+          </a:prstGeom>
+        </p:spPr>
+      </p:pic>
+      <p:cxnSp>
+        <p:nvCxnSpPr>
+          <p:cNvPr id="9" name="Conector recto 8">
+            <a:extLst>
+              <a:ext uri="{FF2B5EF4-FFF2-40B4-BE49-F238E27FC236}">
+                <a16:creationId xmlns:a16="http://schemas.microsoft.com/office/drawing/2014/main" id="{3B8331A1-8D1B-4021-B40C-402AB43260E4}"/>
+              </a:ext>
+            </a:extLst>
+          </p:cNvPr>
+          <p:cNvCxnSpPr>
+            <a:cxnSpLocks/>
+          </p:cNvCxnSpPr>
+          <p:nvPr/>
+        </p:nvCxnSpPr>
+        <p:spPr>
+          <a:xfrm>
+            <a:off x="1739916" y="4111803"/>
+            <a:ext cx="0" cy="838537"/>
+          </a:xfrm>
+          <a:prstGeom prst="line">
+            <a:avLst/>
+          </a:prstGeom>
+          <a:ln w="19050">
+            <a:solidFill>
+              <a:srgbClr val="FF0000"/>
+            </a:solidFill>
+          </a:ln>
+        </p:spPr>
+        <p:style>
+          <a:lnRef idx="1">
+            <a:schemeClr val="accent1"/>
+          </a:lnRef>
+          <a:fillRef idx="0">
+            <a:schemeClr val="accent1"/>
+          </a:fillRef>
+          <a:effectRef idx="0">
+            <a:schemeClr val="accent1"/>
+          </a:effectRef>
+          <a:fontRef idx="minor">
+            <a:schemeClr val="tx1"/>
+          </a:fontRef>
+        </p:style>
+      </p:cxnSp>
+      <p:cxnSp>
+        <p:nvCxnSpPr>
+          <p:cNvPr id="10" name="Conector recto 9">
+            <a:extLst>
+              <a:ext uri="{FF2B5EF4-FFF2-40B4-BE49-F238E27FC236}">
+                <a16:creationId xmlns:a16="http://schemas.microsoft.com/office/drawing/2014/main" id="{383D987C-B81A-4B20-8C6B-7892D12BC29E}"/>
+              </a:ext>
+            </a:extLst>
+          </p:cNvPr>
+          <p:cNvCxnSpPr>
+            <a:cxnSpLocks/>
+          </p:cNvCxnSpPr>
+          <p:nvPr/>
+        </p:nvCxnSpPr>
+        <p:spPr>
+          <a:xfrm>
+            <a:off x="4016356" y="4050843"/>
+            <a:ext cx="0" cy="838537"/>
+          </a:xfrm>
+          <a:prstGeom prst="line">
+            <a:avLst/>
+          </a:prstGeom>
+          <a:ln w="19050">
+            <a:solidFill>
+              <a:srgbClr val="FF0000"/>
+            </a:solidFill>
+          </a:ln>
+        </p:spPr>
+        <p:style>
+          <a:lnRef idx="1">
+            <a:schemeClr val="accent1"/>
+          </a:lnRef>
+          <a:fillRef idx="0">
+            <a:schemeClr val="accent1"/>
+          </a:fillRef>
+          <a:effectRef idx="0">
+            <a:schemeClr val="accent1"/>
+          </a:effectRef>
+          <a:fontRef idx="minor">
+            <a:schemeClr val="tx1"/>
+          </a:fontRef>
+        </p:style>
+      </p:cxnSp>
+      <p:cxnSp>
+        <p:nvCxnSpPr>
+          <p:cNvPr id="14" name="Conector recto de flecha 13">
+            <a:extLst>
+              <a:ext uri="{FF2B5EF4-FFF2-40B4-BE49-F238E27FC236}">
+                <a16:creationId xmlns:a16="http://schemas.microsoft.com/office/drawing/2014/main" id="{73F58D76-A862-4943-A97F-0C2BD8D0BEBB}"/>
+              </a:ext>
+            </a:extLst>
+          </p:cNvPr>
+          <p:cNvCxnSpPr>
+            <a:cxnSpLocks/>
+          </p:cNvCxnSpPr>
+          <p:nvPr/>
+        </p:nvCxnSpPr>
+        <p:spPr>
+          <a:xfrm>
+            <a:off x="1739916" y="4727082"/>
+            <a:ext cx="2276440" cy="0"/>
+          </a:xfrm>
+          <a:prstGeom prst="straightConnector1">
+            <a:avLst/>
+          </a:prstGeom>
+          <a:ln w="19050">
+            <a:solidFill>
+              <a:srgbClr val="FF0000"/>
+            </a:solidFill>
+            <a:headEnd type="triangle"/>
+            <a:tailEnd type="triangle"/>
+          </a:ln>
+        </p:spPr>
+        <p:style>
+          <a:lnRef idx="1">
+            <a:schemeClr val="accent1"/>
+          </a:lnRef>
+          <a:fillRef idx="0">
+            <a:schemeClr val="accent1"/>
+          </a:fillRef>
+          <a:effectRef idx="0">
+            <a:schemeClr val="accent1"/>
+          </a:effectRef>
+          <a:fontRef idx="minor">
+            <a:schemeClr val="tx1"/>
+          </a:fontRef>
+        </p:style>
+      </p:cxnSp>
+      <p:pic>
+        <p:nvPicPr>
+          <p:cNvPr id="16" name="Imagen 15">
+            <a:extLst>
+              <a:ext uri="{FF2B5EF4-FFF2-40B4-BE49-F238E27FC236}">
+                <a16:creationId xmlns:a16="http://schemas.microsoft.com/office/drawing/2014/main" id="{E99D6CB9-B147-40D6-B3B2-3103049E6236}"/>
+              </a:ext>
+            </a:extLst>
+          </p:cNvPr>
+          <p:cNvPicPr>
+            <a:picLocks noChangeAspect="1"/>
+          </p:cNvPicPr>
+          <p:nvPr/>
+        </p:nvPicPr>
+        <p:blipFill>
+          <a:blip r:embed="rId4"/>
+          <a:stretch>
+            <a:fillRect/>
+          </a:stretch>
+        </p:blipFill>
+        <p:spPr>
+          <a:xfrm>
+            <a:off x="6105525" y="1205319"/>
+            <a:ext cx="5895975" cy="4599761"/>
+          </a:xfrm>
+          <a:prstGeom prst="rect">
+            <a:avLst/>
+          </a:prstGeom>
+        </p:spPr>
+      </p:pic>
+      <mc:AlternateContent xmlns:mc="http://schemas.openxmlformats.org/markup-compatibility/2006">
+        <mc:Choice xmlns:a14="http://schemas.microsoft.com/office/drawing/2010/main" Requires="a14">
+          <p:sp>
+            <p:nvSpPr>
+              <p:cNvPr id="22" name="CuadroTexto 21">
+                <a:extLst>
+                  <a:ext uri="{FF2B5EF4-FFF2-40B4-BE49-F238E27FC236}">
+                    <a16:creationId xmlns:a16="http://schemas.microsoft.com/office/drawing/2014/main" id="{A91AFB1F-D038-48E9-90A4-652436932DAA}"/>
+                  </a:ext>
+                </a:extLst>
+              </p:cNvPr>
+              <p:cNvSpPr txBox="1"/>
+              <p:nvPr/>
+            </p:nvSpPr>
+            <p:spPr>
+              <a:xfrm>
+                <a:off x="2507040" y="4733333"/>
+                <a:ext cx="645459" cy="246221"/>
+              </a:xfrm>
+              <a:prstGeom prst="rect">
+                <a:avLst/>
+              </a:prstGeom>
+              <a:noFill/>
+            </p:spPr>
+            <p:txBody>
+              <a:bodyPr wrap="square" lIns="0" tIns="0" rIns="0" bIns="0" rtlCol="0">
+                <a:spAutoFit/>
+              </a:bodyPr>
+              <a:lstStyle/>
+              <a:p>
+                <a14:m>
+                  <m:oMathPara xmlns:m="http://schemas.openxmlformats.org/officeDocument/2006/math">
+                    <m:oMathParaPr>
+                      <m:jc m:val="centerGroup"/>
+                    </m:oMathParaPr>
+                    <m:oMath xmlns:m="http://schemas.openxmlformats.org/officeDocument/2006/math">
+                      <m:r>
+                        <a:rPr lang="es-CO" sz="1600" b="0" i="1" smtClean="0">
+                          <a:solidFill>
+                            <a:srgbClr val="FF0000"/>
+                          </a:solidFill>
+                          <a:latin typeface="Cambria Math" panose="02040503050406030204" pitchFamily="18" charset="0"/>
+                        </a:rPr>
+                        <m:t>403,533</m:t>
+                      </m:r>
+                    </m:oMath>
+                  </m:oMathPara>
+                </a14:m>
+                <a:endParaRPr lang="en-US" sz="1600" dirty="0">
+                  <a:solidFill>
+                    <a:srgbClr val="FF0000"/>
+                  </a:solidFill>
+                </a:endParaRPr>
+              </a:p>
+            </p:txBody>
+          </p:sp>
+        </mc:Choice>
+        <mc:Fallback>
+          <p:sp>
+            <p:nvSpPr>
+              <p:cNvPr id="22" name="CuadroTexto 21">
+                <a:extLst>
+                  <a:ext uri="{FF2B5EF4-FFF2-40B4-BE49-F238E27FC236}">
+                    <a16:creationId xmlns:a16="http://schemas.microsoft.com/office/drawing/2014/main" id="{A91AFB1F-D038-48E9-90A4-652436932DAA}"/>
+                  </a:ext>
+                </a:extLst>
+              </p:cNvPr>
+              <p:cNvSpPr txBox="1">
+                <a:spLocks noRot="1" noChangeAspect="1" noMove="1" noResize="1" noEditPoints="1" noAdjustHandles="1" noChangeArrowheads="1" noChangeShapeType="1" noTextEdit="1"/>
+              </p:cNvSpPr>
+              <p:nvPr/>
+            </p:nvSpPr>
+            <p:spPr>
+              <a:xfrm>
+                <a:off x="2507040" y="4733333"/>
+                <a:ext cx="645459" cy="246221"/>
+              </a:xfrm>
+              <a:prstGeom prst="rect">
+                <a:avLst/>
+              </a:prstGeom>
+              <a:blipFill>
+                <a:blip r:embed="rId5"/>
+                <a:stretch>
+                  <a:fillRect l="-10377" r="-21698" b="-4878"/>
+                </a:stretch>
+              </a:blipFill>
+            </p:spPr>
+            <p:txBody>
+              <a:bodyPr/>
+              <a:lstStyle/>
+              <a:p>
+                <a:r>
+                  <a:rPr lang="en-US">
+                    <a:noFill/>
+                  </a:rPr>
+                  <a:t> </a:t>
+                </a:r>
+              </a:p>
+            </p:txBody>
+          </p:sp>
+        </mc:Fallback>
+      </mc:AlternateContent>
+      <p:cxnSp>
+        <p:nvCxnSpPr>
+          <p:cNvPr id="23" name="Conector recto 22">
+            <a:extLst>
+              <a:ext uri="{FF2B5EF4-FFF2-40B4-BE49-F238E27FC236}">
+                <a16:creationId xmlns:a16="http://schemas.microsoft.com/office/drawing/2014/main" id="{7DCD31B5-B91D-48D0-A805-4936010FE0FD}"/>
+              </a:ext>
+            </a:extLst>
+          </p:cNvPr>
+          <p:cNvCxnSpPr>
+            <a:cxnSpLocks/>
+          </p:cNvCxnSpPr>
+          <p:nvPr/>
+        </p:nvCxnSpPr>
+        <p:spPr>
+          <a:xfrm>
+            <a:off x="8519538" y="3443585"/>
+            <a:ext cx="0" cy="739653"/>
+          </a:xfrm>
+          <a:prstGeom prst="line">
+            <a:avLst/>
+          </a:prstGeom>
+          <a:ln w="19050">
+            <a:solidFill>
+              <a:srgbClr val="FF0000"/>
+            </a:solidFill>
+          </a:ln>
+        </p:spPr>
+        <p:style>
+          <a:lnRef idx="1">
+            <a:schemeClr val="accent1"/>
+          </a:lnRef>
+          <a:fillRef idx="0">
+            <a:schemeClr val="accent1"/>
+          </a:fillRef>
+          <a:effectRef idx="0">
+            <a:schemeClr val="accent1"/>
+          </a:effectRef>
+          <a:fontRef idx="minor">
+            <a:schemeClr val="tx1"/>
+          </a:fontRef>
+        </p:style>
+      </p:cxnSp>
+      <p:cxnSp>
+        <p:nvCxnSpPr>
+          <p:cNvPr id="24" name="Conector recto 23">
+            <a:extLst>
+              <a:ext uri="{FF2B5EF4-FFF2-40B4-BE49-F238E27FC236}">
+                <a16:creationId xmlns:a16="http://schemas.microsoft.com/office/drawing/2014/main" id="{CABBA898-E469-4783-A7D4-E1B8C2472A3B}"/>
+              </a:ext>
+            </a:extLst>
+          </p:cNvPr>
+          <p:cNvCxnSpPr>
+            <a:cxnSpLocks/>
+          </p:cNvCxnSpPr>
+          <p:nvPr/>
+        </p:nvCxnSpPr>
+        <p:spPr>
+          <a:xfrm>
+            <a:off x="9724826" y="3379538"/>
+            <a:ext cx="0" cy="803700"/>
+          </a:xfrm>
+          <a:prstGeom prst="line">
+            <a:avLst/>
+          </a:prstGeom>
+          <a:ln w="19050">
+            <a:solidFill>
+              <a:srgbClr val="FF0000"/>
+            </a:solidFill>
+          </a:ln>
+        </p:spPr>
+        <p:style>
+          <a:lnRef idx="1">
+            <a:schemeClr val="accent1"/>
+          </a:lnRef>
+          <a:fillRef idx="0">
+            <a:schemeClr val="accent1"/>
+          </a:fillRef>
+          <a:effectRef idx="0">
+            <a:schemeClr val="accent1"/>
+          </a:effectRef>
+          <a:fontRef idx="minor">
+            <a:schemeClr val="tx1"/>
+          </a:fontRef>
+        </p:style>
+      </p:cxnSp>
+      <p:cxnSp>
+        <p:nvCxnSpPr>
+          <p:cNvPr id="25" name="Conector recto de flecha 24">
+            <a:extLst>
+              <a:ext uri="{FF2B5EF4-FFF2-40B4-BE49-F238E27FC236}">
+                <a16:creationId xmlns:a16="http://schemas.microsoft.com/office/drawing/2014/main" id="{D799C925-CC01-4E0F-B2C0-C6C685E35BAE}"/>
+              </a:ext>
+            </a:extLst>
+          </p:cNvPr>
+          <p:cNvCxnSpPr>
+            <a:cxnSpLocks/>
+          </p:cNvCxnSpPr>
+          <p:nvPr/>
+        </p:nvCxnSpPr>
+        <p:spPr>
+          <a:xfrm flipV="1">
+            <a:off x="8519538" y="4064486"/>
+            <a:ext cx="1196578" cy="6251"/>
+          </a:xfrm>
+          <a:prstGeom prst="straightConnector1">
+            <a:avLst/>
+          </a:prstGeom>
+          <a:ln w="19050">
+            <a:solidFill>
+              <a:srgbClr val="FF0000"/>
+            </a:solidFill>
+            <a:headEnd type="triangle"/>
+            <a:tailEnd type="triangle"/>
+          </a:ln>
+        </p:spPr>
+        <p:style>
+          <a:lnRef idx="1">
+            <a:schemeClr val="accent1"/>
+          </a:lnRef>
+          <a:fillRef idx="0">
+            <a:schemeClr val="accent1"/>
+          </a:fillRef>
+          <a:effectRef idx="0">
+            <a:schemeClr val="accent1"/>
+          </a:effectRef>
+          <a:fontRef idx="minor">
+            <a:schemeClr val="tx1"/>
+          </a:fontRef>
+        </p:style>
+      </p:cxnSp>
+      <mc:AlternateContent xmlns:mc="http://schemas.openxmlformats.org/markup-compatibility/2006">
+        <mc:Choice xmlns:a14="http://schemas.microsoft.com/office/drawing/2010/main" Requires="a14">
+          <p:sp>
+            <p:nvSpPr>
+              <p:cNvPr id="26" name="CuadroTexto 25">
+                <a:extLst>
+                  <a:ext uri="{FF2B5EF4-FFF2-40B4-BE49-F238E27FC236}">
+                    <a16:creationId xmlns:a16="http://schemas.microsoft.com/office/drawing/2014/main" id="{D0792722-7876-4922-853F-0ED511987FBC}"/>
+                  </a:ext>
+                </a:extLst>
+              </p:cNvPr>
+              <p:cNvSpPr txBox="1"/>
+              <p:nvPr/>
+            </p:nvSpPr>
+            <p:spPr>
+              <a:xfrm>
+                <a:off x="8774915" y="4094964"/>
+                <a:ext cx="841406" cy="246221"/>
+              </a:xfrm>
+              <a:prstGeom prst="rect">
+                <a:avLst/>
+              </a:prstGeom>
+              <a:noFill/>
+            </p:spPr>
+            <p:txBody>
+              <a:bodyPr wrap="square" lIns="0" tIns="0" rIns="0" bIns="0" rtlCol="0">
+                <a:spAutoFit/>
+              </a:bodyPr>
+              <a:lstStyle/>
+              <a:p>
+                <a14:m>
+                  <m:oMath xmlns:m="http://schemas.openxmlformats.org/officeDocument/2006/math">
+                    <m:r>
+                      <a:rPr lang="es-CO" sz="1600" i="1" smtClean="0">
+                        <a:solidFill>
+                          <a:srgbClr val="FF0000"/>
+                        </a:solidFill>
+                        <a:latin typeface="Cambria Math" panose="02040503050406030204" pitchFamily="18" charset="0"/>
+                      </a:rPr>
+                      <m:t>2</m:t>
+                    </m:r>
+                    <m:r>
+                      <a:rPr lang="es-CO" sz="1600" b="0" i="1" smtClean="0">
+                        <a:solidFill>
+                          <a:srgbClr val="FF0000"/>
+                        </a:solidFill>
+                        <a:latin typeface="Cambria Math" panose="02040503050406030204" pitchFamily="18" charset="0"/>
+                      </a:rPr>
+                      <m:t>44</m:t>
+                    </m:r>
+                    <m:r>
+                      <a:rPr lang="es-CO" sz="1600" b="0" i="1" smtClean="0">
+                        <a:solidFill>
+                          <a:srgbClr val="FF0000"/>
+                        </a:solidFill>
+                        <a:latin typeface="Cambria Math" panose="02040503050406030204" pitchFamily="18" charset="0"/>
+                      </a:rPr>
+                      <m:t>,</m:t>
+                    </m:r>
+                  </m:oMath>
+                </a14:m>
+                <a:r>
+                  <a:rPr lang="en-US" sz="1600" dirty="0">
+                    <a:solidFill>
+                      <a:srgbClr val="FF0000"/>
+                    </a:solidFill>
+                  </a:rPr>
+                  <a:t>747</a:t>
+                </a:r>
+              </a:p>
+            </p:txBody>
+          </p:sp>
+        </mc:Choice>
+        <mc:Fallback>
+          <p:sp>
+            <p:nvSpPr>
+              <p:cNvPr id="26" name="CuadroTexto 25">
+                <a:extLst>
+                  <a:ext uri="{FF2B5EF4-FFF2-40B4-BE49-F238E27FC236}">
+                    <a16:creationId xmlns:a16="http://schemas.microsoft.com/office/drawing/2014/main" id="{D0792722-7876-4922-853F-0ED511987FBC}"/>
+                  </a:ext>
+                </a:extLst>
+              </p:cNvPr>
+              <p:cNvSpPr txBox="1">
+                <a:spLocks noRot="1" noChangeAspect="1" noMove="1" noResize="1" noEditPoints="1" noAdjustHandles="1" noChangeArrowheads="1" noChangeShapeType="1" noTextEdit="1"/>
+              </p:cNvSpPr>
+              <p:nvPr/>
+            </p:nvSpPr>
+            <p:spPr>
+              <a:xfrm>
+                <a:off x="8774915" y="4094964"/>
+                <a:ext cx="841406" cy="246221"/>
+              </a:xfrm>
+              <a:prstGeom prst="rect">
+                <a:avLst/>
+              </a:prstGeom>
+              <a:blipFill>
+                <a:blip r:embed="rId6"/>
+                <a:stretch>
+                  <a:fillRect l="-7971" t="-27500" b="-50000"/>
+                </a:stretch>
+              </a:blipFill>
+            </p:spPr>
+            <p:txBody>
+              <a:bodyPr/>
+              <a:lstStyle/>
+              <a:p>
+                <a:r>
+                  <a:rPr lang="en-US">
+                    <a:noFill/>
+                  </a:rPr>
+                  <a:t> </a:t>
+                </a:r>
+              </a:p>
+            </p:txBody>
+          </p:sp>
+        </mc:Fallback>
+      </mc:AlternateContent>
+      <p:cxnSp>
+        <p:nvCxnSpPr>
+          <p:cNvPr id="29" name="Conector recto 28">
+            <a:extLst>
+              <a:ext uri="{FF2B5EF4-FFF2-40B4-BE49-F238E27FC236}">
+                <a16:creationId xmlns:a16="http://schemas.microsoft.com/office/drawing/2014/main" id="{463C35AF-54DC-47CB-B630-C0C6A438E211}"/>
+              </a:ext>
+            </a:extLst>
+          </p:cNvPr>
+          <p:cNvCxnSpPr>
+            <a:cxnSpLocks/>
+          </p:cNvCxnSpPr>
+          <p:nvPr/>
+        </p:nvCxnSpPr>
+        <p:spPr>
+          <a:xfrm flipH="1">
+            <a:off x="9823275" y="5315111"/>
+            <a:ext cx="409296" cy="0"/>
+          </a:xfrm>
+          <a:prstGeom prst="line">
+            <a:avLst/>
+          </a:prstGeom>
+          <a:ln w="19050">
+            <a:solidFill>
+              <a:srgbClr val="FF0000"/>
+            </a:solidFill>
+          </a:ln>
+        </p:spPr>
+        <p:style>
+          <a:lnRef idx="1">
+            <a:schemeClr val="accent1"/>
+          </a:lnRef>
+          <a:fillRef idx="0">
+            <a:schemeClr val="accent1"/>
+          </a:fillRef>
+          <a:effectRef idx="0">
+            <a:schemeClr val="accent1"/>
+          </a:effectRef>
+          <a:fontRef idx="minor">
+            <a:schemeClr val="tx1"/>
+          </a:fontRef>
+        </p:style>
+      </p:cxnSp>
+      <p:cxnSp>
+        <p:nvCxnSpPr>
+          <p:cNvPr id="30" name="Conector recto 29">
+            <a:extLst>
+              <a:ext uri="{FF2B5EF4-FFF2-40B4-BE49-F238E27FC236}">
+                <a16:creationId xmlns:a16="http://schemas.microsoft.com/office/drawing/2014/main" id="{4C9C2F93-86F9-4A15-BB82-F766984A4D5D}"/>
+              </a:ext>
+            </a:extLst>
+          </p:cNvPr>
+          <p:cNvCxnSpPr>
+            <a:cxnSpLocks/>
+          </p:cNvCxnSpPr>
+          <p:nvPr/>
+        </p:nvCxnSpPr>
+        <p:spPr>
+          <a:xfrm>
+            <a:off x="9724826" y="3379538"/>
+            <a:ext cx="446655" cy="0"/>
+          </a:xfrm>
+          <a:prstGeom prst="line">
+            <a:avLst/>
+          </a:prstGeom>
+          <a:ln w="19050">
+            <a:solidFill>
+              <a:srgbClr val="FF0000"/>
+            </a:solidFill>
+          </a:ln>
+        </p:spPr>
+        <p:style>
+          <a:lnRef idx="1">
+            <a:schemeClr val="accent1"/>
+          </a:lnRef>
+          <a:fillRef idx="0">
+            <a:schemeClr val="accent1"/>
+          </a:fillRef>
+          <a:effectRef idx="0">
+            <a:schemeClr val="accent1"/>
+          </a:effectRef>
+          <a:fontRef idx="minor">
+            <a:schemeClr val="tx1"/>
+          </a:fontRef>
+        </p:style>
+      </p:cxnSp>
+      <p:cxnSp>
+        <p:nvCxnSpPr>
+          <p:cNvPr id="31" name="Conector recto de flecha 30">
+            <a:extLst>
+              <a:ext uri="{FF2B5EF4-FFF2-40B4-BE49-F238E27FC236}">
+                <a16:creationId xmlns:a16="http://schemas.microsoft.com/office/drawing/2014/main" id="{29AF552B-E219-4304-BFE2-800C3942ECE5}"/>
+              </a:ext>
+            </a:extLst>
+          </p:cNvPr>
+          <p:cNvCxnSpPr>
+            <a:cxnSpLocks/>
+          </p:cNvCxnSpPr>
+          <p:nvPr/>
+        </p:nvCxnSpPr>
+        <p:spPr>
+          <a:xfrm flipV="1">
+            <a:off x="10058400" y="3379539"/>
+            <a:ext cx="0" cy="1935572"/>
+          </a:xfrm>
+          <a:prstGeom prst="straightConnector1">
+            <a:avLst/>
+          </a:prstGeom>
+          <a:ln w="19050">
+            <a:solidFill>
+              <a:srgbClr val="FF0000"/>
+            </a:solidFill>
+            <a:headEnd type="triangle"/>
+            <a:tailEnd type="triangle"/>
+          </a:ln>
+        </p:spPr>
+        <p:style>
+          <a:lnRef idx="1">
+            <a:schemeClr val="accent1"/>
+          </a:lnRef>
+          <a:fillRef idx="0">
+            <a:schemeClr val="accent1"/>
+          </a:fillRef>
+          <a:effectRef idx="0">
+            <a:schemeClr val="accent1"/>
+          </a:effectRef>
+          <a:fontRef idx="minor">
+            <a:schemeClr val="tx1"/>
+          </a:fontRef>
+        </p:style>
+      </p:cxnSp>
+      <mc:AlternateContent xmlns:mc="http://schemas.openxmlformats.org/markup-compatibility/2006">
+        <mc:Choice xmlns:a14="http://schemas.microsoft.com/office/drawing/2010/main" Requires="a14">
+          <p:sp>
+            <p:nvSpPr>
+              <p:cNvPr id="32" name="CuadroTexto 31">
+                <a:extLst>
+                  <a:ext uri="{FF2B5EF4-FFF2-40B4-BE49-F238E27FC236}">
+                    <a16:creationId xmlns:a16="http://schemas.microsoft.com/office/drawing/2014/main" id="{96BB7A1B-6B20-4227-96BE-2D96634D4503}"/>
+                  </a:ext>
+                </a:extLst>
+              </p:cNvPr>
+              <p:cNvSpPr txBox="1"/>
+              <p:nvPr/>
+            </p:nvSpPr>
+            <p:spPr>
+              <a:xfrm rot="16200000">
+                <a:off x="9848752" y="4270356"/>
+                <a:ext cx="645459" cy="246221"/>
+              </a:xfrm>
+              <a:prstGeom prst="rect">
+                <a:avLst/>
+              </a:prstGeom>
+              <a:noFill/>
+            </p:spPr>
+            <p:txBody>
+              <a:bodyPr wrap="square" lIns="0" tIns="0" rIns="0" bIns="0" rtlCol="0">
+                <a:spAutoFit/>
+              </a:bodyPr>
+              <a:lstStyle/>
+              <a:p>
+                <a14:m>
+                  <m:oMathPara xmlns:m="http://schemas.openxmlformats.org/officeDocument/2006/math">
+                    <m:oMathParaPr>
+                      <m:jc m:val="centerGroup"/>
+                    </m:oMathParaPr>
+                    <m:oMath xmlns:m="http://schemas.openxmlformats.org/officeDocument/2006/math">
+                      <m:r>
+                        <a:rPr lang="es-CO" sz="1600" i="1" smtClean="0">
+                          <a:solidFill>
+                            <a:srgbClr val="FF0000"/>
+                          </a:solidFill>
+                          <a:latin typeface="Cambria Math" panose="02040503050406030204" pitchFamily="18" charset="0"/>
+                        </a:rPr>
+                        <m:t>3</m:t>
+                      </m:r>
+                      <m:r>
+                        <a:rPr lang="es-CO" sz="1600" b="0" i="1" smtClean="0">
+                          <a:solidFill>
+                            <a:srgbClr val="FF0000"/>
+                          </a:solidFill>
+                          <a:latin typeface="Cambria Math" panose="02040503050406030204" pitchFamily="18" charset="0"/>
+                        </a:rPr>
+                        <m:t>76,467</m:t>
+                      </m:r>
+                    </m:oMath>
+                  </m:oMathPara>
+                </a14:m>
+                <a:endParaRPr lang="en-US" sz="1600" dirty="0">
+                  <a:solidFill>
+                    <a:srgbClr val="FF0000"/>
+                  </a:solidFill>
+                </a:endParaRPr>
+              </a:p>
+            </p:txBody>
+          </p:sp>
+        </mc:Choice>
+        <mc:Fallback>
+          <p:sp>
+            <p:nvSpPr>
+              <p:cNvPr id="32" name="CuadroTexto 31">
+                <a:extLst>
+                  <a:ext uri="{FF2B5EF4-FFF2-40B4-BE49-F238E27FC236}">
+                    <a16:creationId xmlns:a16="http://schemas.microsoft.com/office/drawing/2014/main" id="{96BB7A1B-6B20-4227-96BE-2D96634D4503}"/>
+                  </a:ext>
+                </a:extLst>
+              </p:cNvPr>
+              <p:cNvSpPr txBox="1">
+                <a:spLocks noRot="1" noChangeAspect="1" noMove="1" noResize="1" noEditPoints="1" noAdjustHandles="1" noChangeArrowheads="1" noChangeShapeType="1" noTextEdit="1"/>
+              </p:cNvSpPr>
+              <p:nvPr/>
+            </p:nvSpPr>
+            <p:spPr>
+              <a:xfrm rot="16200000">
+                <a:off x="9848752" y="4270356"/>
+                <a:ext cx="645459" cy="246221"/>
+              </a:xfrm>
+              <a:prstGeom prst="rect">
+                <a:avLst/>
+              </a:prstGeom>
+              <a:blipFill>
+                <a:blip r:embed="rId7"/>
+                <a:stretch>
+                  <a:fillRect t="-21698" r="-4878" b="-10377"/>
+                </a:stretch>
+              </a:blipFill>
+            </p:spPr>
+            <p:txBody>
+              <a:bodyPr/>
+              <a:lstStyle/>
+              <a:p>
+                <a:r>
+                  <a:rPr lang="en-US">
+                    <a:noFill/>
+                  </a:rPr>
+                  <a:t> </a:t>
+                </a:r>
+              </a:p>
+            </p:txBody>
+          </p:sp>
+        </mc:Fallback>
+      </mc:AlternateContent>
+    </p:spTree>
+    <p:extLst>
+      <p:ext uri="{BB962C8B-B14F-4D97-AF65-F5344CB8AC3E}">
+        <p14:creationId xmlns:p14="http://schemas.microsoft.com/office/powerpoint/2010/main" val="631386957"/>
       </p:ext>
     </p:extLst>
   </p:cSld>
@@ -12659,4 +13919,299 @@
     </a:ext>
   </a:extLst>
 </a:theme>
+</file>
+
+<file path=ppt/theme/theme2.xml><?xml version="1.0" encoding="utf-8"?>
+<a:theme xmlns:a="http://schemas.openxmlformats.org/drawingml/2006/main" name="Tema de Office">
+  <a:themeElements>
+    <a:clrScheme name="Office">
+      <a:dk1>
+        <a:sysClr val="windowText" lastClr="000000"/>
+      </a:dk1>
+      <a:lt1>
+        <a:sysClr val="window" lastClr="FFFFFF"/>
+      </a:lt1>
+      <a:dk2>
+        <a:srgbClr val="44546A"/>
+      </a:dk2>
+      <a:lt2>
+        <a:srgbClr val="E7E6E6"/>
+      </a:lt2>
+      <a:accent1>
+        <a:srgbClr val="4472C4"/>
+      </a:accent1>
+      <a:accent2>
+        <a:srgbClr val="ED7D31"/>
+      </a:accent2>
+      <a:accent3>
+        <a:srgbClr val="A5A5A5"/>
+      </a:accent3>
+      <a:accent4>
+        <a:srgbClr val="FFC000"/>
+      </a:accent4>
+      <a:accent5>
+        <a:srgbClr val="5B9BD5"/>
+      </a:accent5>
+      <a:accent6>
+        <a:srgbClr val="70AD47"/>
+      </a:accent6>
+      <a:hlink>
+        <a:srgbClr val="0563C1"/>
+      </a:hlink>
+      <a:folHlink>
+        <a:srgbClr val="954F72"/>
+      </a:folHlink>
+    </a:clrScheme>
+    <a:fontScheme name="Office">
+      <a:majorFont>
+        <a:latin typeface="Calibri Light" panose="020F0302020204030204"/>
+        <a:ea typeface=""/>
+        <a:cs typeface=""/>
+        <a:font script="Jpan" typeface="游ゴシック Light"/>
+        <a:font script="Hang" typeface="맑은 고딕"/>
+        <a:font script="Hans" typeface="等线 Light"/>
+        <a:font script="Hant" typeface="新細明體"/>
+        <a:font script="Arab" typeface="Times New Roman"/>
+        <a:font script="Hebr" typeface="Times New Roman"/>
+        <a:font script="Thai" typeface="Angsana New"/>
+        <a:font script="Ethi" typeface="Nyala"/>
+        <a:font script="Beng" typeface="Vrinda"/>
+        <a:font script="Gujr" typeface="Shruti"/>
+        <a:font script="Khmr" typeface="MoolBoran"/>
+        <a:font script="Knda" typeface="Tunga"/>
+        <a:font script="Guru" typeface="Raavi"/>
+        <a:font script="Cans" typeface="Euphemia"/>
+        <a:font script="Cher" typeface="Plantagenet Cherokee"/>
+        <a:font script="Yiii" typeface="Microsoft Yi Baiti"/>
+        <a:font script="Tibt" typeface="Microsoft Himalaya"/>
+        <a:font script="Thaa" typeface="MV Boli"/>
+        <a:font script="Deva" typeface="Mangal"/>
+        <a:font script="Telu" typeface="Gautami"/>
+        <a:font script="Taml" typeface="Latha"/>
+        <a:font script="Syrc" typeface="Estrangelo Edessa"/>
+        <a:font script="Orya" typeface="Kalinga"/>
+        <a:font script="Mlym" typeface="Kartika"/>
+        <a:font script="Laoo" typeface="DokChampa"/>
+        <a:font script="Sinh" typeface="Iskoola Pota"/>
+        <a:font script="Mong" typeface="Mongolian Baiti"/>
+        <a:font script="Viet" typeface="Times New Roman"/>
+        <a:font script="Uigh" typeface="Microsoft Uighur"/>
+        <a:font script="Geor" typeface="Sylfaen"/>
+        <a:font script="Armn" typeface="Arial"/>
+        <a:font script="Bugi" typeface="Leelawadee UI"/>
+        <a:font script="Bopo" typeface="Microsoft JhengHei"/>
+        <a:font script="Java" typeface="Javanese Text"/>
+        <a:font script="Lisu" typeface="Segoe UI"/>
+        <a:font script="Mymr" typeface="Myanmar Text"/>
+        <a:font script="Nkoo" typeface="Ebrima"/>
+        <a:font script="Olck" typeface="Nirmala UI"/>
+        <a:font script="Osma" typeface="Ebrima"/>
+        <a:font script="Phag" typeface="Phagspa"/>
+        <a:font script="Syrn" typeface="Estrangelo Edessa"/>
+        <a:font script="Syrj" typeface="Estrangelo Edessa"/>
+        <a:font script="Syre" typeface="Estrangelo Edessa"/>
+        <a:font script="Sora" typeface="Nirmala UI"/>
+        <a:font script="Tale" typeface="Microsoft Tai Le"/>
+        <a:font script="Talu" typeface="Microsoft New Tai Lue"/>
+        <a:font script="Tfng" typeface="Ebrima"/>
+      </a:majorFont>
+      <a:minorFont>
+        <a:latin typeface="Calibri" panose="020F0502020204030204"/>
+        <a:ea typeface=""/>
+        <a:cs typeface=""/>
+        <a:font script="Jpan" typeface="游ゴシック"/>
+        <a:font script="Hang" typeface="맑은 고딕"/>
+        <a:font script="Hans" typeface="等线"/>
+        <a:font script="Hant" typeface="新細明體"/>
+        <a:font script="Arab" typeface="Arial"/>
+        <a:font script="Hebr" typeface="Arial"/>
+        <a:font script="Thai" typeface="Cordia New"/>
+        <a:font script="Ethi" typeface="Nyala"/>
+        <a:font script="Beng" typeface="Vrinda"/>
+        <a:font script="Gujr" typeface="Shruti"/>
+        <a:font script="Khmr" typeface="DaunPenh"/>
+        <a:font script="Knda" typeface="Tunga"/>
+        <a:font script="Guru" typeface="Raavi"/>
+        <a:font script="Cans" typeface="Euphemia"/>
+        <a:font script="Cher" typeface="Plantagenet Cherokee"/>
+        <a:font script="Yiii" typeface="Microsoft Yi Baiti"/>
+        <a:font script="Tibt" typeface="Microsoft Himalaya"/>
+        <a:font script="Thaa" typeface="MV Boli"/>
+        <a:font script="Deva" typeface="Mangal"/>
+        <a:font script="Telu" typeface="Gautami"/>
+        <a:font script="Taml" typeface="Latha"/>
+        <a:font script="Syrc" typeface="Estrangelo Edessa"/>
+        <a:font script="Orya" typeface="Kalinga"/>
+        <a:font script="Mlym" typeface="Kartika"/>
+        <a:font script="Laoo" typeface="DokChampa"/>
+        <a:font script="Sinh" typeface="Iskoola Pota"/>
+        <a:font script="Mong" typeface="Mongolian Baiti"/>
+        <a:font script="Viet" typeface="Arial"/>
+        <a:font script="Uigh" typeface="Microsoft Uighur"/>
+        <a:font script="Geor" typeface="Sylfaen"/>
+        <a:font script="Armn" typeface="Arial"/>
+        <a:font script="Bugi" typeface="Leelawadee UI"/>
+        <a:font script="Bopo" typeface="Microsoft JhengHei"/>
+        <a:font script="Java" typeface="Javanese Text"/>
+        <a:font script="Lisu" typeface="Segoe UI"/>
+        <a:font script="Mymr" typeface="Myanmar Text"/>
+        <a:font script="Nkoo" typeface="Ebrima"/>
+        <a:font script="Olck" typeface="Nirmala UI"/>
+        <a:font script="Osma" typeface="Ebrima"/>
+        <a:font script="Phag" typeface="Phagspa"/>
+        <a:font script="Syrn" typeface="Estrangelo Edessa"/>
+        <a:font script="Syrj" typeface="Estrangelo Edessa"/>
+        <a:font script="Syre" typeface="Estrangelo Edessa"/>
+        <a:font script="Sora" typeface="Nirmala UI"/>
+        <a:font script="Tale" typeface="Microsoft Tai Le"/>
+        <a:font script="Talu" typeface="Microsoft New Tai Lue"/>
+        <a:font script="Tfng" typeface="Ebrima"/>
+      </a:minorFont>
+    </a:fontScheme>
+    <a:fmtScheme name="Office">
+      <a:fillStyleLst>
+        <a:solidFill>
+          <a:schemeClr val="phClr"/>
+        </a:solidFill>
+        <a:gradFill rotWithShape="1">
+          <a:gsLst>
+            <a:gs pos="0">
+              <a:schemeClr val="phClr">
+                <a:lumMod val="110000"/>
+                <a:satMod val="105000"/>
+                <a:tint val="67000"/>
+              </a:schemeClr>
+            </a:gs>
+            <a:gs pos="50000">
+              <a:schemeClr val="phClr">
+                <a:lumMod val="105000"/>
+                <a:satMod val="103000"/>
+                <a:tint val="73000"/>
+              </a:schemeClr>
+            </a:gs>
+            <a:gs pos="100000">
+              <a:schemeClr val="phClr">
+                <a:lumMod val="105000"/>
+                <a:satMod val="109000"/>
+                <a:tint val="81000"/>
+              </a:schemeClr>
+            </a:gs>
+          </a:gsLst>
+          <a:lin ang="5400000" scaled="0"/>
+        </a:gradFill>
+        <a:gradFill rotWithShape="1">
+          <a:gsLst>
+            <a:gs pos="0">
+              <a:schemeClr val="phClr">
+                <a:satMod val="103000"/>
+                <a:lumMod val="102000"/>
+                <a:tint val="94000"/>
+              </a:schemeClr>
+            </a:gs>
+            <a:gs pos="50000">
+              <a:schemeClr val="phClr">
+                <a:satMod val="110000"/>
+                <a:lumMod val="100000"/>
+                <a:shade val="100000"/>
+              </a:schemeClr>
+            </a:gs>
+            <a:gs pos="100000">
+              <a:schemeClr val="phClr">
+                <a:lumMod val="99000"/>
+                <a:satMod val="120000"/>
+                <a:shade val="78000"/>
+              </a:schemeClr>
+            </a:gs>
+          </a:gsLst>
+          <a:lin ang="5400000" scaled="0"/>
+        </a:gradFill>
+      </a:fillStyleLst>
+      <a:lnStyleLst>
+        <a:ln w="6350" cap="flat" cmpd="sng" algn="ctr">
+          <a:solidFill>
+            <a:schemeClr val="phClr"/>
+          </a:solidFill>
+          <a:prstDash val="solid"/>
+          <a:miter lim="800000"/>
+        </a:ln>
+        <a:ln w="12700" cap="flat" cmpd="sng" algn="ctr">
+          <a:solidFill>
+            <a:schemeClr val="phClr"/>
+          </a:solidFill>
+          <a:prstDash val="solid"/>
+          <a:miter lim="800000"/>
+        </a:ln>
+        <a:ln w="19050" cap="flat" cmpd="sng" algn="ctr">
+          <a:solidFill>
+            <a:schemeClr val="phClr"/>
+          </a:solidFill>
+          <a:prstDash val="solid"/>
+          <a:miter lim="800000"/>
+        </a:ln>
+      </a:lnStyleLst>
+      <a:effectStyleLst>
+        <a:effectStyle>
+          <a:effectLst/>
+        </a:effectStyle>
+        <a:effectStyle>
+          <a:effectLst/>
+        </a:effectStyle>
+        <a:effectStyle>
+          <a:effectLst>
+            <a:outerShdw blurRad="57150" dist="19050" dir="5400000" algn="ctr" rotWithShape="0">
+              <a:srgbClr val="000000">
+                <a:alpha val="63000"/>
+              </a:srgbClr>
+            </a:outerShdw>
+          </a:effectLst>
+        </a:effectStyle>
+      </a:effectStyleLst>
+      <a:bgFillStyleLst>
+        <a:solidFill>
+          <a:schemeClr val="phClr"/>
+        </a:solidFill>
+        <a:solidFill>
+          <a:schemeClr val="phClr">
+            <a:tint val="95000"/>
+            <a:satMod val="170000"/>
+          </a:schemeClr>
+        </a:solidFill>
+        <a:gradFill rotWithShape="1">
+          <a:gsLst>
+            <a:gs pos="0">
+              <a:schemeClr val="phClr">
+                <a:tint val="93000"/>
+                <a:satMod val="150000"/>
+                <a:shade val="98000"/>
+                <a:lumMod val="102000"/>
+              </a:schemeClr>
+            </a:gs>
+            <a:gs pos="50000">
+              <a:schemeClr val="phClr">
+                <a:tint val="98000"/>
+                <a:satMod val="130000"/>
+                <a:shade val="90000"/>
+                <a:lumMod val="103000"/>
+              </a:schemeClr>
+            </a:gs>
+            <a:gs pos="100000">
+              <a:schemeClr val="phClr">
+                <a:shade val="63000"/>
+                <a:satMod val="120000"/>
+              </a:schemeClr>
+            </a:gs>
+          </a:gsLst>
+          <a:lin ang="5400000" scaled="0"/>
+        </a:gradFill>
+      </a:bgFillStyleLst>
+    </a:fmtScheme>
+  </a:themeElements>
+  <a:objectDefaults/>
+  <a:extraClrSchemeLst/>
+  <a:extLst>
+    <a:ext uri="{05A4C25C-085E-4340-85A3-A5531E510DB2}">
+      <thm15:themeFamily xmlns:thm15="http://schemas.microsoft.com/office/thememl/2012/main" name="Office Theme" id="{62F939B6-93AF-4DB8-9C6B-D6C7DFDC589F}" vid="{4A3C46E8-61CC-4603-A589-7422A47A8E4A}"/>
+    </a:ext>
+  </a:extLst>
+</a:theme>
 </file>
--- a/Lab2.pptx
+++ b/Lab2.pptx
@@ -201,7 +201,7 @@
           <a:p>
             <a:fld id="{5B4E12CA-9DCD-4156-BC00-669A02CF9D70}" type="datetimeFigureOut">
               <a:rPr lang="en-US" smtClean="0"/>
-              <a:t>7/20/2021</a:t>
+              <a:t>7/22/2021</a:t>
             </a:fld>
             <a:endParaRPr lang="en-US"/>
           </a:p>
@@ -702,7 +702,7 @@
           <a:p>
             <a:fld id="{C7415BBE-5759-4144-BE94-42AB820F739B}" type="datetimeFigureOut">
               <a:rPr lang="es-ES_tradnl" smtClean="0"/>
-              <a:t>20/07/2021</a:t>
+              <a:t>22/07/2021</a:t>
             </a:fld>
             <a:endParaRPr lang="es-ES_tradnl"/>
           </a:p>
@@ -902,7 +902,7 @@
           <a:p>
             <a:fld id="{C7415BBE-5759-4144-BE94-42AB820F739B}" type="datetimeFigureOut">
               <a:rPr lang="es-ES_tradnl" smtClean="0"/>
-              <a:t>20/07/2021</a:t>
+              <a:t>22/07/2021</a:t>
             </a:fld>
             <a:endParaRPr lang="es-ES_tradnl"/>
           </a:p>
@@ -1112,7 +1112,7 @@
           <a:p>
             <a:fld id="{C7415BBE-5759-4144-BE94-42AB820F739B}" type="datetimeFigureOut">
               <a:rPr lang="es-ES_tradnl" smtClean="0"/>
-              <a:t>20/07/2021</a:t>
+              <a:t>22/07/2021</a:t>
             </a:fld>
             <a:endParaRPr lang="es-ES_tradnl"/>
           </a:p>
@@ -1312,7 +1312,7 @@
           <a:p>
             <a:fld id="{C7415BBE-5759-4144-BE94-42AB820F739B}" type="datetimeFigureOut">
               <a:rPr lang="es-ES_tradnl" smtClean="0"/>
-              <a:t>20/07/2021</a:t>
+              <a:t>22/07/2021</a:t>
             </a:fld>
             <a:endParaRPr lang="es-ES_tradnl"/>
           </a:p>
@@ -1588,7 +1588,7 @@
           <a:p>
             <a:fld id="{C7415BBE-5759-4144-BE94-42AB820F739B}" type="datetimeFigureOut">
               <a:rPr lang="es-ES_tradnl" smtClean="0"/>
-              <a:t>20/07/2021</a:t>
+              <a:t>22/07/2021</a:t>
             </a:fld>
             <a:endParaRPr lang="es-ES_tradnl"/>
           </a:p>
@@ -1856,7 +1856,7 @@
           <a:p>
             <a:fld id="{C7415BBE-5759-4144-BE94-42AB820F739B}" type="datetimeFigureOut">
               <a:rPr lang="es-ES_tradnl" smtClean="0"/>
-              <a:t>20/07/2021</a:t>
+              <a:t>22/07/2021</a:t>
             </a:fld>
             <a:endParaRPr lang="es-ES_tradnl"/>
           </a:p>
@@ -2271,7 +2271,7 @@
           <a:p>
             <a:fld id="{C7415BBE-5759-4144-BE94-42AB820F739B}" type="datetimeFigureOut">
               <a:rPr lang="es-ES_tradnl" smtClean="0"/>
-              <a:t>20/07/2021</a:t>
+              <a:t>22/07/2021</a:t>
             </a:fld>
             <a:endParaRPr lang="es-ES_tradnl"/>
           </a:p>
@@ -2413,7 +2413,7 @@
           <a:p>
             <a:fld id="{C7415BBE-5759-4144-BE94-42AB820F739B}" type="datetimeFigureOut">
               <a:rPr lang="es-ES_tradnl" smtClean="0"/>
-              <a:t>20/07/2021</a:t>
+              <a:t>22/07/2021</a:t>
             </a:fld>
             <a:endParaRPr lang="es-ES_tradnl"/>
           </a:p>
@@ -2526,7 +2526,7 @@
           <a:p>
             <a:fld id="{C7415BBE-5759-4144-BE94-42AB820F739B}" type="datetimeFigureOut">
               <a:rPr lang="es-ES_tradnl" smtClean="0"/>
-              <a:t>20/07/2021</a:t>
+              <a:t>22/07/2021</a:t>
             </a:fld>
             <a:endParaRPr lang="es-ES_tradnl"/>
           </a:p>
@@ -2839,7 +2839,7 @@
           <a:p>
             <a:fld id="{C7415BBE-5759-4144-BE94-42AB820F739B}" type="datetimeFigureOut">
               <a:rPr lang="es-ES_tradnl" smtClean="0"/>
-              <a:t>20/07/2021</a:t>
+              <a:t>22/07/2021</a:t>
             </a:fld>
             <a:endParaRPr lang="es-ES_tradnl"/>
           </a:p>
@@ -3128,7 +3128,7 @@
           <a:p>
             <a:fld id="{C7415BBE-5759-4144-BE94-42AB820F739B}" type="datetimeFigureOut">
               <a:rPr lang="es-ES_tradnl" smtClean="0"/>
-              <a:t>20/07/2021</a:t>
+              <a:t>22/07/2021</a:t>
             </a:fld>
             <a:endParaRPr lang="es-ES_tradnl"/>
           </a:p>
@@ -3371,7 +3371,7 @@
           <a:p>
             <a:fld id="{C7415BBE-5759-4144-BE94-42AB820F739B}" type="datetimeFigureOut">
               <a:rPr lang="es-ES_tradnl" smtClean="0"/>
-              <a:t>20/07/2021</a:t>
+              <a:t>22/07/2021</a:t>
             </a:fld>
             <a:endParaRPr lang="es-ES_tradnl"/>
           </a:p>
@@ -5293,33 +5293,50 @@
       </p:grpSpPr>
       <p:pic>
         <p:nvPicPr>
-          <p:cNvPr id="2" name="Grafik 1">
-            <a:extLst>
-              <a:ext uri="{FF2B5EF4-FFF2-40B4-BE49-F238E27FC236}">
-                <a16:creationId xmlns:a16="http://schemas.microsoft.com/office/drawing/2014/main" id="{EA2D17B4-A120-FB42-AFA3-88FE64C17B58}"/>
+          <p:cNvPr id="1026" name="Picture 2" descr="RobotWorx - FANUC LR Mate 200iB">
+            <a:extLst>
+              <a:ext uri="{FF2B5EF4-FFF2-40B4-BE49-F238E27FC236}">
+                <a16:creationId xmlns:a16="http://schemas.microsoft.com/office/drawing/2014/main" id="{DF95D270-42A3-4E12-9950-3DE1B4D69130}"/>
               </a:ext>
             </a:extLst>
           </p:cNvPr>
           <p:cNvPicPr>
-            <a:picLocks noChangeAspect="1"/>
+            <a:picLocks noChangeAspect="1" noChangeArrowheads="1"/>
           </p:cNvPicPr>
           <p:nvPr/>
         </p:nvPicPr>
-        <p:blipFill rotWithShape="1">
+        <p:blipFill>
           <a:blip r:embed="rId2">
-            <a:alphaModFix amt="21000"/>
+            <a:alphaModFix amt="35000"/>
+            <a:extLst>
+              <a:ext uri="{28A0092B-C50C-407E-A947-70E740481C1C}">
+                <a14:useLocalDpi xmlns:a14="http://schemas.microsoft.com/office/drawing/2010/main" val="0"/>
+              </a:ext>
+            </a:extLst>
           </a:blip>
-          <a:srcRect l="20919" r="20917"/>
-          <a:stretch/>
+          <a:srcRect/>
+          <a:stretch>
+            <a:fillRect/>
+          </a:stretch>
         </p:blipFill>
-        <p:spPr>
+        <p:spPr bwMode="auto">
           <a:xfrm>
-            <a:off x="3039124" y="6881"/>
-            <a:ext cx="6113752" cy="6858000"/>
+            <a:off x="3113773" y="761495"/>
+            <a:ext cx="6059131" cy="6059131"/>
           </a:xfrm>
           <a:prstGeom prst="rect">
             <a:avLst/>
           </a:prstGeom>
+          <a:noFill/>
+          <a:extLst>
+            <a:ext uri="{909E8E84-426E-40DD-AFC4-6F175D3DCCD1}">
+              <a14:hiddenFill xmlns:a14="http://schemas.microsoft.com/office/drawing/2010/main">
+                <a:solidFill>
+                  <a:srgbClr val="FFFFFF"/>
+                </a:solidFill>
+              </a14:hiddenFill>
+            </a:ext>
+          </a:extLst>
         </p:spPr>
       </p:pic>
       <p:cxnSp>
@@ -5338,7 +5355,7 @@
         </p:nvCxnSpPr>
         <p:spPr>
           <a:xfrm flipH="1">
-            <a:off x="3100554" y="1969948"/>
+            <a:off x="3019096" y="1605695"/>
             <a:ext cx="6810105" cy="1964"/>
           </a:xfrm>
           <a:prstGeom prst="line">
@@ -5381,9 +5398,9 @@
           <p:nvPr/>
         </p:nvCxnSpPr>
         <p:spPr>
-          <a:xfrm flipV="1">
-            <a:off x="4927996" y="231228"/>
-            <a:ext cx="0" cy="5654565"/>
+          <a:xfrm flipH="1" flipV="1">
+            <a:off x="4836555" y="3125897"/>
+            <a:ext cx="9985" cy="3552544"/>
           </a:xfrm>
           <a:prstGeom prst="line">
             <a:avLst/>
@@ -5412,104 +5429,6 @@
       </p:cxnSp>
       <p:sp>
         <p:nvSpPr>
-          <p:cNvPr id="12" name="Elipse 40">
-            <a:extLst>
-              <a:ext uri="{FF2B5EF4-FFF2-40B4-BE49-F238E27FC236}">
-                <a16:creationId xmlns:a16="http://schemas.microsoft.com/office/drawing/2014/main" id="{5058E6AF-D6B2-0E4B-9E31-4770D461A8FC}"/>
-              </a:ext>
-            </a:extLst>
-          </p:cNvPr>
-          <p:cNvSpPr/>
-          <p:nvPr/>
-        </p:nvSpPr>
-        <p:spPr>
-          <a:xfrm>
-            <a:off x="5536579" y="3398292"/>
-            <a:ext cx="231648" cy="239649"/>
-          </a:xfrm>
-          <a:prstGeom prst="ellipse">
-            <a:avLst/>
-          </a:prstGeom>
-          <a:solidFill>
-            <a:srgbClr val="7030A0"/>
-          </a:solidFill>
-        </p:spPr>
-        <p:style>
-          <a:lnRef idx="2">
-            <a:schemeClr val="accent1">
-              <a:shade val="50000"/>
-            </a:schemeClr>
-          </a:lnRef>
-          <a:fillRef idx="1">
-            <a:schemeClr val="accent1"/>
-          </a:fillRef>
-          <a:effectRef idx="0">
-            <a:schemeClr val="accent1"/>
-          </a:effectRef>
-          <a:fontRef idx="minor">
-            <a:schemeClr val="lt1"/>
-          </a:fontRef>
-        </p:style>
-        <p:txBody>
-          <a:bodyPr rtlCol="0" anchor="ctr"/>
-          <a:lstStyle/>
-          <a:p>
-            <a:pPr algn="ctr"/>
-            <a:endParaRPr lang="es-CO" dirty="0"/>
-          </a:p>
-        </p:txBody>
-      </p:sp>
-      <p:sp>
-        <p:nvSpPr>
-          <p:cNvPr id="13" name="Elipse 40">
-            <a:extLst>
-              <a:ext uri="{FF2B5EF4-FFF2-40B4-BE49-F238E27FC236}">
-                <a16:creationId xmlns:a16="http://schemas.microsoft.com/office/drawing/2014/main" id="{7EDCDE32-D9E9-4C4D-B59E-23AE5CB88E3C}"/>
-              </a:ext>
-            </a:extLst>
-          </p:cNvPr>
-          <p:cNvSpPr/>
-          <p:nvPr/>
-        </p:nvSpPr>
-        <p:spPr>
-          <a:xfrm>
-            <a:off x="5536088" y="1852087"/>
-            <a:ext cx="231648" cy="239649"/>
-          </a:xfrm>
-          <a:prstGeom prst="ellipse">
-            <a:avLst/>
-          </a:prstGeom>
-          <a:solidFill>
-            <a:srgbClr val="7030A0"/>
-          </a:solidFill>
-        </p:spPr>
-        <p:style>
-          <a:lnRef idx="2">
-            <a:schemeClr val="accent1">
-              <a:shade val="50000"/>
-            </a:schemeClr>
-          </a:lnRef>
-          <a:fillRef idx="1">
-            <a:schemeClr val="accent1"/>
-          </a:fillRef>
-          <a:effectRef idx="0">
-            <a:schemeClr val="accent1"/>
-          </a:effectRef>
-          <a:fontRef idx="minor">
-            <a:schemeClr val="lt1"/>
-          </a:fontRef>
-        </p:style>
-        <p:txBody>
-          <a:bodyPr rtlCol="0" anchor="ctr"/>
-          <a:lstStyle/>
-          <a:p>
-            <a:pPr algn="ctr"/>
-            <a:endParaRPr lang="es-CO" dirty="0"/>
-          </a:p>
-        </p:txBody>
-      </p:sp>
-      <p:sp>
-        <p:nvSpPr>
           <p:cNvPr id="17" name="CuadroTexto 9">
             <a:extLst>
               <a:ext uri="{FF2B5EF4-FFF2-40B4-BE49-F238E27FC236}">
@@ -5522,7 +5441,7 @@
         </p:nvSpPr>
         <p:spPr>
           <a:xfrm>
-            <a:off x="4291283" y="5391707"/>
+            <a:off x="4152503" y="6352885"/>
             <a:ext cx="636713" cy="369332"/>
           </a:xfrm>
           <a:prstGeom prst="rect">
@@ -5561,7 +5480,7 @@
         </p:nvSpPr>
         <p:spPr>
           <a:xfrm>
-            <a:off x="5699298" y="3679344"/>
+            <a:off x="7172419" y="3083021"/>
             <a:ext cx="636713" cy="369332"/>
           </a:xfrm>
           <a:prstGeom prst="rect">
@@ -5600,8 +5519,8 @@
         </p:nvSpPr>
         <p:spPr>
           <a:xfrm>
-            <a:off x="5600666" y="1345567"/>
-            <a:ext cx="636713" cy="369332"/>
+            <a:off x="7061764" y="406624"/>
+            <a:ext cx="588623" cy="338554"/>
           </a:xfrm>
           <a:prstGeom prst="rect">
             <a:avLst/>
@@ -5615,7 +5534,7 @@
           <a:lstStyle/>
           <a:p>
             <a:r>
-              <a:rPr lang="es-CO" dirty="0">
+              <a:rPr lang="es-CO" sz="1600" dirty="0">
                 <a:solidFill>
                   <a:srgbClr val="7030A0"/>
                 </a:solidFill>
@@ -5678,8 +5597,8 @@
         </p:nvSpPr>
         <p:spPr>
           <a:xfrm>
-            <a:off x="7153205" y="1233247"/>
-            <a:ext cx="636713" cy="369332"/>
+            <a:off x="9043493" y="582761"/>
+            <a:ext cx="588623" cy="338554"/>
           </a:xfrm>
           <a:prstGeom prst="rect">
             <a:avLst/>
@@ -5693,7 +5612,7 @@
           <a:lstStyle/>
           <a:p>
             <a:r>
-              <a:rPr lang="es-CO" dirty="0">
+              <a:rPr lang="es-CO" sz="1600" dirty="0">
                 <a:solidFill>
                   <a:srgbClr val="7030A0"/>
                 </a:solidFill>
@@ -5703,94 +5622,6 @@
           </a:p>
         </p:txBody>
       </p:sp>
-      <p:sp>
-        <p:nvSpPr>
-          <p:cNvPr id="22" name="CuadroTexto 9">
-            <a:extLst>
-              <a:ext uri="{FF2B5EF4-FFF2-40B4-BE49-F238E27FC236}">
-                <a16:creationId xmlns:a16="http://schemas.microsoft.com/office/drawing/2014/main" id="{A2615EE6-1955-B94B-8EF1-8A95ECEDB202}"/>
-              </a:ext>
-            </a:extLst>
-          </p:cNvPr>
-          <p:cNvSpPr txBox="1"/>
-          <p:nvPr/>
-        </p:nvSpPr>
-        <p:spPr>
-          <a:xfrm>
-            <a:off x="9328044" y="1584594"/>
-            <a:ext cx="636713" cy="369332"/>
-          </a:xfrm>
-          <a:prstGeom prst="rect">
-            <a:avLst/>
-          </a:prstGeom>
-          <a:noFill/>
-        </p:spPr>
-        <p:txBody>
-          <a:bodyPr wrap="none" rtlCol="0">
-            <a:spAutoFit/>
-          </a:bodyPr>
-          <a:lstStyle/>
-          <a:p>
-            <a:r>
-              <a:rPr lang="es-CO" dirty="0">
-                <a:solidFill>
-                  <a:srgbClr val="7030A0"/>
-                </a:solidFill>
-              </a:rPr>
-              <a:t>Eje 6</a:t>
-            </a:r>
-          </a:p>
-        </p:txBody>
-      </p:sp>
-      <p:sp>
-        <p:nvSpPr>
-          <p:cNvPr id="23" name="Elipse 40">
-            <a:extLst>
-              <a:ext uri="{FF2B5EF4-FFF2-40B4-BE49-F238E27FC236}">
-                <a16:creationId xmlns:a16="http://schemas.microsoft.com/office/drawing/2014/main" id="{BC14E826-0199-3B42-A19C-4CBC8734CC31}"/>
-              </a:ext>
-            </a:extLst>
-          </p:cNvPr>
-          <p:cNvSpPr/>
-          <p:nvPr/>
-        </p:nvSpPr>
-        <p:spPr>
-          <a:xfrm>
-            <a:off x="7657847" y="1834102"/>
-            <a:ext cx="231648" cy="239649"/>
-          </a:xfrm>
-          <a:prstGeom prst="ellipse">
-            <a:avLst/>
-          </a:prstGeom>
-          <a:solidFill>
-            <a:srgbClr val="7030A0"/>
-          </a:solidFill>
-        </p:spPr>
-        <p:style>
-          <a:lnRef idx="2">
-            <a:schemeClr val="accent1">
-              <a:shade val="50000"/>
-            </a:schemeClr>
-          </a:lnRef>
-          <a:fillRef idx="1">
-            <a:schemeClr val="accent1"/>
-          </a:fillRef>
-          <a:effectRef idx="0">
-            <a:schemeClr val="accent1"/>
-          </a:effectRef>
-          <a:fontRef idx="minor">
-            <a:schemeClr val="lt1"/>
-          </a:fontRef>
-        </p:style>
-        <p:txBody>
-          <a:bodyPr rtlCol="0" anchor="ctr"/>
-          <a:lstStyle/>
-          <a:p>
-            <a:pPr algn="ctr"/>
-            <a:endParaRPr lang="es-CO" dirty="0"/>
-          </a:p>
-        </p:txBody>
-      </p:sp>
       <p:cxnSp>
         <p:nvCxnSpPr>
           <p:cNvPr id="24" name="Conector recto de flecha 14">
@@ -5806,9 +5637,9 @@
           <p:nvPr/>
         </p:nvCxnSpPr>
         <p:spPr>
-          <a:xfrm>
-            <a:off x="4927996" y="3520249"/>
-            <a:ext cx="608092" cy="0"/>
+          <a:xfrm flipV="1">
+            <a:off x="4838285" y="3986471"/>
+            <a:ext cx="678057" cy="10100"/>
           </a:xfrm>
           <a:prstGeom prst="straightConnector1">
             <a:avLst/>
@@ -5846,15 +5677,13 @@
           </p:cNvPr>
           <p:cNvCxnSpPr>
             <a:cxnSpLocks/>
-            <a:stCxn id="12" idx="0"/>
-            <a:endCxn id="13" idx="4"/>
           </p:cNvCxnSpPr>
           <p:nvPr/>
         </p:nvCxnSpPr>
         <p:spPr>
-          <a:xfrm flipH="1" flipV="1">
-            <a:off x="5651912" y="2091736"/>
-            <a:ext cx="491" cy="1306556"/>
+          <a:xfrm flipV="1">
+            <a:off x="8189445" y="1192963"/>
+            <a:ext cx="934221" cy="404695"/>
           </a:xfrm>
           <a:prstGeom prst="straightConnector1">
             <a:avLst/>
@@ -5897,7 +5726,7 @@
         </p:nvCxnSpPr>
         <p:spPr>
           <a:xfrm flipV="1">
-            <a:off x="5648548" y="963827"/>
+            <a:off x="6143338" y="696333"/>
             <a:ext cx="0" cy="888261"/>
           </a:xfrm>
           <a:prstGeom prst="straightConnector1">
@@ -5941,7 +5770,7 @@
         </p:nvCxnSpPr>
         <p:spPr>
           <a:xfrm flipV="1">
-            <a:off x="7773671" y="941913"/>
+            <a:off x="8187075" y="732570"/>
             <a:ext cx="0" cy="888261"/>
           </a:xfrm>
           <a:prstGeom prst="straightConnector1">
@@ -5952,6 +5781,444 @@
               <a:srgbClr val="FF0000"/>
             </a:solidFill>
             <a:tailEnd type="triangle"/>
+          </a:ln>
+        </p:spPr>
+        <p:style>
+          <a:lnRef idx="1">
+            <a:schemeClr val="accent1"/>
+          </a:lnRef>
+          <a:fillRef idx="0">
+            <a:schemeClr val="accent1"/>
+          </a:fillRef>
+          <a:effectRef idx="0">
+            <a:schemeClr val="accent1"/>
+          </a:effectRef>
+          <a:fontRef idx="minor">
+            <a:schemeClr val="tx1"/>
+          </a:fontRef>
+        </p:style>
+      </p:cxnSp>
+      <mc:AlternateContent xmlns:mc="http://schemas.openxmlformats.org/markup-compatibility/2006">
+        <mc:Choice xmlns:a14="http://schemas.microsoft.com/office/drawing/2010/main" Requires="a14">
+          <p:sp>
+            <p:nvSpPr>
+              <p:cNvPr id="38" name="CuadroTexto 22">
+                <a:extLst>
+                  <a:ext uri="{FF2B5EF4-FFF2-40B4-BE49-F238E27FC236}">
+                    <a16:creationId xmlns:a16="http://schemas.microsoft.com/office/drawing/2014/main" id="{6C777641-442E-E44E-9D77-349D1D81207B}"/>
+                  </a:ext>
+                </a:extLst>
+              </p:cNvPr>
+              <p:cNvSpPr txBox="1"/>
+              <p:nvPr/>
+            </p:nvSpPr>
+            <p:spPr>
+              <a:xfrm>
+                <a:off x="4263100" y="3262268"/>
+                <a:ext cx="699222" cy="369332"/>
+              </a:xfrm>
+              <a:prstGeom prst="rect">
+                <a:avLst/>
+              </a:prstGeom>
+              <a:noFill/>
+            </p:spPr>
+            <p:txBody>
+              <a:bodyPr wrap="square" rtlCol="0">
+                <a:spAutoFit/>
+              </a:bodyPr>
+              <a:lstStyle/>
+              <a:p>
+                <a14:m>
+                  <m:oMathPara xmlns:m="http://schemas.openxmlformats.org/officeDocument/2006/math">
+                    <m:oMathParaPr>
+                      <m:jc m:val="centerGroup"/>
+                    </m:oMathParaPr>
+                    <m:oMath xmlns:m="http://schemas.openxmlformats.org/officeDocument/2006/math">
+                      <m:sSub>
+                        <m:sSubPr>
+                          <m:ctrlPr>
+                            <a:rPr lang="es-CO" b="0" i="1" smtClean="0">
+                              <a:solidFill>
+                                <a:schemeClr val="accent1">
+                                  <a:lumMod val="75000"/>
+                                </a:schemeClr>
+                              </a:solidFill>
+                              <a:latin typeface="Cambria Math" panose="02040503050406030204" pitchFamily="18" charset="0"/>
+                            </a:rPr>
+                          </m:ctrlPr>
+                        </m:sSubPr>
+                        <m:e>
+                          <m:r>
+                            <a:rPr lang="es-CO" b="0" i="1" smtClean="0">
+                              <a:solidFill>
+                                <a:schemeClr val="accent1">
+                                  <a:lumMod val="75000"/>
+                                </a:schemeClr>
+                              </a:solidFill>
+                              <a:latin typeface="Cambria Math" panose="02040503050406030204" pitchFamily="18" charset="0"/>
+                            </a:rPr>
+                            <m:t>𝑍</m:t>
+                          </m:r>
+                        </m:e>
+                        <m:sub>
+                          <m:r>
+                            <a:rPr lang="es-CO" b="0" i="1" smtClean="0">
+                              <a:solidFill>
+                                <a:schemeClr val="accent1">
+                                  <a:lumMod val="75000"/>
+                                </a:schemeClr>
+                              </a:solidFill>
+                              <a:latin typeface="Cambria Math" panose="02040503050406030204" pitchFamily="18" charset="0"/>
+                            </a:rPr>
+                            <m:t>1</m:t>
+                          </m:r>
+                        </m:sub>
+                      </m:sSub>
+                    </m:oMath>
+                  </m:oMathPara>
+                </a14:m>
+                <a:endParaRPr lang="es-CO" dirty="0">
+                  <a:solidFill>
+                    <a:schemeClr val="accent1">
+                      <a:lumMod val="75000"/>
+                    </a:schemeClr>
+                  </a:solidFill>
+                </a:endParaRPr>
+              </a:p>
+            </p:txBody>
+          </p:sp>
+        </mc:Choice>
+        <mc:Fallback>
+          <p:sp>
+            <p:nvSpPr>
+              <p:cNvPr id="38" name="CuadroTexto 22">
+                <a:extLst>
+                  <a:ext uri="{FF2B5EF4-FFF2-40B4-BE49-F238E27FC236}">
+                    <a16:creationId xmlns:a16="http://schemas.microsoft.com/office/drawing/2014/main" id="{6C777641-442E-E44E-9D77-349D1D81207B}"/>
+                  </a:ext>
+                </a:extLst>
+              </p:cNvPr>
+              <p:cNvSpPr txBox="1">
+                <a:spLocks noRot="1" noChangeAspect="1" noMove="1" noResize="1" noEditPoints="1" noAdjustHandles="1" noChangeArrowheads="1" noChangeShapeType="1" noTextEdit="1"/>
+              </p:cNvSpPr>
+              <p:nvPr/>
+            </p:nvSpPr>
+            <p:spPr>
+              <a:xfrm>
+                <a:off x="4263100" y="3262268"/>
+                <a:ext cx="699222" cy="369332"/>
+              </a:xfrm>
+              <a:prstGeom prst="rect">
+                <a:avLst/>
+              </a:prstGeom>
+              <a:blipFill>
+                <a:blip r:embed="rId3"/>
+                <a:stretch>
+                  <a:fillRect/>
+                </a:stretch>
+              </a:blipFill>
+            </p:spPr>
+            <p:txBody>
+              <a:bodyPr/>
+              <a:lstStyle/>
+              <a:p>
+                <a:r>
+                  <a:rPr lang="en-US">
+                    <a:noFill/>
+                  </a:rPr>
+                  <a:t> </a:t>
+                </a:r>
+              </a:p>
+            </p:txBody>
+          </p:sp>
+        </mc:Fallback>
+      </mc:AlternateContent>
+      <p:cxnSp>
+        <p:nvCxnSpPr>
+          <p:cNvPr id="47" name="Conector recto de flecha 21">
+            <a:extLst>
+              <a:ext uri="{FF2B5EF4-FFF2-40B4-BE49-F238E27FC236}">
+                <a16:creationId xmlns:a16="http://schemas.microsoft.com/office/drawing/2014/main" id="{4899CE2C-B931-7C4E-BC81-71359884F67B}"/>
+              </a:ext>
+            </a:extLst>
+          </p:cNvPr>
+          <p:cNvCxnSpPr>
+            <a:cxnSpLocks/>
+          </p:cNvCxnSpPr>
+          <p:nvPr/>
+        </p:nvCxnSpPr>
+        <p:spPr>
+          <a:xfrm flipH="1" flipV="1">
+            <a:off x="4835255" y="3257013"/>
+            <a:ext cx="11981" cy="749032"/>
+          </a:xfrm>
+          <a:prstGeom prst="straightConnector1">
+            <a:avLst/>
+          </a:prstGeom>
+          <a:ln w="57150">
+            <a:tailEnd type="triangle"/>
+          </a:ln>
+        </p:spPr>
+        <p:style>
+          <a:lnRef idx="1">
+            <a:schemeClr val="accent1"/>
+          </a:lnRef>
+          <a:fillRef idx="0">
+            <a:schemeClr val="accent1"/>
+          </a:fillRef>
+          <a:effectRef idx="0">
+            <a:schemeClr val="accent1"/>
+          </a:effectRef>
+          <a:fontRef idx="minor">
+            <a:schemeClr val="tx1"/>
+          </a:fontRef>
+        </p:style>
+      </p:cxnSp>
+      <p:cxnSp>
+        <p:nvCxnSpPr>
+          <p:cNvPr id="34" name="Conector recto de flecha 21">
+            <a:extLst>
+              <a:ext uri="{FF2B5EF4-FFF2-40B4-BE49-F238E27FC236}">
+                <a16:creationId xmlns:a16="http://schemas.microsoft.com/office/drawing/2014/main" id="{84B17E65-8A01-7D48-A110-FAAEA2B8172B}"/>
+              </a:ext>
+            </a:extLst>
+          </p:cNvPr>
+          <p:cNvCxnSpPr>
+            <a:cxnSpLocks/>
+          </p:cNvCxnSpPr>
+          <p:nvPr/>
+        </p:nvCxnSpPr>
+        <p:spPr>
+          <a:xfrm flipH="1" flipV="1">
+            <a:off x="4834169" y="5520415"/>
+            <a:ext cx="2386" cy="833289"/>
+          </a:xfrm>
+          <a:prstGeom prst="straightConnector1">
+            <a:avLst/>
+          </a:prstGeom>
+          <a:ln w="57150">
+            <a:tailEnd type="triangle"/>
+          </a:ln>
+        </p:spPr>
+        <p:style>
+          <a:lnRef idx="1">
+            <a:schemeClr val="accent1"/>
+          </a:lnRef>
+          <a:fillRef idx="0">
+            <a:schemeClr val="accent1"/>
+          </a:fillRef>
+          <a:effectRef idx="0">
+            <a:schemeClr val="accent1"/>
+          </a:effectRef>
+          <a:fontRef idx="minor">
+            <a:schemeClr val="tx1"/>
+          </a:fontRef>
+        </p:style>
+      </p:cxnSp>
+      <p:cxnSp>
+        <p:nvCxnSpPr>
+          <p:cNvPr id="42" name="Conector recto de flecha 14">
+            <a:extLst>
+              <a:ext uri="{FF2B5EF4-FFF2-40B4-BE49-F238E27FC236}">
+                <a16:creationId xmlns:a16="http://schemas.microsoft.com/office/drawing/2014/main" id="{08205C6A-6517-3645-B8FA-B3B1FF17652D}"/>
+              </a:ext>
+            </a:extLst>
+          </p:cNvPr>
+          <p:cNvCxnSpPr>
+            <a:cxnSpLocks/>
+            <a:endCxn id="99" idx="0"/>
+          </p:cNvCxnSpPr>
+          <p:nvPr/>
+        </p:nvCxnSpPr>
+        <p:spPr>
+          <a:xfrm flipV="1">
+            <a:off x="4836555" y="6352885"/>
+            <a:ext cx="702769" cy="5972"/>
+          </a:xfrm>
+          <a:prstGeom prst="straightConnector1">
+            <a:avLst/>
+          </a:prstGeom>
+          <a:ln w="38100">
+            <a:solidFill>
+              <a:srgbClr val="FF0000"/>
+            </a:solidFill>
+            <a:tailEnd type="triangle"/>
+          </a:ln>
+        </p:spPr>
+        <p:style>
+          <a:lnRef idx="1">
+            <a:schemeClr val="accent1"/>
+          </a:lnRef>
+          <a:fillRef idx="0">
+            <a:schemeClr val="accent1"/>
+          </a:fillRef>
+          <a:effectRef idx="0">
+            <a:schemeClr val="accent1"/>
+          </a:effectRef>
+          <a:fontRef idx="minor">
+            <a:schemeClr val="tx1"/>
+          </a:fontRef>
+        </p:style>
+      </p:cxnSp>
+      <p:cxnSp>
+        <p:nvCxnSpPr>
+          <p:cNvPr id="55" name="Conector recto 8">
+            <a:extLst>
+              <a:ext uri="{FF2B5EF4-FFF2-40B4-BE49-F238E27FC236}">
+                <a16:creationId xmlns:a16="http://schemas.microsoft.com/office/drawing/2014/main" id="{474E9D86-55D9-40B0-A126-51252E333733}"/>
+              </a:ext>
+            </a:extLst>
+          </p:cNvPr>
+          <p:cNvCxnSpPr>
+            <a:cxnSpLocks/>
+          </p:cNvCxnSpPr>
+          <p:nvPr/>
+        </p:nvCxnSpPr>
+        <p:spPr>
+          <a:xfrm flipH="1">
+            <a:off x="5268755" y="3349375"/>
+            <a:ext cx="1960502" cy="1268981"/>
+          </a:xfrm>
+          <a:prstGeom prst="line">
+            <a:avLst/>
+          </a:prstGeom>
+          <a:ln w="28575">
+            <a:solidFill>
+              <a:srgbClr val="7030A0"/>
+            </a:solidFill>
+            <a:prstDash val="dash"/>
+          </a:ln>
+        </p:spPr>
+        <p:style>
+          <a:lnRef idx="1">
+            <a:schemeClr val="accent1"/>
+          </a:lnRef>
+          <a:fillRef idx="0">
+            <a:schemeClr val="accent1"/>
+          </a:fillRef>
+          <a:effectRef idx="0">
+            <a:schemeClr val="accent1"/>
+          </a:effectRef>
+          <a:fontRef idx="minor">
+            <a:schemeClr val="tx1"/>
+          </a:fontRef>
+        </p:style>
+      </p:cxnSp>
+      <p:cxnSp>
+        <p:nvCxnSpPr>
+          <p:cNvPr id="56" name="Conector recto 8">
+            <a:extLst>
+              <a:ext uri="{FF2B5EF4-FFF2-40B4-BE49-F238E27FC236}">
+                <a16:creationId xmlns:a16="http://schemas.microsoft.com/office/drawing/2014/main" id="{43713EFB-DC5D-4F28-88FE-ADE7F9293BF5}"/>
+              </a:ext>
+            </a:extLst>
+          </p:cNvPr>
+          <p:cNvCxnSpPr>
+            <a:cxnSpLocks/>
+          </p:cNvCxnSpPr>
+          <p:nvPr/>
+        </p:nvCxnSpPr>
+        <p:spPr>
+          <a:xfrm flipH="1">
+            <a:off x="5177313" y="917264"/>
+            <a:ext cx="2062992" cy="1295429"/>
+          </a:xfrm>
+          <a:prstGeom prst="line">
+            <a:avLst/>
+          </a:prstGeom>
+          <a:ln w="28575">
+            <a:solidFill>
+              <a:srgbClr val="7030A0"/>
+            </a:solidFill>
+            <a:prstDash val="dash"/>
+          </a:ln>
+        </p:spPr>
+        <p:style>
+          <a:lnRef idx="1">
+            <a:schemeClr val="accent1"/>
+          </a:lnRef>
+          <a:fillRef idx="0">
+            <a:schemeClr val="accent1"/>
+          </a:fillRef>
+          <a:effectRef idx="0">
+            <a:schemeClr val="accent1"/>
+          </a:effectRef>
+          <a:fontRef idx="minor">
+            <a:schemeClr val="tx1"/>
+          </a:fontRef>
+        </p:style>
+      </p:cxnSp>
+      <p:cxnSp>
+        <p:nvCxnSpPr>
+          <p:cNvPr id="57" name="Conector recto 8">
+            <a:extLst>
+              <a:ext uri="{FF2B5EF4-FFF2-40B4-BE49-F238E27FC236}">
+                <a16:creationId xmlns:a16="http://schemas.microsoft.com/office/drawing/2014/main" id="{170DF469-33EE-48E1-AAED-3D27164C7585}"/>
+              </a:ext>
+            </a:extLst>
+          </p:cNvPr>
+          <p:cNvCxnSpPr>
+            <a:cxnSpLocks/>
+          </p:cNvCxnSpPr>
+          <p:nvPr/>
+        </p:nvCxnSpPr>
+        <p:spPr>
+          <a:xfrm flipH="1">
+            <a:off x="7555884" y="992091"/>
+            <a:ext cx="1557496" cy="1031105"/>
+          </a:xfrm>
+          <a:prstGeom prst="line">
+            <a:avLst/>
+          </a:prstGeom>
+          <a:ln w="28575">
+            <a:solidFill>
+              <a:srgbClr val="7030A0"/>
+            </a:solidFill>
+            <a:prstDash val="dash"/>
+          </a:ln>
+        </p:spPr>
+        <p:style>
+          <a:lnRef idx="1">
+            <a:schemeClr val="accent1"/>
+          </a:lnRef>
+          <a:fillRef idx="0">
+            <a:schemeClr val="accent1"/>
+          </a:fillRef>
+          <a:effectRef idx="0">
+            <a:schemeClr val="accent1"/>
+          </a:effectRef>
+          <a:fontRef idx="minor">
+            <a:schemeClr val="tx1"/>
+          </a:fontRef>
+        </p:style>
+      </p:cxnSp>
+      <p:cxnSp>
+        <p:nvCxnSpPr>
+          <p:cNvPr id="58" name="Conector recto 8">
+            <a:extLst>
+              <a:ext uri="{FF2B5EF4-FFF2-40B4-BE49-F238E27FC236}">
+                <a16:creationId xmlns:a16="http://schemas.microsoft.com/office/drawing/2014/main" id="{9D623E34-F7B0-4511-A6ED-8F7EE5BD0D20}"/>
+              </a:ext>
+            </a:extLst>
+          </p:cNvPr>
+          <p:cNvCxnSpPr>
+            <a:cxnSpLocks/>
+          </p:cNvCxnSpPr>
+          <p:nvPr/>
+        </p:nvCxnSpPr>
+        <p:spPr>
+          <a:xfrm flipH="1" flipV="1">
+            <a:off x="7845369" y="668198"/>
+            <a:ext cx="683413" cy="1905267"/>
+          </a:xfrm>
+          <a:prstGeom prst="line">
+            <a:avLst/>
+          </a:prstGeom>
+          <a:ln w="28575">
+            <a:solidFill>
+              <a:srgbClr val="7030A0"/>
+            </a:solidFill>
+            <a:prstDash val="dash"/>
           </a:ln>
         </p:spPr>
         <p:style>
@@ -5985,8 +6252,228 @@
         </p:nvCxnSpPr>
         <p:spPr>
           <a:xfrm flipV="1">
-            <a:off x="4920885" y="2583487"/>
-            <a:ext cx="7195" cy="950045"/>
+            <a:off x="6172639" y="3609718"/>
+            <a:ext cx="620445" cy="415711"/>
+          </a:xfrm>
+          <a:prstGeom prst="straightConnector1">
+            <a:avLst/>
+          </a:prstGeom>
+          <a:ln w="57150">
+            <a:tailEnd type="triangle"/>
+          </a:ln>
+        </p:spPr>
+        <p:style>
+          <a:lnRef idx="1">
+            <a:schemeClr val="accent1"/>
+          </a:lnRef>
+          <a:fillRef idx="0">
+            <a:schemeClr val="accent1"/>
+          </a:fillRef>
+          <a:effectRef idx="0">
+            <a:schemeClr val="accent1"/>
+          </a:effectRef>
+          <a:fontRef idx="minor">
+            <a:schemeClr val="tx1"/>
+          </a:fontRef>
+        </p:style>
+      </p:cxnSp>
+      <p:cxnSp>
+        <p:nvCxnSpPr>
+          <p:cNvPr id="59" name="Conector recto de flecha 14">
+            <a:extLst>
+              <a:ext uri="{FF2B5EF4-FFF2-40B4-BE49-F238E27FC236}">
+                <a16:creationId xmlns:a16="http://schemas.microsoft.com/office/drawing/2014/main" id="{1459FBF0-0CE8-4D18-9DFA-6BC1A6A9437B}"/>
+              </a:ext>
+            </a:extLst>
+          </p:cNvPr>
+          <p:cNvCxnSpPr>
+            <a:cxnSpLocks/>
+          </p:cNvCxnSpPr>
+          <p:nvPr/>
+        </p:nvCxnSpPr>
+        <p:spPr>
+          <a:xfrm flipH="1" flipV="1">
+            <a:off x="6172639" y="3376253"/>
+            <a:ext cx="12353" cy="648845"/>
+          </a:xfrm>
+          <a:prstGeom prst="straightConnector1">
+            <a:avLst/>
+          </a:prstGeom>
+          <a:ln w="38100">
+            <a:solidFill>
+              <a:srgbClr val="FF0000"/>
+            </a:solidFill>
+            <a:tailEnd type="triangle"/>
+          </a:ln>
+        </p:spPr>
+        <p:style>
+          <a:lnRef idx="1">
+            <a:schemeClr val="accent1"/>
+          </a:lnRef>
+          <a:fillRef idx="0">
+            <a:schemeClr val="accent1"/>
+          </a:fillRef>
+          <a:effectRef idx="0">
+            <a:schemeClr val="accent1"/>
+          </a:effectRef>
+          <a:fontRef idx="minor">
+            <a:schemeClr val="tx1"/>
+          </a:fontRef>
+        </p:style>
+      </p:cxnSp>
+      <mc:AlternateContent xmlns:mc="http://schemas.openxmlformats.org/markup-compatibility/2006">
+        <mc:Choice xmlns:a14="http://schemas.microsoft.com/office/drawing/2010/main" Requires="a14">
+          <p:sp>
+            <p:nvSpPr>
+              <p:cNvPr id="65" name="CuadroTexto 22">
+                <a:extLst>
+                  <a:ext uri="{FF2B5EF4-FFF2-40B4-BE49-F238E27FC236}">
+                    <a16:creationId xmlns:a16="http://schemas.microsoft.com/office/drawing/2014/main" id="{D7ADA1C5-D149-491C-A40F-B0DA1B92A583}"/>
+                  </a:ext>
+                </a:extLst>
+              </p:cNvPr>
+              <p:cNvSpPr txBox="1"/>
+              <p:nvPr/>
+            </p:nvSpPr>
+            <p:spPr>
+              <a:xfrm>
+                <a:off x="6575351" y="3705129"/>
+                <a:ext cx="699222" cy="369332"/>
+              </a:xfrm>
+              <a:prstGeom prst="rect">
+                <a:avLst/>
+              </a:prstGeom>
+              <a:noFill/>
+            </p:spPr>
+            <p:txBody>
+              <a:bodyPr wrap="square" rtlCol="0">
+                <a:spAutoFit/>
+              </a:bodyPr>
+              <a:lstStyle/>
+              <a:p>
+                <a14:m>
+                  <m:oMathPara xmlns:m="http://schemas.openxmlformats.org/officeDocument/2006/math">
+                    <m:oMathParaPr>
+                      <m:jc m:val="centerGroup"/>
+                    </m:oMathParaPr>
+                    <m:oMath xmlns:m="http://schemas.openxmlformats.org/officeDocument/2006/math">
+                      <m:sSub>
+                        <m:sSubPr>
+                          <m:ctrlPr>
+                            <a:rPr lang="es-CO" b="0" i="1" smtClean="0">
+                              <a:solidFill>
+                                <a:schemeClr val="accent1">
+                                  <a:lumMod val="75000"/>
+                                </a:schemeClr>
+                              </a:solidFill>
+                              <a:latin typeface="Cambria Math" panose="02040503050406030204" pitchFamily="18" charset="0"/>
+                            </a:rPr>
+                          </m:ctrlPr>
+                        </m:sSubPr>
+                        <m:e>
+                          <m:r>
+                            <a:rPr lang="es-CO" b="0" i="1" smtClean="0">
+                              <a:solidFill>
+                                <a:schemeClr val="accent1">
+                                  <a:lumMod val="75000"/>
+                                </a:schemeClr>
+                              </a:solidFill>
+                              <a:latin typeface="Cambria Math" panose="02040503050406030204" pitchFamily="18" charset="0"/>
+                            </a:rPr>
+                            <m:t>𝑍</m:t>
+                          </m:r>
+                        </m:e>
+                        <m:sub>
+                          <m:r>
+                            <a:rPr lang="es-CO" b="0" i="1" smtClean="0">
+                              <a:solidFill>
+                                <a:schemeClr val="accent1">
+                                  <a:lumMod val="75000"/>
+                                </a:schemeClr>
+                              </a:solidFill>
+                              <a:latin typeface="Cambria Math" panose="02040503050406030204" pitchFamily="18" charset="0"/>
+                            </a:rPr>
+                            <m:t>2</m:t>
+                          </m:r>
+                        </m:sub>
+                      </m:sSub>
+                    </m:oMath>
+                  </m:oMathPara>
+                </a14:m>
+                <a:endParaRPr lang="es-CO" dirty="0">
+                  <a:solidFill>
+                    <a:schemeClr val="accent1">
+                      <a:lumMod val="75000"/>
+                    </a:schemeClr>
+                  </a:solidFill>
+                </a:endParaRPr>
+              </a:p>
+            </p:txBody>
+          </p:sp>
+        </mc:Choice>
+        <mc:Fallback>
+          <p:sp>
+            <p:nvSpPr>
+              <p:cNvPr id="65" name="CuadroTexto 22">
+                <a:extLst>
+                  <a:ext uri="{FF2B5EF4-FFF2-40B4-BE49-F238E27FC236}">
+                    <a16:creationId xmlns:a16="http://schemas.microsoft.com/office/drawing/2014/main" id="{D7ADA1C5-D149-491C-A40F-B0DA1B92A583}"/>
+                  </a:ext>
+                </a:extLst>
+              </p:cNvPr>
+              <p:cNvSpPr txBox="1">
+                <a:spLocks noRot="1" noChangeAspect="1" noMove="1" noResize="1" noEditPoints="1" noAdjustHandles="1" noChangeArrowheads="1" noChangeShapeType="1" noTextEdit="1"/>
+              </p:cNvSpPr>
+              <p:nvPr/>
+            </p:nvSpPr>
+            <p:spPr>
+              <a:xfrm>
+                <a:off x="6575351" y="3705129"/>
+                <a:ext cx="699222" cy="369332"/>
+              </a:xfrm>
+              <a:prstGeom prst="rect">
+                <a:avLst/>
+              </a:prstGeom>
+              <a:blipFill>
+                <a:blip r:embed="rId4"/>
+                <a:stretch>
+                  <a:fillRect/>
+                </a:stretch>
+              </a:blipFill>
+            </p:spPr>
+            <p:txBody>
+              <a:bodyPr/>
+              <a:lstStyle/>
+              <a:p>
+                <a:r>
+                  <a:rPr lang="en-US">
+                    <a:noFill/>
+                  </a:rPr>
+                  <a:t> </a:t>
+                </a:r>
+              </a:p>
+            </p:txBody>
+          </p:sp>
+        </mc:Fallback>
+      </mc:AlternateContent>
+      <p:cxnSp>
+        <p:nvCxnSpPr>
+          <p:cNvPr id="66" name="Conector recto de flecha 21">
+            <a:extLst>
+              <a:ext uri="{FF2B5EF4-FFF2-40B4-BE49-F238E27FC236}">
+                <a16:creationId xmlns:a16="http://schemas.microsoft.com/office/drawing/2014/main" id="{312F2398-6C77-40B8-88E8-AF69660A116A}"/>
+              </a:ext>
+            </a:extLst>
+          </p:cNvPr>
+          <p:cNvCxnSpPr>
+            <a:cxnSpLocks/>
+          </p:cNvCxnSpPr>
+          <p:nvPr/>
+        </p:nvCxnSpPr>
+        <p:spPr>
+          <a:xfrm flipV="1">
+            <a:off x="6172638" y="1175324"/>
+            <a:ext cx="620445" cy="415711"/>
           </a:xfrm>
           <a:prstGeom prst="straightConnector1">
             <a:avLst/>
@@ -6012,157 +6499,10 @@
       </p:cxnSp>
       <p:sp>
         <p:nvSpPr>
-          <p:cNvPr id="35" name="Elipse 40">
-            <a:extLst>
-              <a:ext uri="{FF2B5EF4-FFF2-40B4-BE49-F238E27FC236}">
-                <a16:creationId xmlns:a16="http://schemas.microsoft.com/office/drawing/2014/main" id="{DB01E0AB-F8D5-0143-B293-3708336E7E00}"/>
-              </a:ext>
-            </a:extLst>
-          </p:cNvPr>
-          <p:cNvSpPr/>
-          <p:nvPr/>
-        </p:nvSpPr>
-        <p:spPr>
-          <a:xfrm>
-            <a:off x="5583042" y="3444451"/>
-            <a:ext cx="136299" cy="145319"/>
-          </a:xfrm>
-          <a:prstGeom prst="ellipse">
-            <a:avLst/>
-          </a:prstGeom>
-          <a:solidFill>
-            <a:schemeClr val="accent1"/>
-          </a:solidFill>
-        </p:spPr>
-        <p:style>
-          <a:lnRef idx="2">
-            <a:schemeClr val="accent1">
-              <a:shade val="50000"/>
-            </a:schemeClr>
-          </a:lnRef>
-          <a:fillRef idx="1">
-            <a:schemeClr val="accent1"/>
-          </a:fillRef>
-          <a:effectRef idx="0">
-            <a:schemeClr val="accent1"/>
-          </a:effectRef>
-          <a:fontRef idx="minor">
-            <a:schemeClr val="lt1"/>
-          </a:fontRef>
-        </p:style>
-        <p:txBody>
-          <a:bodyPr rtlCol="0" anchor="ctr"/>
-          <a:lstStyle/>
-          <a:p>
-            <a:pPr algn="ctr"/>
-            <a:endParaRPr lang="es-CO" dirty="0"/>
-          </a:p>
-        </p:txBody>
-      </p:sp>
-      <p:sp>
-        <p:nvSpPr>
-          <p:cNvPr id="36" name="Elipse 40">
-            <a:extLst>
-              <a:ext uri="{FF2B5EF4-FFF2-40B4-BE49-F238E27FC236}">
-                <a16:creationId xmlns:a16="http://schemas.microsoft.com/office/drawing/2014/main" id="{603A2BA2-B8E2-C649-A582-F277764404CC}"/>
-              </a:ext>
-            </a:extLst>
-          </p:cNvPr>
-          <p:cNvSpPr/>
-          <p:nvPr/>
-        </p:nvSpPr>
-        <p:spPr>
-          <a:xfrm>
-            <a:off x="5569283" y="1892027"/>
-            <a:ext cx="165258" cy="155842"/>
-          </a:xfrm>
-          <a:prstGeom prst="ellipse">
-            <a:avLst/>
-          </a:prstGeom>
-          <a:solidFill>
-            <a:schemeClr val="accent1"/>
-          </a:solidFill>
-        </p:spPr>
-        <p:style>
-          <a:lnRef idx="2">
-            <a:schemeClr val="accent1">
-              <a:shade val="50000"/>
-            </a:schemeClr>
-          </a:lnRef>
-          <a:fillRef idx="1">
-            <a:schemeClr val="accent1"/>
-          </a:fillRef>
-          <a:effectRef idx="0">
-            <a:schemeClr val="accent1"/>
-          </a:effectRef>
-          <a:fontRef idx="minor">
-            <a:schemeClr val="lt1"/>
-          </a:fontRef>
-        </p:style>
-        <p:txBody>
-          <a:bodyPr rtlCol="0" anchor="ctr"/>
-          <a:lstStyle/>
-          <a:p>
-            <a:pPr algn="ctr"/>
-            <a:endParaRPr lang="es-CO" dirty="0"/>
-          </a:p>
-        </p:txBody>
-      </p:sp>
-      <p:sp>
-        <p:nvSpPr>
-          <p:cNvPr id="37" name="Elipse 40">
-            <a:extLst>
-              <a:ext uri="{FF2B5EF4-FFF2-40B4-BE49-F238E27FC236}">
-                <a16:creationId xmlns:a16="http://schemas.microsoft.com/office/drawing/2014/main" id="{B3C4EF2E-40FA-2147-8544-DF3A4B1372BB}"/>
-              </a:ext>
-            </a:extLst>
-          </p:cNvPr>
-          <p:cNvSpPr/>
-          <p:nvPr/>
-        </p:nvSpPr>
-        <p:spPr>
-          <a:xfrm>
-            <a:off x="7701974" y="1893913"/>
-            <a:ext cx="143393" cy="126494"/>
-          </a:xfrm>
-          <a:prstGeom prst="ellipse">
-            <a:avLst/>
-          </a:prstGeom>
-          <a:solidFill>
-            <a:schemeClr val="accent1"/>
-          </a:solidFill>
-        </p:spPr>
-        <p:style>
-          <a:lnRef idx="2">
-            <a:schemeClr val="accent1">
-              <a:shade val="50000"/>
-            </a:schemeClr>
-          </a:lnRef>
-          <a:fillRef idx="1">
-            <a:schemeClr val="accent1"/>
-          </a:fillRef>
-          <a:effectRef idx="0">
-            <a:schemeClr val="accent1"/>
-          </a:effectRef>
-          <a:fontRef idx="minor">
-            <a:schemeClr val="lt1"/>
-          </a:fontRef>
-        </p:style>
-        <p:txBody>
-          <a:bodyPr rtlCol="0" anchor="ctr"/>
-          <a:lstStyle/>
-          <a:p>
-            <a:pPr algn="ctr"/>
-            <a:endParaRPr lang="es-CO" dirty="0"/>
-          </a:p>
-        </p:txBody>
-      </p:sp>
-      <p:sp>
-        <p:nvSpPr>
-          <p:cNvPr id="38" name="CuadroTexto 22">
-            <a:extLst>
-              <a:ext uri="{FF2B5EF4-FFF2-40B4-BE49-F238E27FC236}">
-                <a16:creationId xmlns:a16="http://schemas.microsoft.com/office/drawing/2014/main" id="{6C777641-442E-E44E-9D77-349D1D81207B}"/>
+          <p:cNvPr id="67" name="CuadroTexto 9">
+            <a:extLst>
+              <a:ext uri="{FF2B5EF4-FFF2-40B4-BE49-F238E27FC236}">
+                <a16:creationId xmlns:a16="http://schemas.microsoft.com/office/drawing/2014/main" id="{C7CD1184-D73E-449C-8AE7-0C2B129662F7}"/>
               </a:ext>
             </a:extLst>
           </p:cNvPr>
@@ -6171,8 +6511,8 @@
         </p:nvSpPr>
         <p:spPr>
           <a:xfrm>
-            <a:off x="4520534" y="2607038"/>
-            <a:ext cx="699222" cy="307777"/>
+            <a:off x="7696464" y="368962"/>
+            <a:ext cx="588623" cy="338554"/>
           </a:xfrm>
           <a:prstGeom prst="rect">
             <a:avLst/>
@@ -6180,160 +6520,28 @@
           <a:noFill/>
         </p:spPr>
         <p:txBody>
-          <a:bodyPr wrap="square" rtlCol="0">
+          <a:bodyPr wrap="none" rtlCol="0">
             <a:spAutoFit/>
           </a:bodyPr>
           <a:lstStyle/>
           <a:p>
             <a:r>
-              <a:rPr lang="es-CO" sz="1400">
+              <a:rPr lang="es-CO" sz="1600" dirty="0">
                 <a:solidFill>
-                  <a:schemeClr val="accent1">
-                    <a:lumMod val="75000"/>
-                  </a:schemeClr>
+                  <a:srgbClr val="7030A0"/>
                 </a:solidFill>
               </a:rPr>
-              <a:t>Z 1</a:t>
-            </a:r>
-            <a:endParaRPr lang="es-CO" sz="1400" dirty="0">
-              <a:solidFill>
-                <a:schemeClr val="accent1">
-                  <a:lumMod val="75000"/>
-                </a:schemeClr>
-              </a:solidFill>
-            </a:endParaRPr>
-          </a:p>
-        </p:txBody>
-      </p:sp>
-      <p:sp>
-        <p:nvSpPr>
-          <p:cNvPr id="39" name="CuadroTexto 22">
-            <a:extLst>
-              <a:ext uri="{FF2B5EF4-FFF2-40B4-BE49-F238E27FC236}">
-                <a16:creationId xmlns:a16="http://schemas.microsoft.com/office/drawing/2014/main" id="{1F27BCAB-26D7-5142-BDE7-F9566507CFBE}"/>
-              </a:ext>
-            </a:extLst>
-          </p:cNvPr>
-          <p:cNvSpPr txBox="1"/>
-          <p:nvPr/>
-        </p:nvSpPr>
-        <p:spPr>
-          <a:xfrm>
-            <a:off x="7555385" y="2022497"/>
-            <a:ext cx="436569" cy="307777"/>
-          </a:xfrm>
-          <a:prstGeom prst="rect">
-            <a:avLst/>
-          </a:prstGeom>
-          <a:noFill/>
-        </p:spPr>
-        <p:txBody>
-          <a:bodyPr wrap="square" rtlCol="0">
-            <a:spAutoFit/>
-          </a:bodyPr>
-          <a:lstStyle/>
-          <a:p>
-            <a:r>
-              <a:rPr lang="es-CO" sz="1400" dirty="0">
-                <a:solidFill>
-                  <a:schemeClr val="accent1">
-                    <a:lumMod val="75000"/>
-                  </a:schemeClr>
-                </a:solidFill>
-              </a:rPr>
-              <a:t>Z5</a:t>
-            </a:r>
-          </a:p>
-        </p:txBody>
-      </p:sp>
-      <p:sp>
-        <p:nvSpPr>
-          <p:cNvPr id="40" name="CuadroTexto 22">
-            <a:extLst>
-              <a:ext uri="{FF2B5EF4-FFF2-40B4-BE49-F238E27FC236}">
-                <a16:creationId xmlns:a16="http://schemas.microsoft.com/office/drawing/2014/main" id="{CC92F548-7468-BD4C-8762-1EB6BED35CA4}"/>
-              </a:ext>
-            </a:extLst>
-          </p:cNvPr>
-          <p:cNvSpPr txBox="1"/>
-          <p:nvPr/>
-        </p:nvSpPr>
-        <p:spPr>
-          <a:xfrm>
-            <a:off x="5903520" y="3281993"/>
-            <a:ext cx="436569" cy="307777"/>
-          </a:xfrm>
-          <a:prstGeom prst="rect">
-            <a:avLst/>
-          </a:prstGeom>
-          <a:noFill/>
-        </p:spPr>
-        <p:txBody>
-          <a:bodyPr wrap="square" rtlCol="0">
-            <a:spAutoFit/>
-          </a:bodyPr>
-          <a:lstStyle/>
-          <a:p>
-            <a:r>
-              <a:rPr lang="es-CO" sz="1400" dirty="0">
-                <a:solidFill>
-                  <a:schemeClr val="accent1">
-                    <a:lumMod val="75000"/>
-                  </a:schemeClr>
-                </a:solidFill>
-              </a:rPr>
-              <a:t>Z2</a:t>
-            </a:r>
-          </a:p>
-        </p:txBody>
-      </p:sp>
-      <p:sp>
-        <p:nvSpPr>
-          <p:cNvPr id="41" name="CuadroTexto 22">
-            <a:extLst>
-              <a:ext uri="{FF2B5EF4-FFF2-40B4-BE49-F238E27FC236}">
-                <a16:creationId xmlns:a16="http://schemas.microsoft.com/office/drawing/2014/main" id="{F94054BD-4195-0148-A818-99526950A0A9}"/>
-              </a:ext>
-            </a:extLst>
-          </p:cNvPr>
-          <p:cNvSpPr txBox="1"/>
-          <p:nvPr/>
-        </p:nvSpPr>
-        <p:spPr>
-          <a:xfrm>
-            <a:off x="5682272" y="2011183"/>
-            <a:ext cx="436569" cy="307777"/>
-          </a:xfrm>
-          <a:prstGeom prst="rect">
-            <a:avLst/>
-          </a:prstGeom>
-          <a:noFill/>
-        </p:spPr>
-        <p:txBody>
-          <a:bodyPr wrap="square" rtlCol="0">
-            <a:spAutoFit/>
-          </a:bodyPr>
-          <a:lstStyle/>
-          <a:p>
-            <a:r>
-              <a:rPr lang="es-CO" sz="1400" dirty="0">
-                <a:solidFill>
-                  <a:schemeClr val="accent1">
-                    <a:lumMod val="75000"/>
-                  </a:schemeClr>
-                </a:solidFill>
-              </a:rPr>
-              <a:t>Z3</a:t>
+              <a:t>Eje 6</a:t>
             </a:r>
           </a:p>
         </p:txBody>
       </p:sp>
       <p:cxnSp>
         <p:nvCxnSpPr>
-          <p:cNvPr id="47" name="Conector recto de flecha 21">
-            <a:extLst>
-              <a:ext uri="{FF2B5EF4-FFF2-40B4-BE49-F238E27FC236}">
-                <a16:creationId xmlns:a16="http://schemas.microsoft.com/office/drawing/2014/main" id="{4899CE2C-B931-7C4E-BC81-71359884F67B}"/>
+          <p:cNvPr id="80" name="Conector recto de flecha 14">
+            <a:extLst>
+              <a:ext uri="{FF2B5EF4-FFF2-40B4-BE49-F238E27FC236}">
+                <a16:creationId xmlns:a16="http://schemas.microsoft.com/office/drawing/2014/main" id="{1D0C0C91-3DF2-4394-8061-12EE5B78B072}"/>
               </a:ext>
             </a:extLst>
           </p:cNvPr>
@@ -6344,251 +6552,16 @@
         </p:nvCxnSpPr>
         <p:spPr>
           <a:xfrm flipV="1">
-            <a:off x="7889494" y="1969948"/>
-            <a:ext cx="795965" cy="1"/>
+            <a:off x="8367971" y="1983938"/>
+            <a:ext cx="612697" cy="262515"/>
           </a:xfrm>
           <a:prstGeom prst="straightConnector1">
             <a:avLst/>
           </a:prstGeom>
-          <a:ln w="57150">
-            <a:tailEnd type="triangle"/>
-          </a:ln>
-        </p:spPr>
-        <p:style>
-          <a:lnRef idx="1">
-            <a:schemeClr val="accent1"/>
-          </a:lnRef>
-          <a:fillRef idx="0">
-            <a:schemeClr val="accent1"/>
-          </a:fillRef>
-          <a:effectRef idx="0">
-            <a:schemeClr val="accent1"/>
-          </a:effectRef>
-          <a:fontRef idx="minor">
-            <a:schemeClr val="tx1"/>
-          </a:fontRef>
-        </p:style>
-      </p:cxnSp>
-      <p:sp>
-        <p:nvSpPr>
-          <p:cNvPr id="50" name="CuadroTexto 22">
-            <a:extLst>
-              <a:ext uri="{FF2B5EF4-FFF2-40B4-BE49-F238E27FC236}">
-                <a16:creationId xmlns:a16="http://schemas.microsoft.com/office/drawing/2014/main" id="{55C4DA11-3080-ED42-AD9D-A60F5D1FEA6A}"/>
-              </a:ext>
-            </a:extLst>
-          </p:cNvPr>
-          <p:cNvSpPr txBox="1"/>
-          <p:nvPr/>
-        </p:nvSpPr>
-        <p:spPr>
-          <a:xfrm>
-            <a:off x="8173844" y="1984301"/>
-            <a:ext cx="729899" cy="307777"/>
-          </a:xfrm>
-          <a:prstGeom prst="rect">
-            <a:avLst/>
-          </a:prstGeom>
-          <a:noFill/>
-        </p:spPr>
-        <p:txBody>
-          <a:bodyPr wrap="square" rtlCol="0">
-            <a:spAutoFit/>
-          </a:bodyPr>
-          <a:lstStyle/>
-          <a:p>
-            <a:r>
-              <a:rPr lang="es-CO" sz="1400" dirty="0">
-                <a:solidFill>
-                  <a:schemeClr val="accent1">
-                    <a:lumMod val="75000"/>
-                  </a:schemeClr>
-                </a:solidFill>
-              </a:rPr>
-              <a:t>Z 4,6</a:t>
-            </a:r>
-          </a:p>
-        </p:txBody>
-      </p:sp>
-      <p:sp>
-        <p:nvSpPr>
-          <p:cNvPr id="51" name="CuadroTexto 45">
-            <a:extLst>
-              <a:ext uri="{FF2B5EF4-FFF2-40B4-BE49-F238E27FC236}">
-                <a16:creationId xmlns:a16="http://schemas.microsoft.com/office/drawing/2014/main" id="{7F387F2D-1A08-464F-9981-5C7C337E002A}"/>
-              </a:ext>
-            </a:extLst>
-          </p:cNvPr>
-          <p:cNvSpPr txBox="1"/>
-          <p:nvPr/>
-        </p:nvSpPr>
-        <p:spPr>
-          <a:xfrm>
-            <a:off x="5129264" y="3516223"/>
-            <a:ext cx="585260" cy="307777"/>
-          </a:xfrm>
-          <a:prstGeom prst="rect">
-            <a:avLst/>
-          </a:prstGeom>
-          <a:noFill/>
-        </p:spPr>
-        <p:txBody>
-          <a:bodyPr wrap="square" rtlCol="0">
-            <a:spAutoFit/>
-          </a:bodyPr>
-          <a:lstStyle/>
-          <a:p>
-            <a:r>
-              <a:rPr lang="es-CO" sz="1400" dirty="0">
-                <a:solidFill>
-                  <a:srgbClr val="FF0000"/>
-                </a:solidFill>
-              </a:rPr>
-              <a:t>X 1</a:t>
-            </a:r>
-          </a:p>
-        </p:txBody>
-      </p:sp>
-      <p:sp>
-        <p:nvSpPr>
-          <p:cNvPr id="52" name="CuadroTexto 45">
-            <a:extLst>
-              <a:ext uri="{FF2B5EF4-FFF2-40B4-BE49-F238E27FC236}">
-                <a16:creationId xmlns:a16="http://schemas.microsoft.com/office/drawing/2014/main" id="{01004814-48F2-C944-B23E-158B90DCA25F}"/>
-              </a:ext>
-            </a:extLst>
-          </p:cNvPr>
-          <p:cNvSpPr txBox="1"/>
-          <p:nvPr/>
-        </p:nvSpPr>
-        <p:spPr>
-          <a:xfrm>
-            <a:off x="7153206" y="1036937"/>
-            <a:ext cx="692162" cy="307777"/>
-          </a:xfrm>
-          <a:prstGeom prst="rect">
-            <a:avLst/>
-          </a:prstGeom>
-          <a:noFill/>
-        </p:spPr>
-        <p:txBody>
-          <a:bodyPr wrap="square" rtlCol="0">
-            <a:spAutoFit/>
-          </a:bodyPr>
-          <a:lstStyle/>
-          <a:p>
-            <a:r>
-              <a:rPr lang="es-CO" sz="1400" dirty="0">
-                <a:solidFill>
-                  <a:srgbClr val="FF0000"/>
-                </a:solidFill>
-              </a:rPr>
-              <a:t>X4,5,6</a:t>
-            </a:r>
-          </a:p>
-        </p:txBody>
-      </p:sp>
-      <p:sp>
-        <p:nvSpPr>
-          <p:cNvPr id="53" name="CuadroTexto 45">
-            <a:extLst>
-              <a:ext uri="{FF2B5EF4-FFF2-40B4-BE49-F238E27FC236}">
-                <a16:creationId xmlns:a16="http://schemas.microsoft.com/office/drawing/2014/main" id="{DECA0D6D-6523-8A4D-89E8-90737CFC94E2}"/>
-              </a:ext>
-            </a:extLst>
-          </p:cNvPr>
-          <p:cNvSpPr txBox="1"/>
-          <p:nvPr/>
-        </p:nvSpPr>
-        <p:spPr>
-          <a:xfrm>
-            <a:off x="5661865" y="962347"/>
-            <a:ext cx="436569" cy="307777"/>
-          </a:xfrm>
-          <a:prstGeom prst="rect">
-            <a:avLst/>
-          </a:prstGeom>
-          <a:noFill/>
-        </p:spPr>
-        <p:txBody>
-          <a:bodyPr wrap="square" rtlCol="0">
-            <a:spAutoFit/>
-          </a:bodyPr>
-          <a:lstStyle/>
-          <a:p>
-            <a:r>
-              <a:rPr lang="es-CO" sz="1400" dirty="0">
-                <a:solidFill>
-                  <a:srgbClr val="FF0000"/>
-                </a:solidFill>
-              </a:rPr>
-              <a:t>X3</a:t>
-            </a:r>
-          </a:p>
-        </p:txBody>
-      </p:sp>
-      <p:sp>
-        <p:nvSpPr>
-          <p:cNvPr id="54" name="CuadroTexto 45">
-            <a:extLst>
-              <a:ext uri="{FF2B5EF4-FFF2-40B4-BE49-F238E27FC236}">
-                <a16:creationId xmlns:a16="http://schemas.microsoft.com/office/drawing/2014/main" id="{026301FA-126D-7A4F-9F91-C07828EA773E}"/>
-              </a:ext>
-            </a:extLst>
-          </p:cNvPr>
-          <p:cNvSpPr txBox="1"/>
-          <p:nvPr/>
-        </p:nvSpPr>
-        <p:spPr>
-          <a:xfrm>
-            <a:off x="5659431" y="2543451"/>
-            <a:ext cx="436569" cy="307777"/>
-          </a:xfrm>
-          <a:prstGeom prst="rect">
-            <a:avLst/>
-          </a:prstGeom>
-          <a:noFill/>
-        </p:spPr>
-        <p:txBody>
-          <a:bodyPr wrap="square" rtlCol="0">
-            <a:spAutoFit/>
-          </a:bodyPr>
-          <a:lstStyle/>
-          <a:p>
-            <a:r>
-              <a:rPr lang="es-CO" sz="1400" dirty="0">
-                <a:solidFill>
-                  <a:srgbClr val="FF0000"/>
-                </a:solidFill>
-              </a:rPr>
-              <a:t>X2</a:t>
-            </a:r>
-          </a:p>
-        </p:txBody>
-      </p:sp>
-      <p:cxnSp>
-        <p:nvCxnSpPr>
-          <p:cNvPr id="34" name="Conector recto de flecha 21">
-            <a:extLst>
-              <a:ext uri="{FF2B5EF4-FFF2-40B4-BE49-F238E27FC236}">
-                <a16:creationId xmlns:a16="http://schemas.microsoft.com/office/drawing/2014/main" id="{84B17E65-8A01-7D48-A110-FAAEA2B8172B}"/>
-              </a:ext>
-            </a:extLst>
-          </p:cNvPr>
-          <p:cNvCxnSpPr>
-            <a:cxnSpLocks/>
-          </p:cNvCxnSpPr>
-          <p:nvPr/>
-        </p:nvCxnSpPr>
-        <p:spPr>
-          <a:xfrm flipV="1">
-            <a:off x="4927996" y="4227999"/>
-            <a:ext cx="7195" cy="950045"/>
-          </a:xfrm>
-          <a:prstGeom prst="straightConnector1">
-            <a:avLst/>
-          </a:prstGeom>
-          <a:ln w="57150">
+          <a:ln w="38100">
+            <a:solidFill>
+              <a:srgbClr val="FF3300"/>
+            </a:solidFill>
             <a:tailEnd type="triangle"/>
           </a:ln>
         </p:spPr>
@@ -6609,10 +6582,10 @@
       </p:cxnSp>
       <p:cxnSp>
         <p:nvCxnSpPr>
-          <p:cNvPr id="42" name="Conector recto de flecha 14">
-            <a:extLst>
-              <a:ext uri="{FF2B5EF4-FFF2-40B4-BE49-F238E27FC236}">
-                <a16:creationId xmlns:a16="http://schemas.microsoft.com/office/drawing/2014/main" id="{08205C6A-6517-3645-B8FA-B3B1FF17652D}"/>
+          <p:cNvPr id="45" name="Conector recto de flecha 21">
+            <a:extLst>
+              <a:ext uri="{FF2B5EF4-FFF2-40B4-BE49-F238E27FC236}">
+                <a16:creationId xmlns:a16="http://schemas.microsoft.com/office/drawing/2014/main" id="{C5C0E429-0D9A-BF40-BBE7-8BD2B91E20C9}"/>
               </a:ext>
             </a:extLst>
           </p:cNvPr>
@@ -6623,15 +6596,15 @@
         </p:nvCxnSpPr>
         <p:spPr>
           <a:xfrm>
-            <a:off x="4927996" y="5178044"/>
-            <a:ext cx="608092" cy="0"/>
+            <a:off x="8418149" y="2264488"/>
+            <a:ext cx="238406" cy="580625"/>
           </a:xfrm>
           <a:prstGeom prst="straightConnector1">
             <a:avLst/>
           </a:prstGeom>
-          <a:ln w="38100">
+          <a:ln w="57150">
             <a:solidFill>
-              <a:srgbClr val="FF0000"/>
+              <a:srgbClr val="00B0F0"/>
             </a:solidFill>
             <a:tailEnd type="triangle"/>
           </a:ln>
@@ -6651,92 +6624,282 @@
           </a:fontRef>
         </p:style>
       </p:cxnSp>
-      <p:sp>
-        <p:nvSpPr>
-          <p:cNvPr id="43" name="CuadroTexto 45">
-            <a:extLst>
-              <a:ext uri="{FF2B5EF4-FFF2-40B4-BE49-F238E27FC236}">
-                <a16:creationId xmlns:a16="http://schemas.microsoft.com/office/drawing/2014/main" id="{0F32DB92-5372-7340-8AC9-76DA436ED348}"/>
-              </a:ext>
-            </a:extLst>
-          </p:cNvPr>
-          <p:cNvSpPr txBox="1"/>
-          <p:nvPr/>
-        </p:nvSpPr>
-        <p:spPr>
-          <a:xfrm>
-            <a:off x="5133174" y="4810493"/>
-            <a:ext cx="585260" cy="307777"/>
-          </a:xfrm>
-          <a:prstGeom prst="rect">
-            <a:avLst/>
-          </a:prstGeom>
-          <a:noFill/>
-        </p:spPr>
-        <p:txBody>
-          <a:bodyPr wrap="square" rtlCol="0">
-            <a:spAutoFit/>
-          </a:bodyPr>
-          <a:lstStyle/>
-          <a:p>
-            <a:r>
-              <a:rPr lang="es-CO" sz="1400" dirty="0">
-                <a:solidFill>
-                  <a:srgbClr val="FF0000"/>
-                </a:solidFill>
-              </a:rPr>
-              <a:t>X 0</a:t>
-            </a:r>
-          </a:p>
-        </p:txBody>
-      </p:sp>
-      <p:sp>
-        <p:nvSpPr>
-          <p:cNvPr id="44" name="CuadroTexto 22">
-            <a:extLst>
-              <a:ext uri="{FF2B5EF4-FFF2-40B4-BE49-F238E27FC236}">
-                <a16:creationId xmlns:a16="http://schemas.microsoft.com/office/drawing/2014/main" id="{F36F0E70-42FD-EA4A-AFF1-962DB2A054FD}"/>
-              </a:ext>
-            </a:extLst>
-          </p:cNvPr>
-          <p:cNvSpPr txBox="1"/>
-          <p:nvPr/>
-        </p:nvSpPr>
-        <p:spPr>
-          <a:xfrm>
-            <a:off x="4532820" y="4421210"/>
-            <a:ext cx="699222" cy="307777"/>
-          </a:xfrm>
-          <a:prstGeom prst="rect">
-            <a:avLst/>
-          </a:prstGeom>
-          <a:noFill/>
-        </p:spPr>
-        <p:txBody>
-          <a:bodyPr wrap="square" rtlCol="0">
-            <a:spAutoFit/>
-          </a:bodyPr>
-          <a:lstStyle/>
-          <a:p>
-            <a:r>
-              <a:rPr lang="es-CO" sz="1400" dirty="0">
-                <a:solidFill>
-                  <a:schemeClr val="accent1">
-                    <a:lumMod val="75000"/>
-                  </a:schemeClr>
-                </a:solidFill>
-              </a:rPr>
-              <a:t>Z 0</a:t>
-            </a:r>
-          </a:p>
-        </p:txBody>
-      </p:sp>
+      <mc:AlternateContent xmlns:mc="http://schemas.openxmlformats.org/markup-compatibility/2006">
+        <mc:Choice xmlns:a14="http://schemas.microsoft.com/office/drawing/2010/main" Requires="a14">
+          <p:sp>
+            <p:nvSpPr>
+              <p:cNvPr id="83" name="CuadroTexto 22">
+                <a:extLst>
+                  <a:ext uri="{FF2B5EF4-FFF2-40B4-BE49-F238E27FC236}">
+                    <a16:creationId xmlns:a16="http://schemas.microsoft.com/office/drawing/2014/main" id="{CD7CDF14-A5ED-461D-9A8E-B9F431BF6E9A}"/>
+                  </a:ext>
+                </a:extLst>
+              </p:cNvPr>
+              <p:cNvSpPr txBox="1"/>
+              <p:nvPr/>
+            </p:nvSpPr>
+            <p:spPr>
+              <a:xfrm>
+                <a:off x="6319804" y="856975"/>
+                <a:ext cx="699222" cy="369332"/>
+              </a:xfrm>
+              <a:prstGeom prst="rect">
+                <a:avLst/>
+              </a:prstGeom>
+              <a:noFill/>
+            </p:spPr>
+            <p:txBody>
+              <a:bodyPr wrap="square" rtlCol="0">
+                <a:spAutoFit/>
+              </a:bodyPr>
+              <a:lstStyle/>
+              <a:p>
+                <a14:m>
+                  <m:oMathPara xmlns:m="http://schemas.openxmlformats.org/officeDocument/2006/math">
+                    <m:oMathParaPr>
+                      <m:jc m:val="centerGroup"/>
+                    </m:oMathParaPr>
+                    <m:oMath xmlns:m="http://schemas.openxmlformats.org/officeDocument/2006/math">
+                      <m:sSub>
+                        <m:sSubPr>
+                          <m:ctrlPr>
+                            <a:rPr lang="es-CO" b="0" i="1" smtClean="0">
+                              <a:solidFill>
+                                <a:schemeClr val="accent1">
+                                  <a:lumMod val="75000"/>
+                                </a:schemeClr>
+                              </a:solidFill>
+                              <a:latin typeface="Cambria Math" panose="02040503050406030204" pitchFamily="18" charset="0"/>
+                            </a:rPr>
+                          </m:ctrlPr>
+                        </m:sSubPr>
+                        <m:e>
+                          <m:r>
+                            <a:rPr lang="es-CO" b="0" i="1" smtClean="0">
+                              <a:solidFill>
+                                <a:schemeClr val="accent1">
+                                  <a:lumMod val="75000"/>
+                                </a:schemeClr>
+                              </a:solidFill>
+                              <a:latin typeface="Cambria Math" panose="02040503050406030204" pitchFamily="18" charset="0"/>
+                            </a:rPr>
+                            <m:t>𝑍</m:t>
+                          </m:r>
+                        </m:e>
+                        <m:sub>
+                          <m:r>
+                            <a:rPr lang="es-CO" b="0" i="1" smtClean="0">
+                              <a:solidFill>
+                                <a:schemeClr val="accent1">
+                                  <a:lumMod val="75000"/>
+                                </a:schemeClr>
+                              </a:solidFill>
+                              <a:latin typeface="Cambria Math" panose="02040503050406030204" pitchFamily="18" charset="0"/>
+                            </a:rPr>
+                            <m:t>3</m:t>
+                          </m:r>
+                        </m:sub>
+                      </m:sSub>
+                    </m:oMath>
+                  </m:oMathPara>
+                </a14:m>
+                <a:endParaRPr lang="es-CO" dirty="0">
+                  <a:solidFill>
+                    <a:schemeClr val="accent1">
+                      <a:lumMod val="75000"/>
+                    </a:schemeClr>
+                  </a:solidFill>
+                </a:endParaRPr>
+              </a:p>
+            </p:txBody>
+          </p:sp>
+        </mc:Choice>
+        <mc:Fallback>
+          <p:sp>
+            <p:nvSpPr>
+              <p:cNvPr id="83" name="CuadroTexto 22">
+                <a:extLst>
+                  <a:ext uri="{FF2B5EF4-FFF2-40B4-BE49-F238E27FC236}">
+                    <a16:creationId xmlns:a16="http://schemas.microsoft.com/office/drawing/2014/main" id="{CD7CDF14-A5ED-461D-9A8E-B9F431BF6E9A}"/>
+                  </a:ext>
+                </a:extLst>
+              </p:cNvPr>
+              <p:cNvSpPr txBox="1">
+                <a:spLocks noRot="1" noChangeAspect="1" noMove="1" noResize="1" noEditPoints="1" noAdjustHandles="1" noChangeArrowheads="1" noChangeShapeType="1" noTextEdit="1"/>
+              </p:cNvSpPr>
+              <p:nvPr/>
+            </p:nvSpPr>
+            <p:spPr>
+              <a:xfrm>
+                <a:off x="6319804" y="856975"/>
+                <a:ext cx="699222" cy="369332"/>
+              </a:xfrm>
+              <a:prstGeom prst="rect">
+                <a:avLst/>
+              </a:prstGeom>
+              <a:blipFill>
+                <a:blip r:embed="rId5"/>
+                <a:stretch>
+                  <a:fillRect/>
+                </a:stretch>
+              </a:blipFill>
+            </p:spPr>
+            <p:txBody>
+              <a:bodyPr/>
+              <a:lstStyle/>
+              <a:p>
+                <a:r>
+                  <a:rPr lang="en-US">
+                    <a:noFill/>
+                  </a:rPr>
+                  <a:t> </a:t>
+                </a:r>
+              </a:p>
+            </p:txBody>
+          </p:sp>
+        </mc:Fallback>
+      </mc:AlternateContent>
+      <mc:AlternateContent xmlns:mc="http://schemas.openxmlformats.org/markup-compatibility/2006">
+        <mc:Choice xmlns:a14="http://schemas.microsoft.com/office/drawing/2010/main" Requires="a14">
+          <p:sp>
+            <p:nvSpPr>
+              <p:cNvPr id="84" name="CuadroTexto 22">
+                <a:extLst>
+                  <a:ext uri="{FF2B5EF4-FFF2-40B4-BE49-F238E27FC236}">
+                    <a16:creationId xmlns:a16="http://schemas.microsoft.com/office/drawing/2014/main" id="{D4ECFA03-B08F-4A51-BA61-5EA28C05D917}"/>
+                  </a:ext>
+                </a:extLst>
+              </p:cNvPr>
+              <p:cNvSpPr txBox="1"/>
+              <p:nvPr/>
+            </p:nvSpPr>
+            <p:spPr>
+              <a:xfrm>
+                <a:off x="8755863" y="1561639"/>
+                <a:ext cx="699222" cy="369332"/>
+              </a:xfrm>
+              <a:prstGeom prst="rect">
+                <a:avLst/>
+              </a:prstGeom>
+              <a:noFill/>
+            </p:spPr>
+            <p:txBody>
+              <a:bodyPr wrap="square" rtlCol="0">
+                <a:spAutoFit/>
+              </a:bodyPr>
+              <a:lstStyle/>
+              <a:p>
+                <a14:m>
+                  <m:oMathPara xmlns:m="http://schemas.openxmlformats.org/officeDocument/2006/math">
+                    <m:oMathParaPr>
+                      <m:jc m:val="centerGroup"/>
+                    </m:oMathParaPr>
+                    <m:oMath xmlns:m="http://schemas.openxmlformats.org/officeDocument/2006/math">
+                      <m:sSub>
+                        <m:sSubPr>
+                          <m:ctrlPr>
+                            <a:rPr lang="es-CO" b="0" i="1" smtClean="0">
+                              <a:solidFill>
+                                <a:schemeClr val="accent1">
+                                  <a:lumMod val="75000"/>
+                                </a:schemeClr>
+                              </a:solidFill>
+                              <a:latin typeface="Cambria Math" panose="02040503050406030204" pitchFamily="18" charset="0"/>
+                            </a:rPr>
+                          </m:ctrlPr>
+                        </m:sSubPr>
+                        <m:e>
+                          <m:r>
+                            <a:rPr lang="es-CO" b="0" i="1" smtClean="0">
+                              <a:solidFill>
+                                <a:schemeClr val="accent1">
+                                  <a:lumMod val="75000"/>
+                                </a:schemeClr>
+                              </a:solidFill>
+                              <a:latin typeface="Cambria Math" panose="02040503050406030204" pitchFamily="18" charset="0"/>
+                            </a:rPr>
+                            <m:t>𝑍</m:t>
+                          </m:r>
+                        </m:e>
+                        <m:sub>
+                          <m:r>
+                            <a:rPr lang="es-CO" b="0" i="1" smtClean="0">
+                              <a:solidFill>
+                                <a:schemeClr val="accent1">
+                                  <a:lumMod val="75000"/>
+                                </a:schemeClr>
+                              </a:solidFill>
+                              <a:latin typeface="Cambria Math" panose="02040503050406030204" pitchFamily="18" charset="0"/>
+                            </a:rPr>
+                            <m:t>4</m:t>
+                          </m:r>
+                        </m:sub>
+                      </m:sSub>
+                    </m:oMath>
+                  </m:oMathPara>
+                </a14:m>
+                <a:endParaRPr lang="es-CO" dirty="0">
+                  <a:solidFill>
+                    <a:schemeClr val="accent1">
+                      <a:lumMod val="75000"/>
+                    </a:schemeClr>
+                  </a:solidFill>
+                </a:endParaRPr>
+              </a:p>
+            </p:txBody>
+          </p:sp>
+        </mc:Choice>
+        <mc:Fallback>
+          <p:sp>
+            <p:nvSpPr>
+              <p:cNvPr id="84" name="CuadroTexto 22">
+                <a:extLst>
+                  <a:ext uri="{FF2B5EF4-FFF2-40B4-BE49-F238E27FC236}">
+                    <a16:creationId xmlns:a16="http://schemas.microsoft.com/office/drawing/2014/main" id="{D4ECFA03-B08F-4A51-BA61-5EA28C05D917}"/>
+                  </a:ext>
+                </a:extLst>
+              </p:cNvPr>
+              <p:cNvSpPr txBox="1">
+                <a:spLocks noRot="1" noChangeAspect="1" noMove="1" noResize="1" noEditPoints="1" noAdjustHandles="1" noChangeArrowheads="1" noChangeShapeType="1" noTextEdit="1"/>
+              </p:cNvSpPr>
+              <p:nvPr/>
+            </p:nvSpPr>
+            <p:spPr>
+              <a:xfrm>
+                <a:off x="8755863" y="1561639"/>
+                <a:ext cx="699222" cy="369332"/>
+              </a:xfrm>
+              <a:prstGeom prst="rect">
+                <a:avLst/>
+              </a:prstGeom>
+              <a:blipFill>
+                <a:blip r:embed="rId6"/>
+                <a:stretch>
+                  <a:fillRect/>
+                </a:stretch>
+              </a:blipFill>
+            </p:spPr>
+            <p:txBody>
+              <a:bodyPr/>
+              <a:lstStyle/>
+              <a:p>
+                <a:r>
+                  <a:rPr lang="en-US">
+                    <a:noFill/>
+                  </a:rPr>
+                  <a:t> </a:t>
+                </a:r>
+              </a:p>
+            </p:txBody>
+          </p:sp>
+        </mc:Fallback>
+      </mc:AlternateContent>
       <p:cxnSp>
         <p:nvCxnSpPr>
-          <p:cNvPr id="45" name="Conector recto de flecha 21">
-            <a:extLst>
-              <a:ext uri="{FF2B5EF4-FFF2-40B4-BE49-F238E27FC236}">
-                <a16:creationId xmlns:a16="http://schemas.microsoft.com/office/drawing/2014/main" id="{C5C0E429-0D9A-BF40-BBE7-8BD2B91E20C9}"/>
+          <p:cNvPr id="85" name="Conector recto de flecha 21">
+            <a:extLst>
+              <a:ext uri="{FF2B5EF4-FFF2-40B4-BE49-F238E27FC236}">
+                <a16:creationId xmlns:a16="http://schemas.microsoft.com/office/drawing/2014/main" id="{86BB0259-D166-4473-9851-702F6603E583}"/>
               </a:ext>
             </a:extLst>
           </p:cNvPr>
@@ -6746,9 +6909,9 @@
           <p:nvPr/>
         </p:nvCxnSpPr>
         <p:spPr>
-          <a:xfrm>
-            <a:off x="8144381" y="1966360"/>
-            <a:ext cx="878258" cy="7175"/>
+          <a:xfrm flipV="1">
+            <a:off x="8211695" y="1591035"/>
+            <a:ext cx="788546" cy="7316"/>
           </a:xfrm>
           <a:prstGeom prst="straightConnector1">
             <a:avLst/>
@@ -6774,10 +6937,10 @@
       </p:cxnSp>
       <p:cxnSp>
         <p:nvCxnSpPr>
-          <p:cNvPr id="46" name="Conector recto de flecha 14">
-            <a:extLst>
-              <a:ext uri="{FF2B5EF4-FFF2-40B4-BE49-F238E27FC236}">
-                <a16:creationId xmlns:a16="http://schemas.microsoft.com/office/drawing/2014/main" id="{626F56C7-FD49-B842-8BE6-0D1DDA23985E}"/>
+          <p:cNvPr id="87" name="Conector recto de flecha 21">
+            <a:extLst>
+              <a:ext uri="{FF2B5EF4-FFF2-40B4-BE49-F238E27FC236}">
+                <a16:creationId xmlns:a16="http://schemas.microsoft.com/office/drawing/2014/main" id="{D76B4EA2-8D27-462B-B51C-F01CFEA831DC}"/>
               </a:ext>
             </a:extLst>
           </p:cNvPr>
@@ -6788,16 +6951,13 @@
         </p:nvCxnSpPr>
         <p:spPr>
           <a:xfrm flipV="1">
-            <a:off x="8173844" y="947311"/>
-            <a:ext cx="0" cy="995079"/>
+            <a:off x="8207331" y="1185186"/>
+            <a:ext cx="620445" cy="415711"/>
           </a:xfrm>
           <a:prstGeom prst="straightConnector1">
             <a:avLst/>
           </a:prstGeom>
-          <a:ln w="38100">
-            <a:solidFill>
-              <a:srgbClr val="FF0000"/>
-            </a:solidFill>
+          <a:ln w="57150">
             <a:tailEnd type="triangle"/>
           </a:ln>
         </p:spPr>
@@ -6816,86 +6976,1735 @@
           </a:fontRef>
         </p:style>
       </p:cxnSp>
-      <p:sp>
-        <p:nvSpPr>
-          <p:cNvPr id="48" name="CuadroTexto 22">
-            <a:extLst>
-              <a:ext uri="{FF2B5EF4-FFF2-40B4-BE49-F238E27FC236}">
-                <a16:creationId xmlns:a16="http://schemas.microsoft.com/office/drawing/2014/main" id="{6E1B31D2-66D7-8749-9F8F-48410A0FFFBB}"/>
-              </a:ext>
-            </a:extLst>
-          </p:cNvPr>
-          <p:cNvSpPr txBox="1"/>
+      <mc:AlternateContent xmlns:mc="http://schemas.openxmlformats.org/markup-compatibility/2006">
+        <mc:Choice xmlns:a14="http://schemas.microsoft.com/office/drawing/2010/main" Requires="a14">
+          <p:sp>
+            <p:nvSpPr>
+              <p:cNvPr id="89" name="CuadroTexto 22">
+                <a:extLst>
+                  <a:ext uri="{FF2B5EF4-FFF2-40B4-BE49-F238E27FC236}">
+                    <a16:creationId xmlns:a16="http://schemas.microsoft.com/office/drawing/2014/main" id="{9FE594AF-9C50-4402-8AFA-ACA2383205F3}"/>
+                  </a:ext>
+                </a:extLst>
+              </p:cNvPr>
+              <p:cNvSpPr txBox="1"/>
+              <p:nvPr/>
+            </p:nvSpPr>
+            <p:spPr>
+              <a:xfrm>
+                <a:off x="8356845" y="823959"/>
+                <a:ext cx="699222" cy="369332"/>
+              </a:xfrm>
+              <a:prstGeom prst="rect">
+                <a:avLst/>
+              </a:prstGeom>
+              <a:noFill/>
+            </p:spPr>
+            <p:txBody>
+              <a:bodyPr wrap="square" rtlCol="0">
+                <a:spAutoFit/>
+              </a:bodyPr>
+              <a:lstStyle/>
+              <a:p>
+                <a14:m>
+                  <m:oMathPara xmlns:m="http://schemas.openxmlformats.org/officeDocument/2006/math">
+                    <m:oMathParaPr>
+                      <m:jc m:val="centerGroup"/>
+                    </m:oMathParaPr>
+                    <m:oMath xmlns:m="http://schemas.openxmlformats.org/officeDocument/2006/math">
+                      <m:sSub>
+                        <m:sSubPr>
+                          <m:ctrlPr>
+                            <a:rPr lang="es-CO" b="0" i="1" smtClean="0">
+                              <a:solidFill>
+                                <a:schemeClr val="accent1">
+                                  <a:lumMod val="75000"/>
+                                </a:schemeClr>
+                              </a:solidFill>
+                              <a:latin typeface="Cambria Math" panose="02040503050406030204" pitchFamily="18" charset="0"/>
+                            </a:rPr>
+                          </m:ctrlPr>
+                        </m:sSubPr>
+                        <m:e>
+                          <m:r>
+                            <a:rPr lang="es-CO" b="0" i="1" smtClean="0">
+                              <a:solidFill>
+                                <a:schemeClr val="accent1">
+                                  <a:lumMod val="75000"/>
+                                </a:schemeClr>
+                              </a:solidFill>
+                              <a:latin typeface="Cambria Math" panose="02040503050406030204" pitchFamily="18" charset="0"/>
+                            </a:rPr>
+                            <m:t>𝑍</m:t>
+                          </m:r>
+                        </m:e>
+                        <m:sub>
+                          <m:r>
+                            <a:rPr lang="es-CO" b="0" i="1" smtClean="0">
+                              <a:solidFill>
+                                <a:schemeClr val="accent1">
+                                  <a:lumMod val="75000"/>
+                                </a:schemeClr>
+                              </a:solidFill>
+                              <a:latin typeface="Cambria Math" panose="02040503050406030204" pitchFamily="18" charset="0"/>
+                            </a:rPr>
+                            <m:t>5</m:t>
+                          </m:r>
+                        </m:sub>
+                      </m:sSub>
+                    </m:oMath>
+                  </m:oMathPara>
+                </a14:m>
+                <a:endParaRPr lang="es-CO" dirty="0">
+                  <a:solidFill>
+                    <a:schemeClr val="accent1">
+                      <a:lumMod val="75000"/>
+                    </a:schemeClr>
+                  </a:solidFill>
+                </a:endParaRPr>
+              </a:p>
+            </p:txBody>
+          </p:sp>
+        </mc:Choice>
+        <mc:Fallback>
+          <p:sp>
+            <p:nvSpPr>
+              <p:cNvPr id="89" name="CuadroTexto 22">
+                <a:extLst>
+                  <a:ext uri="{FF2B5EF4-FFF2-40B4-BE49-F238E27FC236}">
+                    <a16:creationId xmlns:a16="http://schemas.microsoft.com/office/drawing/2014/main" id="{9FE594AF-9C50-4402-8AFA-ACA2383205F3}"/>
+                  </a:ext>
+                </a:extLst>
+              </p:cNvPr>
+              <p:cNvSpPr txBox="1">
+                <a:spLocks noRot="1" noChangeAspect="1" noMove="1" noResize="1" noEditPoints="1" noAdjustHandles="1" noChangeArrowheads="1" noChangeShapeType="1" noTextEdit="1"/>
+              </p:cNvSpPr>
+              <p:nvPr/>
+            </p:nvSpPr>
+            <p:spPr>
+              <a:xfrm>
+                <a:off x="8356845" y="823959"/>
+                <a:ext cx="699222" cy="369332"/>
+              </a:xfrm>
+              <a:prstGeom prst="rect">
+                <a:avLst/>
+              </a:prstGeom>
+              <a:blipFill>
+                <a:blip r:embed="rId7"/>
+                <a:stretch>
+                  <a:fillRect/>
+                </a:stretch>
+              </a:blipFill>
+            </p:spPr>
+            <p:txBody>
+              <a:bodyPr/>
+              <a:lstStyle/>
+              <a:p>
+                <a:r>
+                  <a:rPr lang="en-US">
+                    <a:noFill/>
+                  </a:rPr>
+                  <a:t> </a:t>
+                </a:r>
+              </a:p>
+            </p:txBody>
+          </p:sp>
+        </mc:Fallback>
+      </mc:AlternateContent>
+      <p:cxnSp>
+        <p:nvCxnSpPr>
+          <p:cNvPr id="93" name="Conector recto de flecha 21">
+            <a:extLst>
+              <a:ext uri="{FF2B5EF4-FFF2-40B4-BE49-F238E27FC236}">
+                <a16:creationId xmlns:a16="http://schemas.microsoft.com/office/drawing/2014/main" id="{A31A1295-B8F3-4A9C-9044-D36DB18DC123}"/>
+              </a:ext>
+            </a:extLst>
+          </p:cNvPr>
+          <p:cNvCxnSpPr>
+            <a:cxnSpLocks/>
+          </p:cNvCxnSpPr>
           <p:nvPr/>
-        </p:nvSpPr>
+        </p:nvCxnSpPr>
         <p:spPr>
           <a:xfrm>
-            <a:off x="8711363" y="1623210"/>
-            <a:ext cx="729899" cy="307777"/>
-          </a:xfrm>
-          <a:prstGeom prst="rect">
+            <a:off x="8191440" y="1581812"/>
+            <a:ext cx="210832" cy="524041"/>
+          </a:xfrm>
+          <a:prstGeom prst="straightConnector1">
             <a:avLst/>
           </a:prstGeom>
-          <a:noFill/>
-        </p:spPr>
-        <p:txBody>
-          <a:bodyPr wrap="square" rtlCol="0">
-            <a:spAutoFit/>
-          </a:bodyPr>
-          <a:lstStyle/>
-          <a:p>
-            <a:r>
-              <a:rPr lang="es-CO" sz="1400" dirty="0">
-                <a:solidFill>
-                  <a:schemeClr val="accent1">
-                    <a:lumMod val="75000"/>
-                  </a:schemeClr>
-                </a:solidFill>
-              </a:rPr>
-              <a:t>a</a:t>
-            </a:r>
-          </a:p>
-        </p:txBody>
-      </p:sp>
-      <p:sp>
-        <p:nvSpPr>
-          <p:cNvPr id="49" name="CuadroTexto 45">
-            <a:extLst>
-              <a:ext uri="{FF2B5EF4-FFF2-40B4-BE49-F238E27FC236}">
-                <a16:creationId xmlns:a16="http://schemas.microsoft.com/office/drawing/2014/main" id="{1757FDD6-8FCF-164D-B1C9-DCC63CF5D8BD}"/>
-              </a:ext>
-            </a:extLst>
-          </p:cNvPr>
-          <p:cNvSpPr txBox="1"/>
+          <a:ln w="57150">
+            <a:tailEnd type="triangle"/>
+          </a:ln>
+        </p:spPr>
+        <p:style>
+          <a:lnRef idx="1">
+            <a:schemeClr val="accent1"/>
+          </a:lnRef>
+          <a:fillRef idx="0">
+            <a:schemeClr val="accent1"/>
+          </a:fillRef>
+          <a:effectRef idx="0">
+            <a:schemeClr val="accent1"/>
+          </a:effectRef>
+          <a:fontRef idx="minor">
+            <a:schemeClr val="tx1"/>
+          </a:fontRef>
+        </p:style>
+      </p:cxnSp>
+      <mc:AlternateContent xmlns:mc="http://schemas.openxmlformats.org/markup-compatibility/2006">
+        <mc:Choice xmlns:a14="http://schemas.microsoft.com/office/drawing/2010/main" Requires="a14">
+          <p:sp>
+            <p:nvSpPr>
+              <p:cNvPr id="96" name="CuadroTexto 22">
+                <a:extLst>
+                  <a:ext uri="{FF2B5EF4-FFF2-40B4-BE49-F238E27FC236}">
+                    <a16:creationId xmlns:a16="http://schemas.microsoft.com/office/drawing/2014/main" id="{766D0387-37FC-4561-B86F-74D3749F11A7}"/>
+                  </a:ext>
+                </a:extLst>
+              </p:cNvPr>
+              <p:cNvSpPr txBox="1"/>
+              <p:nvPr/>
+            </p:nvSpPr>
+            <p:spPr>
+              <a:xfrm>
+                <a:off x="7802534" y="1930416"/>
+                <a:ext cx="699222" cy="369332"/>
+              </a:xfrm>
+              <a:prstGeom prst="rect">
+                <a:avLst/>
+              </a:prstGeom>
+              <a:noFill/>
+            </p:spPr>
+            <p:txBody>
+              <a:bodyPr wrap="square" rtlCol="0">
+                <a:spAutoFit/>
+              </a:bodyPr>
+              <a:lstStyle/>
+              <a:p>
+                <a14:m>
+                  <m:oMathPara xmlns:m="http://schemas.openxmlformats.org/officeDocument/2006/math">
+                    <m:oMathParaPr>
+                      <m:jc m:val="centerGroup"/>
+                    </m:oMathParaPr>
+                    <m:oMath xmlns:m="http://schemas.openxmlformats.org/officeDocument/2006/math">
+                      <m:sSub>
+                        <m:sSubPr>
+                          <m:ctrlPr>
+                            <a:rPr lang="es-CO" b="0" i="1" smtClean="0">
+                              <a:solidFill>
+                                <a:schemeClr val="accent1">
+                                  <a:lumMod val="75000"/>
+                                </a:schemeClr>
+                              </a:solidFill>
+                              <a:latin typeface="Cambria Math" panose="02040503050406030204" pitchFamily="18" charset="0"/>
+                            </a:rPr>
+                          </m:ctrlPr>
+                        </m:sSubPr>
+                        <m:e>
+                          <m:r>
+                            <a:rPr lang="es-CO" b="0" i="1" smtClean="0">
+                              <a:solidFill>
+                                <a:schemeClr val="accent1">
+                                  <a:lumMod val="75000"/>
+                                </a:schemeClr>
+                              </a:solidFill>
+                              <a:latin typeface="Cambria Math" panose="02040503050406030204" pitchFamily="18" charset="0"/>
+                            </a:rPr>
+                            <m:t>𝑍</m:t>
+                          </m:r>
+                        </m:e>
+                        <m:sub>
+                          <m:r>
+                            <a:rPr lang="es-CO" b="0" i="1" smtClean="0">
+                              <a:solidFill>
+                                <a:schemeClr val="accent1">
+                                  <a:lumMod val="75000"/>
+                                </a:schemeClr>
+                              </a:solidFill>
+                              <a:latin typeface="Cambria Math" panose="02040503050406030204" pitchFamily="18" charset="0"/>
+                            </a:rPr>
+                            <m:t>6</m:t>
+                          </m:r>
+                        </m:sub>
+                      </m:sSub>
+                    </m:oMath>
+                  </m:oMathPara>
+                </a14:m>
+                <a:endParaRPr lang="es-CO" dirty="0">
+                  <a:solidFill>
+                    <a:schemeClr val="accent1">
+                      <a:lumMod val="75000"/>
+                    </a:schemeClr>
+                  </a:solidFill>
+                </a:endParaRPr>
+              </a:p>
+            </p:txBody>
+          </p:sp>
+        </mc:Choice>
+        <mc:Fallback>
+          <p:sp>
+            <p:nvSpPr>
+              <p:cNvPr id="96" name="CuadroTexto 22">
+                <a:extLst>
+                  <a:ext uri="{FF2B5EF4-FFF2-40B4-BE49-F238E27FC236}">
+                    <a16:creationId xmlns:a16="http://schemas.microsoft.com/office/drawing/2014/main" id="{766D0387-37FC-4561-B86F-74D3749F11A7}"/>
+                  </a:ext>
+                </a:extLst>
+              </p:cNvPr>
+              <p:cNvSpPr txBox="1">
+                <a:spLocks noRot="1" noChangeAspect="1" noMove="1" noResize="1" noEditPoints="1" noAdjustHandles="1" noChangeArrowheads="1" noChangeShapeType="1" noTextEdit="1"/>
+              </p:cNvSpPr>
+              <p:nvPr/>
+            </p:nvSpPr>
+            <p:spPr>
+              <a:xfrm>
+                <a:off x="7802534" y="1930416"/>
+                <a:ext cx="699222" cy="369332"/>
+              </a:xfrm>
+              <a:prstGeom prst="rect">
+                <a:avLst/>
+              </a:prstGeom>
+              <a:blipFill>
+                <a:blip r:embed="rId8"/>
+                <a:stretch>
+                  <a:fillRect/>
+                </a:stretch>
+              </a:blipFill>
+            </p:spPr>
+            <p:txBody>
+              <a:bodyPr/>
+              <a:lstStyle/>
+              <a:p>
+                <a:r>
+                  <a:rPr lang="en-US">
+                    <a:noFill/>
+                  </a:rPr>
+                  <a:t> </a:t>
+                </a:r>
+              </a:p>
+            </p:txBody>
+          </p:sp>
+        </mc:Fallback>
+      </mc:AlternateContent>
+      <mc:AlternateContent xmlns:mc="http://schemas.openxmlformats.org/markup-compatibility/2006">
+        <mc:Choice xmlns:a14="http://schemas.microsoft.com/office/drawing/2010/main" Requires="a14">
+          <p:sp>
+            <p:nvSpPr>
+              <p:cNvPr id="97" name="CuadroTexto 22">
+                <a:extLst>
+                  <a:ext uri="{FF2B5EF4-FFF2-40B4-BE49-F238E27FC236}">
+                    <a16:creationId xmlns:a16="http://schemas.microsoft.com/office/drawing/2014/main" id="{0A012604-F0B0-4F10-80EA-0D37D2A40051}"/>
+                  </a:ext>
+                </a:extLst>
+              </p:cNvPr>
+              <p:cNvSpPr txBox="1"/>
+              <p:nvPr/>
+            </p:nvSpPr>
+            <p:spPr>
+              <a:xfrm>
+                <a:off x="8269158" y="2751045"/>
+                <a:ext cx="699222" cy="369332"/>
+              </a:xfrm>
+              <a:prstGeom prst="rect">
+                <a:avLst/>
+              </a:prstGeom>
+              <a:noFill/>
+            </p:spPr>
+            <p:txBody>
+              <a:bodyPr wrap="square" rtlCol="0">
+                <a:spAutoFit/>
+              </a:bodyPr>
+              <a:lstStyle/>
+              <a:p>
+                <a14:m>
+                  <m:oMathPara xmlns:m="http://schemas.openxmlformats.org/officeDocument/2006/math">
+                    <m:oMathParaPr>
+                      <m:jc m:val="centerGroup"/>
+                    </m:oMathParaPr>
+                    <m:oMath xmlns:m="http://schemas.openxmlformats.org/officeDocument/2006/math">
+                      <m:r>
+                        <a:rPr lang="es-CO" b="0" i="1" smtClean="0">
+                          <a:solidFill>
+                            <a:srgbClr val="00B0F0"/>
+                          </a:solidFill>
+                          <a:latin typeface="Cambria Math" panose="02040503050406030204" pitchFamily="18" charset="0"/>
+                        </a:rPr>
+                        <m:t>𝑎</m:t>
+                      </m:r>
+                    </m:oMath>
+                  </m:oMathPara>
+                </a14:m>
+                <a:endParaRPr lang="es-CO" dirty="0">
+                  <a:solidFill>
+                    <a:srgbClr val="00B0F0"/>
+                  </a:solidFill>
+                </a:endParaRPr>
+              </a:p>
+            </p:txBody>
+          </p:sp>
+        </mc:Choice>
+        <mc:Fallback>
+          <p:sp>
+            <p:nvSpPr>
+              <p:cNvPr id="97" name="CuadroTexto 22">
+                <a:extLst>
+                  <a:ext uri="{FF2B5EF4-FFF2-40B4-BE49-F238E27FC236}">
+                    <a16:creationId xmlns:a16="http://schemas.microsoft.com/office/drawing/2014/main" id="{0A012604-F0B0-4F10-80EA-0D37D2A40051}"/>
+                  </a:ext>
+                </a:extLst>
+              </p:cNvPr>
+              <p:cNvSpPr txBox="1">
+                <a:spLocks noRot="1" noChangeAspect="1" noMove="1" noResize="1" noEditPoints="1" noAdjustHandles="1" noChangeArrowheads="1" noChangeShapeType="1" noTextEdit="1"/>
+              </p:cNvSpPr>
+              <p:nvPr/>
+            </p:nvSpPr>
+            <p:spPr>
+              <a:xfrm>
+                <a:off x="8269158" y="2751045"/>
+                <a:ext cx="699222" cy="369332"/>
+              </a:xfrm>
+              <a:prstGeom prst="rect">
+                <a:avLst/>
+              </a:prstGeom>
+              <a:blipFill>
+                <a:blip r:embed="rId9"/>
+                <a:stretch>
+                  <a:fillRect/>
+                </a:stretch>
+              </a:blipFill>
+            </p:spPr>
+            <p:txBody>
+              <a:bodyPr/>
+              <a:lstStyle/>
+              <a:p>
+                <a:r>
+                  <a:rPr lang="en-US">
+                    <a:noFill/>
+                  </a:rPr>
+                  <a:t> </a:t>
+                </a:r>
+              </a:p>
+            </p:txBody>
+          </p:sp>
+        </mc:Fallback>
+      </mc:AlternateContent>
+      <mc:AlternateContent xmlns:mc="http://schemas.openxmlformats.org/markup-compatibility/2006">
+        <mc:Choice xmlns:a14="http://schemas.microsoft.com/office/drawing/2010/main" Requires="a14">
+          <p:sp>
+            <p:nvSpPr>
+              <p:cNvPr id="98" name="CuadroTexto 22">
+                <a:extLst>
+                  <a:ext uri="{FF2B5EF4-FFF2-40B4-BE49-F238E27FC236}">
+                    <a16:creationId xmlns:a16="http://schemas.microsoft.com/office/drawing/2014/main" id="{46E74AB7-7C49-4EA7-A33C-74E91985AF13}"/>
+                  </a:ext>
+                </a:extLst>
+              </p:cNvPr>
+              <p:cNvSpPr txBox="1"/>
+              <p:nvPr/>
+            </p:nvSpPr>
+            <p:spPr>
+              <a:xfrm>
+                <a:off x="5032169" y="3986471"/>
+                <a:ext cx="699222" cy="369332"/>
+              </a:xfrm>
+              <a:prstGeom prst="rect">
+                <a:avLst/>
+              </a:prstGeom>
+              <a:noFill/>
+            </p:spPr>
+            <p:txBody>
+              <a:bodyPr wrap="square" rtlCol="0">
+                <a:spAutoFit/>
+              </a:bodyPr>
+              <a:lstStyle/>
+              <a:p>
+                <a14:m>
+                  <m:oMathPara xmlns:m="http://schemas.openxmlformats.org/officeDocument/2006/math">
+                    <m:oMathParaPr>
+                      <m:jc m:val="centerGroup"/>
+                    </m:oMathParaPr>
+                    <m:oMath xmlns:m="http://schemas.openxmlformats.org/officeDocument/2006/math">
+                      <m:sSub>
+                        <m:sSubPr>
+                          <m:ctrlPr>
+                            <a:rPr lang="es-CO" b="0" i="1" smtClean="0">
+                              <a:solidFill>
+                                <a:srgbClr val="FF0000"/>
+                              </a:solidFill>
+                              <a:latin typeface="Cambria Math" panose="02040503050406030204" pitchFamily="18" charset="0"/>
+                            </a:rPr>
+                          </m:ctrlPr>
+                        </m:sSubPr>
+                        <m:e>
+                          <m:r>
+                            <a:rPr lang="es-CO" b="0" i="1" smtClean="0">
+                              <a:solidFill>
+                                <a:srgbClr val="FF0000"/>
+                              </a:solidFill>
+                              <a:latin typeface="Cambria Math" panose="02040503050406030204" pitchFamily="18" charset="0"/>
+                            </a:rPr>
+                            <m:t>𝑋</m:t>
+                          </m:r>
+                        </m:e>
+                        <m:sub>
+                          <m:r>
+                            <a:rPr lang="es-CO" b="0" i="1" smtClean="0">
+                              <a:solidFill>
+                                <a:srgbClr val="FF0000"/>
+                              </a:solidFill>
+                              <a:latin typeface="Cambria Math" panose="02040503050406030204" pitchFamily="18" charset="0"/>
+                            </a:rPr>
+                            <m:t>1</m:t>
+                          </m:r>
+                        </m:sub>
+                      </m:sSub>
+                    </m:oMath>
+                  </m:oMathPara>
+                </a14:m>
+                <a:endParaRPr lang="es-CO" dirty="0">
+                  <a:solidFill>
+                    <a:srgbClr val="FF0000"/>
+                  </a:solidFill>
+                </a:endParaRPr>
+              </a:p>
+            </p:txBody>
+          </p:sp>
+        </mc:Choice>
+        <mc:Fallback>
+          <p:sp>
+            <p:nvSpPr>
+              <p:cNvPr id="98" name="CuadroTexto 22">
+                <a:extLst>
+                  <a:ext uri="{FF2B5EF4-FFF2-40B4-BE49-F238E27FC236}">
+                    <a16:creationId xmlns:a16="http://schemas.microsoft.com/office/drawing/2014/main" id="{46E74AB7-7C49-4EA7-A33C-74E91985AF13}"/>
+                  </a:ext>
+                </a:extLst>
+              </p:cNvPr>
+              <p:cNvSpPr txBox="1">
+                <a:spLocks noRot="1" noChangeAspect="1" noMove="1" noResize="1" noEditPoints="1" noAdjustHandles="1" noChangeArrowheads="1" noChangeShapeType="1" noTextEdit="1"/>
+              </p:cNvSpPr>
+              <p:nvPr/>
+            </p:nvSpPr>
+            <p:spPr>
+              <a:xfrm>
+                <a:off x="5032169" y="3986471"/>
+                <a:ext cx="699222" cy="369332"/>
+              </a:xfrm>
+              <a:prstGeom prst="rect">
+                <a:avLst/>
+              </a:prstGeom>
+              <a:blipFill>
+                <a:blip r:embed="rId10"/>
+                <a:stretch>
+                  <a:fillRect/>
+                </a:stretch>
+              </a:blipFill>
+            </p:spPr>
+            <p:txBody>
+              <a:bodyPr/>
+              <a:lstStyle/>
+              <a:p>
+                <a:r>
+                  <a:rPr lang="en-US">
+                    <a:noFill/>
+                  </a:rPr>
+                  <a:t> </a:t>
+                </a:r>
+              </a:p>
+            </p:txBody>
+          </p:sp>
+        </mc:Fallback>
+      </mc:AlternateContent>
+      <mc:AlternateContent xmlns:mc="http://schemas.openxmlformats.org/markup-compatibility/2006">
+        <mc:Choice xmlns:a14="http://schemas.microsoft.com/office/drawing/2010/main" Requires="a14">
+          <p:sp>
+            <p:nvSpPr>
+              <p:cNvPr id="99" name="CuadroTexto 22">
+                <a:extLst>
+                  <a:ext uri="{FF2B5EF4-FFF2-40B4-BE49-F238E27FC236}">
+                    <a16:creationId xmlns:a16="http://schemas.microsoft.com/office/drawing/2014/main" id="{89F07A59-25AE-498B-9E87-E51A83D8B098}"/>
+                  </a:ext>
+                </a:extLst>
+              </p:cNvPr>
+              <p:cNvSpPr txBox="1"/>
+              <p:nvPr/>
+            </p:nvSpPr>
+            <p:spPr>
+              <a:xfrm>
+                <a:off x="5189713" y="6352885"/>
+                <a:ext cx="699222" cy="369332"/>
+              </a:xfrm>
+              <a:prstGeom prst="rect">
+                <a:avLst/>
+              </a:prstGeom>
+              <a:noFill/>
+            </p:spPr>
+            <p:txBody>
+              <a:bodyPr wrap="square" rtlCol="0">
+                <a:spAutoFit/>
+              </a:bodyPr>
+              <a:lstStyle/>
+              <a:p>
+                <a14:m>
+                  <m:oMathPara xmlns:m="http://schemas.openxmlformats.org/officeDocument/2006/math">
+                    <m:oMathParaPr>
+                      <m:jc m:val="centerGroup"/>
+                    </m:oMathParaPr>
+                    <m:oMath xmlns:m="http://schemas.openxmlformats.org/officeDocument/2006/math">
+                      <m:sSub>
+                        <m:sSubPr>
+                          <m:ctrlPr>
+                            <a:rPr lang="es-CO" b="0" i="1" smtClean="0">
+                              <a:solidFill>
+                                <a:srgbClr val="FF0000"/>
+                              </a:solidFill>
+                              <a:latin typeface="Cambria Math" panose="02040503050406030204" pitchFamily="18" charset="0"/>
+                            </a:rPr>
+                          </m:ctrlPr>
+                        </m:sSubPr>
+                        <m:e>
+                          <m:r>
+                            <a:rPr lang="es-CO" b="0" i="1" smtClean="0">
+                              <a:solidFill>
+                                <a:srgbClr val="FF0000"/>
+                              </a:solidFill>
+                              <a:latin typeface="Cambria Math" panose="02040503050406030204" pitchFamily="18" charset="0"/>
+                            </a:rPr>
+                            <m:t>𝑋</m:t>
+                          </m:r>
+                        </m:e>
+                        <m:sub>
+                          <m:r>
+                            <a:rPr lang="es-CO" b="0" i="1" smtClean="0">
+                              <a:solidFill>
+                                <a:srgbClr val="FF0000"/>
+                              </a:solidFill>
+                              <a:latin typeface="Cambria Math" panose="02040503050406030204" pitchFamily="18" charset="0"/>
+                            </a:rPr>
+                            <m:t>0</m:t>
+                          </m:r>
+                        </m:sub>
+                      </m:sSub>
+                    </m:oMath>
+                  </m:oMathPara>
+                </a14:m>
+                <a:endParaRPr lang="es-CO" dirty="0">
+                  <a:solidFill>
+                    <a:srgbClr val="FF0000"/>
+                  </a:solidFill>
+                </a:endParaRPr>
+              </a:p>
+            </p:txBody>
+          </p:sp>
+        </mc:Choice>
+        <mc:Fallback>
+          <p:sp>
+            <p:nvSpPr>
+              <p:cNvPr id="99" name="CuadroTexto 22">
+                <a:extLst>
+                  <a:ext uri="{FF2B5EF4-FFF2-40B4-BE49-F238E27FC236}">
+                    <a16:creationId xmlns:a16="http://schemas.microsoft.com/office/drawing/2014/main" id="{89F07A59-25AE-498B-9E87-E51A83D8B098}"/>
+                  </a:ext>
+                </a:extLst>
+              </p:cNvPr>
+              <p:cNvSpPr txBox="1">
+                <a:spLocks noRot="1" noChangeAspect="1" noMove="1" noResize="1" noEditPoints="1" noAdjustHandles="1" noChangeArrowheads="1" noChangeShapeType="1" noTextEdit="1"/>
+              </p:cNvSpPr>
+              <p:nvPr/>
+            </p:nvSpPr>
+            <p:spPr>
+              <a:xfrm>
+                <a:off x="5189713" y="6352885"/>
+                <a:ext cx="699222" cy="369332"/>
+              </a:xfrm>
+              <a:prstGeom prst="rect">
+                <a:avLst/>
+              </a:prstGeom>
+              <a:blipFill>
+                <a:blip r:embed="rId11"/>
+                <a:stretch>
+                  <a:fillRect/>
+                </a:stretch>
+              </a:blipFill>
+            </p:spPr>
+            <p:txBody>
+              <a:bodyPr/>
+              <a:lstStyle/>
+              <a:p>
+                <a:r>
+                  <a:rPr lang="en-US">
+                    <a:noFill/>
+                  </a:rPr>
+                  <a:t> </a:t>
+                </a:r>
+              </a:p>
+            </p:txBody>
+          </p:sp>
+        </mc:Fallback>
+      </mc:AlternateContent>
+      <mc:AlternateContent xmlns:mc="http://schemas.openxmlformats.org/markup-compatibility/2006">
+        <mc:Choice xmlns:a14="http://schemas.microsoft.com/office/drawing/2010/main" Requires="a14">
+          <p:sp>
+            <p:nvSpPr>
+              <p:cNvPr id="101" name="CuadroTexto 22">
+                <a:extLst>
+                  <a:ext uri="{FF2B5EF4-FFF2-40B4-BE49-F238E27FC236}">
+                    <a16:creationId xmlns:a16="http://schemas.microsoft.com/office/drawing/2014/main" id="{B3287001-C112-4D75-9341-273B6DA03B46}"/>
+                  </a:ext>
+                </a:extLst>
+              </p:cNvPr>
+              <p:cNvSpPr txBox="1"/>
+              <p:nvPr/>
+            </p:nvSpPr>
+            <p:spPr>
+              <a:xfrm>
+                <a:off x="5970193" y="3041258"/>
+                <a:ext cx="699222" cy="369332"/>
+              </a:xfrm>
+              <a:prstGeom prst="rect">
+                <a:avLst/>
+              </a:prstGeom>
+              <a:noFill/>
+            </p:spPr>
+            <p:txBody>
+              <a:bodyPr wrap="square" rtlCol="0">
+                <a:spAutoFit/>
+              </a:bodyPr>
+              <a:lstStyle/>
+              <a:p>
+                <a14:m>
+                  <m:oMathPara xmlns:m="http://schemas.openxmlformats.org/officeDocument/2006/math">
+                    <m:oMathParaPr>
+                      <m:jc m:val="centerGroup"/>
+                    </m:oMathParaPr>
+                    <m:oMath xmlns:m="http://schemas.openxmlformats.org/officeDocument/2006/math">
+                      <m:sSub>
+                        <m:sSubPr>
+                          <m:ctrlPr>
+                            <a:rPr lang="es-CO" b="0" i="1" smtClean="0">
+                              <a:solidFill>
+                                <a:srgbClr val="FF0000"/>
+                              </a:solidFill>
+                              <a:latin typeface="Cambria Math" panose="02040503050406030204" pitchFamily="18" charset="0"/>
+                            </a:rPr>
+                          </m:ctrlPr>
+                        </m:sSubPr>
+                        <m:e>
+                          <m:r>
+                            <a:rPr lang="es-CO" b="0" i="1" smtClean="0">
+                              <a:solidFill>
+                                <a:srgbClr val="FF0000"/>
+                              </a:solidFill>
+                              <a:latin typeface="Cambria Math" panose="02040503050406030204" pitchFamily="18" charset="0"/>
+                            </a:rPr>
+                            <m:t>𝑋</m:t>
+                          </m:r>
+                        </m:e>
+                        <m:sub>
+                          <m:r>
+                            <a:rPr lang="es-CO" b="0" i="1" smtClean="0">
+                              <a:solidFill>
+                                <a:srgbClr val="FF0000"/>
+                              </a:solidFill>
+                              <a:latin typeface="Cambria Math" panose="02040503050406030204" pitchFamily="18" charset="0"/>
+                            </a:rPr>
+                            <m:t>2</m:t>
+                          </m:r>
+                        </m:sub>
+                      </m:sSub>
+                    </m:oMath>
+                  </m:oMathPara>
+                </a14:m>
+                <a:endParaRPr lang="es-CO" dirty="0">
+                  <a:solidFill>
+                    <a:srgbClr val="FF0000"/>
+                  </a:solidFill>
+                </a:endParaRPr>
+              </a:p>
+            </p:txBody>
+          </p:sp>
+        </mc:Choice>
+        <mc:Fallback>
+          <p:sp>
+            <p:nvSpPr>
+              <p:cNvPr id="101" name="CuadroTexto 22">
+                <a:extLst>
+                  <a:ext uri="{FF2B5EF4-FFF2-40B4-BE49-F238E27FC236}">
+                    <a16:creationId xmlns:a16="http://schemas.microsoft.com/office/drawing/2014/main" id="{B3287001-C112-4D75-9341-273B6DA03B46}"/>
+                  </a:ext>
+                </a:extLst>
+              </p:cNvPr>
+              <p:cNvSpPr txBox="1">
+                <a:spLocks noRot="1" noChangeAspect="1" noMove="1" noResize="1" noEditPoints="1" noAdjustHandles="1" noChangeArrowheads="1" noChangeShapeType="1" noTextEdit="1"/>
+              </p:cNvSpPr>
+              <p:nvPr/>
+            </p:nvSpPr>
+            <p:spPr>
+              <a:xfrm>
+                <a:off x="5970193" y="3041258"/>
+                <a:ext cx="699222" cy="369332"/>
+              </a:xfrm>
+              <a:prstGeom prst="rect">
+                <a:avLst/>
+              </a:prstGeom>
+              <a:blipFill>
+                <a:blip r:embed="rId12"/>
+                <a:stretch>
+                  <a:fillRect/>
+                </a:stretch>
+              </a:blipFill>
+            </p:spPr>
+            <p:txBody>
+              <a:bodyPr/>
+              <a:lstStyle/>
+              <a:p>
+                <a:r>
+                  <a:rPr lang="en-US">
+                    <a:noFill/>
+                  </a:rPr>
+                  <a:t> </a:t>
+                </a:r>
+              </a:p>
+            </p:txBody>
+          </p:sp>
+        </mc:Fallback>
+      </mc:AlternateContent>
+      <mc:AlternateContent xmlns:mc="http://schemas.openxmlformats.org/markup-compatibility/2006">
+        <mc:Choice xmlns:a14="http://schemas.microsoft.com/office/drawing/2010/main" Requires="a14">
+          <p:sp>
+            <p:nvSpPr>
+              <p:cNvPr id="102" name="CuadroTexto 22">
+                <a:extLst>
+                  <a:ext uri="{FF2B5EF4-FFF2-40B4-BE49-F238E27FC236}">
+                    <a16:creationId xmlns:a16="http://schemas.microsoft.com/office/drawing/2014/main" id="{D476337B-BAC4-4BC1-A693-9C531013F64C}"/>
+                  </a:ext>
+                </a:extLst>
+              </p:cNvPr>
+              <p:cNvSpPr txBox="1"/>
+              <p:nvPr/>
+            </p:nvSpPr>
+            <p:spPr>
+              <a:xfrm>
+                <a:off x="5599760" y="559712"/>
+                <a:ext cx="699222" cy="369332"/>
+              </a:xfrm>
+              <a:prstGeom prst="rect">
+                <a:avLst/>
+              </a:prstGeom>
+              <a:noFill/>
+            </p:spPr>
+            <p:txBody>
+              <a:bodyPr wrap="square" rtlCol="0">
+                <a:spAutoFit/>
+              </a:bodyPr>
+              <a:lstStyle/>
+              <a:p>
+                <a14:m>
+                  <m:oMathPara xmlns:m="http://schemas.openxmlformats.org/officeDocument/2006/math">
+                    <m:oMathParaPr>
+                      <m:jc m:val="centerGroup"/>
+                    </m:oMathParaPr>
+                    <m:oMath xmlns:m="http://schemas.openxmlformats.org/officeDocument/2006/math">
+                      <m:sSub>
+                        <m:sSubPr>
+                          <m:ctrlPr>
+                            <a:rPr lang="es-CO" b="0" i="1" smtClean="0">
+                              <a:solidFill>
+                                <a:srgbClr val="FF0000"/>
+                              </a:solidFill>
+                              <a:latin typeface="Cambria Math" panose="02040503050406030204" pitchFamily="18" charset="0"/>
+                            </a:rPr>
+                          </m:ctrlPr>
+                        </m:sSubPr>
+                        <m:e>
+                          <m:r>
+                            <a:rPr lang="es-CO" b="0" i="1" smtClean="0">
+                              <a:solidFill>
+                                <a:srgbClr val="FF0000"/>
+                              </a:solidFill>
+                              <a:latin typeface="Cambria Math" panose="02040503050406030204" pitchFamily="18" charset="0"/>
+                            </a:rPr>
+                            <m:t>𝑋</m:t>
+                          </m:r>
+                        </m:e>
+                        <m:sub>
+                          <m:r>
+                            <a:rPr lang="es-CO" b="0" i="1" smtClean="0">
+                              <a:solidFill>
+                                <a:srgbClr val="FF0000"/>
+                              </a:solidFill>
+                              <a:latin typeface="Cambria Math" panose="02040503050406030204" pitchFamily="18" charset="0"/>
+                            </a:rPr>
+                            <m:t>3</m:t>
+                          </m:r>
+                        </m:sub>
+                      </m:sSub>
+                    </m:oMath>
+                  </m:oMathPara>
+                </a14:m>
+                <a:endParaRPr lang="es-CO" dirty="0">
+                  <a:solidFill>
+                    <a:srgbClr val="FF0000"/>
+                  </a:solidFill>
+                </a:endParaRPr>
+              </a:p>
+            </p:txBody>
+          </p:sp>
+        </mc:Choice>
+        <mc:Fallback>
+          <p:sp>
+            <p:nvSpPr>
+              <p:cNvPr id="102" name="CuadroTexto 22">
+                <a:extLst>
+                  <a:ext uri="{FF2B5EF4-FFF2-40B4-BE49-F238E27FC236}">
+                    <a16:creationId xmlns:a16="http://schemas.microsoft.com/office/drawing/2014/main" id="{D476337B-BAC4-4BC1-A693-9C531013F64C}"/>
+                  </a:ext>
+                </a:extLst>
+              </p:cNvPr>
+              <p:cNvSpPr txBox="1">
+                <a:spLocks noRot="1" noChangeAspect="1" noMove="1" noResize="1" noEditPoints="1" noAdjustHandles="1" noChangeArrowheads="1" noChangeShapeType="1" noTextEdit="1"/>
+              </p:cNvSpPr>
+              <p:nvPr/>
+            </p:nvSpPr>
+            <p:spPr>
+              <a:xfrm>
+                <a:off x="5599760" y="559712"/>
+                <a:ext cx="699222" cy="369332"/>
+              </a:xfrm>
+              <a:prstGeom prst="rect">
+                <a:avLst/>
+              </a:prstGeom>
+              <a:blipFill>
+                <a:blip r:embed="rId13"/>
+                <a:stretch>
+                  <a:fillRect/>
+                </a:stretch>
+              </a:blipFill>
+            </p:spPr>
+            <p:txBody>
+              <a:bodyPr/>
+              <a:lstStyle/>
+              <a:p>
+                <a:r>
+                  <a:rPr lang="en-US">
+                    <a:noFill/>
+                  </a:rPr>
+                  <a:t> </a:t>
+                </a:r>
+              </a:p>
+            </p:txBody>
+          </p:sp>
+        </mc:Fallback>
+      </mc:AlternateContent>
+      <mc:AlternateContent xmlns:mc="http://schemas.openxmlformats.org/markup-compatibility/2006">
+        <mc:Choice xmlns:a14="http://schemas.microsoft.com/office/drawing/2010/main" Requires="a14">
+          <p:sp>
+            <p:nvSpPr>
+              <p:cNvPr id="103" name="CuadroTexto 22">
+                <a:extLst>
+                  <a:ext uri="{FF2B5EF4-FFF2-40B4-BE49-F238E27FC236}">
+                    <a16:creationId xmlns:a16="http://schemas.microsoft.com/office/drawing/2014/main" id="{27C167C3-D4D0-4EA9-BE87-7AC088EAF18E}"/>
+                  </a:ext>
+                </a:extLst>
+              </p:cNvPr>
+              <p:cNvSpPr txBox="1"/>
+              <p:nvPr/>
+            </p:nvSpPr>
+            <p:spPr>
+              <a:xfrm>
+                <a:off x="8933538" y="1146901"/>
+                <a:ext cx="699222" cy="381515"/>
+              </a:xfrm>
+              <a:prstGeom prst="rect">
+                <a:avLst/>
+              </a:prstGeom>
+              <a:noFill/>
+            </p:spPr>
+            <p:txBody>
+              <a:bodyPr wrap="square" rtlCol="0">
+                <a:spAutoFit/>
+              </a:bodyPr>
+              <a:lstStyle/>
+              <a:p>
+                <a14:m>
+                  <m:oMathPara xmlns:m="http://schemas.openxmlformats.org/officeDocument/2006/math">
+                    <m:oMathParaPr>
+                      <m:jc m:val="centerGroup"/>
+                    </m:oMathParaPr>
+                    <m:oMath xmlns:m="http://schemas.openxmlformats.org/officeDocument/2006/math">
+                      <m:sSub>
+                        <m:sSubPr>
+                          <m:ctrlPr>
+                            <a:rPr lang="es-CO" b="0" i="1" smtClean="0">
+                              <a:solidFill>
+                                <a:srgbClr val="FF0000"/>
+                              </a:solidFill>
+                              <a:latin typeface="Cambria Math" panose="02040503050406030204" pitchFamily="18" charset="0"/>
+                            </a:rPr>
+                          </m:ctrlPr>
+                        </m:sSubPr>
+                        <m:e>
+                          <m:r>
+                            <a:rPr lang="es-CO" b="0" i="1" smtClean="0">
+                              <a:solidFill>
+                                <a:srgbClr val="FF0000"/>
+                              </a:solidFill>
+                              <a:latin typeface="Cambria Math" panose="02040503050406030204" pitchFamily="18" charset="0"/>
+                            </a:rPr>
+                            <m:t>𝑋</m:t>
+                          </m:r>
+                        </m:e>
+                        <m:sub>
+                          <m:r>
+                            <a:rPr lang="es-CO" b="0" i="1" smtClean="0">
+                              <a:solidFill>
+                                <a:srgbClr val="FF0000"/>
+                              </a:solidFill>
+                              <a:latin typeface="Cambria Math" panose="02040503050406030204" pitchFamily="18" charset="0"/>
+                            </a:rPr>
+                            <m:t>5,6</m:t>
+                          </m:r>
+                        </m:sub>
+                      </m:sSub>
+                    </m:oMath>
+                  </m:oMathPara>
+                </a14:m>
+                <a:endParaRPr lang="es-CO" dirty="0">
+                  <a:solidFill>
+                    <a:srgbClr val="FF0000"/>
+                  </a:solidFill>
+                </a:endParaRPr>
+              </a:p>
+            </p:txBody>
+          </p:sp>
+        </mc:Choice>
+        <mc:Fallback>
+          <p:sp>
+            <p:nvSpPr>
+              <p:cNvPr id="103" name="CuadroTexto 22">
+                <a:extLst>
+                  <a:ext uri="{FF2B5EF4-FFF2-40B4-BE49-F238E27FC236}">
+                    <a16:creationId xmlns:a16="http://schemas.microsoft.com/office/drawing/2014/main" id="{27C167C3-D4D0-4EA9-BE87-7AC088EAF18E}"/>
+                  </a:ext>
+                </a:extLst>
+              </p:cNvPr>
+              <p:cNvSpPr txBox="1">
+                <a:spLocks noRot="1" noChangeAspect="1" noMove="1" noResize="1" noEditPoints="1" noAdjustHandles="1" noChangeArrowheads="1" noChangeShapeType="1" noTextEdit="1"/>
+              </p:cNvSpPr>
+              <p:nvPr/>
+            </p:nvSpPr>
+            <p:spPr>
+              <a:xfrm>
+                <a:off x="8933538" y="1146901"/>
+                <a:ext cx="699222" cy="381515"/>
+              </a:xfrm>
+              <a:prstGeom prst="rect">
+                <a:avLst/>
+              </a:prstGeom>
+              <a:blipFill>
+                <a:blip r:embed="rId14"/>
+                <a:stretch>
+                  <a:fillRect/>
+                </a:stretch>
+              </a:blipFill>
+            </p:spPr>
+            <p:txBody>
+              <a:bodyPr/>
+              <a:lstStyle/>
+              <a:p>
+                <a:r>
+                  <a:rPr lang="en-US">
+                    <a:noFill/>
+                  </a:rPr>
+                  <a:t> </a:t>
+                </a:r>
+              </a:p>
+            </p:txBody>
+          </p:sp>
+        </mc:Fallback>
+      </mc:AlternateContent>
+      <mc:AlternateContent xmlns:mc="http://schemas.openxmlformats.org/markup-compatibility/2006">
+        <mc:Choice xmlns:a14="http://schemas.microsoft.com/office/drawing/2010/main" Requires="a14">
+          <p:sp>
+            <p:nvSpPr>
+              <p:cNvPr id="104" name="CuadroTexto 22">
+                <a:extLst>
+                  <a:ext uri="{FF2B5EF4-FFF2-40B4-BE49-F238E27FC236}">
+                    <a16:creationId xmlns:a16="http://schemas.microsoft.com/office/drawing/2014/main" id="{5C2CCB15-65DD-4D94-B092-A30E44461678}"/>
+                  </a:ext>
+                </a:extLst>
+              </p:cNvPr>
+              <p:cNvSpPr txBox="1"/>
+              <p:nvPr/>
+            </p:nvSpPr>
+            <p:spPr>
+              <a:xfrm>
+                <a:off x="8001915" y="514374"/>
+                <a:ext cx="699222" cy="369332"/>
+              </a:xfrm>
+              <a:prstGeom prst="rect">
+                <a:avLst/>
+              </a:prstGeom>
+              <a:noFill/>
+            </p:spPr>
+            <p:txBody>
+              <a:bodyPr wrap="square" rtlCol="0">
+                <a:spAutoFit/>
+              </a:bodyPr>
+              <a:lstStyle/>
+              <a:p>
+                <a14:m>
+                  <m:oMathPara xmlns:m="http://schemas.openxmlformats.org/officeDocument/2006/math">
+                    <m:oMathParaPr>
+                      <m:jc m:val="centerGroup"/>
+                    </m:oMathParaPr>
+                    <m:oMath xmlns:m="http://schemas.openxmlformats.org/officeDocument/2006/math">
+                      <m:sSub>
+                        <m:sSubPr>
+                          <m:ctrlPr>
+                            <a:rPr lang="es-CO" b="0" i="1" smtClean="0">
+                              <a:solidFill>
+                                <a:srgbClr val="FF0000"/>
+                              </a:solidFill>
+                              <a:latin typeface="Cambria Math" panose="02040503050406030204" pitchFamily="18" charset="0"/>
+                            </a:rPr>
+                          </m:ctrlPr>
+                        </m:sSubPr>
+                        <m:e>
+                          <m:r>
+                            <a:rPr lang="es-CO" b="0" i="1" smtClean="0">
+                              <a:solidFill>
+                                <a:srgbClr val="FF0000"/>
+                              </a:solidFill>
+                              <a:latin typeface="Cambria Math" panose="02040503050406030204" pitchFamily="18" charset="0"/>
+                            </a:rPr>
+                            <m:t>𝑋</m:t>
+                          </m:r>
+                        </m:e>
+                        <m:sub>
+                          <m:r>
+                            <a:rPr lang="es-CO" b="0" i="1" smtClean="0">
+                              <a:solidFill>
+                                <a:srgbClr val="FF0000"/>
+                              </a:solidFill>
+                              <a:latin typeface="Cambria Math" panose="02040503050406030204" pitchFamily="18" charset="0"/>
+                            </a:rPr>
+                            <m:t>4</m:t>
+                          </m:r>
+                        </m:sub>
+                      </m:sSub>
+                    </m:oMath>
+                  </m:oMathPara>
+                </a14:m>
+                <a:endParaRPr lang="es-CO" dirty="0">
+                  <a:solidFill>
+                    <a:srgbClr val="FF0000"/>
+                  </a:solidFill>
+                </a:endParaRPr>
+              </a:p>
+            </p:txBody>
+          </p:sp>
+        </mc:Choice>
+        <mc:Fallback>
+          <p:sp>
+            <p:nvSpPr>
+              <p:cNvPr id="104" name="CuadroTexto 22">
+                <a:extLst>
+                  <a:ext uri="{FF2B5EF4-FFF2-40B4-BE49-F238E27FC236}">
+                    <a16:creationId xmlns:a16="http://schemas.microsoft.com/office/drawing/2014/main" id="{5C2CCB15-65DD-4D94-B092-A30E44461678}"/>
+                  </a:ext>
+                </a:extLst>
+              </p:cNvPr>
+              <p:cNvSpPr txBox="1">
+                <a:spLocks noRot="1" noChangeAspect="1" noMove="1" noResize="1" noEditPoints="1" noAdjustHandles="1" noChangeArrowheads="1" noChangeShapeType="1" noTextEdit="1"/>
+              </p:cNvSpPr>
+              <p:nvPr/>
+            </p:nvSpPr>
+            <p:spPr>
+              <a:xfrm>
+                <a:off x="8001915" y="514374"/>
+                <a:ext cx="699222" cy="369332"/>
+              </a:xfrm>
+              <a:prstGeom prst="rect">
+                <a:avLst/>
+              </a:prstGeom>
+              <a:blipFill>
+                <a:blip r:embed="rId15"/>
+                <a:stretch>
+                  <a:fillRect/>
+                </a:stretch>
+              </a:blipFill>
+            </p:spPr>
+            <p:txBody>
+              <a:bodyPr/>
+              <a:lstStyle/>
+              <a:p>
+                <a:r>
+                  <a:rPr lang="en-US">
+                    <a:noFill/>
+                  </a:rPr>
+                  <a:t> </a:t>
+                </a:r>
+              </a:p>
+            </p:txBody>
+          </p:sp>
+        </mc:Fallback>
+      </mc:AlternateContent>
+      <mc:AlternateContent xmlns:mc="http://schemas.openxmlformats.org/markup-compatibility/2006">
+        <mc:Choice xmlns:a14="http://schemas.microsoft.com/office/drawing/2010/main" Requires="a14">
+          <p:sp>
+            <p:nvSpPr>
+              <p:cNvPr id="105" name="CuadroTexto 22">
+                <a:extLst>
+                  <a:ext uri="{FF2B5EF4-FFF2-40B4-BE49-F238E27FC236}">
+                    <a16:creationId xmlns:a16="http://schemas.microsoft.com/office/drawing/2014/main" id="{BCC2227A-B359-46EA-B9E0-D5E1B7FDA5DF}"/>
+                  </a:ext>
+                </a:extLst>
+              </p:cNvPr>
+              <p:cNvSpPr txBox="1"/>
+              <p:nvPr/>
+            </p:nvSpPr>
+            <p:spPr>
+              <a:xfrm>
+                <a:off x="8668664" y="1937958"/>
+                <a:ext cx="699222" cy="369332"/>
+              </a:xfrm>
+              <a:prstGeom prst="rect">
+                <a:avLst/>
+              </a:prstGeom>
+              <a:noFill/>
+            </p:spPr>
+            <p:txBody>
+              <a:bodyPr wrap="square" rtlCol="0">
+                <a:spAutoFit/>
+              </a:bodyPr>
+              <a:lstStyle/>
+              <a:p>
+                <a14:m>
+                  <m:oMathPara xmlns:m="http://schemas.openxmlformats.org/officeDocument/2006/math">
+                    <m:oMathParaPr>
+                      <m:jc m:val="centerGroup"/>
+                    </m:oMathParaPr>
+                    <m:oMath xmlns:m="http://schemas.openxmlformats.org/officeDocument/2006/math">
+                      <m:r>
+                        <a:rPr lang="es-CO" b="0" i="1" smtClean="0">
+                          <a:solidFill>
+                            <a:srgbClr val="FF3300"/>
+                          </a:solidFill>
+                          <a:latin typeface="Cambria Math" panose="02040503050406030204" pitchFamily="18" charset="0"/>
+                        </a:rPr>
+                        <m:t>𝑛</m:t>
+                      </m:r>
+                    </m:oMath>
+                  </m:oMathPara>
+                </a14:m>
+                <a:endParaRPr lang="es-CO" dirty="0">
+                  <a:solidFill>
+                    <a:srgbClr val="FF3300"/>
+                  </a:solidFill>
+                </a:endParaRPr>
+              </a:p>
+            </p:txBody>
+          </p:sp>
+        </mc:Choice>
+        <mc:Fallback>
+          <p:sp>
+            <p:nvSpPr>
+              <p:cNvPr id="105" name="CuadroTexto 22">
+                <a:extLst>
+                  <a:ext uri="{FF2B5EF4-FFF2-40B4-BE49-F238E27FC236}">
+                    <a16:creationId xmlns:a16="http://schemas.microsoft.com/office/drawing/2014/main" id="{BCC2227A-B359-46EA-B9E0-D5E1B7FDA5DF}"/>
+                  </a:ext>
+                </a:extLst>
+              </p:cNvPr>
+              <p:cNvSpPr txBox="1">
+                <a:spLocks noRot="1" noChangeAspect="1" noMove="1" noResize="1" noEditPoints="1" noAdjustHandles="1" noChangeArrowheads="1" noChangeShapeType="1" noTextEdit="1"/>
+              </p:cNvSpPr>
+              <p:nvPr/>
+            </p:nvSpPr>
+            <p:spPr>
+              <a:xfrm>
+                <a:off x="8668664" y="1937958"/>
+                <a:ext cx="699222" cy="369332"/>
+              </a:xfrm>
+              <a:prstGeom prst="rect">
+                <a:avLst/>
+              </a:prstGeom>
+              <a:blipFill>
+                <a:blip r:embed="rId16"/>
+                <a:stretch>
+                  <a:fillRect/>
+                </a:stretch>
+              </a:blipFill>
+            </p:spPr>
+            <p:txBody>
+              <a:bodyPr/>
+              <a:lstStyle/>
+              <a:p>
+                <a:r>
+                  <a:rPr lang="en-US">
+                    <a:noFill/>
+                  </a:rPr>
+                  <a:t> </a:t>
+                </a:r>
+              </a:p>
+            </p:txBody>
+          </p:sp>
+        </mc:Fallback>
+      </mc:AlternateContent>
+      <mc:AlternateContent xmlns:mc="http://schemas.openxmlformats.org/markup-compatibility/2006">
+        <mc:Choice xmlns:a14="http://schemas.microsoft.com/office/drawing/2010/main" Requires="a14">
+          <p:sp>
+            <p:nvSpPr>
+              <p:cNvPr id="106" name="CuadroTexto 22">
+                <a:extLst>
+                  <a:ext uri="{FF2B5EF4-FFF2-40B4-BE49-F238E27FC236}">
+                    <a16:creationId xmlns:a16="http://schemas.microsoft.com/office/drawing/2014/main" id="{5298D992-4ADB-4CCF-9615-9611DEB0E318}"/>
+                  </a:ext>
+                </a:extLst>
+              </p:cNvPr>
+              <p:cNvSpPr txBox="1"/>
+              <p:nvPr/>
+            </p:nvSpPr>
+            <p:spPr>
+              <a:xfrm>
+                <a:off x="4263100" y="5345223"/>
+                <a:ext cx="699222" cy="369332"/>
+              </a:xfrm>
+              <a:prstGeom prst="rect">
+                <a:avLst/>
+              </a:prstGeom>
+              <a:noFill/>
+            </p:spPr>
+            <p:txBody>
+              <a:bodyPr wrap="square" rtlCol="0">
+                <a:spAutoFit/>
+              </a:bodyPr>
+              <a:lstStyle/>
+              <a:p>
+                <a14:m>
+                  <m:oMathPara xmlns:m="http://schemas.openxmlformats.org/officeDocument/2006/math">
+                    <m:oMathParaPr>
+                      <m:jc m:val="centerGroup"/>
+                    </m:oMathParaPr>
+                    <m:oMath xmlns:m="http://schemas.openxmlformats.org/officeDocument/2006/math">
+                      <m:sSub>
+                        <m:sSubPr>
+                          <m:ctrlPr>
+                            <a:rPr lang="es-CO" b="0" i="1" smtClean="0">
+                              <a:solidFill>
+                                <a:schemeClr val="accent1">
+                                  <a:lumMod val="75000"/>
+                                </a:schemeClr>
+                              </a:solidFill>
+                              <a:latin typeface="Cambria Math" panose="02040503050406030204" pitchFamily="18" charset="0"/>
+                            </a:rPr>
+                          </m:ctrlPr>
+                        </m:sSubPr>
+                        <m:e>
+                          <m:r>
+                            <a:rPr lang="es-CO" b="0" i="1" smtClean="0">
+                              <a:solidFill>
+                                <a:schemeClr val="accent1">
+                                  <a:lumMod val="75000"/>
+                                </a:schemeClr>
+                              </a:solidFill>
+                              <a:latin typeface="Cambria Math" panose="02040503050406030204" pitchFamily="18" charset="0"/>
+                            </a:rPr>
+                            <m:t>𝑍</m:t>
+                          </m:r>
+                        </m:e>
+                        <m:sub>
+                          <m:r>
+                            <a:rPr lang="es-CO" b="0" i="1" smtClean="0">
+                              <a:solidFill>
+                                <a:schemeClr val="accent1">
+                                  <a:lumMod val="75000"/>
+                                </a:schemeClr>
+                              </a:solidFill>
+                              <a:latin typeface="Cambria Math" panose="02040503050406030204" pitchFamily="18" charset="0"/>
+                            </a:rPr>
+                            <m:t>0</m:t>
+                          </m:r>
+                        </m:sub>
+                      </m:sSub>
+                    </m:oMath>
+                  </m:oMathPara>
+                </a14:m>
+                <a:endParaRPr lang="es-CO" dirty="0">
+                  <a:solidFill>
+                    <a:schemeClr val="accent1">
+                      <a:lumMod val="75000"/>
+                    </a:schemeClr>
+                  </a:solidFill>
+                </a:endParaRPr>
+              </a:p>
+            </p:txBody>
+          </p:sp>
+        </mc:Choice>
+        <mc:Fallback>
+          <p:sp>
+            <p:nvSpPr>
+              <p:cNvPr id="106" name="CuadroTexto 22">
+                <a:extLst>
+                  <a:ext uri="{FF2B5EF4-FFF2-40B4-BE49-F238E27FC236}">
+                    <a16:creationId xmlns:a16="http://schemas.microsoft.com/office/drawing/2014/main" id="{5298D992-4ADB-4CCF-9615-9611DEB0E318}"/>
+                  </a:ext>
+                </a:extLst>
+              </p:cNvPr>
+              <p:cNvSpPr txBox="1">
+                <a:spLocks noRot="1" noChangeAspect="1" noMove="1" noResize="1" noEditPoints="1" noAdjustHandles="1" noChangeArrowheads="1" noChangeShapeType="1" noTextEdit="1"/>
+              </p:cNvSpPr>
+              <p:nvPr/>
+            </p:nvSpPr>
+            <p:spPr>
+              <a:xfrm>
+                <a:off x="4263100" y="5345223"/>
+                <a:ext cx="699222" cy="369332"/>
+              </a:xfrm>
+              <a:prstGeom prst="rect">
+                <a:avLst/>
+              </a:prstGeom>
+              <a:blipFill>
+                <a:blip r:embed="rId17"/>
+                <a:stretch>
+                  <a:fillRect/>
+                </a:stretch>
+              </a:blipFill>
+            </p:spPr>
+            <p:txBody>
+              <a:bodyPr/>
+              <a:lstStyle/>
+              <a:p>
+                <a:r>
+                  <a:rPr lang="en-US">
+                    <a:noFill/>
+                  </a:rPr>
+                  <a:t> </a:t>
+                </a:r>
+              </a:p>
+            </p:txBody>
+          </p:sp>
+        </mc:Fallback>
+      </mc:AlternateContent>
+      <p:cxnSp>
+        <p:nvCxnSpPr>
+          <p:cNvPr id="107" name="Conector recto de flecha 21">
+            <a:extLst>
+              <a:ext uri="{FF2B5EF4-FFF2-40B4-BE49-F238E27FC236}">
+                <a16:creationId xmlns:a16="http://schemas.microsoft.com/office/drawing/2014/main" id="{D1F4AA31-743F-4582-A04D-1D0E59595402}"/>
+              </a:ext>
+            </a:extLst>
+          </p:cNvPr>
+          <p:cNvCxnSpPr>
+            <a:cxnSpLocks/>
+          </p:cNvCxnSpPr>
           <p:nvPr/>
-        </p:nvSpPr>
-        <p:spPr>
-          <a:xfrm>
-            <a:off x="8150481" y="824401"/>
-            <a:ext cx="692162" cy="307777"/>
-          </a:xfrm>
-          <a:prstGeom prst="rect">
+        </p:nvCxnSpPr>
+        <p:spPr>
+          <a:xfrm flipH="1">
+            <a:off x="7958293" y="2224639"/>
+            <a:ext cx="480101" cy="384694"/>
+          </a:xfrm>
+          <a:prstGeom prst="straightConnector1">
             <a:avLst/>
           </a:prstGeom>
-          <a:noFill/>
-        </p:spPr>
-        <p:txBody>
-          <a:bodyPr wrap="square" rtlCol="0">
-            <a:spAutoFit/>
-          </a:bodyPr>
-          <a:lstStyle/>
-          <a:p>
-            <a:r>
-              <a:rPr lang="es-CO" sz="1400" dirty="0">
-                <a:solidFill>
-                  <a:srgbClr val="FF0000"/>
-                </a:solidFill>
-              </a:rPr>
-              <a:t>n</a:t>
-            </a:r>
-          </a:p>
-        </p:txBody>
-      </p:sp>
+          <a:ln w="57150">
+            <a:solidFill>
+              <a:srgbClr val="00B050"/>
+            </a:solidFill>
+            <a:tailEnd type="triangle"/>
+          </a:ln>
+        </p:spPr>
+        <p:style>
+          <a:lnRef idx="1">
+            <a:schemeClr val="accent1"/>
+          </a:lnRef>
+          <a:fillRef idx="0">
+            <a:schemeClr val="accent1"/>
+          </a:fillRef>
+          <a:effectRef idx="0">
+            <a:schemeClr val="accent1"/>
+          </a:effectRef>
+          <a:fontRef idx="minor">
+            <a:schemeClr val="tx1"/>
+          </a:fontRef>
+        </p:style>
+      </p:cxnSp>
+      <mc:AlternateContent xmlns:mc="http://schemas.openxmlformats.org/markup-compatibility/2006">
+        <mc:Choice xmlns:a14="http://schemas.microsoft.com/office/drawing/2010/main" Requires="a14">
+          <p:sp>
+            <p:nvSpPr>
+              <p:cNvPr id="111" name="CuadroTexto 22">
+                <a:extLst>
+                  <a:ext uri="{FF2B5EF4-FFF2-40B4-BE49-F238E27FC236}">
+                    <a16:creationId xmlns:a16="http://schemas.microsoft.com/office/drawing/2014/main" id="{11038FF5-FC56-4157-A60B-AC5E5F1E3C8B}"/>
+                  </a:ext>
+                </a:extLst>
+              </p:cNvPr>
+              <p:cNvSpPr txBox="1"/>
+              <p:nvPr/>
+            </p:nvSpPr>
+            <p:spPr>
+              <a:xfrm>
+                <a:off x="7689534" y="2510373"/>
+                <a:ext cx="699222" cy="369332"/>
+              </a:xfrm>
+              <a:prstGeom prst="rect">
+                <a:avLst/>
+              </a:prstGeom>
+              <a:noFill/>
+            </p:spPr>
+            <p:txBody>
+              <a:bodyPr wrap="square" rtlCol="0">
+                <a:spAutoFit/>
+              </a:bodyPr>
+              <a:lstStyle/>
+              <a:p>
+                <a14:m>
+                  <m:oMathPara xmlns:m="http://schemas.openxmlformats.org/officeDocument/2006/math">
+                    <m:oMathParaPr>
+                      <m:jc m:val="centerGroup"/>
+                    </m:oMathParaPr>
+                    <m:oMath xmlns:m="http://schemas.openxmlformats.org/officeDocument/2006/math">
+                      <m:r>
+                        <a:rPr lang="es-CO" b="0" i="1" smtClean="0">
+                          <a:solidFill>
+                            <a:srgbClr val="00B050"/>
+                          </a:solidFill>
+                          <a:latin typeface="Cambria Math" panose="02040503050406030204" pitchFamily="18" charset="0"/>
+                        </a:rPr>
+                        <m:t>𝑜</m:t>
+                      </m:r>
+                    </m:oMath>
+                  </m:oMathPara>
+                </a14:m>
+                <a:endParaRPr lang="es-CO" dirty="0">
+                  <a:solidFill>
+                    <a:srgbClr val="00B050"/>
+                  </a:solidFill>
+                </a:endParaRPr>
+              </a:p>
+            </p:txBody>
+          </p:sp>
+        </mc:Choice>
+        <mc:Fallback>
+          <p:sp>
+            <p:nvSpPr>
+              <p:cNvPr id="111" name="CuadroTexto 22">
+                <a:extLst>
+                  <a:ext uri="{FF2B5EF4-FFF2-40B4-BE49-F238E27FC236}">
+                    <a16:creationId xmlns:a16="http://schemas.microsoft.com/office/drawing/2014/main" id="{11038FF5-FC56-4157-A60B-AC5E5F1E3C8B}"/>
+                  </a:ext>
+                </a:extLst>
+              </p:cNvPr>
+              <p:cNvSpPr txBox="1">
+                <a:spLocks noRot="1" noChangeAspect="1" noMove="1" noResize="1" noEditPoints="1" noAdjustHandles="1" noChangeArrowheads="1" noChangeShapeType="1" noTextEdit="1"/>
+              </p:cNvSpPr>
+              <p:nvPr/>
+            </p:nvSpPr>
+            <p:spPr>
+              <a:xfrm>
+                <a:off x="7689534" y="2510373"/>
+                <a:ext cx="699222" cy="369332"/>
+              </a:xfrm>
+              <a:prstGeom prst="rect">
+                <a:avLst/>
+              </a:prstGeom>
+              <a:blipFill>
+                <a:blip r:embed="rId18"/>
+                <a:stretch>
+                  <a:fillRect/>
+                </a:stretch>
+              </a:blipFill>
+            </p:spPr>
+            <p:txBody>
+              <a:bodyPr/>
+              <a:lstStyle/>
+              <a:p>
+                <a:r>
+                  <a:rPr lang="en-US">
+                    <a:noFill/>
+                  </a:rPr>
+                  <a:t> </a:t>
+                </a:r>
+              </a:p>
+            </p:txBody>
+          </p:sp>
+        </mc:Fallback>
+      </mc:AlternateContent>
+      <p:cxnSp>
+        <p:nvCxnSpPr>
+          <p:cNvPr id="112" name="Conector recto de flecha 21">
+            <a:extLst>
+              <a:ext uri="{FF2B5EF4-FFF2-40B4-BE49-F238E27FC236}">
+                <a16:creationId xmlns:a16="http://schemas.microsoft.com/office/drawing/2014/main" id="{C5723831-A8B0-4AE2-9346-7091105B4567}"/>
+              </a:ext>
+            </a:extLst>
+          </p:cNvPr>
+          <p:cNvCxnSpPr>
+            <a:cxnSpLocks/>
+          </p:cNvCxnSpPr>
+          <p:nvPr/>
+        </p:nvCxnSpPr>
+        <p:spPr>
+          <a:xfrm flipV="1">
+            <a:off x="4838285" y="5856925"/>
+            <a:ext cx="661142" cy="481498"/>
+          </a:xfrm>
+          <a:prstGeom prst="straightConnector1">
+            <a:avLst/>
+          </a:prstGeom>
+          <a:ln w="57150">
+            <a:solidFill>
+              <a:srgbClr val="00B050"/>
+            </a:solidFill>
+            <a:tailEnd type="triangle"/>
+          </a:ln>
+        </p:spPr>
+        <p:style>
+          <a:lnRef idx="1">
+            <a:schemeClr val="accent1"/>
+          </a:lnRef>
+          <a:fillRef idx="0">
+            <a:schemeClr val="accent1"/>
+          </a:fillRef>
+          <a:effectRef idx="0">
+            <a:schemeClr val="accent1"/>
+          </a:effectRef>
+          <a:fontRef idx="minor">
+            <a:schemeClr val="tx1"/>
+          </a:fontRef>
+        </p:style>
+      </p:cxnSp>
+      <mc:AlternateContent xmlns:mc="http://schemas.openxmlformats.org/markup-compatibility/2006">
+        <mc:Choice xmlns:a14="http://schemas.microsoft.com/office/drawing/2010/main" Requires="a14">
+          <p:sp>
+            <p:nvSpPr>
+              <p:cNvPr id="116" name="CuadroTexto 22">
+                <a:extLst>
+                  <a:ext uri="{FF2B5EF4-FFF2-40B4-BE49-F238E27FC236}">
+                    <a16:creationId xmlns:a16="http://schemas.microsoft.com/office/drawing/2014/main" id="{7BF316F7-3744-48F0-9573-99A1556FA875}"/>
+                  </a:ext>
+                </a:extLst>
+              </p:cNvPr>
+              <p:cNvSpPr txBox="1"/>
+              <p:nvPr/>
+            </p:nvSpPr>
+            <p:spPr>
+              <a:xfrm>
+                <a:off x="5306956" y="5784425"/>
+                <a:ext cx="699222" cy="369332"/>
+              </a:xfrm>
+              <a:prstGeom prst="rect">
+                <a:avLst/>
+              </a:prstGeom>
+              <a:noFill/>
+            </p:spPr>
+            <p:txBody>
+              <a:bodyPr wrap="square" rtlCol="0">
+                <a:spAutoFit/>
+              </a:bodyPr>
+              <a:lstStyle/>
+              <a:p>
+                <a14:m>
+                  <m:oMathPara xmlns:m="http://schemas.openxmlformats.org/officeDocument/2006/math">
+                    <m:oMathParaPr>
+                      <m:jc m:val="centerGroup"/>
+                    </m:oMathParaPr>
+                    <m:oMath xmlns:m="http://schemas.openxmlformats.org/officeDocument/2006/math">
+                      <m:sSub>
+                        <m:sSubPr>
+                          <m:ctrlPr>
+                            <a:rPr lang="es-CO" b="0" i="1" smtClean="0">
+                              <a:solidFill>
+                                <a:srgbClr val="00B050"/>
+                              </a:solidFill>
+                              <a:latin typeface="Cambria Math" panose="02040503050406030204" pitchFamily="18" charset="0"/>
+                            </a:rPr>
+                          </m:ctrlPr>
+                        </m:sSubPr>
+                        <m:e>
+                          <m:r>
+                            <a:rPr lang="es-CO" b="0" i="1" smtClean="0">
+                              <a:solidFill>
+                                <a:srgbClr val="00B050"/>
+                              </a:solidFill>
+                              <a:latin typeface="Cambria Math" panose="02040503050406030204" pitchFamily="18" charset="0"/>
+                            </a:rPr>
+                            <m:t>𝑌</m:t>
+                          </m:r>
+                        </m:e>
+                        <m:sub>
+                          <m:r>
+                            <a:rPr lang="es-CO" b="0" i="1" smtClean="0">
+                              <a:solidFill>
+                                <a:srgbClr val="00B050"/>
+                              </a:solidFill>
+                              <a:latin typeface="Cambria Math" panose="02040503050406030204" pitchFamily="18" charset="0"/>
+                            </a:rPr>
+                            <m:t>0</m:t>
+                          </m:r>
+                        </m:sub>
+                      </m:sSub>
+                    </m:oMath>
+                  </m:oMathPara>
+                </a14:m>
+                <a:endParaRPr lang="es-CO" dirty="0">
+                  <a:solidFill>
+                    <a:srgbClr val="00B050"/>
+                  </a:solidFill>
+                </a:endParaRPr>
+              </a:p>
+            </p:txBody>
+          </p:sp>
+        </mc:Choice>
+        <mc:Fallback>
+          <p:sp>
+            <p:nvSpPr>
+              <p:cNvPr id="116" name="CuadroTexto 22">
+                <a:extLst>
+                  <a:ext uri="{FF2B5EF4-FFF2-40B4-BE49-F238E27FC236}">
+                    <a16:creationId xmlns:a16="http://schemas.microsoft.com/office/drawing/2014/main" id="{7BF316F7-3744-48F0-9573-99A1556FA875}"/>
+                  </a:ext>
+                </a:extLst>
+              </p:cNvPr>
+              <p:cNvSpPr txBox="1">
+                <a:spLocks noRot="1" noChangeAspect="1" noMove="1" noResize="1" noEditPoints="1" noAdjustHandles="1" noChangeArrowheads="1" noChangeShapeType="1" noTextEdit="1"/>
+              </p:cNvSpPr>
+              <p:nvPr/>
+            </p:nvSpPr>
+            <p:spPr>
+              <a:xfrm>
+                <a:off x="5306956" y="5784425"/>
+                <a:ext cx="699222" cy="369332"/>
+              </a:xfrm>
+              <a:prstGeom prst="rect">
+                <a:avLst/>
+              </a:prstGeom>
+              <a:blipFill>
+                <a:blip r:embed="rId19"/>
+                <a:stretch>
+                  <a:fillRect/>
+                </a:stretch>
+              </a:blipFill>
+            </p:spPr>
+            <p:txBody>
+              <a:bodyPr/>
+              <a:lstStyle/>
+              <a:p>
+                <a:r>
+                  <a:rPr lang="en-US">
+                    <a:noFill/>
+                  </a:rPr>
+                  <a:t> </a:t>
+                </a:r>
+              </a:p>
+            </p:txBody>
+          </p:sp>
+        </mc:Fallback>
+      </mc:AlternateContent>
     </p:spTree>
     <p:extLst>
       <p:ext uri="{BB962C8B-B14F-4D97-AF65-F5344CB8AC3E}">
@@ -12831,10 +14640,10 @@
       </p:grpSpPr>
       <p:pic>
         <p:nvPicPr>
-          <p:cNvPr id="3" name="Imagen 2">
-            <a:extLst>
-              <a:ext uri="{FF2B5EF4-FFF2-40B4-BE49-F238E27FC236}">
-                <a16:creationId xmlns:a16="http://schemas.microsoft.com/office/drawing/2014/main" id="{C3397FB6-8836-4383-9872-116D04023F93}"/>
+          <p:cNvPr id="7" name="Imagen 6">
+            <a:extLst>
+              <a:ext uri="{FF2B5EF4-FFF2-40B4-BE49-F238E27FC236}">
+                <a16:creationId xmlns:a16="http://schemas.microsoft.com/office/drawing/2014/main" id="{A3A445F1-4C44-4685-99FC-5E294B8EC06B}"/>
               </a:ext>
             </a:extLst>
           </p:cNvPr>
@@ -12851,151 +14660,20 @@
         </p:blipFill>
         <p:spPr>
           <a:xfrm>
-            <a:off x="122766" y="1198787"/>
-            <a:ext cx="5874255" cy="4599761"/>
+            <a:off x="6018668" y="1342561"/>
+            <a:ext cx="5979434" cy="4503989"/>
           </a:xfrm>
           <a:prstGeom prst="rect">
             <a:avLst/>
           </a:prstGeom>
         </p:spPr>
       </p:pic>
-      <p:cxnSp>
-        <p:nvCxnSpPr>
-          <p:cNvPr id="9" name="Conector recto 8">
-            <a:extLst>
-              <a:ext uri="{FF2B5EF4-FFF2-40B4-BE49-F238E27FC236}">
-                <a16:creationId xmlns:a16="http://schemas.microsoft.com/office/drawing/2014/main" id="{3B8331A1-8D1B-4021-B40C-402AB43260E4}"/>
-              </a:ext>
-            </a:extLst>
-          </p:cNvPr>
-          <p:cNvCxnSpPr>
-            <a:cxnSpLocks/>
-          </p:cNvCxnSpPr>
-          <p:nvPr/>
-        </p:nvCxnSpPr>
-        <p:spPr>
-          <a:xfrm>
-            <a:off x="1739916" y="4111803"/>
-            <a:ext cx="0" cy="838537"/>
-          </a:xfrm>
-          <a:prstGeom prst="line">
-            <a:avLst/>
-          </a:prstGeom>
-          <a:ln w="19050">
-            <a:solidFill>
-              <a:srgbClr val="FF0000"/>
-            </a:solidFill>
-          </a:ln>
-        </p:spPr>
-        <p:style>
-          <a:lnRef idx="1">
-            <a:schemeClr val="accent1"/>
-          </a:lnRef>
-          <a:fillRef idx="0">
-            <a:schemeClr val="accent1"/>
-          </a:fillRef>
-          <a:effectRef idx="0">
-            <a:schemeClr val="accent1"/>
-          </a:effectRef>
-          <a:fontRef idx="minor">
-            <a:schemeClr val="tx1"/>
-          </a:fontRef>
-        </p:style>
-      </p:cxnSp>
-      <p:cxnSp>
-        <p:nvCxnSpPr>
-          <p:cNvPr id="10" name="Conector recto 9">
-            <a:extLst>
-              <a:ext uri="{FF2B5EF4-FFF2-40B4-BE49-F238E27FC236}">
-                <a16:creationId xmlns:a16="http://schemas.microsoft.com/office/drawing/2014/main" id="{383D987C-B81A-4B20-8C6B-7892D12BC29E}"/>
-              </a:ext>
-            </a:extLst>
-          </p:cNvPr>
-          <p:cNvCxnSpPr>
-            <a:cxnSpLocks/>
-          </p:cNvCxnSpPr>
-          <p:nvPr/>
-        </p:nvCxnSpPr>
-        <p:spPr>
-          <a:xfrm>
-            <a:off x="4016356" y="4050843"/>
-            <a:ext cx="0" cy="838537"/>
-          </a:xfrm>
-          <a:prstGeom prst="line">
-            <a:avLst/>
-          </a:prstGeom>
-          <a:ln w="19050">
-            <a:solidFill>
-              <a:srgbClr val="FF0000"/>
-            </a:solidFill>
-          </a:ln>
-        </p:spPr>
-        <p:style>
-          <a:lnRef idx="1">
-            <a:schemeClr val="accent1"/>
-          </a:lnRef>
-          <a:fillRef idx="0">
-            <a:schemeClr val="accent1"/>
-          </a:fillRef>
-          <a:effectRef idx="0">
-            <a:schemeClr val="accent1"/>
-          </a:effectRef>
-          <a:fontRef idx="minor">
-            <a:schemeClr val="tx1"/>
-          </a:fontRef>
-        </p:style>
-      </p:cxnSp>
-      <p:cxnSp>
-        <p:nvCxnSpPr>
-          <p:cNvPr id="14" name="Conector recto de flecha 13">
-            <a:extLst>
-              <a:ext uri="{FF2B5EF4-FFF2-40B4-BE49-F238E27FC236}">
-                <a16:creationId xmlns:a16="http://schemas.microsoft.com/office/drawing/2014/main" id="{73F58D76-A862-4943-A97F-0C2BD8D0BEBB}"/>
-              </a:ext>
-            </a:extLst>
-          </p:cNvPr>
-          <p:cNvCxnSpPr>
-            <a:cxnSpLocks/>
-          </p:cNvCxnSpPr>
-          <p:nvPr/>
-        </p:nvCxnSpPr>
-        <p:spPr>
-          <a:xfrm>
-            <a:off x="1739916" y="4727082"/>
-            <a:ext cx="2276440" cy="0"/>
-          </a:xfrm>
-          <a:prstGeom prst="straightConnector1">
-            <a:avLst/>
-          </a:prstGeom>
-          <a:ln w="19050">
-            <a:solidFill>
-              <a:srgbClr val="FF0000"/>
-            </a:solidFill>
-            <a:headEnd type="triangle"/>
-            <a:tailEnd type="triangle"/>
-          </a:ln>
-        </p:spPr>
-        <p:style>
-          <a:lnRef idx="1">
-            <a:schemeClr val="accent1"/>
-          </a:lnRef>
-          <a:fillRef idx="0">
-            <a:schemeClr val="accent1"/>
-          </a:fillRef>
-          <a:effectRef idx="0">
-            <a:schemeClr val="accent1"/>
-          </a:effectRef>
-          <a:fontRef idx="minor">
-            <a:schemeClr val="tx1"/>
-          </a:fontRef>
-        </p:style>
-      </p:cxnSp>
       <p:pic>
         <p:nvPicPr>
-          <p:cNvPr id="16" name="Imagen 15">
-            <a:extLst>
-              <a:ext uri="{FF2B5EF4-FFF2-40B4-BE49-F238E27FC236}">
-                <a16:creationId xmlns:a16="http://schemas.microsoft.com/office/drawing/2014/main" id="{E99D6CB9-B147-40D6-B3B2-3103049E6236}"/>
+          <p:cNvPr id="4" name="Imagen 3">
+            <a:extLst>
+              <a:ext uri="{FF2B5EF4-FFF2-40B4-BE49-F238E27FC236}">
+                <a16:creationId xmlns:a16="http://schemas.microsoft.com/office/drawing/2014/main" id="{C2FBD337-7F0B-47F6-B29F-4EB51A1A0C93}"/>
               </a:ext>
             </a:extLst>
           </p:cNvPr>
@@ -13012,122 +14690,20 @@
         </p:blipFill>
         <p:spPr>
           <a:xfrm>
-            <a:off x="6105525" y="1205319"/>
-            <a:ext cx="5895975" cy="4599761"/>
+            <a:off x="108072" y="1342562"/>
+            <a:ext cx="5687172" cy="4503988"/>
           </a:xfrm>
           <a:prstGeom prst="rect">
             <a:avLst/>
           </a:prstGeom>
         </p:spPr>
       </p:pic>
-      <mc:AlternateContent xmlns:mc="http://schemas.openxmlformats.org/markup-compatibility/2006">
-        <mc:Choice xmlns:a14="http://schemas.microsoft.com/office/drawing/2010/main" Requires="a14">
-          <p:sp>
-            <p:nvSpPr>
-              <p:cNvPr id="22" name="CuadroTexto 21">
-                <a:extLst>
-                  <a:ext uri="{FF2B5EF4-FFF2-40B4-BE49-F238E27FC236}">
-                    <a16:creationId xmlns:a16="http://schemas.microsoft.com/office/drawing/2014/main" id="{A91AFB1F-D038-48E9-90A4-652436932DAA}"/>
-                  </a:ext>
-                </a:extLst>
-              </p:cNvPr>
-              <p:cNvSpPr txBox="1"/>
-              <p:nvPr/>
-            </p:nvSpPr>
-            <p:spPr>
-              <a:xfrm>
-                <a:off x="2507040" y="4733333"/>
-                <a:ext cx="645459" cy="246221"/>
-              </a:xfrm>
-              <a:prstGeom prst="rect">
-                <a:avLst/>
-              </a:prstGeom>
-              <a:noFill/>
-            </p:spPr>
-            <p:txBody>
-              <a:bodyPr wrap="square" lIns="0" tIns="0" rIns="0" bIns="0" rtlCol="0">
-                <a:spAutoFit/>
-              </a:bodyPr>
-              <a:lstStyle/>
-              <a:p>
-                <a14:m>
-                  <m:oMathPara xmlns:m="http://schemas.openxmlformats.org/officeDocument/2006/math">
-                    <m:oMathParaPr>
-                      <m:jc m:val="centerGroup"/>
-                    </m:oMathParaPr>
-                    <m:oMath xmlns:m="http://schemas.openxmlformats.org/officeDocument/2006/math">
-                      <m:r>
-                        <a:rPr lang="es-CO" sz="1600" b="0" i="1" smtClean="0">
-                          <a:solidFill>
-                            <a:srgbClr val="FF0000"/>
-                          </a:solidFill>
-                          <a:latin typeface="Cambria Math" panose="02040503050406030204" pitchFamily="18" charset="0"/>
-                        </a:rPr>
-                        <m:t>403,533</m:t>
-                      </m:r>
-                    </m:oMath>
-                  </m:oMathPara>
-                </a14:m>
-                <a:endParaRPr lang="en-US" sz="1600" dirty="0">
-                  <a:solidFill>
-                    <a:srgbClr val="FF0000"/>
-                  </a:solidFill>
-                </a:endParaRPr>
-              </a:p>
-            </p:txBody>
-          </p:sp>
-        </mc:Choice>
-        <mc:Fallback>
-          <p:sp>
-            <p:nvSpPr>
-              <p:cNvPr id="22" name="CuadroTexto 21">
-                <a:extLst>
-                  <a:ext uri="{FF2B5EF4-FFF2-40B4-BE49-F238E27FC236}">
-                    <a16:creationId xmlns:a16="http://schemas.microsoft.com/office/drawing/2014/main" id="{A91AFB1F-D038-48E9-90A4-652436932DAA}"/>
-                  </a:ext>
-                </a:extLst>
-              </p:cNvPr>
-              <p:cNvSpPr txBox="1">
-                <a:spLocks noRot="1" noChangeAspect="1" noMove="1" noResize="1" noEditPoints="1" noAdjustHandles="1" noChangeArrowheads="1" noChangeShapeType="1" noTextEdit="1"/>
-              </p:cNvSpPr>
-              <p:nvPr/>
-            </p:nvSpPr>
-            <p:spPr>
-              <a:xfrm>
-                <a:off x="2507040" y="4733333"/>
-                <a:ext cx="645459" cy="246221"/>
-              </a:xfrm>
-              <a:prstGeom prst="rect">
-                <a:avLst/>
-              </a:prstGeom>
-              <a:blipFill>
-                <a:blip r:embed="rId5"/>
-                <a:stretch>
-                  <a:fillRect l="-10377" r="-21698" b="-4878"/>
-                </a:stretch>
-              </a:blipFill>
-            </p:spPr>
-            <p:txBody>
-              <a:bodyPr/>
-              <a:lstStyle/>
-              <a:p>
-                <a:r>
-                  <a:rPr lang="en-US">
-                    <a:noFill/>
-                  </a:rPr>
-                  <a:t> </a:t>
-                </a:r>
-              </a:p>
-            </p:txBody>
-          </p:sp>
-        </mc:Fallback>
-      </mc:AlternateContent>
       <p:cxnSp>
         <p:nvCxnSpPr>
-          <p:cNvPr id="23" name="Conector recto 22">
-            <a:extLst>
-              <a:ext uri="{FF2B5EF4-FFF2-40B4-BE49-F238E27FC236}">
-                <a16:creationId xmlns:a16="http://schemas.microsoft.com/office/drawing/2014/main" id="{7DCD31B5-B91D-48D0-A805-4936010FE0FD}"/>
+          <p:cNvPr id="9" name="Conector recto 8">
+            <a:extLst>
+              <a:ext uri="{FF2B5EF4-FFF2-40B4-BE49-F238E27FC236}">
+                <a16:creationId xmlns:a16="http://schemas.microsoft.com/office/drawing/2014/main" id="{3B8331A1-8D1B-4021-B40C-402AB43260E4}"/>
               </a:ext>
             </a:extLst>
           </p:cNvPr>
@@ -13138,8 +14714,179 @@
         </p:nvCxnSpPr>
         <p:spPr>
           <a:xfrm>
-            <a:off x="8519538" y="3443585"/>
-            <a:ext cx="0" cy="739653"/>
+            <a:off x="2549814" y="4182103"/>
+            <a:ext cx="0" cy="610794"/>
+          </a:xfrm>
+          <a:prstGeom prst="line">
+            <a:avLst/>
+          </a:prstGeom>
+          <a:ln w="19050">
+            <a:solidFill>
+              <a:srgbClr val="FF0000"/>
+            </a:solidFill>
+          </a:ln>
+        </p:spPr>
+        <p:style>
+          <a:lnRef idx="1">
+            <a:schemeClr val="accent1"/>
+          </a:lnRef>
+          <a:fillRef idx="0">
+            <a:schemeClr val="accent1"/>
+          </a:fillRef>
+          <a:effectRef idx="0">
+            <a:schemeClr val="accent1"/>
+          </a:effectRef>
+          <a:fontRef idx="minor">
+            <a:schemeClr val="tx1"/>
+          </a:fontRef>
+        </p:style>
+      </p:cxnSp>
+      <p:cxnSp>
+        <p:nvCxnSpPr>
+          <p:cNvPr id="10" name="Conector recto 9">
+            <a:extLst>
+              <a:ext uri="{FF2B5EF4-FFF2-40B4-BE49-F238E27FC236}">
+                <a16:creationId xmlns:a16="http://schemas.microsoft.com/office/drawing/2014/main" id="{383D987C-B81A-4B20-8C6B-7892D12BC29E}"/>
+              </a:ext>
+            </a:extLst>
+          </p:cNvPr>
+          <p:cNvCxnSpPr>
+            <a:cxnSpLocks/>
+          </p:cNvCxnSpPr>
+          <p:nvPr/>
+        </p:nvCxnSpPr>
+        <p:spPr>
+          <a:xfrm>
+            <a:off x="4266684" y="4091929"/>
+            <a:ext cx="0" cy="700968"/>
+          </a:xfrm>
+          <a:prstGeom prst="line">
+            <a:avLst/>
+          </a:prstGeom>
+          <a:ln w="19050">
+            <a:solidFill>
+              <a:srgbClr val="FF0000"/>
+            </a:solidFill>
+          </a:ln>
+        </p:spPr>
+        <p:style>
+          <a:lnRef idx="1">
+            <a:schemeClr val="accent1"/>
+          </a:lnRef>
+          <a:fillRef idx="0">
+            <a:schemeClr val="accent1"/>
+          </a:fillRef>
+          <a:effectRef idx="0">
+            <a:schemeClr val="accent1"/>
+          </a:effectRef>
+          <a:fontRef idx="minor">
+            <a:schemeClr val="tx1"/>
+          </a:fontRef>
+        </p:style>
+      </p:cxnSp>
+      <p:cxnSp>
+        <p:nvCxnSpPr>
+          <p:cNvPr id="14" name="Conector recto de flecha 13">
+            <a:extLst>
+              <a:ext uri="{FF2B5EF4-FFF2-40B4-BE49-F238E27FC236}">
+                <a16:creationId xmlns:a16="http://schemas.microsoft.com/office/drawing/2014/main" id="{73F58D76-A862-4943-A97F-0C2BD8D0BEBB}"/>
+              </a:ext>
+            </a:extLst>
+          </p:cNvPr>
+          <p:cNvCxnSpPr>
+            <a:cxnSpLocks/>
+          </p:cNvCxnSpPr>
+          <p:nvPr/>
+        </p:nvCxnSpPr>
+        <p:spPr>
+          <a:xfrm>
+            <a:off x="2549814" y="4651868"/>
+            <a:ext cx="1716870" cy="0"/>
+          </a:xfrm>
+          <a:prstGeom prst="straightConnector1">
+            <a:avLst/>
+          </a:prstGeom>
+          <a:ln w="19050">
+            <a:solidFill>
+              <a:srgbClr val="FF0000"/>
+            </a:solidFill>
+            <a:headEnd type="triangle"/>
+            <a:tailEnd type="triangle"/>
+          </a:ln>
+        </p:spPr>
+        <p:style>
+          <a:lnRef idx="1">
+            <a:schemeClr val="accent1"/>
+          </a:lnRef>
+          <a:fillRef idx="0">
+            <a:schemeClr val="accent1"/>
+          </a:fillRef>
+          <a:effectRef idx="0">
+            <a:schemeClr val="accent1"/>
+          </a:effectRef>
+          <a:fontRef idx="minor">
+            <a:schemeClr val="tx1"/>
+          </a:fontRef>
+        </p:style>
+      </p:cxnSp>
+      <p:sp>
+        <p:nvSpPr>
+          <p:cNvPr id="22" name="CuadroTexto 21">
+            <a:extLst>
+              <a:ext uri="{FF2B5EF4-FFF2-40B4-BE49-F238E27FC236}">
+                <a16:creationId xmlns:a16="http://schemas.microsoft.com/office/drawing/2014/main" id="{A91AFB1F-D038-48E9-90A4-652436932DAA}"/>
+              </a:ext>
+            </a:extLst>
+          </p:cNvPr>
+          <p:cNvSpPr txBox="1"/>
+          <p:nvPr/>
+        </p:nvSpPr>
+        <p:spPr>
+          <a:xfrm>
+            <a:off x="3080353" y="4669787"/>
+            <a:ext cx="645459" cy="246221"/>
+          </a:xfrm>
+          <a:prstGeom prst="rect">
+            <a:avLst/>
+          </a:prstGeom>
+          <a:noFill/>
+        </p:spPr>
+        <p:txBody>
+          <a:bodyPr wrap="square" lIns="0" tIns="0" rIns="0" bIns="0" rtlCol="0">
+            <a:spAutoFit/>
+          </a:bodyPr>
+          <a:lstStyle/>
+          <a:p>
+            <a:pPr algn="ctr"/>
+            <a:r>
+              <a:rPr lang="en-US" sz="1600" dirty="0">
+                <a:solidFill>
+                  <a:srgbClr val="FF0000"/>
+                </a:solidFill>
+              </a:rPr>
+              <a:t>-300</a:t>
+            </a:r>
+          </a:p>
+        </p:txBody>
+      </p:sp>
+      <p:cxnSp>
+        <p:nvCxnSpPr>
+          <p:cNvPr id="23" name="Conector recto 22">
+            <a:extLst>
+              <a:ext uri="{FF2B5EF4-FFF2-40B4-BE49-F238E27FC236}">
+                <a16:creationId xmlns:a16="http://schemas.microsoft.com/office/drawing/2014/main" id="{7DCD31B5-B91D-48D0-A805-4936010FE0FD}"/>
+              </a:ext>
+            </a:extLst>
+          </p:cNvPr>
+          <p:cNvCxnSpPr>
+            <a:cxnSpLocks/>
+          </p:cNvCxnSpPr>
+          <p:nvPr/>
+        </p:nvCxnSpPr>
+        <p:spPr>
+          <a:xfrm flipH="1">
+            <a:off x="8857614" y="3824051"/>
+            <a:ext cx="11282" cy="687146"/>
           </a:xfrm>
           <a:prstGeom prst="line">
             <a:avLst/>
@@ -13181,8 +14928,8 @@
         </p:nvCxnSpPr>
         <p:spPr>
           <a:xfrm>
-            <a:off x="9724826" y="3379538"/>
-            <a:ext cx="0" cy="803700"/>
+            <a:off x="10388691" y="3778964"/>
+            <a:ext cx="0" cy="732233"/>
           </a:xfrm>
           <a:prstGeom prst="line">
             <a:avLst/>
@@ -13223,9 +14970,9 @@
           <p:nvPr/>
         </p:nvCxnSpPr>
         <p:spPr>
-          <a:xfrm flipV="1">
-            <a:off x="8519538" y="4064486"/>
-            <a:ext cx="1196578" cy="6251"/>
+          <a:xfrm>
+            <a:off x="8857614" y="4262226"/>
+            <a:ext cx="1531077" cy="0"/>
           </a:xfrm>
           <a:prstGeom prst="straightConnector1">
             <a:avLst/>
@@ -13253,8 +15000,8 @@
           </a:fontRef>
         </p:style>
       </p:cxnSp>
-      <mc:AlternateContent xmlns:mc="http://schemas.openxmlformats.org/markup-compatibility/2006">
-        <mc:Choice xmlns:a14="http://schemas.microsoft.com/office/drawing/2010/main" Requires="a14">
+      <mc:AlternateContent xmlns:mc="http://schemas.openxmlformats.org/markup-compatibility/2006" xmlns:a14="http://schemas.microsoft.com/office/drawing/2010/main">
+        <mc:Choice Requires="a14">
           <p:sp>
             <p:nvSpPr>
               <p:cNvPr id="26" name="CuadroTexto 25">
@@ -13269,7 +15016,7 @@
             </p:nvSpPr>
             <p:spPr>
               <a:xfrm>
-                <a:off x="8774915" y="4094964"/>
+                <a:off x="9323861" y="4317483"/>
                 <a:ext cx="841406" cy="246221"/>
               </a:xfrm>
               <a:prstGeom prst="rect">
@@ -13283,255 +15030,7 @@
               </a:bodyPr>
               <a:lstStyle/>
               <a:p>
-                <a14:m>
-                  <m:oMath xmlns:m="http://schemas.openxmlformats.org/officeDocument/2006/math">
-                    <m:r>
-                      <a:rPr lang="es-CO" sz="1600" i="1" smtClean="0">
-                        <a:solidFill>
-                          <a:srgbClr val="FF0000"/>
-                        </a:solidFill>
-                        <a:latin typeface="Cambria Math" panose="02040503050406030204" pitchFamily="18" charset="0"/>
-                      </a:rPr>
-                      <m:t>2</m:t>
-                    </m:r>
-                    <m:r>
-                      <a:rPr lang="es-CO" sz="1600" b="0" i="1" smtClean="0">
-                        <a:solidFill>
-                          <a:srgbClr val="FF0000"/>
-                        </a:solidFill>
-                        <a:latin typeface="Cambria Math" panose="02040503050406030204" pitchFamily="18" charset="0"/>
-                      </a:rPr>
-                      <m:t>44</m:t>
-                    </m:r>
-                    <m:r>
-                      <a:rPr lang="es-CO" sz="1600" b="0" i="1" smtClean="0">
-                        <a:solidFill>
-                          <a:srgbClr val="FF0000"/>
-                        </a:solidFill>
-                        <a:latin typeface="Cambria Math" panose="02040503050406030204" pitchFamily="18" charset="0"/>
-                      </a:rPr>
-                      <m:t>,</m:t>
-                    </m:r>
-                  </m:oMath>
-                </a14:m>
-                <a:r>
-                  <a:rPr lang="en-US" sz="1600" dirty="0">
-                    <a:solidFill>
-                      <a:srgbClr val="FF0000"/>
-                    </a:solidFill>
-                  </a:rPr>
-                  <a:t>747</a:t>
-                </a:r>
-              </a:p>
-            </p:txBody>
-          </p:sp>
-        </mc:Choice>
-        <mc:Fallback>
-          <p:sp>
-            <p:nvSpPr>
-              <p:cNvPr id="26" name="CuadroTexto 25">
-                <a:extLst>
-                  <a:ext uri="{FF2B5EF4-FFF2-40B4-BE49-F238E27FC236}">
-                    <a16:creationId xmlns:a16="http://schemas.microsoft.com/office/drawing/2014/main" id="{D0792722-7876-4922-853F-0ED511987FBC}"/>
-                  </a:ext>
-                </a:extLst>
-              </p:cNvPr>
-              <p:cNvSpPr txBox="1">
-                <a:spLocks noRot="1" noChangeAspect="1" noMove="1" noResize="1" noEditPoints="1" noAdjustHandles="1" noChangeArrowheads="1" noChangeShapeType="1" noTextEdit="1"/>
-              </p:cNvSpPr>
-              <p:nvPr/>
-            </p:nvSpPr>
-            <p:spPr>
-              <a:xfrm>
-                <a:off x="8774915" y="4094964"/>
-                <a:ext cx="841406" cy="246221"/>
-              </a:xfrm>
-              <a:prstGeom prst="rect">
-                <a:avLst/>
-              </a:prstGeom>
-              <a:blipFill>
-                <a:blip r:embed="rId6"/>
-                <a:stretch>
-                  <a:fillRect l="-7971" t="-27500" b="-50000"/>
-                </a:stretch>
-              </a:blipFill>
-            </p:spPr>
-            <p:txBody>
-              <a:bodyPr/>
-              <a:lstStyle/>
-              <a:p>
-                <a:r>
-                  <a:rPr lang="en-US">
-                    <a:noFill/>
-                  </a:rPr>
-                  <a:t> </a:t>
-                </a:r>
-              </a:p>
-            </p:txBody>
-          </p:sp>
-        </mc:Fallback>
-      </mc:AlternateContent>
-      <p:cxnSp>
-        <p:nvCxnSpPr>
-          <p:cNvPr id="29" name="Conector recto 28">
-            <a:extLst>
-              <a:ext uri="{FF2B5EF4-FFF2-40B4-BE49-F238E27FC236}">
-                <a16:creationId xmlns:a16="http://schemas.microsoft.com/office/drawing/2014/main" id="{463C35AF-54DC-47CB-B630-C0C6A438E211}"/>
-              </a:ext>
-            </a:extLst>
-          </p:cNvPr>
-          <p:cNvCxnSpPr>
-            <a:cxnSpLocks/>
-          </p:cNvCxnSpPr>
-          <p:nvPr/>
-        </p:nvCxnSpPr>
-        <p:spPr>
-          <a:xfrm flipH="1">
-            <a:off x="9823275" y="5315111"/>
-            <a:ext cx="409296" cy="0"/>
-          </a:xfrm>
-          <a:prstGeom prst="line">
-            <a:avLst/>
-          </a:prstGeom>
-          <a:ln w="19050">
-            <a:solidFill>
-              <a:srgbClr val="FF0000"/>
-            </a:solidFill>
-          </a:ln>
-        </p:spPr>
-        <p:style>
-          <a:lnRef idx="1">
-            <a:schemeClr val="accent1"/>
-          </a:lnRef>
-          <a:fillRef idx="0">
-            <a:schemeClr val="accent1"/>
-          </a:fillRef>
-          <a:effectRef idx="0">
-            <a:schemeClr val="accent1"/>
-          </a:effectRef>
-          <a:fontRef idx="minor">
-            <a:schemeClr val="tx1"/>
-          </a:fontRef>
-        </p:style>
-      </p:cxnSp>
-      <p:cxnSp>
-        <p:nvCxnSpPr>
-          <p:cNvPr id="30" name="Conector recto 29">
-            <a:extLst>
-              <a:ext uri="{FF2B5EF4-FFF2-40B4-BE49-F238E27FC236}">
-                <a16:creationId xmlns:a16="http://schemas.microsoft.com/office/drawing/2014/main" id="{4C9C2F93-86F9-4A15-BB82-F766984A4D5D}"/>
-              </a:ext>
-            </a:extLst>
-          </p:cNvPr>
-          <p:cNvCxnSpPr>
-            <a:cxnSpLocks/>
-          </p:cNvCxnSpPr>
-          <p:nvPr/>
-        </p:nvCxnSpPr>
-        <p:spPr>
-          <a:xfrm>
-            <a:off x="9724826" y="3379538"/>
-            <a:ext cx="446655" cy="0"/>
-          </a:xfrm>
-          <a:prstGeom prst="line">
-            <a:avLst/>
-          </a:prstGeom>
-          <a:ln w="19050">
-            <a:solidFill>
-              <a:srgbClr val="FF0000"/>
-            </a:solidFill>
-          </a:ln>
-        </p:spPr>
-        <p:style>
-          <a:lnRef idx="1">
-            <a:schemeClr val="accent1"/>
-          </a:lnRef>
-          <a:fillRef idx="0">
-            <a:schemeClr val="accent1"/>
-          </a:fillRef>
-          <a:effectRef idx="0">
-            <a:schemeClr val="accent1"/>
-          </a:effectRef>
-          <a:fontRef idx="minor">
-            <a:schemeClr val="tx1"/>
-          </a:fontRef>
-        </p:style>
-      </p:cxnSp>
-      <p:cxnSp>
-        <p:nvCxnSpPr>
-          <p:cNvPr id="31" name="Conector recto de flecha 30">
-            <a:extLst>
-              <a:ext uri="{FF2B5EF4-FFF2-40B4-BE49-F238E27FC236}">
-                <a16:creationId xmlns:a16="http://schemas.microsoft.com/office/drawing/2014/main" id="{29AF552B-E219-4304-BFE2-800C3942ECE5}"/>
-              </a:ext>
-            </a:extLst>
-          </p:cNvPr>
-          <p:cNvCxnSpPr>
-            <a:cxnSpLocks/>
-          </p:cNvCxnSpPr>
-          <p:nvPr/>
-        </p:nvCxnSpPr>
-        <p:spPr>
-          <a:xfrm flipV="1">
-            <a:off x="10058400" y="3379539"/>
-            <a:ext cx="0" cy="1935572"/>
-          </a:xfrm>
-          <a:prstGeom prst="straightConnector1">
-            <a:avLst/>
-          </a:prstGeom>
-          <a:ln w="19050">
-            <a:solidFill>
-              <a:srgbClr val="FF0000"/>
-            </a:solidFill>
-            <a:headEnd type="triangle"/>
-            <a:tailEnd type="triangle"/>
-          </a:ln>
-        </p:spPr>
-        <p:style>
-          <a:lnRef idx="1">
-            <a:schemeClr val="accent1"/>
-          </a:lnRef>
-          <a:fillRef idx="0">
-            <a:schemeClr val="accent1"/>
-          </a:fillRef>
-          <a:effectRef idx="0">
-            <a:schemeClr val="accent1"/>
-          </a:effectRef>
-          <a:fontRef idx="minor">
-            <a:schemeClr val="tx1"/>
-          </a:fontRef>
-        </p:style>
-      </p:cxnSp>
-      <mc:AlternateContent xmlns:mc="http://schemas.openxmlformats.org/markup-compatibility/2006">
-        <mc:Choice xmlns:a14="http://schemas.microsoft.com/office/drawing/2010/main" Requires="a14">
-          <p:sp>
-            <p:nvSpPr>
-              <p:cNvPr id="32" name="CuadroTexto 31">
-                <a:extLst>
-                  <a:ext uri="{FF2B5EF4-FFF2-40B4-BE49-F238E27FC236}">
-                    <a16:creationId xmlns:a16="http://schemas.microsoft.com/office/drawing/2014/main" id="{96BB7A1B-6B20-4227-96BE-2D96634D4503}"/>
-                  </a:ext>
-                </a:extLst>
-              </p:cNvPr>
-              <p:cNvSpPr txBox="1"/>
-              <p:nvPr/>
-            </p:nvSpPr>
-            <p:spPr>
-              <a:xfrm rot="16200000">
-                <a:off x="9848752" y="4270356"/>
-                <a:ext cx="645459" cy="246221"/>
-              </a:xfrm>
-              <a:prstGeom prst="rect">
-                <a:avLst/>
-              </a:prstGeom>
-              <a:noFill/>
-            </p:spPr>
-            <p:txBody>
-              <a:bodyPr wrap="square" lIns="0" tIns="0" rIns="0" bIns="0" rtlCol="0">
-                <a:spAutoFit/>
-              </a:bodyPr>
-              <a:lstStyle/>
-              <a:p>
+                <a:pPr/>
                 <a14:m>
                   <m:oMathPara xmlns:m="http://schemas.openxmlformats.org/officeDocument/2006/math">
                     <m:oMathParaPr>
@@ -13554,7 +15053,7 @@
                           </a:solidFill>
                           <a:latin typeface="Cambria Math" panose="02040503050406030204" pitchFamily="18" charset="0"/>
                         </a:rPr>
-                        <m:t>76,467</m:t>
+                        <m:t>00</m:t>
                       </m:r>
                     </m:oMath>
                   </m:oMathPara>
@@ -13568,13 +15067,13 @@
             </p:txBody>
           </p:sp>
         </mc:Choice>
-        <mc:Fallback>
+        <mc:Fallback xmlns="">
           <p:sp>
             <p:nvSpPr>
-              <p:cNvPr id="32" name="CuadroTexto 31">
+              <p:cNvPr id="26" name="CuadroTexto 25">
                 <a:extLst>
                   <a:ext uri="{FF2B5EF4-FFF2-40B4-BE49-F238E27FC236}">
-                    <a16:creationId xmlns:a16="http://schemas.microsoft.com/office/drawing/2014/main" id="{96BB7A1B-6B20-4227-96BE-2D96634D4503}"/>
+                    <a16:creationId xmlns:a16="http://schemas.microsoft.com/office/drawing/2014/main" id="{D0792722-7876-4922-853F-0ED511987FBC}"/>
                   </a:ext>
                 </a:extLst>
               </p:cNvPr>
@@ -13584,17 +15083,17 @@
               <p:nvPr/>
             </p:nvSpPr>
             <p:spPr>
-              <a:xfrm rot="16200000">
-                <a:off x="9848752" y="4270356"/>
-                <a:ext cx="645459" cy="246221"/>
+              <a:xfrm>
+                <a:off x="9323861" y="4317483"/>
+                <a:ext cx="841406" cy="246221"/>
               </a:xfrm>
               <a:prstGeom prst="rect">
                 <a:avLst/>
               </a:prstGeom>
               <a:blipFill>
-                <a:blip r:embed="rId7"/>
+                <a:blip r:embed="rId5"/>
                 <a:stretch>
-                  <a:fillRect t="-21698" r="-4878" b="-10377"/>
+                  <a:fillRect b="-4878"/>
                 </a:stretch>
               </a:blipFill>
             </p:spPr>
@@ -13613,6 +15112,337 @@
           </p:sp>
         </mc:Fallback>
       </mc:AlternateContent>
+      <p:cxnSp>
+        <p:nvCxnSpPr>
+          <p:cNvPr id="29" name="Conector recto 28">
+            <a:extLst>
+              <a:ext uri="{FF2B5EF4-FFF2-40B4-BE49-F238E27FC236}">
+                <a16:creationId xmlns:a16="http://schemas.microsoft.com/office/drawing/2014/main" id="{463C35AF-54DC-47CB-B630-C0C6A438E211}"/>
+              </a:ext>
+            </a:extLst>
+          </p:cNvPr>
+          <p:cNvCxnSpPr>
+            <a:cxnSpLocks/>
+          </p:cNvCxnSpPr>
+          <p:nvPr/>
+        </p:nvCxnSpPr>
+        <p:spPr>
+          <a:xfrm flipH="1">
+            <a:off x="7232148" y="3806633"/>
+            <a:ext cx="409296" cy="0"/>
+          </a:xfrm>
+          <a:prstGeom prst="line">
+            <a:avLst/>
+          </a:prstGeom>
+          <a:ln w="19050">
+            <a:solidFill>
+              <a:srgbClr val="FF0000"/>
+            </a:solidFill>
+          </a:ln>
+        </p:spPr>
+        <p:style>
+          <a:lnRef idx="1">
+            <a:schemeClr val="accent1"/>
+          </a:lnRef>
+          <a:fillRef idx="0">
+            <a:schemeClr val="accent1"/>
+          </a:fillRef>
+          <a:effectRef idx="0">
+            <a:schemeClr val="accent1"/>
+          </a:effectRef>
+          <a:fontRef idx="minor">
+            <a:schemeClr val="tx1"/>
+          </a:fontRef>
+        </p:style>
+      </p:cxnSp>
+      <p:cxnSp>
+        <p:nvCxnSpPr>
+          <p:cNvPr id="30" name="Conector recto 29">
+            <a:extLst>
+              <a:ext uri="{FF2B5EF4-FFF2-40B4-BE49-F238E27FC236}">
+                <a16:creationId xmlns:a16="http://schemas.microsoft.com/office/drawing/2014/main" id="{4C9C2F93-86F9-4A15-BB82-F766984A4D5D}"/>
+              </a:ext>
+            </a:extLst>
+          </p:cNvPr>
+          <p:cNvCxnSpPr>
+            <a:cxnSpLocks/>
+          </p:cNvCxnSpPr>
+          <p:nvPr/>
+        </p:nvCxnSpPr>
+        <p:spPr>
+          <a:xfrm>
+            <a:off x="7233978" y="5329646"/>
+            <a:ext cx="446655" cy="0"/>
+          </a:xfrm>
+          <a:prstGeom prst="line">
+            <a:avLst/>
+          </a:prstGeom>
+          <a:ln w="19050">
+            <a:solidFill>
+              <a:srgbClr val="FF0000"/>
+            </a:solidFill>
+          </a:ln>
+        </p:spPr>
+        <p:style>
+          <a:lnRef idx="1">
+            <a:schemeClr val="accent1"/>
+          </a:lnRef>
+          <a:fillRef idx="0">
+            <a:schemeClr val="accent1"/>
+          </a:fillRef>
+          <a:effectRef idx="0">
+            <a:schemeClr val="accent1"/>
+          </a:effectRef>
+          <a:fontRef idx="minor">
+            <a:schemeClr val="tx1"/>
+          </a:fontRef>
+        </p:style>
+      </p:cxnSp>
+      <p:cxnSp>
+        <p:nvCxnSpPr>
+          <p:cNvPr id="31" name="Conector recto de flecha 30">
+            <a:extLst>
+              <a:ext uri="{FF2B5EF4-FFF2-40B4-BE49-F238E27FC236}">
+                <a16:creationId xmlns:a16="http://schemas.microsoft.com/office/drawing/2014/main" id="{29AF552B-E219-4304-BFE2-800C3942ECE5}"/>
+              </a:ext>
+            </a:extLst>
+          </p:cNvPr>
+          <p:cNvCxnSpPr>
+            <a:cxnSpLocks/>
+          </p:cNvCxnSpPr>
+          <p:nvPr/>
+        </p:nvCxnSpPr>
+        <p:spPr>
+          <a:xfrm flipV="1">
+            <a:off x="7391237" y="3806633"/>
+            <a:ext cx="0" cy="1523013"/>
+          </a:xfrm>
+          <a:prstGeom prst="straightConnector1">
+            <a:avLst/>
+          </a:prstGeom>
+          <a:ln w="19050">
+            <a:solidFill>
+              <a:srgbClr val="FF0000"/>
+            </a:solidFill>
+            <a:headEnd type="triangle"/>
+            <a:tailEnd type="triangle"/>
+          </a:ln>
+        </p:spPr>
+        <p:style>
+          <a:lnRef idx="1">
+            <a:schemeClr val="accent1"/>
+          </a:lnRef>
+          <a:fillRef idx="0">
+            <a:schemeClr val="accent1"/>
+          </a:fillRef>
+          <a:effectRef idx="0">
+            <a:schemeClr val="accent1"/>
+          </a:effectRef>
+          <a:fontRef idx="minor">
+            <a:schemeClr val="tx1"/>
+          </a:fontRef>
+        </p:style>
+      </p:cxnSp>
+      <p:sp>
+        <p:nvSpPr>
+          <p:cNvPr id="32" name="CuadroTexto 31">
+            <a:extLst>
+              <a:ext uri="{FF2B5EF4-FFF2-40B4-BE49-F238E27FC236}">
+                <a16:creationId xmlns:a16="http://schemas.microsoft.com/office/drawing/2014/main" id="{96BB7A1B-6B20-4227-96BE-2D96634D4503}"/>
+              </a:ext>
+            </a:extLst>
+          </p:cNvPr>
+          <p:cNvSpPr txBox="1"/>
+          <p:nvPr/>
+        </p:nvSpPr>
+        <p:spPr>
+          <a:xfrm rot="16200000">
+            <a:off x="6891980" y="4440594"/>
+            <a:ext cx="645459" cy="246221"/>
+          </a:xfrm>
+          <a:prstGeom prst="rect">
+            <a:avLst/>
+          </a:prstGeom>
+          <a:noFill/>
+        </p:spPr>
+        <p:txBody>
+          <a:bodyPr wrap="square" lIns="0" tIns="0" rIns="0" bIns="0" rtlCol="0">
+            <a:spAutoFit/>
+          </a:bodyPr>
+          <a:lstStyle/>
+          <a:p>
+            <a:pPr algn="ctr"/>
+            <a:r>
+              <a:rPr lang="en-US" sz="1600" dirty="0">
+                <a:solidFill>
+                  <a:srgbClr val="FF0000"/>
+                </a:solidFill>
+              </a:rPr>
+              <a:t>300</a:t>
+            </a:r>
+          </a:p>
+        </p:txBody>
+      </p:sp>
+      <p:sp>
+        <p:nvSpPr>
+          <p:cNvPr id="33" name="CuadroTexto 32">
+            <a:extLst>
+              <a:ext uri="{FF2B5EF4-FFF2-40B4-BE49-F238E27FC236}">
+                <a16:creationId xmlns:a16="http://schemas.microsoft.com/office/drawing/2014/main" id="{633A996B-0E5A-45F9-9EF5-5FB27E2B523D}"/>
+              </a:ext>
+            </a:extLst>
+          </p:cNvPr>
+          <p:cNvSpPr txBox="1"/>
+          <p:nvPr/>
+        </p:nvSpPr>
+        <p:spPr>
+          <a:xfrm>
+            <a:off x="3647351" y="5617410"/>
+            <a:ext cx="645459" cy="215444"/>
+          </a:xfrm>
+          <a:prstGeom prst="rect">
+            <a:avLst/>
+          </a:prstGeom>
+          <a:noFill/>
+        </p:spPr>
+        <p:txBody>
+          <a:bodyPr wrap="square" lIns="0" tIns="0" rIns="0" bIns="0" rtlCol="0">
+            <a:spAutoFit/>
+          </a:bodyPr>
+          <a:lstStyle/>
+          <a:p>
+            <a:pPr algn="ctr"/>
+            <a:r>
+              <a:rPr lang="en-US" sz="1400" dirty="0">
+                <a:solidFill>
+                  <a:srgbClr val="FF0000"/>
+                </a:solidFill>
+              </a:rPr>
+              <a:t>Y</a:t>
+            </a:r>
+          </a:p>
+        </p:txBody>
+      </p:sp>
+      <p:sp>
+        <p:nvSpPr>
+          <p:cNvPr id="34" name="CuadroTexto 33">
+            <a:extLst>
+              <a:ext uri="{FF2B5EF4-FFF2-40B4-BE49-F238E27FC236}">
+                <a16:creationId xmlns:a16="http://schemas.microsoft.com/office/drawing/2014/main" id="{7E2D78E3-3DE4-41CF-BC76-47F391000611}"/>
+              </a:ext>
+            </a:extLst>
+          </p:cNvPr>
+          <p:cNvSpPr txBox="1"/>
+          <p:nvPr/>
+        </p:nvSpPr>
+        <p:spPr>
+          <a:xfrm>
+            <a:off x="9743232" y="5631106"/>
+            <a:ext cx="645459" cy="215444"/>
+          </a:xfrm>
+          <a:prstGeom prst="rect">
+            <a:avLst/>
+          </a:prstGeom>
+          <a:noFill/>
+        </p:spPr>
+        <p:txBody>
+          <a:bodyPr wrap="square" lIns="0" tIns="0" rIns="0" bIns="0" rtlCol="0">
+            <a:spAutoFit/>
+          </a:bodyPr>
+          <a:lstStyle/>
+          <a:p>
+            <a:pPr algn="ctr"/>
+            <a:r>
+              <a:rPr lang="en-US" sz="1400" dirty="0">
+                <a:solidFill>
+                  <a:srgbClr val="FF0000"/>
+                </a:solidFill>
+              </a:rPr>
+              <a:t>X</a:t>
+            </a:r>
+          </a:p>
+        </p:txBody>
+      </p:sp>
+      <p:sp>
+        <p:nvSpPr>
+          <p:cNvPr id="35" name="CuadroTexto 34">
+            <a:extLst>
+              <a:ext uri="{FF2B5EF4-FFF2-40B4-BE49-F238E27FC236}">
+                <a16:creationId xmlns:a16="http://schemas.microsoft.com/office/drawing/2014/main" id="{56E463F4-2D0C-44FF-B1E9-E5F2E47C6399}"/>
+              </a:ext>
+            </a:extLst>
+          </p:cNvPr>
+          <p:cNvSpPr txBox="1"/>
+          <p:nvPr/>
+        </p:nvSpPr>
+        <p:spPr>
+          <a:xfrm rot="16200000">
+            <a:off x="5776714" y="3376181"/>
+            <a:ext cx="645459" cy="215444"/>
+          </a:xfrm>
+          <a:prstGeom prst="rect">
+            <a:avLst/>
+          </a:prstGeom>
+          <a:noFill/>
+        </p:spPr>
+        <p:txBody>
+          <a:bodyPr wrap="square" lIns="0" tIns="0" rIns="0" bIns="0" rtlCol="0">
+            <a:spAutoFit/>
+          </a:bodyPr>
+          <a:lstStyle/>
+          <a:p>
+            <a:pPr algn="ctr"/>
+            <a:r>
+              <a:rPr lang="en-US" sz="1400" dirty="0">
+                <a:solidFill>
+                  <a:srgbClr val="FF0000"/>
+                </a:solidFill>
+              </a:rPr>
+              <a:t>Z</a:t>
+            </a:r>
+          </a:p>
+        </p:txBody>
+      </p:sp>
+      <p:sp>
+        <p:nvSpPr>
+          <p:cNvPr id="36" name="CuadroTexto 35">
+            <a:extLst>
+              <a:ext uri="{FF2B5EF4-FFF2-40B4-BE49-F238E27FC236}">
+                <a16:creationId xmlns:a16="http://schemas.microsoft.com/office/drawing/2014/main" id="{025C31DA-EB28-4FC7-9CFA-15EBD298F988}"/>
+              </a:ext>
+            </a:extLst>
+          </p:cNvPr>
+          <p:cNvSpPr txBox="1"/>
+          <p:nvPr/>
+        </p:nvSpPr>
+        <p:spPr>
+          <a:xfrm rot="16200000">
+            <a:off x="-141895" y="3380536"/>
+            <a:ext cx="645459" cy="215444"/>
+          </a:xfrm>
+          <a:prstGeom prst="rect">
+            <a:avLst/>
+          </a:prstGeom>
+          <a:noFill/>
+        </p:spPr>
+        <p:txBody>
+          <a:bodyPr wrap="square" lIns="0" tIns="0" rIns="0" bIns="0" rtlCol="0">
+            <a:spAutoFit/>
+          </a:bodyPr>
+          <a:lstStyle/>
+          <a:p>
+            <a:pPr algn="ctr"/>
+            <a:r>
+              <a:rPr lang="en-US" sz="1400" dirty="0">
+                <a:solidFill>
+                  <a:srgbClr val="FF0000"/>
+                </a:solidFill>
+              </a:rPr>
+              <a:t>Z</a:t>
+            </a:r>
+          </a:p>
+        </p:txBody>
+      </p:sp>
     </p:spTree>
     <p:extLst>
       <p:ext uri="{BB962C8B-B14F-4D97-AF65-F5344CB8AC3E}">

--- a/Lab2.pptx
+++ b/Lab2.pptx
@@ -5,7 +5,7 @@
     <p:sldMasterId id="2147483648" r:id="rId1"/>
   </p:sldMasterIdLst>
   <p:notesMasterIdLst>
-    <p:notesMasterId r:id="rId7"/>
+    <p:notesMasterId r:id="rId8"/>
   </p:notesMasterIdLst>
   <p:sldIdLst>
     <p:sldId id="256" r:id="rId2"/>
@@ -13,6 +13,7 @@
     <p:sldId id="258" r:id="rId4"/>
     <p:sldId id="268" r:id="rId5"/>
     <p:sldId id="269" r:id="rId6"/>
+    <p:sldId id="270" r:id="rId7"/>
   </p:sldIdLst>
   <p:sldSz cx="12192000" cy="6858000"/>
   <p:notesSz cx="6858000" cy="9144000"/>
@@ -201,7 +202,7 @@
           <a:p>
             <a:fld id="{5B4E12CA-9DCD-4156-BC00-669A02CF9D70}" type="datetimeFigureOut">
               <a:rPr lang="en-US" smtClean="0"/>
-              <a:t>7/22/2021</a:t>
+              <a:t>7/23/2021</a:t>
             </a:fld>
             <a:endParaRPr lang="en-US"/>
           </a:p>
@@ -702,7 +703,7 @@
           <a:p>
             <a:fld id="{C7415BBE-5759-4144-BE94-42AB820F739B}" type="datetimeFigureOut">
               <a:rPr lang="es-ES_tradnl" smtClean="0"/>
-              <a:t>22/07/2021</a:t>
+              <a:t>23/07/2021</a:t>
             </a:fld>
             <a:endParaRPr lang="es-ES_tradnl"/>
           </a:p>
@@ -902,7 +903,7 @@
           <a:p>
             <a:fld id="{C7415BBE-5759-4144-BE94-42AB820F739B}" type="datetimeFigureOut">
               <a:rPr lang="es-ES_tradnl" smtClean="0"/>
-              <a:t>22/07/2021</a:t>
+              <a:t>23/07/2021</a:t>
             </a:fld>
             <a:endParaRPr lang="es-ES_tradnl"/>
           </a:p>
@@ -1112,7 +1113,7 @@
           <a:p>
             <a:fld id="{C7415BBE-5759-4144-BE94-42AB820F739B}" type="datetimeFigureOut">
               <a:rPr lang="es-ES_tradnl" smtClean="0"/>
-              <a:t>22/07/2021</a:t>
+              <a:t>23/07/2021</a:t>
             </a:fld>
             <a:endParaRPr lang="es-ES_tradnl"/>
           </a:p>
@@ -1312,7 +1313,7 @@
           <a:p>
             <a:fld id="{C7415BBE-5759-4144-BE94-42AB820F739B}" type="datetimeFigureOut">
               <a:rPr lang="es-ES_tradnl" smtClean="0"/>
-              <a:t>22/07/2021</a:t>
+              <a:t>23/07/2021</a:t>
             </a:fld>
             <a:endParaRPr lang="es-ES_tradnl"/>
           </a:p>
@@ -1588,7 +1589,7 @@
           <a:p>
             <a:fld id="{C7415BBE-5759-4144-BE94-42AB820F739B}" type="datetimeFigureOut">
               <a:rPr lang="es-ES_tradnl" smtClean="0"/>
-              <a:t>22/07/2021</a:t>
+              <a:t>23/07/2021</a:t>
             </a:fld>
             <a:endParaRPr lang="es-ES_tradnl"/>
           </a:p>
@@ -1856,7 +1857,7 @@
           <a:p>
             <a:fld id="{C7415BBE-5759-4144-BE94-42AB820F739B}" type="datetimeFigureOut">
               <a:rPr lang="es-ES_tradnl" smtClean="0"/>
-              <a:t>22/07/2021</a:t>
+              <a:t>23/07/2021</a:t>
             </a:fld>
             <a:endParaRPr lang="es-ES_tradnl"/>
           </a:p>
@@ -2271,7 +2272,7 @@
           <a:p>
             <a:fld id="{C7415BBE-5759-4144-BE94-42AB820F739B}" type="datetimeFigureOut">
               <a:rPr lang="es-ES_tradnl" smtClean="0"/>
-              <a:t>22/07/2021</a:t>
+              <a:t>23/07/2021</a:t>
             </a:fld>
             <a:endParaRPr lang="es-ES_tradnl"/>
           </a:p>
@@ -2413,7 +2414,7 @@
           <a:p>
             <a:fld id="{C7415BBE-5759-4144-BE94-42AB820F739B}" type="datetimeFigureOut">
               <a:rPr lang="es-ES_tradnl" smtClean="0"/>
-              <a:t>22/07/2021</a:t>
+              <a:t>23/07/2021</a:t>
             </a:fld>
             <a:endParaRPr lang="es-ES_tradnl"/>
           </a:p>
@@ -2526,7 +2527,7 @@
           <a:p>
             <a:fld id="{C7415BBE-5759-4144-BE94-42AB820F739B}" type="datetimeFigureOut">
               <a:rPr lang="es-ES_tradnl" smtClean="0"/>
-              <a:t>22/07/2021</a:t>
+              <a:t>23/07/2021</a:t>
             </a:fld>
             <a:endParaRPr lang="es-ES_tradnl"/>
           </a:p>
@@ -2839,7 +2840,7 @@
           <a:p>
             <a:fld id="{C7415BBE-5759-4144-BE94-42AB820F739B}" type="datetimeFigureOut">
               <a:rPr lang="es-ES_tradnl" smtClean="0"/>
-              <a:t>22/07/2021</a:t>
+              <a:t>23/07/2021</a:t>
             </a:fld>
             <a:endParaRPr lang="es-ES_tradnl"/>
           </a:p>
@@ -3128,7 +3129,7 @@
           <a:p>
             <a:fld id="{C7415BBE-5759-4144-BE94-42AB820F739B}" type="datetimeFigureOut">
               <a:rPr lang="es-ES_tradnl" smtClean="0"/>
-              <a:t>22/07/2021</a:t>
+              <a:t>23/07/2021</a:t>
             </a:fld>
             <a:endParaRPr lang="es-ES_tradnl"/>
           </a:p>
@@ -3371,7 +3372,7 @@
           <a:p>
             <a:fld id="{C7415BBE-5759-4144-BE94-42AB820F739B}" type="datetimeFigureOut">
               <a:rPr lang="es-ES_tradnl" smtClean="0"/>
-              <a:t>22/07/2021</a:t>
+              <a:t>23/07/2021</a:t>
             </a:fld>
             <a:endParaRPr lang="es-ES_tradnl"/>
           </a:p>
@@ -5293,15 +5294,15 @@
       </p:grpSpPr>
       <p:pic>
         <p:nvPicPr>
-          <p:cNvPr id="1026" name="Picture 2" descr="RobotWorx - FANUC LR Mate 200iB">
-            <a:extLst>
-              <a:ext uri="{FF2B5EF4-FFF2-40B4-BE49-F238E27FC236}">
-                <a16:creationId xmlns:a16="http://schemas.microsoft.com/office/drawing/2014/main" id="{DF95D270-42A3-4E12-9950-3DE1B4D69130}"/>
+          <p:cNvPr id="49" name="Imagen 48">
+            <a:extLst>
+              <a:ext uri="{FF2B5EF4-FFF2-40B4-BE49-F238E27FC236}">
+                <a16:creationId xmlns:a16="http://schemas.microsoft.com/office/drawing/2014/main" id="{C1929A33-1AF6-47F5-B095-D55CE464D4D8}"/>
               </a:ext>
             </a:extLst>
           </p:cNvPr>
           <p:cNvPicPr>
-            <a:picLocks noChangeAspect="1" noChangeArrowheads="1"/>
+            <a:picLocks noChangeAspect="1"/>
           </p:cNvPicPr>
           <p:nvPr/>
         </p:nvPicPr>
@@ -5309,34 +5310,58 @@
           <a:blip r:embed="rId2">
             <a:alphaModFix amt="35000"/>
             <a:extLst>
-              <a:ext uri="{28A0092B-C50C-407E-A947-70E740481C1C}">
-                <a14:useLocalDpi xmlns:a14="http://schemas.microsoft.com/office/drawing/2010/main" val="0"/>
+              <a:ext uri="{BEBA8EAE-BF5A-486C-A8C5-ECC9F3942E4B}">
+                <a14:imgProps xmlns:a14="http://schemas.microsoft.com/office/drawing/2010/main">
+                  <a14:imgLayer r:embed="rId3">
+                    <a14:imgEffect>
+                      <a14:backgroundRemoval t="7203" b="98517" l="10000" r="90536">
+                        <a14:foregroundMark x1="33571" y1="10381" x2="43886" y2="9009"/>
+                        <a14:foregroundMark x1="54823" y1="8025" x2="74643" y2="9746"/>
+                        <a14:foregroundMark x1="85536" y1="17797" x2="89464" y2="25424"/>
+                        <a14:foregroundMark x1="85000" y1="24788" x2="86250" y2="22458"/>
+                        <a14:foregroundMark x1="85714" y1="21822" x2="88393" y2="25636"/>
+                        <a14:foregroundMark x1="82321" y1="27331" x2="82857" y2="27331"/>
+                        <a14:foregroundMark x1="29821" y1="79237" x2="36250" y2="82203"/>
+                        <a14:foregroundMark x1="22500" y1="94280" x2="41071" y2="91314"/>
+                        <a14:foregroundMark x1="41071" y1="91314" x2="42857" y2="91314"/>
+                        <a14:foregroundMark x1="20357" y1="98517" x2="46964" y2="93220"/>
+                        <a14:foregroundMark x1="57857" y1="19492" x2="62857" y2="19068"/>
+                        <a14:foregroundMark x1="88750" y1="20763" x2="90000" y2="20763"/>
+                        <a14:foregroundMark x1="88393" y1="24364" x2="88750" y2="23093"/>
+                        <a14:foregroundMark x1="83214" y1="30720" x2="86607" y2="25424"/>
+                        <a14:foregroundMark x1="81786" y1="32839" x2="85000" y2="32203"/>
+                        <a14:foregroundMark x1="86786" y1="28814" x2="90536" y2="26271"/>
+                        <a14:foregroundMark x1="38393" y1="7627" x2="47857" y2="7839"/>
+                        <a14:foregroundMark x1="45179" y1="7203" x2="49464" y2="7627"/>
+                        <a14:foregroundMark x1="28750" y1="13559" x2="35893" y2="10381"/>
+                        <a14:foregroundMark x1="38750" y1="6992" x2="43036" y2="8051"/>
+                        <a14:foregroundMark x1="41786" y1="6992" x2="44107" y2="6992"/>
+                        <a14:backgroundMark x1="81071" y1="33898" x2="81071" y2="33898"/>
+                        <a14:backgroundMark x1="50289" y1="6172" x2="55000" y2="6356"/>
+                        <a14:backgroundMark x1="54464" y1="7839" x2="54464" y2="7839"/>
+                        <a14:backgroundMark x1="26786" y1="12924" x2="29593" y2="11629"/>
+                        <a14:backgroundMark x1="54464" y1="8051" x2="54464" y2="8051"/>
+                        <a14:backgroundMark x1="54464" y1="8475" x2="54464" y2="8475"/>
+                        <a14:backgroundMark x1="53929" y1="8051" x2="55000" y2="7627"/>
+                      </a14:backgroundRemoval>
+                    </a14:imgEffect>
+                  </a14:imgLayer>
+                </a14:imgProps>
               </a:ext>
             </a:extLst>
           </a:blip>
-          <a:srcRect/>
           <a:stretch>
             <a:fillRect/>
           </a:stretch>
         </p:blipFill>
-        <p:spPr bwMode="auto">
+        <p:spPr>
           <a:xfrm>
-            <a:off x="3113773" y="761495"/>
-            <a:ext cx="6059131" cy="6059131"/>
+            <a:off x="2602166" y="135784"/>
+            <a:ext cx="7510291" cy="6330102"/>
           </a:xfrm>
           <a:prstGeom prst="rect">
             <a:avLst/>
           </a:prstGeom>
-          <a:noFill/>
-          <a:extLst>
-            <a:ext uri="{909E8E84-426E-40DD-AFC4-6F175D3DCCD1}">
-              <a14:hiddenFill xmlns:a14="http://schemas.microsoft.com/office/drawing/2010/main">
-                <a:solidFill>
-                  <a:srgbClr val="FFFFFF"/>
-                </a:solidFill>
-              </a14:hiddenFill>
-            </a:ext>
-          </a:extLst>
         </p:spPr>
       </p:pic>
       <p:cxnSp>
@@ -5398,9 +5423,9 @@
           <p:nvPr/>
         </p:nvCxnSpPr>
         <p:spPr>
-          <a:xfrm flipH="1" flipV="1">
-            <a:off x="4836555" y="3125897"/>
-            <a:ext cx="9985" cy="3552544"/>
+          <a:xfrm flipV="1">
+            <a:off x="4846542" y="3077570"/>
+            <a:ext cx="3724" cy="3600871"/>
           </a:xfrm>
           <a:prstGeom prst="line">
             <a:avLst/>
@@ -5480,7 +5505,7 @@
         </p:nvSpPr>
         <p:spPr>
           <a:xfrm>
-            <a:off x="7172419" y="3083021"/>
+            <a:off x="7240305" y="2941462"/>
             <a:ext cx="636713" cy="369332"/>
           </a:xfrm>
           <a:prstGeom prst="rect">
@@ -5507,45 +5532,6 @@
       </p:sp>
       <p:sp>
         <p:nvSpPr>
-          <p:cNvPr id="19" name="CuadroTexto 9">
-            <a:extLst>
-              <a:ext uri="{FF2B5EF4-FFF2-40B4-BE49-F238E27FC236}">
-                <a16:creationId xmlns:a16="http://schemas.microsoft.com/office/drawing/2014/main" id="{DE93E67E-DAA7-5046-AEF1-69A5E7B8E853}"/>
-              </a:ext>
-            </a:extLst>
-          </p:cNvPr>
-          <p:cNvSpPr txBox="1"/>
-          <p:nvPr/>
-        </p:nvSpPr>
-        <p:spPr>
-          <a:xfrm>
-            <a:off x="7061764" y="406624"/>
-            <a:ext cx="588623" cy="338554"/>
-          </a:xfrm>
-          <a:prstGeom prst="rect">
-            <a:avLst/>
-          </a:prstGeom>
-          <a:noFill/>
-        </p:spPr>
-        <p:txBody>
-          <a:bodyPr wrap="none" rtlCol="0">
-            <a:spAutoFit/>
-          </a:bodyPr>
-          <a:lstStyle/>
-          <a:p>
-            <a:r>
-              <a:rPr lang="es-CO" sz="1600" dirty="0">
-                <a:solidFill>
-                  <a:srgbClr val="7030A0"/>
-                </a:solidFill>
-              </a:rPr>
-              <a:t>Eje 3</a:t>
-            </a:r>
-          </a:p>
-        </p:txBody>
-      </p:sp>
-      <p:sp>
-        <p:nvSpPr>
           <p:cNvPr id="20" name="CuadroTexto 9">
             <a:extLst>
               <a:ext uri="{FF2B5EF4-FFF2-40B4-BE49-F238E27FC236}">
@@ -5583,45 +5569,6 @@
           </a:p>
         </p:txBody>
       </p:sp>
-      <p:sp>
-        <p:nvSpPr>
-          <p:cNvPr id="21" name="CuadroTexto 9">
-            <a:extLst>
-              <a:ext uri="{FF2B5EF4-FFF2-40B4-BE49-F238E27FC236}">
-                <a16:creationId xmlns:a16="http://schemas.microsoft.com/office/drawing/2014/main" id="{2EE703F5-1B02-B24A-91E3-E84FB5468093}"/>
-              </a:ext>
-            </a:extLst>
-          </p:cNvPr>
-          <p:cNvSpPr txBox="1"/>
-          <p:nvPr/>
-        </p:nvSpPr>
-        <p:spPr>
-          <a:xfrm>
-            <a:off x="9043493" y="582761"/>
-            <a:ext cx="588623" cy="338554"/>
-          </a:xfrm>
-          <a:prstGeom prst="rect">
-            <a:avLst/>
-          </a:prstGeom>
-          <a:noFill/>
-        </p:spPr>
-        <p:txBody>
-          <a:bodyPr wrap="none" rtlCol="0">
-            <a:spAutoFit/>
-          </a:bodyPr>
-          <a:lstStyle/>
-          <a:p>
-            <a:r>
-              <a:rPr lang="es-CO" sz="1600" dirty="0">
-                <a:solidFill>
-                  <a:srgbClr val="7030A0"/>
-                </a:solidFill>
-              </a:rPr>
-              <a:t>Eje 5</a:t>
-            </a:r>
-          </a:p>
-        </p:txBody>
-      </p:sp>
       <p:cxnSp>
         <p:nvCxnSpPr>
           <p:cNvPr id="24" name="Conector recto de flecha 14">
@@ -5638,140 +5585,8 @@
         </p:nvCxnSpPr>
         <p:spPr>
           <a:xfrm flipV="1">
-            <a:off x="4838285" y="3986471"/>
+            <a:off x="4838285" y="4148309"/>
             <a:ext cx="678057" cy="10100"/>
-          </a:xfrm>
-          <a:prstGeom prst="straightConnector1">
-            <a:avLst/>
-          </a:prstGeom>
-          <a:ln w="38100">
-            <a:solidFill>
-              <a:srgbClr val="FF0000"/>
-            </a:solidFill>
-            <a:tailEnd type="triangle"/>
-          </a:ln>
-        </p:spPr>
-        <p:style>
-          <a:lnRef idx="1">
-            <a:schemeClr val="accent1"/>
-          </a:lnRef>
-          <a:fillRef idx="0">
-            <a:schemeClr val="accent1"/>
-          </a:fillRef>
-          <a:effectRef idx="0">
-            <a:schemeClr val="accent1"/>
-          </a:effectRef>
-          <a:fontRef idx="minor">
-            <a:schemeClr val="tx1"/>
-          </a:fontRef>
-        </p:style>
-      </p:cxnSp>
-      <p:cxnSp>
-        <p:nvCxnSpPr>
-          <p:cNvPr id="26" name="Conector recto de flecha 14">
-            <a:extLst>
-              <a:ext uri="{FF2B5EF4-FFF2-40B4-BE49-F238E27FC236}">
-                <a16:creationId xmlns:a16="http://schemas.microsoft.com/office/drawing/2014/main" id="{B4F75E26-998F-4148-8DC5-7327ABC11832}"/>
-              </a:ext>
-            </a:extLst>
-          </p:cNvPr>
-          <p:cNvCxnSpPr>
-            <a:cxnSpLocks/>
-          </p:cNvCxnSpPr>
-          <p:nvPr/>
-        </p:nvCxnSpPr>
-        <p:spPr>
-          <a:xfrm flipV="1">
-            <a:off x="8189445" y="1192963"/>
-            <a:ext cx="934221" cy="404695"/>
-          </a:xfrm>
-          <a:prstGeom prst="straightConnector1">
-            <a:avLst/>
-          </a:prstGeom>
-          <a:ln w="38100">
-            <a:solidFill>
-              <a:srgbClr val="FF0000"/>
-            </a:solidFill>
-            <a:tailEnd type="triangle"/>
-          </a:ln>
-        </p:spPr>
-        <p:style>
-          <a:lnRef idx="1">
-            <a:schemeClr val="accent1"/>
-          </a:lnRef>
-          <a:fillRef idx="0">
-            <a:schemeClr val="accent1"/>
-          </a:fillRef>
-          <a:effectRef idx="0">
-            <a:schemeClr val="accent1"/>
-          </a:effectRef>
-          <a:fontRef idx="minor">
-            <a:schemeClr val="tx1"/>
-          </a:fontRef>
-        </p:style>
-      </p:cxnSp>
-      <p:cxnSp>
-        <p:nvCxnSpPr>
-          <p:cNvPr id="30" name="Conector recto de flecha 14">
-            <a:extLst>
-              <a:ext uri="{FF2B5EF4-FFF2-40B4-BE49-F238E27FC236}">
-                <a16:creationId xmlns:a16="http://schemas.microsoft.com/office/drawing/2014/main" id="{4B71CF32-65FE-5744-A670-D1EC234CDA9E}"/>
-              </a:ext>
-            </a:extLst>
-          </p:cNvPr>
-          <p:cNvCxnSpPr>
-            <a:cxnSpLocks/>
-          </p:cNvCxnSpPr>
-          <p:nvPr/>
-        </p:nvCxnSpPr>
-        <p:spPr>
-          <a:xfrm flipV="1">
-            <a:off x="6143338" y="696333"/>
-            <a:ext cx="0" cy="888261"/>
-          </a:xfrm>
-          <a:prstGeom prst="straightConnector1">
-            <a:avLst/>
-          </a:prstGeom>
-          <a:ln w="38100">
-            <a:solidFill>
-              <a:srgbClr val="FF0000"/>
-            </a:solidFill>
-            <a:tailEnd type="triangle"/>
-          </a:ln>
-        </p:spPr>
-        <p:style>
-          <a:lnRef idx="1">
-            <a:schemeClr val="accent1"/>
-          </a:lnRef>
-          <a:fillRef idx="0">
-            <a:schemeClr val="accent1"/>
-          </a:fillRef>
-          <a:effectRef idx="0">
-            <a:schemeClr val="accent1"/>
-          </a:effectRef>
-          <a:fontRef idx="minor">
-            <a:schemeClr val="tx1"/>
-          </a:fontRef>
-        </p:style>
-      </p:cxnSp>
-      <p:cxnSp>
-        <p:nvCxnSpPr>
-          <p:cNvPr id="32" name="Conector recto de flecha 14">
-            <a:extLst>
-              <a:ext uri="{FF2B5EF4-FFF2-40B4-BE49-F238E27FC236}">
-                <a16:creationId xmlns:a16="http://schemas.microsoft.com/office/drawing/2014/main" id="{8EFC8A8E-FA49-DE43-905A-8F1B4AD098A0}"/>
-              </a:ext>
-            </a:extLst>
-          </p:cNvPr>
-          <p:cNvCxnSpPr>
-            <a:cxnSpLocks/>
-          </p:cNvCxnSpPr>
-          <p:nvPr/>
-        </p:nvCxnSpPr>
-        <p:spPr>
-          <a:xfrm flipV="1">
-            <a:off x="8187075" y="732570"/>
-            <a:ext cx="0" cy="888261"/>
           </a:xfrm>
           <a:prstGeom prst="straightConnector1">
             <a:avLst/>
@@ -5814,7 +5629,7 @@
             </p:nvSpPr>
             <p:spPr>
               <a:xfrm>
-                <a:off x="4263100" y="3262268"/>
+                <a:off x="4263100" y="3424106"/>
                 <a:ext cx="699222" cy="369332"/>
               </a:xfrm>
               <a:prstGeom prst="rect">
@@ -5828,6 +5643,7 @@
               </a:bodyPr>
               <a:lstStyle/>
               <a:p>
+                <a:pPr/>
                 <a14:m>
                   <m:oMathPara xmlns:m="http://schemas.openxmlformats.org/officeDocument/2006/math">
                     <m:oMathParaPr>
@@ -5905,14 +5721,14 @@
             </p:nvSpPr>
             <p:spPr>
               <a:xfrm>
-                <a:off x="4263100" y="3262268"/>
+                <a:off x="4263100" y="3424106"/>
                 <a:ext cx="699222" cy="369332"/>
               </a:xfrm>
               <a:prstGeom prst="rect">
                 <a:avLst/>
               </a:prstGeom>
               <a:blipFill>
-                <a:blip r:embed="rId3"/>
+                <a:blip r:embed="rId4"/>
                 <a:stretch>
                   <a:fillRect/>
                 </a:stretch>
@@ -5923,7 +5739,7 @@
               <a:lstStyle/>
               <a:p>
                 <a:r>
-                  <a:rPr lang="en-US">
+                  <a:rPr lang="es-CO">
                     <a:noFill/>
                   </a:rPr>
                   <a:t> </a:t>
@@ -5949,7 +5765,7 @@
         </p:nvCxnSpPr>
         <p:spPr>
           <a:xfrm flipH="1" flipV="1">
-            <a:off x="4835255" y="3257013"/>
+            <a:off x="4835255" y="3418851"/>
             <a:ext cx="11981" cy="749032"/>
           </a:xfrm>
           <a:prstGeom prst="straightConnector1">
@@ -6076,140 +5892,8 @@
         </p:nvCxnSpPr>
         <p:spPr>
           <a:xfrm flipH="1">
-            <a:off x="5268755" y="3349375"/>
-            <a:ext cx="1960502" cy="1268981"/>
-          </a:xfrm>
-          <a:prstGeom prst="line">
-            <a:avLst/>
-          </a:prstGeom>
-          <a:ln w="28575">
-            <a:solidFill>
-              <a:srgbClr val="7030A0"/>
-            </a:solidFill>
-            <a:prstDash val="dash"/>
-          </a:ln>
-        </p:spPr>
-        <p:style>
-          <a:lnRef idx="1">
-            <a:schemeClr val="accent1"/>
-          </a:lnRef>
-          <a:fillRef idx="0">
-            <a:schemeClr val="accent1"/>
-          </a:fillRef>
-          <a:effectRef idx="0">
-            <a:schemeClr val="accent1"/>
-          </a:effectRef>
-          <a:fontRef idx="minor">
-            <a:schemeClr val="tx1"/>
-          </a:fontRef>
-        </p:style>
-      </p:cxnSp>
-      <p:cxnSp>
-        <p:nvCxnSpPr>
-          <p:cNvPr id="56" name="Conector recto 8">
-            <a:extLst>
-              <a:ext uri="{FF2B5EF4-FFF2-40B4-BE49-F238E27FC236}">
-                <a16:creationId xmlns:a16="http://schemas.microsoft.com/office/drawing/2014/main" id="{43713EFB-DC5D-4F28-88FE-ADE7F9293BF5}"/>
-              </a:ext>
-            </a:extLst>
-          </p:cNvPr>
-          <p:cNvCxnSpPr>
-            <a:cxnSpLocks/>
-          </p:cNvCxnSpPr>
-          <p:nvPr/>
-        </p:nvCxnSpPr>
-        <p:spPr>
-          <a:xfrm flipH="1">
-            <a:off x="5177313" y="917264"/>
-            <a:ext cx="2062992" cy="1295429"/>
-          </a:xfrm>
-          <a:prstGeom prst="line">
-            <a:avLst/>
-          </a:prstGeom>
-          <a:ln w="28575">
-            <a:solidFill>
-              <a:srgbClr val="7030A0"/>
-            </a:solidFill>
-            <a:prstDash val="dash"/>
-          </a:ln>
-        </p:spPr>
-        <p:style>
-          <a:lnRef idx="1">
-            <a:schemeClr val="accent1"/>
-          </a:lnRef>
-          <a:fillRef idx="0">
-            <a:schemeClr val="accent1"/>
-          </a:fillRef>
-          <a:effectRef idx="0">
-            <a:schemeClr val="accent1"/>
-          </a:effectRef>
-          <a:fontRef idx="minor">
-            <a:schemeClr val="tx1"/>
-          </a:fontRef>
-        </p:style>
-      </p:cxnSp>
-      <p:cxnSp>
-        <p:nvCxnSpPr>
-          <p:cNvPr id="57" name="Conector recto 8">
-            <a:extLst>
-              <a:ext uri="{FF2B5EF4-FFF2-40B4-BE49-F238E27FC236}">
-                <a16:creationId xmlns:a16="http://schemas.microsoft.com/office/drawing/2014/main" id="{170DF469-33EE-48E1-AAED-3D27164C7585}"/>
-              </a:ext>
-            </a:extLst>
-          </p:cNvPr>
-          <p:cNvCxnSpPr>
-            <a:cxnSpLocks/>
-          </p:cNvCxnSpPr>
-          <p:nvPr/>
-        </p:nvCxnSpPr>
-        <p:spPr>
-          <a:xfrm flipH="1">
-            <a:off x="7555884" y="992091"/>
-            <a:ext cx="1557496" cy="1031105"/>
-          </a:xfrm>
-          <a:prstGeom prst="line">
-            <a:avLst/>
-          </a:prstGeom>
-          <a:ln w="28575">
-            <a:solidFill>
-              <a:srgbClr val="7030A0"/>
-            </a:solidFill>
-            <a:prstDash val="dash"/>
-          </a:ln>
-        </p:spPr>
-        <p:style>
-          <a:lnRef idx="1">
-            <a:schemeClr val="accent1"/>
-          </a:lnRef>
-          <a:fillRef idx="0">
-            <a:schemeClr val="accent1"/>
-          </a:fillRef>
-          <a:effectRef idx="0">
-            <a:schemeClr val="accent1"/>
-          </a:effectRef>
-          <a:fontRef idx="minor">
-            <a:schemeClr val="tx1"/>
-          </a:fontRef>
-        </p:style>
-      </p:cxnSp>
-      <p:cxnSp>
-        <p:nvCxnSpPr>
-          <p:cNvPr id="58" name="Conector recto 8">
-            <a:extLst>
-              <a:ext uri="{FF2B5EF4-FFF2-40B4-BE49-F238E27FC236}">
-                <a16:creationId xmlns:a16="http://schemas.microsoft.com/office/drawing/2014/main" id="{9D623E34-F7B0-4511-A6ED-8F7EE5BD0D20}"/>
-              </a:ext>
-            </a:extLst>
-          </p:cNvPr>
-          <p:cNvCxnSpPr>
-            <a:cxnSpLocks/>
-          </p:cNvCxnSpPr>
-          <p:nvPr/>
-        </p:nvCxnSpPr>
-        <p:spPr>
-          <a:xfrm flipH="1" flipV="1">
-            <a:off x="7845369" y="668198"/>
-            <a:ext cx="683413" cy="1905267"/>
+            <a:off x="5465327" y="3068559"/>
+            <a:ext cx="1774978" cy="1812416"/>
           </a:xfrm>
           <a:prstGeom prst="line">
             <a:avLst/>
@@ -6252,8 +5936,8 @@
         </p:nvCxnSpPr>
         <p:spPr>
           <a:xfrm flipV="1">
-            <a:off x="6172639" y="3609718"/>
-            <a:ext cx="620445" cy="415711"/>
+            <a:off x="6139494" y="3636757"/>
+            <a:ext cx="536166" cy="518123"/>
           </a:xfrm>
           <a:prstGeom prst="straightConnector1">
             <a:avLst/>
@@ -6293,7 +5977,7 @@
         </p:nvCxnSpPr>
         <p:spPr>
           <a:xfrm flipH="1" flipV="1">
-            <a:off x="6172639" y="3376253"/>
+            <a:off x="6122348" y="3518408"/>
             <a:ext cx="12353" cy="648845"/>
           </a:xfrm>
           <a:prstGeom prst="straightConnector1">
@@ -6337,7 +6021,7 @@
             </p:nvSpPr>
             <p:spPr>
               <a:xfrm>
-                <a:off x="6575351" y="3705129"/>
+                <a:off x="6581596" y="3664058"/>
                 <a:ext cx="699222" cy="369332"/>
               </a:xfrm>
               <a:prstGeom prst="rect">
@@ -6351,6 +6035,7 @@
               </a:bodyPr>
               <a:lstStyle/>
               <a:p>
+                <a:pPr/>
                 <a14:m>
                   <m:oMathPara xmlns:m="http://schemas.openxmlformats.org/officeDocument/2006/math">
                     <m:oMathParaPr>
@@ -6428,310 +6113,7 @@
             </p:nvSpPr>
             <p:spPr>
               <a:xfrm>
-                <a:off x="6575351" y="3705129"/>
-                <a:ext cx="699222" cy="369332"/>
-              </a:xfrm>
-              <a:prstGeom prst="rect">
-                <a:avLst/>
-              </a:prstGeom>
-              <a:blipFill>
-                <a:blip r:embed="rId4"/>
-                <a:stretch>
-                  <a:fillRect/>
-                </a:stretch>
-              </a:blipFill>
-            </p:spPr>
-            <p:txBody>
-              <a:bodyPr/>
-              <a:lstStyle/>
-              <a:p>
-                <a:r>
-                  <a:rPr lang="en-US">
-                    <a:noFill/>
-                  </a:rPr>
-                  <a:t> </a:t>
-                </a:r>
-              </a:p>
-            </p:txBody>
-          </p:sp>
-        </mc:Fallback>
-      </mc:AlternateContent>
-      <p:cxnSp>
-        <p:nvCxnSpPr>
-          <p:cNvPr id="66" name="Conector recto de flecha 21">
-            <a:extLst>
-              <a:ext uri="{FF2B5EF4-FFF2-40B4-BE49-F238E27FC236}">
-                <a16:creationId xmlns:a16="http://schemas.microsoft.com/office/drawing/2014/main" id="{312F2398-6C77-40B8-88E8-AF69660A116A}"/>
-              </a:ext>
-            </a:extLst>
-          </p:cNvPr>
-          <p:cNvCxnSpPr>
-            <a:cxnSpLocks/>
-          </p:cNvCxnSpPr>
-          <p:nvPr/>
-        </p:nvCxnSpPr>
-        <p:spPr>
-          <a:xfrm flipV="1">
-            <a:off x="6172638" y="1175324"/>
-            <a:ext cx="620445" cy="415711"/>
-          </a:xfrm>
-          <a:prstGeom prst="straightConnector1">
-            <a:avLst/>
-          </a:prstGeom>
-          <a:ln w="57150">
-            <a:tailEnd type="triangle"/>
-          </a:ln>
-        </p:spPr>
-        <p:style>
-          <a:lnRef idx="1">
-            <a:schemeClr val="accent1"/>
-          </a:lnRef>
-          <a:fillRef idx="0">
-            <a:schemeClr val="accent1"/>
-          </a:fillRef>
-          <a:effectRef idx="0">
-            <a:schemeClr val="accent1"/>
-          </a:effectRef>
-          <a:fontRef idx="minor">
-            <a:schemeClr val="tx1"/>
-          </a:fontRef>
-        </p:style>
-      </p:cxnSp>
-      <p:sp>
-        <p:nvSpPr>
-          <p:cNvPr id="67" name="CuadroTexto 9">
-            <a:extLst>
-              <a:ext uri="{FF2B5EF4-FFF2-40B4-BE49-F238E27FC236}">
-                <a16:creationId xmlns:a16="http://schemas.microsoft.com/office/drawing/2014/main" id="{C7CD1184-D73E-449C-8AE7-0C2B129662F7}"/>
-              </a:ext>
-            </a:extLst>
-          </p:cNvPr>
-          <p:cNvSpPr txBox="1"/>
-          <p:nvPr/>
-        </p:nvSpPr>
-        <p:spPr>
-          <a:xfrm>
-            <a:off x="7696464" y="368962"/>
-            <a:ext cx="588623" cy="338554"/>
-          </a:xfrm>
-          <a:prstGeom prst="rect">
-            <a:avLst/>
-          </a:prstGeom>
-          <a:noFill/>
-        </p:spPr>
-        <p:txBody>
-          <a:bodyPr wrap="none" rtlCol="0">
-            <a:spAutoFit/>
-          </a:bodyPr>
-          <a:lstStyle/>
-          <a:p>
-            <a:r>
-              <a:rPr lang="es-CO" sz="1600" dirty="0">
-                <a:solidFill>
-                  <a:srgbClr val="7030A0"/>
-                </a:solidFill>
-              </a:rPr>
-              <a:t>Eje 6</a:t>
-            </a:r>
-          </a:p>
-        </p:txBody>
-      </p:sp>
-      <p:cxnSp>
-        <p:nvCxnSpPr>
-          <p:cNvPr id="80" name="Conector recto de flecha 14">
-            <a:extLst>
-              <a:ext uri="{FF2B5EF4-FFF2-40B4-BE49-F238E27FC236}">
-                <a16:creationId xmlns:a16="http://schemas.microsoft.com/office/drawing/2014/main" id="{1D0C0C91-3DF2-4394-8061-12EE5B78B072}"/>
-              </a:ext>
-            </a:extLst>
-          </p:cNvPr>
-          <p:cNvCxnSpPr>
-            <a:cxnSpLocks/>
-          </p:cNvCxnSpPr>
-          <p:nvPr/>
-        </p:nvCxnSpPr>
-        <p:spPr>
-          <a:xfrm flipV="1">
-            <a:off x="8367971" y="1983938"/>
-            <a:ext cx="612697" cy="262515"/>
-          </a:xfrm>
-          <a:prstGeom prst="straightConnector1">
-            <a:avLst/>
-          </a:prstGeom>
-          <a:ln w="38100">
-            <a:solidFill>
-              <a:srgbClr val="FF3300"/>
-            </a:solidFill>
-            <a:tailEnd type="triangle"/>
-          </a:ln>
-        </p:spPr>
-        <p:style>
-          <a:lnRef idx="1">
-            <a:schemeClr val="accent1"/>
-          </a:lnRef>
-          <a:fillRef idx="0">
-            <a:schemeClr val="accent1"/>
-          </a:fillRef>
-          <a:effectRef idx="0">
-            <a:schemeClr val="accent1"/>
-          </a:effectRef>
-          <a:fontRef idx="minor">
-            <a:schemeClr val="tx1"/>
-          </a:fontRef>
-        </p:style>
-      </p:cxnSp>
-      <p:cxnSp>
-        <p:nvCxnSpPr>
-          <p:cNvPr id="45" name="Conector recto de flecha 21">
-            <a:extLst>
-              <a:ext uri="{FF2B5EF4-FFF2-40B4-BE49-F238E27FC236}">
-                <a16:creationId xmlns:a16="http://schemas.microsoft.com/office/drawing/2014/main" id="{C5C0E429-0D9A-BF40-BBE7-8BD2B91E20C9}"/>
-              </a:ext>
-            </a:extLst>
-          </p:cNvPr>
-          <p:cNvCxnSpPr>
-            <a:cxnSpLocks/>
-          </p:cNvCxnSpPr>
-          <p:nvPr/>
-        </p:nvCxnSpPr>
-        <p:spPr>
-          <a:xfrm>
-            <a:off x="8418149" y="2264488"/>
-            <a:ext cx="238406" cy="580625"/>
-          </a:xfrm>
-          <a:prstGeom prst="straightConnector1">
-            <a:avLst/>
-          </a:prstGeom>
-          <a:ln w="57150">
-            <a:solidFill>
-              <a:srgbClr val="00B0F0"/>
-            </a:solidFill>
-            <a:tailEnd type="triangle"/>
-          </a:ln>
-        </p:spPr>
-        <p:style>
-          <a:lnRef idx="1">
-            <a:schemeClr val="accent1"/>
-          </a:lnRef>
-          <a:fillRef idx="0">
-            <a:schemeClr val="accent1"/>
-          </a:fillRef>
-          <a:effectRef idx="0">
-            <a:schemeClr val="accent1"/>
-          </a:effectRef>
-          <a:fontRef idx="minor">
-            <a:schemeClr val="tx1"/>
-          </a:fontRef>
-        </p:style>
-      </p:cxnSp>
-      <mc:AlternateContent xmlns:mc="http://schemas.openxmlformats.org/markup-compatibility/2006">
-        <mc:Choice xmlns:a14="http://schemas.microsoft.com/office/drawing/2010/main" Requires="a14">
-          <p:sp>
-            <p:nvSpPr>
-              <p:cNvPr id="83" name="CuadroTexto 22">
-                <a:extLst>
-                  <a:ext uri="{FF2B5EF4-FFF2-40B4-BE49-F238E27FC236}">
-                    <a16:creationId xmlns:a16="http://schemas.microsoft.com/office/drawing/2014/main" id="{CD7CDF14-A5ED-461D-9A8E-B9F431BF6E9A}"/>
-                  </a:ext>
-                </a:extLst>
-              </p:cNvPr>
-              <p:cNvSpPr txBox="1"/>
-              <p:nvPr/>
-            </p:nvSpPr>
-            <p:spPr>
-              <a:xfrm>
-                <a:off x="6319804" y="856975"/>
-                <a:ext cx="699222" cy="369332"/>
-              </a:xfrm>
-              <a:prstGeom prst="rect">
-                <a:avLst/>
-              </a:prstGeom>
-              <a:noFill/>
-            </p:spPr>
-            <p:txBody>
-              <a:bodyPr wrap="square" rtlCol="0">
-                <a:spAutoFit/>
-              </a:bodyPr>
-              <a:lstStyle/>
-              <a:p>
-                <a14:m>
-                  <m:oMathPara xmlns:m="http://schemas.openxmlformats.org/officeDocument/2006/math">
-                    <m:oMathParaPr>
-                      <m:jc m:val="centerGroup"/>
-                    </m:oMathParaPr>
-                    <m:oMath xmlns:m="http://schemas.openxmlformats.org/officeDocument/2006/math">
-                      <m:sSub>
-                        <m:sSubPr>
-                          <m:ctrlPr>
-                            <a:rPr lang="es-CO" b="0" i="1" smtClean="0">
-                              <a:solidFill>
-                                <a:schemeClr val="accent1">
-                                  <a:lumMod val="75000"/>
-                                </a:schemeClr>
-                              </a:solidFill>
-                              <a:latin typeface="Cambria Math" panose="02040503050406030204" pitchFamily="18" charset="0"/>
-                            </a:rPr>
-                          </m:ctrlPr>
-                        </m:sSubPr>
-                        <m:e>
-                          <m:r>
-                            <a:rPr lang="es-CO" b="0" i="1" smtClean="0">
-                              <a:solidFill>
-                                <a:schemeClr val="accent1">
-                                  <a:lumMod val="75000"/>
-                                </a:schemeClr>
-                              </a:solidFill>
-                              <a:latin typeface="Cambria Math" panose="02040503050406030204" pitchFamily="18" charset="0"/>
-                            </a:rPr>
-                            <m:t>𝑍</m:t>
-                          </m:r>
-                        </m:e>
-                        <m:sub>
-                          <m:r>
-                            <a:rPr lang="es-CO" b="0" i="1" smtClean="0">
-                              <a:solidFill>
-                                <a:schemeClr val="accent1">
-                                  <a:lumMod val="75000"/>
-                                </a:schemeClr>
-                              </a:solidFill>
-                              <a:latin typeface="Cambria Math" panose="02040503050406030204" pitchFamily="18" charset="0"/>
-                            </a:rPr>
-                            <m:t>3</m:t>
-                          </m:r>
-                        </m:sub>
-                      </m:sSub>
-                    </m:oMath>
-                  </m:oMathPara>
-                </a14:m>
-                <a:endParaRPr lang="es-CO" dirty="0">
-                  <a:solidFill>
-                    <a:schemeClr val="accent1">
-                      <a:lumMod val="75000"/>
-                    </a:schemeClr>
-                  </a:solidFill>
-                </a:endParaRPr>
-              </a:p>
-            </p:txBody>
-          </p:sp>
-        </mc:Choice>
-        <mc:Fallback>
-          <p:sp>
-            <p:nvSpPr>
-              <p:cNvPr id="83" name="CuadroTexto 22">
-                <a:extLst>
-                  <a:ext uri="{FF2B5EF4-FFF2-40B4-BE49-F238E27FC236}">
-                    <a16:creationId xmlns:a16="http://schemas.microsoft.com/office/drawing/2014/main" id="{CD7CDF14-A5ED-461D-9A8E-B9F431BF6E9A}"/>
-                  </a:ext>
-                </a:extLst>
-              </p:cNvPr>
-              <p:cNvSpPr txBox="1">
-                <a:spLocks noRot="1" noChangeAspect="1" noMove="1" noResize="1" noEditPoints="1" noAdjustHandles="1" noChangeArrowheads="1" noChangeShapeType="1" noTextEdit="1"/>
-              </p:cNvSpPr>
-              <p:nvPr/>
-            </p:nvSpPr>
-            <p:spPr>
-              <a:xfrm>
-                <a:off x="6319804" y="856975"/>
+                <a:off x="6581596" y="3664058"/>
                 <a:ext cx="699222" cy="369332"/>
               </a:xfrm>
               <a:prstGeom prst="rect">
@@ -6749,7 +6131,7 @@
               <a:lstStyle/>
               <a:p>
                 <a:r>
-                  <a:rPr lang="en-US">
+                  <a:rPr lang="es-CO">
                     <a:noFill/>
                   </a:rPr>
                   <a:t> </a:t>
@@ -6775,8 +6157,8 @@
             </p:nvSpPr>
             <p:spPr>
               <a:xfrm>
-                <a:off x="8755863" y="1561639"/>
-                <a:ext cx="699222" cy="369332"/>
+                <a:off x="8473682" y="1561639"/>
+                <a:ext cx="699222" cy="381515"/>
               </a:xfrm>
               <a:prstGeom prst="rect">
                 <a:avLst/>
@@ -6789,6 +6171,7 @@
               </a:bodyPr>
               <a:lstStyle/>
               <a:p>
+                <a:pPr/>
                 <a14:m>
                   <m:oMathPara xmlns:m="http://schemas.openxmlformats.org/officeDocument/2006/math">
                     <m:oMathParaPr>
@@ -6833,6 +6216,17 @@
                             </a:rPr>
                             <m:t>4</m:t>
                           </m:r>
+                          <m:r>
+                            <a:rPr lang="es-MX" b="0" i="1" smtClean="0">
+                              <a:solidFill>
+                                <a:schemeClr val="accent1">
+                                  <a:lumMod val="75000"/>
+                                </a:schemeClr>
+                              </a:solidFill>
+                              <a:latin typeface="Cambria Math" panose="02040503050406030204" pitchFamily="18" charset="0"/>
+                            </a:rPr>
+                            <m:t>,6</m:t>
+                          </m:r>
                         </m:sub>
                       </m:sSub>
                     </m:oMath>
@@ -6866,8 +6260,8 @@
             </p:nvSpPr>
             <p:spPr>
               <a:xfrm>
-                <a:off x="8755863" y="1561639"/>
-                <a:ext cx="699222" cy="369332"/>
+                <a:off x="8473682" y="1561639"/>
+                <a:ext cx="699222" cy="381515"/>
               </a:xfrm>
               <a:prstGeom prst="rect">
                 <a:avLst/>
@@ -6884,7 +6278,7 @@
               <a:lstStyle/>
               <a:p>
                 <a:r>
-                  <a:rPr lang="en-US">
+                  <a:rPr lang="es-CO">
                     <a:noFill/>
                   </a:rPr>
                   <a:t> </a:t>
@@ -6912,47 +6306,6 @@
           <a:xfrm flipV="1">
             <a:off x="8211695" y="1591035"/>
             <a:ext cx="788546" cy="7316"/>
-          </a:xfrm>
-          <a:prstGeom prst="straightConnector1">
-            <a:avLst/>
-          </a:prstGeom>
-          <a:ln w="57150">
-            <a:tailEnd type="triangle"/>
-          </a:ln>
-        </p:spPr>
-        <p:style>
-          <a:lnRef idx="1">
-            <a:schemeClr val="accent1"/>
-          </a:lnRef>
-          <a:fillRef idx="0">
-            <a:schemeClr val="accent1"/>
-          </a:fillRef>
-          <a:effectRef idx="0">
-            <a:schemeClr val="accent1"/>
-          </a:effectRef>
-          <a:fontRef idx="minor">
-            <a:schemeClr val="tx1"/>
-          </a:fontRef>
-        </p:style>
-      </p:cxnSp>
-      <p:cxnSp>
-        <p:nvCxnSpPr>
-          <p:cNvPr id="87" name="Conector recto de flecha 21">
-            <a:extLst>
-              <a:ext uri="{FF2B5EF4-FFF2-40B4-BE49-F238E27FC236}">
-                <a16:creationId xmlns:a16="http://schemas.microsoft.com/office/drawing/2014/main" id="{D76B4EA2-8D27-462B-B51C-F01CFEA831DC}"/>
-              </a:ext>
-            </a:extLst>
-          </p:cNvPr>
-          <p:cNvCxnSpPr>
-            <a:cxnSpLocks/>
-          </p:cNvCxnSpPr>
-          <p:nvPr/>
-        </p:nvCxnSpPr>
-        <p:spPr>
-          <a:xfrm flipV="1">
-            <a:off x="8207331" y="1185186"/>
-            <a:ext cx="620445" cy="415711"/>
           </a:xfrm>
           <a:prstGeom prst="straightConnector1">
             <a:avLst/>
@@ -6992,7 +6345,7 @@
             </p:nvSpPr>
             <p:spPr>
               <a:xfrm>
-                <a:off x="8356845" y="823959"/>
+                <a:off x="8599749" y="977147"/>
                 <a:ext cx="699222" cy="369332"/>
               </a:xfrm>
               <a:prstGeom prst="rect">
@@ -7006,6 +6359,7 @@
               </a:bodyPr>
               <a:lstStyle/>
               <a:p>
+                <a:pPr/>
                 <a14:m>
                   <m:oMathPara xmlns:m="http://schemas.openxmlformats.org/officeDocument/2006/math">
                     <m:oMathParaPr>
@@ -7083,7 +6437,7 @@
             </p:nvSpPr>
             <p:spPr>
               <a:xfrm>
-                <a:off x="8356845" y="823959"/>
+                <a:off x="8599749" y="977147"/>
                 <a:ext cx="699222" cy="369332"/>
               </a:xfrm>
               <a:prstGeom prst="rect">
@@ -7101,285 +6455,7 @@
               <a:lstStyle/>
               <a:p>
                 <a:r>
-                  <a:rPr lang="en-US">
-                    <a:noFill/>
-                  </a:rPr>
-                  <a:t> </a:t>
-                </a:r>
-              </a:p>
-            </p:txBody>
-          </p:sp>
-        </mc:Fallback>
-      </mc:AlternateContent>
-      <p:cxnSp>
-        <p:nvCxnSpPr>
-          <p:cNvPr id="93" name="Conector recto de flecha 21">
-            <a:extLst>
-              <a:ext uri="{FF2B5EF4-FFF2-40B4-BE49-F238E27FC236}">
-                <a16:creationId xmlns:a16="http://schemas.microsoft.com/office/drawing/2014/main" id="{A31A1295-B8F3-4A9C-9044-D36DB18DC123}"/>
-              </a:ext>
-            </a:extLst>
-          </p:cNvPr>
-          <p:cNvCxnSpPr>
-            <a:cxnSpLocks/>
-          </p:cNvCxnSpPr>
-          <p:nvPr/>
-        </p:nvCxnSpPr>
-        <p:spPr>
-          <a:xfrm>
-            <a:off x="8191440" y="1581812"/>
-            <a:ext cx="210832" cy="524041"/>
-          </a:xfrm>
-          <a:prstGeom prst="straightConnector1">
-            <a:avLst/>
-          </a:prstGeom>
-          <a:ln w="57150">
-            <a:tailEnd type="triangle"/>
-          </a:ln>
-        </p:spPr>
-        <p:style>
-          <a:lnRef idx="1">
-            <a:schemeClr val="accent1"/>
-          </a:lnRef>
-          <a:fillRef idx="0">
-            <a:schemeClr val="accent1"/>
-          </a:fillRef>
-          <a:effectRef idx="0">
-            <a:schemeClr val="accent1"/>
-          </a:effectRef>
-          <a:fontRef idx="minor">
-            <a:schemeClr val="tx1"/>
-          </a:fontRef>
-        </p:style>
-      </p:cxnSp>
-      <mc:AlternateContent xmlns:mc="http://schemas.openxmlformats.org/markup-compatibility/2006">
-        <mc:Choice xmlns:a14="http://schemas.microsoft.com/office/drawing/2010/main" Requires="a14">
-          <p:sp>
-            <p:nvSpPr>
-              <p:cNvPr id="96" name="CuadroTexto 22">
-                <a:extLst>
-                  <a:ext uri="{FF2B5EF4-FFF2-40B4-BE49-F238E27FC236}">
-                    <a16:creationId xmlns:a16="http://schemas.microsoft.com/office/drawing/2014/main" id="{766D0387-37FC-4561-B86F-74D3749F11A7}"/>
-                  </a:ext>
-                </a:extLst>
-              </p:cNvPr>
-              <p:cNvSpPr txBox="1"/>
-              <p:nvPr/>
-            </p:nvSpPr>
-            <p:spPr>
-              <a:xfrm>
-                <a:off x="7802534" y="1930416"/>
-                <a:ext cx="699222" cy="369332"/>
-              </a:xfrm>
-              <a:prstGeom prst="rect">
-                <a:avLst/>
-              </a:prstGeom>
-              <a:noFill/>
-            </p:spPr>
-            <p:txBody>
-              <a:bodyPr wrap="square" rtlCol="0">
-                <a:spAutoFit/>
-              </a:bodyPr>
-              <a:lstStyle/>
-              <a:p>
-                <a14:m>
-                  <m:oMathPara xmlns:m="http://schemas.openxmlformats.org/officeDocument/2006/math">
-                    <m:oMathParaPr>
-                      <m:jc m:val="centerGroup"/>
-                    </m:oMathParaPr>
-                    <m:oMath xmlns:m="http://schemas.openxmlformats.org/officeDocument/2006/math">
-                      <m:sSub>
-                        <m:sSubPr>
-                          <m:ctrlPr>
-                            <a:rPr lang="es-CO" b="0" i="1" smtClean="0">
-                              <a:solidFill>
-                                <a:schemeClr val="accent1">
-                                  <a:lumMod val="75000"/>
-                                </a:schemeClr>
-                              </a:solidFill>
-                              <a:latin typeface="Cambria Math" panose="02040503050406030204" pitchFamily="18" charset="0"/>
-                            </a:rPr>
-                          </m:ctrlPr>
-                        </m:sSubPr>
-                        <m:e>
-                          <m:r>
-                            <a:rPr lang="es-CO" b="0" i="1" smtClean="0">
-                              <a:solidFill>
-                                <a:schemeClr val="accent1">
-                                  <a:lumMod val="75000"/>
-                                </a:schemeClr>
-                              </a:solidFill>
-                              <a:latin typeface="Cambria Math" panose="02040503050406030204" pitchFamily="18" charset="0"/>
-                            </a:rPr>
-                            <m:t>𝑍</m:t>
-                          </m:r>
-                        </m:e>
-                        <m:sub>
-                          <m:r>
-                            <a:rPr lang="es-CO" b="0" i="1" smtClean="0">
-                              <a:solidFill>
-                                <a:schemeClr val="accent1">
-                                  <a:lumMod val="75000"/>
-                                </a:schemeClr>
-                              </a:solidFill>
-                              <a:latin typeface="Cambria Math" panose="02040503050406030204" pitchFamily="18" charset="0"/>
-                            </a:rPr>
-                            <m:t>6</m:t>
-                          </m:r>
-                        </m:sub>
-                      </m:sSub>
-                    </m:oMath>
-                  </m:oMathPara>
-                </a14:m>
-                <a:endParaRPr lang="es-CO" dirty="0">
-                  <a:solidFill>
-                    <a:schemeClr val="accent1">
-                      <a:lumMod val="75000"/>
-                    </a:schemeClr>
-                  </a:solidFill>
-                </a:endParaRPr>
-              </a:p>
-            </p:txBody>
-          </p:sp>
-        </mc:Choice>
-        <mc:Fallback>
-          <p:sp>
-            <p:nvSpPr>
-              <p:cNvPr id="96" name="CuadroTexto 22">
-                <a:extLst>
-                  <a:ext uri="{FF2B5EF4-FFF2-40B4-BE49-F238E27FC236}">
-                    <a16:creationId xmlns:a16="http://schemas.microsoft.com/office/drawing/2014/main" id="{766D0387-37FC-4561-B86F-74D3749F11A7}"/>
-                  </a:ext>
-                </a:extLst>
-              </p:cNvPr>
-              <p:cNvSpPr txBox="1">
-                <a:spLocks noRot="1" noChangeAspect="1" noMove="1" noResize="1" noEditPoints="1" noAdjustHandles="1" noChangeArrowheads="1" noChangeShapeType="1" noTextEdit="1"/>
-              </p:cNvSpPr>
-              <p:nvPr/>
-            </p:nvSpPr>
-            <p:spPr>
-              <a:xfrm>
-                <a:off x="7802534" y="1930416"/>
-                <a:ext cx="699222" cy="369332"/>
-              </a:xfrm>
-              <a:prstGeom prst="rect">
-                <a:avLst/>
-              </a:prstGeom>
-              <a:blipFill>
-                <a:blip r:embed="rId8"/>
-                <a:stretch>
-                  <a:fillRect/>
-                </a:stretch>
-              </a:blipFill>
-            </p:spPr>
-            <p:txBody>
-              <a:bodyPr/>
-              <a:lstStyle/>
-              <a:p>
-                <a:r>
-                  <a:rPr lang="en-US">
-                    <a:noFill/>
-                  </a:rPr>
-                  <a:t> </a:t>
-                </a:r>
-              </a:p>
-            </p:txBody>
-          </p:sp>
-        </mc:Fallback>
-      </mc:AlternateContent>
-      <mc:AlternateContent xmlns:mc="http://schemas.openxmlformats.org/markup-compatibility/2006">
-        <mc:Choice xmlns:a14="http://schemas.microsoft.com/office/drawing/2010/main" Requires="a14">
-          <p:sp>
-            <p:nvSpPr>
-              <p:cNvPr id="97" name="CuadroTexto 22">
-                <a:extLst>
-                  <a:ext uri="{FF2B5EF4-FFF2-40B4-BE49-F238E27FC236}">
-                    <a16:creationId xmlns:a16="http://schemas.microsoft.com/office/drawing/2014/main" id="{0A012604-F0B0-4F10-80EA-0D37D2A40051}"/>
-                  </a:ext>
-                </a:extLst>
-              </p:cNvPr>
-              <p:cNvSpPr txBox="1"/>
-              <p:nvPr/>
-            </p:nvSpPr>
-            <p:spPr>
-              <a:xfrm>
-                <a:off x="8269158" y="2751045"/>
-                <a:ext cx="699222" cy="369332"/>
-              </a:xfrm>
-              <a:prstGeom prst="rect">
-                <a:avLst/>
-              </a:prstGeom>
-              <a:noFill/>
-            </p:spPr>
-            <p:txBody>
-              <a:bodyPr wrap="square" rtlCol="0">
-                <a:spAutoFit/>
-              </a:bodyPr>
-              <a:lstStyle/>
-              <a:p>
-                <a14:m>
-                  <m:oMathPara xmlns:m="http://schemas.openxmlformats.org/officeDocument/2006/math">
-                    <m:oMathParaPr>
-                      <m:jc m:val="centerGroup"/>
-                    </m:oMathParaPr>
-                    <m:oMath xmlns:m="http://schemas.openxmlformats.org/officeDocument/2006/math">
-                      <m:r>
-                        <a:rPr lang="es-CO" b="0" i="1" smtClean="0">
-                          <a:solidFill>
-                            <a:srgbClr val="00B0F0"/>
-                          </a:solidFill>
-                          <a:latin typeface="Cambria Math" panose="02040503050406030204" pitchFamily="18" charset="0"/>
-                        </a:rPr>
-                        <m:t>𝑎</m:t>
-                      </m:r>
-                    </m:oMath>
-                  </m:oMathPara>
-                </a14:m>
-                <a:endParaRPr lang="es-CO" dirty="0">
-                  <a:solidFill>
-                    <a:srgbClr val="00B0F0"/>
-                  </a:solidFill>
-                </a:endParaRPr>
-              </a:p>
-            </p:txBody>
-          </p:sp>
-        </mc:Choice>
-        <mc:Fallback>
-          <p:sp>
-            <p:nvSpPr>
-              <p:cNvPr id="97" name="CuadroTexto 22">
-                <a:extLst>
-                  <a:ext uri="{FF2B5EF4-FFF2-40B4-BE49-F238E27FC236}">
-                    <a16:creationId xmlns:a16="http://schemas.microsoft.com/office/drawing/2014/main" id="{0A012604-F0B0-4F10-80EA-0D37D2A40051}"/>
-                  </a:ext>
-                </a:extLst>
-              </p:cNvPr>
-              <p:cNvSpPr txBox="1">
-                <a:spLocks noRot="1" noChangeAspect="1" noMove="1" noResize="1" noEditPoints="1" noAdjustHandles="1" noChangeArrowheads="1" noChangeShapeType="1" noTextEdit="1"/>
-              </p:cNvSpPr>
-              <p:nvPr/>
-            </p:nvSpPr>
-            <p:spPr>
-              <a:xfrm>
-                <a:off x="8269158" y="2751045"/>
-                <a:ext cx="699222" cy="369332"/>
-              </a:xfrm>
-              <a:prstGeom prst="rect">
-                <a:avLst/>
-              </a:prstGeom>
-              <a:blipFill>
-                <a:blip r:embed="rId9"/>
-                <a:stretch>
-                  <a:fillRect/>
-                </a:stretch>
-              </a:blipFill>
-            </p:spPr>
-            <p:txBody>
-              <a:bodyPr/>
-              <a:lstStyle/>
-              <a:p>
-                <a:r>
-                  <a:rPr lang="en-US">
+                  <a:rPr lang="es-CO">
                     <a:noFill/>
                   </a:rPr>
                   <a:t> </a:t>
@@ -7405,7 +6481,7 @@
             </p:nvSpPr>
             <p:spPr>
               <a:xfrm>
-                <a:off x="5032169" y="3986471"/>
+                <a:off x="5032169" y="4148309"/>
                 <a:ext cx="699222" cy="369332"/>
               </a:xfrm>
               <a:prstGeom prst="rect">
@@ -7419,6 +6495,7 @@
               </a:bodyPr>
               <a:lstStyle/>
               <a:p>
+                <a:pPr/>
                 <a14:m>
                   <m:oMathPara xmlns:m="http://schemas.openxmlformats.org/officeDocument/2006/math">
                     <m:oMathParaPr>
@@ -7488,14 +6565,14 @@
             </p:nvSpPr>
             <p:spPr>
               <a:xfrm>
-                <a:off x="5032169" y="3986471"/>
+                <a:off x="5032169" y="4148309"/>
                 <a:ext cx="699222" cy="369332"/>
               </a:xfrm>
               <a:prstGeom prst="rect">
                 <a:avLst/>
               </a:prstGeom>
               <a:blipFill>
-                <a:blip r:embed="rId10"/>
+                <a:blip r:embed="rId8"/>
                 <a:stretch>
                   <a:fillRect/>
                 </a:stretch>
@@ -7506,7 +6583,7 @@
               <a:lstStyle/>
               <a:p>
                 <a:r>
-                  <a:rPr lang="en-US">
+                  <a:rPr lang="es-CO">
                     <a:noFill/>
                   </a:rPr>
                   <a:t> </a:t>
@@ -7516,8 +6593,8 @@
           </p:sp>
         </mc:Fallback>
       </mc:AlternateContent>
-      <mc:AlternateContent xmlns:mc="http://schemas.openxmlformats.org/markup-compatibility/2006">
-        <mc:Choice xmlns:a14="http://schemas.microsoft.com/office/drawing/2010/main" Requires="a14">
+      <mc:AlternateContent xmlns:mc="http://schemas.openxmlformats.org/markup-compatibility/2006" xmlns:a14="http://schemas.microsoft.com/office/drawing/2010/main">
+        <mc:Choice Requires="a14">
           <p:sp>
             <p:nvSpPr>
               <p:cNvPr id="99" name="CuadroTexto 22">
@@ -7546,6 +6623,7 @@
               </a:bodyPr>
               <a:lstStyle/>
               <a:p>
+                <a:pPr/>
                 <a14:m>
                   <m:oMathPara xmlns:m="http://schemas.openxmlformats.org/officeDocument/2006/math">
                     <m:oMathParaPr>
@@ -7598,7 +6676,7 @@
             </p:txBody>
           </p:sp>
         </mc:Choice>
-        <mc:Fallback>
+        <mc:Fallback xmlns="">
           <p:sp>
             <p:nvSpPr>
               <p:cNvPr id="99" name="CuadroTexto 22">
@@ -7659,7 +6737,7 @@
             </p:nvSpPr>
             <p:spPr>
               <a:xfrm>
-                <a:off x="5970193" y="3041258"/>
+                <a:off x="5626827" y="3367221"/>
                 <a:ext cx="699222" cy="369332"/>
               </a:xfrm>
               <a:prstGeom prst="rect">
@@ -7673,6 +6751,7 @@
               </a:bodyPr>
               <a:lstStyle/>
               <a:p>
+                <a:pPr/>
                 <a14:m>
                   <m:oMathPara xmlns:m="http://schemas.openxmlformats.org/officeDocument/2006/math">
                     <m:oMathParaPr>
@@ -7742,7 +6821,7 @@
             </p:nvSpPr>
             <p:spPr>
               <a:xfrm>
-                <a:off x="5970193" y="3041258"/>
+                <a:off x="5626827" y="3367221"/>
                 <a:ext cx="699222" cy="369332"/>
               </a:xfrm>
               <a:prstGeom prst="rect">
@@ -7760,261 +6839,7 @@
               <a:lstStyle/>
               <a:p>
                 <a:r>
-                  <a:rPr lang="en-US">
-                    <a:noFill/>
-                  </a:rPr>
-                  <a:t> </a:t>
-                </a:r>
-              </a:p>
-            </p:txBody>
-          </p:sp>
-        </mc:Fallback>
-      </mc:AlternateContent>
-      <mc:AlternateContent xmlns:mc="http://schemas.openxmlformats.org/markup-compatibility/2006">
-        <mc:Choice xmlns:a14="http://schemas.microsoft.com/office/drawing/2010/main" Requires="a14">
-          <p:sp>
-            <p:nvSpPr>
-              <p:cNvPr id="102" name="CuadroTexto 22">
-                <a:extLst>
-                  <a:ext uri="{FF2B5EF4-FFF2-40B4-BE49-F238E27FC236}">
-                    <a16:creationId xmlns:a16="http://schemas.microsoft.com/office/drawing/2014/main" id="{D476337B-BAC4-4BC1-A693-9C531013F64C}"/>
-                  </a:ext>
-                </a:extLst>
-              </p:cNvPr>
-              <p:cNvSpPr txBox="1"/>
-              <p:nvPr/>
-            </p:nvSpPr>
-            <p:spPr>
-              <a:xfrm>
-                <a:off x="5599760" y="559712"/>
-                <a:ext cx="699222" cy="369332"/>
-              </a:xfrm>
-              <a:prstGeom prst="rect">
-                <a:avLst/>
-              </a:prstGeom>
-              <a:noFill/>
-            </p:spPr>
-            <p:txBody>
-              <a:bodyPr wrap="square" rtlCol="0">
-                <a:spAutoFit/>
-              </a:bodyPr>
-              <a:lstStyle/>
-              <a:p>
-                <a14:m>
-                  <m:oMathPara xmlns:m="http://schemas.openxmlformats.org/officeDocument/2006/math">
-                    <m:oMathParaPr>
-                      <m:jc m:val="centerGroup"/>
-                    </m:oMathParaPr>
-                    <m:oMath xmlns:m="http://schemas.openxmlformats.org/officeDocument/2006/math">
-                      <m:sSub>
-                        <m:sSubPr>
-                          <m:ctrlPr>
-                            <a:rPr lang="es-CO" b="0" i="1" smtClean="0">
-                              <a:solidFill>
-                                <a:srgbClr val="FF0000"/>
-                              </a:solidFill>
-                              <a:latin typeface="Cambria Math" panose="02040503050406030204" pitchFamily="18" charset="0"/>
-                            </a:rPr>
-                          </m:ctrlPr>
-                        </m:sSubPr>
-                        <m:e>
-                          <m:r>
-                            <a:rPr lang="es-CO" b="0" i="1" smtClean="0">
-                              <a:solidFill>
-                                <a:srgbClr val="FF0000"/>
-                              </a:solidFill>
-                              <a:latin typeface="Cambria Math" panose="02040503050406030204" pitchFamily="18" charset="0"/>
-                            </a:rPr>
-                            <m:t>𝑋</m:t>
-                          </m:r>
-                        </m:e>
-                        <m:sub>
-                          <m:r>
-                            <a:rPr lang="es-CO" b="0" i="1" smtClean="0">
-                              <a:solidFill>
-                                <a:srgbClr val="FF0000"/>
-                              </a:solidFill>
-                              <a:latin typeface="Cambria Math" panose="02040503050406030204" pitchFamily="18" charset="0"/>
-                            </a:rPr>
-                            <m:t>3</m:t>
-                          </m:r>
-                        </m:sub>
-                      </m:sSub>
-                    </m:oMath>
-                  </m:oMathPara>
-                </a14:m>
-                <a:endParaRPr lang="es-CO" dirty="0">
-                  <a:solidFill>
-                    <a:srgbClr val="FF0000"/>
-                  </a:solidFill>
-                </a:endParaRPr>
-              </a:p>
-            </p:txBody>
-          </p:sp>
-        </mc:Choice>
-        <mc:Fallback>
-          <p:sp>
-            <p:nvSpPr>
-              <p:cNvPr id="102" name="CuadroTexto 22">
-                <a:extLst>
-                  <a:ext uri="{FF2B5EF4-FFF2-40B4-BE49-F238E27FC236}">
-                    <a16:creationId xmlns:a16="http://schemas.microsoft.com/office/drawing/2014/main" id="{D476337B-BAC4-4BC1-A693-9C531013F64C}"/>
-                  </a:ext>
-                </a:extLst>
-              </p:cNvPr>
-              <p:cNvSpPr txBox="1">
-                <a:spLocks noRot="1" noChangeAspect="1" noMove="1" noResize="1" noEditPoints="1" noAdjustHandles="1" noChangeArrowheads="1" noChangeShapeType="1" noTextEdit="1"/>
-              </p:cNvSpPr>
-              <p:nvPr/>
-            </p:nvSpPr>
-            <p:spPr>
-              <a:xfrm>
-                <a:off x="5599760" y="559712"/>
-                <a:ext cx="699222" cy="369332"/>
-              </a:xfrm>
-              <a:prstGeom prst="rect">
-                <a:avLst/>
-              </a:prstGeom>
-              <a:blipFill>
-                <a:blip r:embed="rId13"/>
-                <a:stretch>
-                  <a:fillRect/>
-                </a:stretch>
-              </a:blipFill>
-            </p:spPr>
-            <p:txBody>
-              <a:bodyPr/>
-              <a:lstStyle/>
-              <a:p>
-                <a:r>
-                  <a:rPr lang="en-US">
-                    <a:noFill/>
-                  </a:rPr>
-                  <a:t> </a:t>
-                </a:r>
-              </a:p>
-            </p:txBody>
-          </p:sp>
-        </mc:Fallback>
-      </mc:AlternateContent>
-      <mc:AlternateContent xmlns:mc="http://schemas.openxmlformats.org/markup-compatibility/2006">
-        <mc:Choice xmlns:a14="http://schemas.microsoft.com/office/drawing/2010/main" Requires="a14">
-          <p:sp>
-            <p:nvSpPr>
-              <p:cNvPr id="103" name="CuadroTexto 22">
-                <a:extLst>
-                  <a:ext uri="{FF2B5EF4-FFF2-40B4-BE49-F238E27FC236}">
-                    <a16:creationId xmlns:a16="http://schemas.microsoft.com/office/drawing/2014/main" id="{27C167C3-D4D0-4EA9-BE87-7AC088EAF18E}"/>
-                  </a:ext>
-                </a:extLst>
-              </p:cNvPr>
-              <p:cNvSpPr txBox="1"/>
-              <p:nvPr/>
-            </p:nvSpPr>
-            <p:spPr>
-              <a:xfrm>
-                <a:off x="8933538" y="1146901"/>
-                <a:ext cx="699222" cy="381515"/>
-              </a:xfrm>
-              <a:prstGeom prst="rect">
-                <a:avLst/>
-              </a:prstGeom>
-              <a:noFill/>
-            </p:spPr>
-            <p:txBody>
-              <a:bodyPr wrap="square" rtlCol="0">
-                <a:spAutoFit/>
-              </a:bodyPr>
-              <a:lstStyle/>
-              <a:p>
-                <a14:m>
-                  <m:oMathPara xmlns:m="http://schemas.openxmlformats.org/officeDocument/2006/math">
-                    <m:oMathParaPr>
-                      <m:jc m:val="centerGroup"/>
-                    </m:oMathParaPr>
-                    <m:oMath xmlns:m="http://schemas.openxmlformats.org/officeDocument/2006/math">
-                      <m:sSub>
-                        <m:sSubPr>
-                          <m:ctrlPr>
-                            <a:rPr lang="es-CO" b="0" i="1" smtClean="0">
-                              <a:solidFill>
-                                <a:srgbClr val="FF0000"/>
-                              </a:solidFill>
-                              <a:latin typeface="Cambria Math" panose="02040503050406030204" pitchFamily="18" charset="0"/>
-                            </a:rPr>
-                          </m:ctrlPr>
-                        </m:sSubPr>
-                        <m:e>
-                          <m:r>
-                            <a:rPr lang="es-CO" b="0" i="1" smtClean="0">
-                              <a:solidFill>
-                                <a:srgbClr val="FF0000"/>
-                              </a:solidFill>
-                              <a:latin typeface="Cambria Math" panose="02040503050406030204" pitchFamily="18" charset="0"/>
-                            </a:rPr>
-                            <m:t>𝑋</m:t>
-                          </m:r>
-                        </m:e>
-                        <m:sub>
-                          <m:r>
-                            <a:rPr lang="es-CO" b="0" i="1" smtClean="0">
-                              <a:solidFill>
-                                <a:srgbClr val="FF0000"/>
-                              </a:solidFill>
-                              <a:latin typeface="Cambria Math" panose="02040503050406030204" pitchFamily="18" charset="0"/>
-                            </a:rPr>
-                            <m:t>5,6</m:t>
-                          </m:r>
-                        </m:sub>
-                      </m:sSub>
-                    </m:oMath>
-                  </m:oMathPara>
-                </a14:m>
-                <a:endParaRPr lang="es-CO" dirty="0">
-                  <a:solidFill>
-                    <a:srgbClr val="FF0000"/>
-                  </a:solidFill>
-                </a:endParaRPr>
-              </a:p>
-            </p:txBody>
-          </p:sp>
-        </mc:Choice>
-        <mc:Fallback>
-          <p:sp>
-            <p:nvSpPr>
-              <p:cNvPr id="103" name="CuadroTexto 22">
-                <a:extLst>
-                  <a:ext uri="{FF2B5EF4-FFF2-40B4-BE49-F238E27FC236}">
-                    <a16:creationId xmlns:a16="http://schemas.microsoft.com/office/drawing/2014/main" id="{27C167C3-D4D0-4EA9-BE87-7AC088EAF18E}"/>
-                  </a:ext>
-                </a:extLst>
-              </p:cNvPr>
-              <p:cNvSpPr txBox="1">
-                <a:spLocks noRot="1" noChangeAspect="1" noMove="1" noResize="1" noEditPoints="1" noAdjustHandles="1" noChangeArrowheads="1" noChangeShapeType="1" noTextEdit="1"/>
-              </p:cNvSpPr>
-              <p:nvPr/>
-            </p:nvSpPr>
-            <p:spPr>
-              <a:xfrm>
-                <a:off x="8933538" y="1146901"/>
-                <a:ext cx="699222" cy="381515"/>
-              </a:xfrm>
-              <a:prstGeom prst="rect">
-                <a:avLst/>
-              </a:prstGeom>
-              <a:blipFill>
-                <a:blip r:embed="rId14"/>
-                <a:stretch>
-                  <a:fillRect/>
-                </a:stretch>
-              </a:blipFill>
-            </p:spPr>
-            <p:txBody>
-              <a:bodyPr/>
-              <a:lstStyle/>
-              <a:p>
-                <a:r>
-                  <a:rPr lang="en-US">
+                  <a:rPr lang="es-CO">
                     <a:noFill/>
                   </a:rPr>
                   <a:t> </a:t>
@@ -8041,7 +6866,7 @@
             <p:spPr>
               <a:xfrm>
                 <a:off x="8001915" y="514374"/>
-                <a:ext cx="699222" cy="369332"/>
+                <a:ext cx="699222" cy="381515"/>
               </a:xfrm>
               <a:prstGeom prst="rect">
                 <a:avLst/>
@@ -8054,6 +6879,7 @@
               </a:bodyPr>
               <a:lstStyle/>
               <a:p>
+                <a:pPr/>
                 <a14:m>
                   <m:oMathPara xmlns:m="http://schemas.openxmlformats.org/officeDocument/2006/math">
                     <m:oMathParaPr>
@@ -8092,6 +6918,15 @@
                             </a:rPr>
                             <m:t>4</m:t>
                           </m:r>
+                          <m:r>
+                            <a:rPr lang="es-MX" b="0" i="1" smtClean="0">
+                              <a:solidFill>
+                                <a:srgbClr val="FF0000"/>
+                              </a:solidFill>
+                              <a:latin typeface="Cambria Math" panose="02040503050406030204" pitchFamily="18" charset="0"/>
+                            </a:rPr>
+                            <m:t>,5,6</m:t>
+                          </m:r>
                         </m:sub>
                       </m:sSub>
                     </m:oMath>
@@ -8124,13 +6959,13 @@
             <p:spPr>
               <a:xfrm>
                 <a:off x="8001915" y="514374"/>
-                <a:ext cx="699222" cy="369332"/>
+                <a:ext cx="699222" cy="381515"/>
               </a:xfrm>
               <a:prstGeom prst="rect">
                 <a:avLst/>
               </a:prstGeom>
               <a:blipFill>
-                <a:blip r:embed="rId15"/>
+                <a:blip r:embed="rId13"/>
                 <a:stretch>
                   <a:fillRect/>
                 </a:stretch>
@@ -8141,7 +6976,7 @@
               <a:lstStyle/>
               <a:p>
                 <a:r>
-                  <a:rPr lang="en-US">
+                  <a:rPr lang="es-CO">
                     <a:noFill/>
                   </a:rPr>
                   <a:t> </a:t>
@@ -8151,110 +6986,8 @@
           </p:sp>
         </mc:Fallback>
       </mc:AlternateContent>
-      <mc:AlternateContent xmlns:mc="http://schemas.openxmlformats.org/markup-compatibility/2006">
-        <mc:Choice xmlns:a14="http://schemas.microsoft.com/office/drawing/2010/main" Requires="a14">
-          <p:sp>
-            <p:nvSpPr>
-              <p:cNvPr id="105" name="CuadroTexto 22">
-                <a:extLst>
-                  <a:ext uri="{FF2B5EF4-FFF2-40B4-BE49-F238E27FC236}">
-                    <a16:creationId xmlns:a16="http://schemas.microsoft.com/office/drawing/2014/main" id="{BCC2227A-B359-46EA-B9E0-D5E1B7FDA5DF}"/>
-                  </a:ext>
-                </a:extLst>
-              </p:cNvPr>
-              <p:cNvSpPr txBox="1"/>
-              <p:nvPr/>
-            </p:nvSpPr>
-            <p:spPr>
-              <a:xfrm>
-                <a:off x="8668664" y="1937958"/>
-                <a:ext cx="699222" cy="369332"/>
-              </a:xfrm>
-              <a:prstGeom prst="rect">
-                <a:avLst/>
-              </a:prstGeom>
-              <a:noFill/>
-            </p:spPr>
-            <p:txBody>
-              <a:bodyPr wrap="square" rtlCol="0">
-                <a:spAutoFit/>
-              </a:bodyPr>
-              <a:lstStyle/>
-              <a:p>
-                <a14:m>
-                  <m:oMathPara xmlns:m="http://schemas.openxmlformats.org/officeDocument/2006/math">
-                    <m:oMathParaPr>
-                      <m:jc m:val="centerGroup"/>
-                    </m:oMathParaPr>
-                    <m:oMath xmlns:m="http://schemas.openxmlformats.org/officeDocument/2006/math">
-                      <m:r>
-                        <a:rPr lang="es-CO" b="0" i="1" smtClean="0">
-                          <a:solidFill>
-                            <a:srgbClr val="FF3300"/>
-                          </a:solidFill>
-                          <a:latin typeface="Cambria Math" panose="02040503050406030204" pitchFamily="18" charset="0"/>
-                        </a:rPr>
-                        <m:t>𝑛</m:t>
-                      </m:r>
-                    </m:oMath>
-                  </m:oMathPara>
-                </a14:m>
-                <a:endParaRPr lang="es-CO" dirty="0">
-                  <a:solidFill>
-                    <a:srgbClr val="FF3300"/>
-                  </a:solidFill>
-                </a:endParaRPr>
-              </a:p>
-            </p:txBody>
-          </p:sp>
-        </mc:Choice>
-        <mc:Fallback>
-          <p:sp>
-            <p:nvSpPr>
-              <p:cNvPr id="105" name="CuadroTexto 22">
-                <a:extLst>
-                  <a:ext uri="{FF2B5EF4-FFF2-40B4-BE49-F238E27FC236}">
-                    <a16:creationId xmlns:a16="http://schemas.microsoft.com/office/drawing/2014/main" id="{BCC2227A-B359-46EA-B9E0-D5E1B7FDA5DF}"/>
-                  </a:ext>
-                </a:extLst>
-              </p:cNvPr>
-              <p:cNvSpPr txBox="1">
-                <a:spLocks noRot="1" noChangeAspect="1" noMove="1" noResize="1" noEditPoints="1" noAdjustHandles="1" noChangeArrowheads="1" noChangeShapeType="1" noTextEdit="1"/>
-              </p:cNvSpPr>
-              <p:nvPr/>
-            </p:nvSpPr>
-            <p:spPr>
-              <a:xfrm>
-                <a:off x="8668664" y="1937958"/>
-                <a:ext cx="699222" cy="369332"/>
-              </a:xfrm>
-              <a:prstGeom prst="rect">
-                <a:avLst/>
-              </a:prstGeom>
-              <a:blipFill>
-                <a:blip r:embed="rId16"/>
-                <a:stretch>
-                  <a:fillRect/>
-                </a:stretch>
-              </a:blipFill>
-            </p:spPr>
-            <p:txBody>
-              <a:bodyPr/>
-              <a:lstStyle/>
-              <a:p>
-                <a:r>
-                  <a:rPr lang="en-US">
-                    <a:noFill/>
-                  </a:rPr>
-                  <a:t> </a:t>
-                </a:r>
-              </a:p>
-            </p:txBody>
-          </p:sp>
-        </mc:Fallback>
-      </mc:AlternateContent>
-      <mc:AlternateContent xmlns:mc="http://schemas.openxmlformats.org/markup-compatibility/2006">
-        <mc:Choice xmlns:a14="http://schemas.microsoft.com/office/drawing/2010/main" Requires="a14">
+      <mc:AlternateContent xmlns:mc="http://schemas.openxmlformats.org/markup-compatibility/2006" xmlns:a14="http://schemas.microsoft.com/office/drawing/2010/main">
+        <mc:Choice Requires="a14">
           <p:sp>
             <p:nvSpPr>
               <p:cNvPr id="106" name="CuadroTexto 22">
@@ -8283,6 +7016,7 @@
               </a:bodyPr>
               <a:lstStyle/>
               <a:p>
+                <a:pPr/>
                 <a14:m>
                   <m:oMathPara xmlns:m="http://schemas.openxmlformats.org/officeDocument/2006/math">
                     <m:oMathParaPr>
@@ -8343,7 +7077,7 @@
             </p:txBody>
           </p:sp>
         </mc:Choice>
-        <mc:Fallback>
+        <mc:Fallback xmlns="">
           <p:sp>
             <p:nvSpPr>
               <p:cNvPr id="106" name="CuadroTexto 22">
@@ -8390,10 +7124,10 @@
       </mc:AlternateContent>
       <p:cxnSp>
         <p:nvCxnSpPr>
-          <p:cNvPr id="107" name="Conector recto de flecha 21">
-            <a:extLst>
-              <a:ext uri="{FF2B5EF4-FFF2-40B4-BE49-F238E27FC236}">
-                <a16:creationId xmlns:a16="http://schemas.microsoft.com/office/drawing/2014/main" id="{D1F4AA31-743F-4582-A04D-1D0E59595402}"/>
+          <p:cNvPr id="112" name="Conector recto de flecha 21">
+            <a:extLst>
+              <a:ext uri="{FF2B5EF4-FFF2-40B4-BE49-F238E27FC236}">
+                <a16:creationId xmlns:a16="http://schemas.microsoft.com/office/drawing/2014/main" id="{C5723831-A8B0-4AE2-9346-7091105B4567}"/>
               </a:ext>
             </a:extLst>
           </p:cNvPr>
@@ -8403,9 +7137,9 @@
           <p:nvPr/>
         </p:nvCxnSpPr>
         <p:spPr>
-          <a:xfrm flipH="1">
-            <a:off x="7958293" y="2224639"/>
-            <a:ext cx="480101" cy="384694"/>
+          <a:xfrm flipV="1">
+            <a:off x="4838285" y="5856925"/>
+            <a:ext cx="661142" cy="481498"/>
           </a:xfrm>
           <a:prstGeom prst="straightConnector1">
             <a:avLst/>
@@ -8432,154 +7166,8 @@
           </a:fontRef>
         </p:style>
       </p:cxnSp>
-      <mc:AlternateContent xmlns:mc="http://schemas.openxmlformats.org/markup-compatibility/2006">
-        <mc:Choice xmlns:a14="http://schemas.microsoft.com/office/drawing/2010/main" Requires="a14">
-          <p:sp>
-            <p:nvSpPr>
-              <p:cNvPr id="111" name="CuadroTexto 22">
-                <a:extLst>
-                  <a:ext uri="{FF2B5EF4-FFF2-40B4-BE49-F238E27FC236}">
-                    <a16:creationId xmlns:a16="http://schemas.microsoft.com/office/drawing/2014/main" id="{11038FF5-FC56-4157-A60B-AC5E5F1E3C8B}"/>
-                  </a:ext>
-                </a:extLst>
-              </p:cNvPr>
-              <p:cNvSpPr txBox="1"/>
-              <p:nvPr/>
-            </p:nvSpPr>
-            <p:spPr>
-              <a:xfrm>
-                <a:off x="7689534" y="2510373"/>
-                <a:ext cx="699222" cy="369332"/>
-              </a:xfrm>
-              <a:prstGeom prst="rect">
-                <a:avLst/>
-              </a:prstGeom>
-              <a:noFill/>
-            </p:spPr>
-            <p:txBody>
-              <a:bodyPr wrap="square" rtlCol="0">
-                <a:spAutoFit/>
-              </a:bodyPr>
-              <a:lstStyle/>
-              <a:p>
-                <a14:m>
-                  <m:oMathPara xmlns:m="http://schemas.openxmlformats.org/officeDocument/2006/math">
-                    <m:oMathParaPr>
-                      <m:jc m:val="centerGroup"/>
-                    </m:oMathParaPr>
-                    <m:oMath xmlns:m="http://schemas.openxmlformats.org/officeDocument/2006/math">
-                      <m:r>
-                        <a:rPr lang="es-CO" b="0" i="1" smtClean="0">
-                          <a:solidFill>
-                            <a:srgbClr val="00B050"/>
-                          </a:solidFill>
-                          <a:latin typeface="Cambria Math" panose="02040503050406030204" pitchFamily="18" charset="0"/>
-                        </a:rPr>
-                        <m:t>𝑜</m:t>
-                      </m:r>
-                    </m:oMath>
-                  </m:oMathPara>
-                </a14:m>
-                <a:endParaRPr lang="es-CO" dirty="0">
-                  <a:solidFill>
-                    <a:srgbClr val="00B050"/>
-                  </a:solidFill>
-                </a:endParaRPr>
-              </a:p>
-            </p:txBody>
-          </p:sp>
-        </mc:Choice>
-        <mc:Fallback>
-          <p:sp>
-            <p:nvSpPr>
-              <p:cNvPr id="111" name="CuadroTexto 22">
-                <a:extLst>
-                  <a:ext uri="{FF2B5EF4-FFF2-40B4-BE49-F238E27FC236}">
-                    <a16:creationId xmlns:a16="http://schemas.microsoft.com/office/drawing/2014/main" id="{11038FF5-FC56-4157-A60B-AC5E5F1E3C8B}"/>
-                  </a:ext>
-                </a:extLst>
-              </p:cNvPr>
-              <p:cNvSpPr txBox="1">
-                <a:spLocks noRot="1" noChangeAspect="1" noMove="1" noResize="1" noEditPoints="1" noAdjustHandles="1" noChangeArrowheads="1" noChangeShapeType="1" noTextEdit="1"/>
-              </p:cNvSpPr>
-              <p:nvPr/>
-            </p:nvSpPr>
-            <p:spPr>
-              <a:xfrm>
-                <a:off x="7689534" y="2510373"/>
-                <a:ext cx="699222" cy="369332"/>
-              </a:xfrm>
-              <a:prstGeom prst="rect">
-                <a:avLst/>
-              </a:prstGeom>
-              <a:blipFill>
-                <a:blip r:embed="rId18"/>
-                <a:stretch>
-                  <a:fillRect/>
-                </a:stretch>
-              </a:blipFill>
-            </p:spPr>
-            <p:txBody>
-              <a:bodyPr/>
-              <a:lstStyle/>
-              <a:p>
-                <a:r>
-                  <a:rPr lang="en-US">
-                    <a:noFill/>
-                  </a:rPr>
-                  <a:t> </a:t>
-                </a:r>
-              </a:p>
-            </p:txBody>
-          </p:sp>
-        </mc:Fallback>
-      </mc:AlternateContent>
-      <p:cxnSp>
-        <p:nvCxnSpPr>
-          <p:cNvPr id="112" name="Conector recto de flecha 21">
-            <a:extLst>
-              <a:ext uri="{FF2B5EF4-FFF2-40B4-BE49-F238E27FC236}">
-                <a16:creationId xmlns:a16="http://schemas.microsoft.com/office/drawing/2014/main" id="{C5723831-A8B0-4AE2-9346-7091105B4567}"/>
-              </a:ext>
-            </a:extLst>
-          </p:cNvPr>
-          <p:cNvCxnSpPr>
-            <a:cxnSpLocks/>
-          </p:cNvCxnSpPr>
-          <p:nvPr/>
-        </p:nvCxnSpPr>
-        <p:spPr>
-          <a:xfrm flipV="1">
-            <a:off x="4838285" y="5856925"/>
-            <a:ext cx="661142" cy="481498"/>
-          </a:xfrm>
-          <a:prstGeom prst="straightConnector1">
-            <a:avLst/>
-          </a:prstGeom>
-          <a:ln w="57150">
-            <a:solidFill>
-              <a:srgbClr val="00B050"/>
-            </a:solidFill>
-            <a:tailEnd type="triangle"/>
-          </a:ln>
-        </p:spPr>
-        <p:style>
-          <a:lnRef idx="1">
-            <a:schemeClr val="accent1"/>
-          </a:lnRef>
-          <a:fillRef idx="0">
-            <a:schemeClr val="accent1"/>
-          </a:fillRef>
-          <a:effectRef idx="0">
-            <a:schemeClr val="accent1"/>
-          </a:effectRef>
-          <a:fontRef idx="minor">
-            <a:schemeClr val="tx1"/>
-          </a:fontRef>
-        </p:style>
-      </p:cxnSp>
-      <mc:AlternateContent xmlns:mc="http://schemas.openxmlformats.org/markup-compatibility/2006">
-        <mc:Choice xmlns:a14="http://schemas.microsoft.com/office/drawing/2010/main" Requires="a14">
+      <mc:AlternateContent xmlns:mc="http://schemas.openxmlformats.org/markup-compatibility/2006" xmlns:a14="http://schemas.microsoft.com/office/drawing/2010/main">
+        <mc:Choice Requires="a14">
           <p:sp>
             <p:nvSpPr>
               <p:cNvPr id="116" name="CuadroTexto 22">
@@ -8608,6 +7196,7 @@
               </a:bodyPr>
               <a:lstStyle/>
               <a:p>
+                <a:pPr/>
                 <a14:m>
                   <m:oMathPara xmlns:m="http://schemas.openxmlformats.org/officeDocument/2006/math">
                     <m:oMathParaPr>
@@ -8660,7 +7249,7 @@
             </p:txBody>
           </p:sp>
         </mc:Choice>
-        <mc:Fallback>
+        <mc:Fallback xmlns="">
           <p:sp>
             <p:nvSpPr>
               <p:cNvPr id="116" name="CuadroTexto 22">
@@ -8696,6 +7285,1086 @@
               <a:p>
                 <a:r>
                   <a:rPr lang="en-US">
+                    <a:noFill/>
+                  </a:rPr>
+                  <a:t> </a:t>
+                </a:r>
+              </a:p>
+            </p:txBody>
+          </p:sp>
+        </mc:Fallback>
+      </mc:AlternateContent>
+      <p:sp>
+        <p:nvSpPr>
+          <p:cNvPr id="60" name="CuadroTexto 9">
+            <a:extLst>
+              <a:ext uri="{FF2B5EF4-FFF2-40B4-BE49-F238E27FC236}">
+                <a16:creationId xmlns:a16="http://schemas.microsoft.com/office/drawing/2014/main" id="{56CBC60A-DF22-46D9-9156-937E5CCD5B0F}"/>
+              </a:ext>
+            </a:extLst>
+          </p:cNvPr>
+          <p:cNvSpPr txBox="1"/>
+          <p:nvPr/>
+        </p:nvSpPr>
+        <p:spPr>
+          <a:xfrm>
+            <a:off x="6889789" y="688775"/>
+            <a:ext cx="636713" cy="369332"/>
+          </a:xfrm>
+          <a:prstGeom prst="rect">
+            <a:avLst/>
+          </a:prstGeom>
+          <a:noFill/>
+        </p:spPr>
+        <p:txBody>
+          <a:bodyPr wrap="none" rtlCol="0">
+            <a:spAutoFit/>
+          </a:bodyPr>
+          <a:lstStyle/>
+          <a:p>
+            <a:r>
+              <a:rPr lang="es-CO" dirty="0">
+                <a:solidFill>
+                  <a:srgbClr val="7030A0"/>
+                </a:solidFill>
+              </a:rPr>
+              <a:t>Eje 3</a:t>
+            </a:r>
+          </a:p>
+        </p:txBody>
+      </p:sp>
+      <p:cxnSp>
+        <p:nvCxnSpPr>
+          <p:cNvPr id="61" name="Conector recto 8">
+            <a:extLst>
+              <a:ext uri="{FF2B5EF4-FFF2-40B4-BE49-F238E27FC236}">
+                <a16:creationId xmlns:a16="http://schemas.microsoft.com/office/drawing/2014/main" id="{02FB74D8-0CF7-45BC-B2F6-0CFC6346CAB2}"/>
+              </a:ext>
+            </a:extLst>
+          </p:cNvPr>
+          <p:cNvCxnSpPr>
+            <a:cxnSpLocks/>
+          </p:cNvCxnSpPr>
+          <p:nvPr/>
+        </p:nvCxnSpPr>
+        <p:spPr>
+          <a:xfrm flipH="1">
+            <a:off x="5114811" y="251463"/>
+            <a:ext cx="2421382" cy="2376825"/>
+          </a:xfrm>
+          <a:prstGeom prst="line">
+            <a:avLst/>
+          </a:prstGeom>
+          <a:ln w="28575">
+            <a:solidFill>
+              <a:srgbClr val="7030A0"/>
+            </a:solidFill>
+            <a:prstDash val="dash"/>
+          </a:ln>
+        </p:spPr>
+        <p:style>
+          <a:lnRef idx="1">
+            <a:schemeClr val="accent1"/>
+          </a:lnRef>
+          <a:fillRef idx="0">
+            <a:schemeClr val="accent1"/>
+          </a:fillRef>
+          <a:effectRef idx="0">
+            <a:schemeClr val="accent1"/>
+          </a:effectRef>
+          <a:fontRef idx="minor">
+            <a:schemeClr val="tx1"/>
+          </a:fontRef>
+        </p:style>
+      </p:cxnSp>
+      <p:cxnSp>
+        <p:nvCxnSpPr>
+          <p:cNvPr id="62" name="Conector recto de flecha 14">
+            <a:extLst>
+              <a:ext uri="{FF2B5EF4-FFF2-40B4-BE49-F238E27FC236}">
+                <a16:creationId xmlns:a16="http://schemas.microsoft.com/office/drawing/2014/main" id="{7C7E4BE1-DB6C-4A5C-AD2D-0CA1ABE04EAC}"/>
+              </a:ext>
+            </a:extLst>
+          </p:cNvPr>
+          <p:cNvCxnSpPr>
+            <a:cxnSpLocks/>
+          </p:cNvCxnSpPr>
+          <p:nvPr/>
+        </p:nvCxnSpPr>
+        <p:spPr>
+          <a:xfrm flipH="1" flipV="1">
+            <a:off x="6115198" y="939758"/>
+            <a:ext cx="12353" cy="648845"/>
+          </a:xfrm>
+          <a:prstGeom prst="straightConnector1">
+            <a:avLst/>
+          </a:prstGeom>
+          <a:ln w="38100">
+            <a:solidFill>
+              <a:srgbClr val="FF0000"/>
+            </a:solidFill>
+            <a:tailEnd type="triangle"/>
+          </a:ln>
+        </p:spPr>
+        <p:style>
+          <a:lnRef idx="1">
+            <a:schemeClr val="accent1"/>
+          </a:lnRef>
+          <a:fillRef idx="0">
+            <a:schemeClr val="accent1"/>
+          </a:fillRef>
+          <a:effectRef idx="0">
+            <a:schemeClr val="accent1"/>
+          </a:effectRef>
+          <a:fontRef idx="minor">
+            <a:schemeClr val="tx1"/>
+          </a:fontRef>
+        </p:style>
+      </p:cxnSp>
+      <mc:AlternateContent xmlns:mc="http://schemas.openxmlformats.org/markup-compatibility/2006">
+        <mc:Choice xmlns:a14="http://schemas.microsoft.com/office/drawing/2010/main" Requires="a14">
+          <p:sp>
+            <p:nvSpPr>
+              <p:cNvPr id="63" name="CuadroTexto 22">
+                <a:extLst>
+                  <a:ext uri="{FF2B5EF4-FFF2-40B4-BE49-F238E27FC236}">
+                    <a16:creationId xmlns:a16="http://schemas.microsoft.com/office/drawing/2014/main" id="{B6C3DE8B-7E5D-4152-94CF-535BA7400E63}"/>
+                  </a:ext>
+                </a:extLst>
+              </p:cNvPr>
+              <p:cNvSpPr txBox="1"/>
+              <p:nvPr/>
+            </p:nvSpPr>
+            <p:spPr>
+              <a:xfrm>
+                <a:off x="6420041" y="1168454"/>
+                <a:ext cx="699222" cy="369332"/>
+              </a:xfrm>
+              <a:prstGeom prst="rect">
+                <a:avLst/>
+              </a:prstGeom>
+              <a:noFill/>
+            </p:spPr>
+            <p:txBody>
+              <a:bodyPr wrap="square" rtlCol="0">
+                <a:spAutoFit/>
+              </a:bodyPr>
+              <a:lstStyle/>
+              <a:p>
+                <a:pPr/>
+                <a14:m>
+                  <m:oMathPara xmlns:m="http://schemas.openxmlformats.org/officeDocument/2006/math">
+                    <m:oMathParaPr>
+                      <m:jc m:val="centerGroup"/>
+                    </m:oMathParaPr>
+                    <m:oMath xmlns:m="http://schemas.openxmlformats.org/officeDocument/2006/math">
+                      <m:sSub>
+                        <m:sSubPr>
+                          <m:ctrlPr>
+                            <a:rPr lang="es-CO" b="0" i="1" smtClean="0">
+                              <a:solidFill>
+                                <a:schemeClr val="accent1">
+                                  <a:lumMod val="75000"/>
+                                </a:schemeClr>
+                              </a:solidFill>
+                              <a:latin typeface="Cambria Math" panose="02040503050406030204" pitchFamily="18" charset="0"/>
+                            </a:rPr>
+                          </m:ctrlPr>
+                        </m:sSubPr>
+                        <m:e>
+                          <m:r>
+                            <a:rPr lang="es-CO" b="0" i="1" smtClean="0">
+                              <a:solidFill>
+                                <a:schemeClr val="accent1">
+                                  <a:lumMod val="75000"/>
+                                </a:schemeClr>
+                              </a:solidFill>
+                              <a:latin typeface="Cambria Math" panose="02040503050406030204" pitchFamily="18" charset="0"/>
+                            </a:rPr>
+                            <m:t>𝑍</m:t>
+                          </m:r>
+                        </m:e>
+                        <m:sub>
+                          <m:r>
+                            <a:rPr lang="es-MX" b="0" i="1" smtClean="0">
+                              <a:solidFill>
+                                <a:schemeClr val="accent1">
+                                  <a:lumMod val="75000"/>
+                                </a:schemeClr>
+                              </a:solidFill>
+                              <a:latin typeface="Cambria Math" panose="02040503050406030204" pitchFamily="18" charset="0"/>
+                            </a:rPr>
+                            <m:t>3</m:t>
+                          </m:r>
+                        </m:sub>
+                      </m:sSub>
+                    </m:oMath>
+                  </m:oMathPara>
+                </a14:m>
+                <a:endParaRPr lang="es-CO" dirty="0">
+                  <a:solidFill>
+                    <a:schemeClr val="accent1">
+                      <a:lumMod val="75000"/>
+                    </a:schemeClr>
+                  </a:solidFill>
+                </a:endParaRPr>
+              </a:p>
+            </p:txBody>
+          </p:sp>
+        </mc:Choice>
+        <mc:Fallback>
+          <p:sp>
+            <p:nvSpPr>
+              <p:cNvPr id="63" name="CuadroTexto 22">
+                <a:extLst>
+                  <a:ext uri="{FF2B5EF4-FFF2-40B4-BE49-F238E27FC236}">
+                    <a16:creationId xmlns:a16="http://schemas.microsoft.com/office/drawing/2014/main" id="{B6C3DE8B-7E5D-4152-94CF-535BA7400E63}"/>
+                  </a:ext>
+                </a:extLst>
+              </p:cNvPr>
+              <p:cNvSpPr txBox="1">
+                <a:spLocks noRot="1" noChangeAspect="1" noMove="1" noResize="1" noEditPoints="1" noAdjustHandles="1" noChangeArrowheads="1" noChangeShapeType="1" noTextEdit="1"/>
+              </p:cNvSpPr>
+              <p:nvPr/>
+            </p:nvSpPr>
+            <p:spPr>
+              <a:xfrm>
+                <a:off x="6420041" y="1168454"/>
+                <a:ext cx="699222" cy="369332"/>
+              </a:xfrm>
+              <a:prstGeom prst="rect">
+                <a:avLst/>
+              </a:prstGeom>
+              <a:blipFill>
+                <a:blip r:embed="rId20"/>
+                <a:stretch>
+                  <a:fillRect/>
+                </a:stretch>
+              </a:blipFill>
+            </p:spPr>
+            <p:txBody>
+              <a:bodyPr/>
+              <a:lstStyle/>
+              <a:p>
+                <a:r>
+                  <a:rPr lang="es-CO">
+                    <a:noFill/>
+                  </a:rPr>
+                  <a:t> </a:t>
+                </a:r>
+              </a:p>
+            </p:txBody>
+          </p:sp>
+        </mc:Fallback>
+      </mc:AlternateContent>
+      <mc:AlternateContent xmlns:mc="http://schemas.openxmlformats.org/markup-compatibility/2006">
+        <mc:Choice xmlns:a14="http://schemas.microsoft.com/office/drawing/2010/main" Requires="a14">
+          <p:sp>
+            <p:nvSpPr>
+              <p:cNvPr id="64" name="CuadroTexto 22">
+                <a:extLst>
+                  <a:ext uri="{FF2B5EF4-FFF2-40B4-BE49-F238E27FC236}">
+                    <a16:creationId xmlns:a16="http://schemas.microsoft.com/office/drawing/2014/main" id="{8836DB4D-EB53-415E-81AA-5EB7DCC3D393}"/>
+                  </a:ext>
+                </a:extLst>
+              </p:cNvPr>
+              <p:cNvSpPr txBox="1"/>
+              <p:nvPr/>
+            </p:nvSpPr>
+            <p:spPr>
+              <a:xfrm>
+                <a:off x="5492321" y="745618"/>
+                <a:ext cx="699222" cy="369332"/>
+              </a:xfrm>
+              <a:prstGeom prst="rect">
+                <a:avLst/>
+              </a:prstGeom>
+              <a:noFill/>
+            </p:spPr>
+            <p:txBody>
+              <a:bodyPr wrap="square" rtlCol="0">
+                <a:spAutoFit/>
+              </a:bodyPr>
+              <a:lstStyle/>
+              <a:p>
+                <a:pPr/>
+                <a14:m>
+                  <m:oMathPara xmlns:m="http://schemas.openxmlformats.org/officeDocument/2006/math">
+                    <m:oMathParaPr>
+                      <m:jc m:val="centerGroup"/>
+                    </m:oMathParaPr>
+                    <m:oMath xmlns:m="http://schemas.openxmlformats.org/officeDocument/2006/math">
+                      <m:sSub>
+                        <m:sSubPr>
+                          <m:ctrlPr>
+                            <a:rPr lang="es-CO" b="0" i="1" smtClean="0">
+                              <a:solidFill>
+                                <a:srgbClr val="FF0000"/>
+                              </a:solidFill>
+                              <a:latin typeface="Cambria Math" panose="02040503050406030204" pitchFamily="18" charset="0"/>
+                            </a:rPr>
+                          </m:ctrlPr>
+                        </m:sSubPr>
+                        <m:e>
+                          <m:r>
+                            <a:rPr lang="es-CO" b="0" i="1" smtClean="0">
+                              <a:solidFill>
+                                <a:srgbClr val="FF0000"/>
+                              </a:solidFill>
+                              <a:latin typeface="Cambria Math" panose="02040503050406030204" pitchFamily="18" charset="0"/>
+                            </a:rPr>
+                            <m:t>𝑋</m:t>
+                          </m:r>
+                        </m:e>
+                        <m:sub>
+                          <m:r>
+                            <a:rPr lang="es-MX" b="0" i="1" smtClean="0">
+                              <a:solidFill>
+                                <a:srgbClr val="FF0000"/>
+                              </a:solidFill>
+                              <a:latin typeface="Cambria Math" panose="02040503050406030204" pitchFamily="18" charset="0"/>
+                            </a:rPr>
+                            <m:t>3</m:t>
+                          </m:r>
+                        </m:sub>
+                      </m:sSub>
+                    </m:oMath>
+                  </m:oMathPara>
+                </a14:m>
+                <a:endParaRPr lang="es-CO" dirty="0">
+                  <a:solidFill>
+                    <a:srgbClr val="FF0000"/>
+                  </a:solidFill>
+                </a:endParaRPr>
+              </a:p>
+            </p:txBody>
+          </p:sp>
+        </mc:Choice>
+        <mc:Fallback>
+          <p:sp>
+            <p:nvSpPr>
+              <p:cNvPr id="64" name="CuadroTexto 22">
+                <a:extLst>
+                  <a:ext uri="{FF2B5EF4-FFF2-40B4-BE49-F238E27FC236}">
+                    <a16:creationId xmlns:a16="http://schemas.microsoft.com/office/drawing/2014/main" id="{8836DB4D-EB53-415E-81AA-5EB7DCC3D393}"/>
+                  </a:ext>
+                </a:extLst>
+              </p:cNvPr>
+              <p:cNvSpPr txBox="1">
+                <a:spLocks noRot="1" noChangeAspect="1" noMove="1" noResize="1" noEditPoints="1" noAdjustHandles="1" noChangeArrowheads="1" noChangeShapeType="1" noTextEdit="1"/>
+              </p:cNvSpPr>
+              <p:nvPr/>
+            </p:nvSpPr>
+            <p:spPr>
+              <a:xfrm>
+                <a:off x="5492321" y="745618"/>
+                <a:ext cx="699222" cy="369332"/>
+              </a:xfrm>
+              <a:prstGeom prst="rect">
+                <a:avLst/>
+              </a:prstGeom>
+              <a:blipFill>
+                <a:blip r:embed="rId21"/>
+                <a:stretch>
+                  <a:fillRect/>
+                </a:stretch>
+              </a:blipFill>
+            </p:spPr>
+            <p:txBody>
+              <a:bodyPr/>
+              <a:lstStyle/>
+              <a:p>
+                <a:r>
+                  <a:rPr lang="es-CO">
+                    <a:noFill/>
+                  </a:rPr>
+                  <a:t> </a:t>
+                </a:r>
+              </a:p>
+            </p:txBody>
+          </p:sp>
+        </mc:Fallback>
+      </mc:AlternateContent>
+      <p:cxnSp>
+        <p:nvCxnSpPr>
+          <p:cNvPr id="68" name="Conector recto de flecha 21">
+            <a:extLst>
+              <a:ext uri="{FF2B5EF4-FFF2-40B4-BE49-F238E27FC236}">
+                <a16:creationId xmlns:a16="http://schemas.microsoft.com/office/drawing/2014/main" id="{8816F0F0-A102-4BFD-ADF8-118B4AF0A395}"/>
+              </a:ext>
+            </a:extLst>
+          </p:cNvPr>
+          <p:cNvCxnSpPr>
+            <a:cxnSpLocks/>
+          </p:cNvCxnSpPr>
+          <p:nvPr/>
+        </p:nvCxnSpPr>
+        <p:spPr>
+          <a:xfrm flipV="1">
+            <a:off x="6137741" y="1101943"/>
+            <a:ext cx="536166" cy="518123"/>
+          </a:xfrm>
+          <a:prstGeom prst="straightConnector1">
+            <a:avLst/>
+          </a:prstGeom>
+          <a:ln w="57150">
+            <a:tailEnd type="triangle"/>
+          </a:ln>
+        </p:spPr>
+        <p:style>
+          <a:lnRef idx="1">
+            <a:schemeClr val="accent1"/>
+          </a:lnRef>
+          <a:fillRef idx="0">
+            <a:schemeClr val="accent1"/>
+          </a:fillRef>
+          <a:effectRef idx="0">
+            <a:schemeClr val="accent1"/>
+          </a:effectRef>
+          <a:fontRef idx="minor">
+            <a:schemeClr val="tx1"/>
+          </a:fontRef>
+        </p:style>
+      </p:cxnSp>
+      <p:cxnSp>
+        <p:nvCxnSpPr>
+          <p:cNvPr id="69" name="Conector recto 8">
+            <a:extLst>
+              <a:ext uri="{FF2B5EF4-FFF2-40B4-BE49-F238E27FC236}">
+                <a16:creationId xmlns:a16="http://schemas.microsoft.com/office/drawing/2014/main" id="{20011806-0178-40C9-B4E9-DE3D3152E8C9}"/>
+              </a:ext>
+            </a:extLst>
+          </p:cNvPr>
+          <p:cNvCxnSpPr>
+            <a:cxnSpLocks/>
+          </p:cNvCxnSpPr>
+          <p:nvPr/>
+        </p:nvCxnSpPr>
+        <p:spPr>
+          <a:xfrm flipH="1">
+            <a:off x="7157872" y="251463"/>
+            <a:ext cx="2421382" cy="2376825"/>
+          </a:xfrm>
+          <a:prstGeom prst="line">
+            <a:avLst/>
+          </a:prstGeom>
+          <a:ln w="28575">
+            <a:solidFill>
+              <a:srgbClr val="7030A0"/>
+            </a:solidFill>
+            <a:prstDash val="dash"/>
+          </a:ln>
+        </p:spPr>
+        <p:style>
+          <a:lnRef idx="1">
+            <a:schemeClr val="accent1"/>
+          </a:lnRef>
+          <a:fillRef idx="0">
+            <a:schemeClr val="accent1"/>
+          </a:fillRef>
+          <a:effectRef idx="0">
+            <a:schemeClr val="accent1"/>
+          </a:effectRef>
+          <a:fontRef idx="minor">
+            <a:schemeClr val="tx1"/>
+          </a:fontRef>
+        </p:style>
+      </p:cxnSp>
+      <p:cxnSp>
+        <p:nvCxnSpPr>
+          <p:cNvPr id="70" name="Conector recto de flecha 14">
+            <a:extLst>
+              <a:ext uri="{FF2B5EF4-FFF2-40B4-BE49-F238E27FC236}">
+                <a16:creationId xmlns:a16="http://schemas.microsoft.com/office/drawing/2014/main" id="{F59DC57B-DD41-4E71-A1DD-708BD3231F52}"/>
+              </a:ext>
+            </a:extLst>
+          </p:cNvPr>
+          <p:cNvCxnSpPr>
+            <a:cxnSpLocks/>
+          </p:cNvCxnSpPr>
+          <p:nvPr/>
+        </p:nvCxnSpPr>
+        <p:spPr>
+          <a:xfrm flipH="1" flipV="1">
+            <a:off x="8158259" y="939758"/>
+            <a:ext cx="12353" cy="648845"/>
+          </a:xfrm>
+          <a:prstGeom prst="straightConnector1">
+            <a:avLst/>
+          </a:prstGeom>
+          <a:ln w="38100">
+            <a:solidFill>
+              <a:srgbClr val="FF0000"/>
+            </a:solidFill>
+            <a:tailEnd type="triangle"/>
+          </a:ln>
+        </p:spPr>
+        <p:style>
+          <a:lnRef idx="1">
+            <a:schemeClr val="accent1"/>
+          </a:lnRef>
+          <a:fillRef idx="0">
+            <a:schemeClr val="accent1"/>
+          </a:fillRef>
+          <a:effectRef idx="0">
+            <a:schemeClr val="accent1"/>
+          </a:effectRef>
+          <a:fontRef idx="minor">
+            <a:schemeClr val="tx1"/>
+          </a:fontRef>
+        </p:style>
+      </p:cxnSp>
+      <p:cxnSp>
+        <p:nvCxnSpPr>
+          <p:cNvPr id="71" name="Conector recto de flecha 21">
+            <a:extLst>
+              <a:ext uri="{FF2B5EF4-FFF2-40B4-BE49-F238E27FC236}">
+                <a16:creationId xmlns:a16="http://schemas.microsoft.com/office/drawing/2014/main" id="{80341793-3E2F-4B75-8B9A-4CB730805984}"/>
+              </a:ext>
+            </a:extLst>
+          </p:cNvPr>
+          <p:cNvCxnSpPr>
+            <a:cxnSpLocks/>
+          </p:cNvCxnSpPr>
+          <p:nvPr/>
+        </p:nvCxnSpPr>
+        <p:spPr>
+          <a:xfrm flipV="1">
+            <a:off x="8180802" y="1101943"/>
+            <a:ext cx="536166" cy="518123"/>
+          </a:xfrm>
+          <a:prstGeom prst="straightConnector1">
+            <a:avLst/>
+          </a:prstGeom>
+          <a:ln w="57150">
+            <a:tailEnd type="triangle"/>
+          </a:ln>
+        </p:spPr>
+        <p:style>
+          <a:lnRef idx="1">
+            <a:schemeClr val="accent1"/>
+          </a:lnRef>
+          <a:fillRef idx="0">
+            <a:schemeClr val="accent1"/>
+          </a:fillRef>
+          <a:effectRef idx="0">
+            <a:schemeClr val="accent1"/>
+          </a:effectRef>
+          <a:fontRef idx="minor">
+            <a:schemeClr val="tx1"/>
+          </a:fontRef>
+        </p:style>
+      </p:cxnSp>
+      <p:sp>
+        <p:nvSpPr>
+          <p:cNvPr id="72" name="CuadroTexto 9">
+            <a:extLst>
+              <a:ext uri="{FF2B5EF4-FFF2-40B4-BE49-F238E27FC236}">
+                <a16:creationId xmlns:a16="http://schemas.microsoft.com/office/drawing/2014/main" id="{C077E696-C081-43F9-950E-C1A78478AE4E}"/>
+              </a:ext>
+            </a:extLst>
+          </p:cNvPr>
+          <p:cNvSpPr txBox="1"/>
+          <p:nvPr/>
+        </p:nvSpPr>
+        <p:spPr>
+          <a:xfrm>
+            <a:off x="9730481" y="1651715"/>
+            <a:ext cx="636713" cy="369332"/>
+          </a:xfrm>
+          <a:prstGeom prst="rect">
+            <a:avLst/>
+          </a:prstGeom>
+          <a:noFill/>
+        </p:spPr>
+        <p:txBody>
+          <a:bodyPr wrap="none" rtlCol="0">
+            <a:spAutoFit/>
+          </a:bodyPr>
+          <a:lstStyle/>
+          <a:p>
+            <a:r>
+              <a:rPr lang="es-CO" dirty="0">
+                <a:solidFill>
+                  <a:srgbClr val="7030A0"/>
+                </a:solidFill>
+              </a:rPr>
+              <a:t>Eje 6</a:t>
+            </a:r>
+          </a:p>
+        </p:txBody>
+      </p:sp>
+      <p:sp>
+        <p:nvSpPr>
+          <p:cNvPr id="73" name="CuadroTexto 9">
+            <a:extLst>
+              <a:ext uri="{FF2B5EF4-FFF2-40B4-BE49-F238E27FC236}">
+                <a16:creationId xmlns:a16="http://schemas.microsoft.com/office/drawing/2014/main" id="{A95371B4-5091-4ADB-924E-207A43607F2B}"/>
+              </a:ext>
+            </a:extLst>
+          </p:cNvPr>
+          <p:cNvSpPr txBox="1"/>
+          <p:nvPr/>
+        </p:nvSpPr>
+        <p:spPr>
+          <a:xfrm>
+            <a:off x="9347118" y="400400"/>
+            <a:ext cx="636713" cy="369332"/>
+          </a:xfrm>
+          <a:prstGeom prst="rect">
+            <a:avLst/>
+          </a:prstGeom>
+          <a:noFill/>
+        </p:spPr>
+        <p:txBody>
+          <a:bodyPr wrap="none" rtlCol="0">
+            <a:spAutoFit/>
+          </a:bodyPr>
+          <a:lstStyle/>
+          <a:p>
+            <a:r>
+              <a:rPr lang="es-CO" dirty="0">
+                <a:solidFill>
+                  <a:srgbClr val="7030A0"/>
+                </a:solidFill>
+              </a:rPr>
+              <a:t>Eje 5</a:t>
+            </a:r>
+          </a:p>
+        </p:txBody>
+      </p:sp>
+      <p:cxnSp>
+        <p:nvCxnSpPr>
+          <p:cNvPr id="74" name="Conector recto de flecha 21">
+            <a:extLst>
+              <a:ext uri="{FF2B5EF4-FFF2-40B4-BE49-F238E27FC236}">
+                <a16:creationId xmlns:a16="http://schemas.microsoft.com/office/drawing/2014/main" id="{35361E13-D471-49A0-B969-A26A9B60CA4A}"/>
+              </a:ext>
+            </a:extLst>
+          </p:cNvPr>
+          <p:cNvCxnSpPr>
+            <a:cxnSpLocks/>
+          </p:cNvCxnSpPr>
+          <p:nvPr/>
+        </p:nvCxnSpPr>
+        <p:spPr>
+          <a:xfrm flipV="1">
+            <a:off x="9493980" y="1588603"/>
+            <a:ext cx="788546" cy="7316"/>
+          </a:xfrm>
+          <a:prstGeom prst="straightConnector1">
+            <a:avLst/>
+          </a:prstGeom>
+          <a:ln w="57150">
+            <a:solidFill>
+              <a:srgbClr val="00B0F0"/>
+            </a:solidFill>
+            <a:tailEnd type="triangle"/>
+          </a:ln>
+        </p:spPr>
+        <p:style>
+          <a:lnRef idx="1">
+            <a:schemeClr val="accent1"/>
+          </a:lnRef>
+          <a:fillRef idx="0">
+            <a:schemeClr val="accent1"/>
+          </a:fillRef>
+          <a:effectRef idx="0">
+            <a:schemeClr val="accent1"/>
+          </a:effectRef>
+          <a:fontRef idx="minor">
+            <a:schemeClr val="tx1"/>
+          </a:fontRef>
+        </p:style>
+      </p:cxnSp>
+      <p:cxnSp>
+        <p:nvCxnSpPr>
+          <p:cNvPr id="75" name="Conector recto de flecha 14">
+            <a:extLst>
+              <a:ext uri="{FF2B5EF4-FFF2-40B4-BE49-F238E27FC236}">
+                <a16:creationId xmlns:a16="http://schemas.microsoft.com/office/drawing/2014/main" id="{51F9994A-AD1A-458F-898B-13FDDF3240FB}"/>
+              </a:ext>
+            </a:extLst>
+          </p:cNvPr>
+          <p:cNvCxnSpPr>
+            <a:cxnSpLocks/>
+          </p:cNvCxnSpPr>
+          <p:nvPr/>
+        </p:nvCxnSpPr>
+        <p:spPr>
+          <a:xfrm flipH="1" flipV="1">
+            <a:off x="9440544" y="937326"/>
+            <a:ext cx="12353" cy="648845"/>
+          </a:xfrm>
+          <a:prstGeom prst="straightConnector1">
+            <a:avLst/>
+          </a:prstGeom>
+          <a:ln w="38100">
+            <a:solidFill>
+              <a:srgbClr val="FF0000"/>
+            </a:solidFill>
+            <a:tailEnd type="triangle"/>
+          </a:ln>
+        </p:spPr>
+        <p:style>
+          <a:lnRef idx="1">
+            <a:schemeClr val="accent1"/>
+          </a:lnRef>
+          <a:fillRef idx="0">
+            <a:schemeClr val="accent1"/>
+          </a:fillRef>
+          <a:effectRef idx="0">
+            <a:schemeClr val="accent1"/>
+          </a:effectRef>
+          <a:fontRef idx="minor">
+            <a:schemeClr val="tx1"/>
+          </a:fontRef>
+        </p:style>
+      </p:cxnSp>
+      <p:cxnSp>
+        <p:nvCxnSpPr>
+          <p:cNvPr id="76" name="Conector recto de flecha 21">
+            <a:extLst>
+              <a:ext uri="{FF2B5EF4-FFF2-40B4-BE49-F238E27FC236}">
+                <a16:creationId xmlns:a16="http://schemas.microsoft.com/office/drawing/2014/main" id="{67AB5BDA-F459-4D3A-B2B3-8521EEBF34EB}"/>
+              </a:ext>
+            </a:extLst>
+          </p:cNvPr>
+          <p:cNvCxnSpPr>
+            <a:cxnSpLocks/>
+          </p:cNvCxnSpPr>
+          <p:nvPr/>
+        </p:nvCxnSpPr>
+        <p:spPr>
+          <a:xfrm flipH="1">
+            <a:off x="9050336" y="1590087"/>
+            <a:ext cx="421889" cy="508317"/>
+          </a:xfrm>
+          <a:prstGeom prst="straightConnector1">
+            <a:avLst/>
+          </a:prstGeom>
+          <a:ln w="57150">
+            <a:solidFill>
+              <a:srgbClr val="92D050"/>
+            </a:solidFill>
+            <a:tailEnd type="triangle"/>
+          </a:ln>
+        </p:spPr>
+        <p:style>
+          <a:lnRef idx="1">
+            <a:schemeClr val="accent1"/>
+          </a:lnRef>
+          <a:fillRef idx="0">
+            <a:schemeClr val="accent1"/>
+          </a:fillRef>
+          <a:effectRef idx="0">
+            <a:schemeClr val="accent1"/>
+          </a:effectRef>
+          <a:fontRef idx="minor">
+            <a:schemeClr val="tx1"/>
+          </a:fontRef>
+        </p:style>
+      </p:cxnSp>
+      <mc:AlternateContent xmlns:mc="http://schemas.openxmlformats.org/markup-compatibility/2006">
+        <mc:Choice xmlns:a14="http://schemas.microsoft.com/office/drawing/2010/main" Requires="a14">
+          <p:sp>
+            <p:nvSpPr>
+              <p:cNvPr id="79" name="CuadroTexto 22">
+                <a:extLst>
+                  <a:ext uri="{FF2B5EF4-FFF2-40B4-BE49-F238E27FC236}">
+                    <a16:creationId xmlns:a16="http://schemas.microsoft.com/office/drawing/2014/main" id="{0C9892ED-8DFA-4D84-AF3C-A7BC1EA20759}"/>
+                  </a:ext>
+                </a:extLst>
+              </p:cNvPr>
+              <p:cNvSpPr txBox="1"/>
+              <p:nvPr/>
+            </p:nvSpPr>
+            <p:spPr>
+              <a:xfrm>
+                <a:off x="9378497" y="835190"/>
+                <a:ext cx="699222" cy="369332"/>
+              </a:xfrm>
+              <a:prstGeom prst="rect">
+                <a:avLst/>
+              </a:prstGeom>
+              <a:noFill/>
+            </p:spPr>
+            <p:txBody>
+              <a:bodyPr wrap="square" rtlCol="0">
+                <a:spAutoFit/>
+              </a:bodyPr>
+              <a:lstStyle/>
+              <a:p>
+                <a:pPr/>
+                <a14:m>
+                  <m:oMathPara xmlns:m="http://schemas.openxmlformats.org/officeDocument/2006/math">
+                    <m:oMathParaPr>
+                      <m:jc m:val="centerGroup"/>
+                    </m:oMathParaPr>
+                    <m:oMath xmlns:m="http://schemas.openxmlformats.org/officeDocument/2006/math">
+                      <m:r>
+                        <a:rPr lang="es-MX" b="0" i="1" smtClean="0">
+                          <a:solidFill>
+                            <a:srgbClr val="FF0000"/>
+                          </a:solidFill>
+                          <a:latin typeface="Cambria Math" panose="02040503050406030204" pitchFamily="18" charset="0"/>
+                        </a:rPr>
+                        <m:t>𝑁</m:t>
+                      </m:r>
+                    </m:oMath>
+                  </m:oMathPara>
+                </a14:m>
+                <a:endParaRPr lang="es-CO" dirty="0">
+                  <a:solidFill>
+                    <a:srgbClr val="FF0000"/>
+                  </a:solidFill>
+                </a:endParaRPr>
+              </a:p>
+            </p:txBody>
+          </p:sp>
+        </mc:Choice>
+        <mc:Fallback>
+          <p:sp>
+            <p:nvSpPr>
+              <p:cNvPr id="79" name="CuadroTexto 22">
+                <a:extLst>
+                  <a:ext uri="{FF2B5EF4-FFF2-40B4-BE49-F238E27FC236}">
+                    <a16:creationId xmlns:a16="http://schemas.microsoft.com/office/drawing/2014/main" id="{0C9892ED-8DFA-4D84-AF3C-A7BC1EA20759}"/>
+                  </a:ext>
+                </a:extLst>
+              </p:cNvPr>
+              <p:cNvSpPr txBox="1">
+                <a:spLocks noRot="1" noChangeAspect="1" noMove="1" noResize="1" noEditPoints="1" noAdjustHandles="1" noChangeArrowheads="1" noChangeShapeType="1" noTextEdit="1"/>
+              </p:cNvSpPr>
+              <p:nvPr/>
+            </p:nvSpPr>
+            <p:spPr>
+              <a:xfrm>
+                <a:off x="9378497" y="835190"/>
+                <a:ext cx="699222" cy="369332"/>
+              </a:xfrm>
+              <a:prstGeom prst="rect">
+                <a:avLst/>
+              </a:prstGeom>
+              <a:blipFill>
+                <a:blip r:embed="rId22"/>
+                <a:stretch>
+                  <a:fillRect/>
+                </a:stretch>
+              </a:blipFill>
+            </p:spPr>
+            <p:txBody>
+              <a:bodyPr/>
+              <a:lstStyle/>
+              <a:p>
+                <a:r>
+                  <a:rPr lang="es-CO">
+                    <a:noFill/>
+                  </a:rPr>
+                  <a:t> </a:t>
+                </a:r>
+              </a:p>
+            </p:txBody>
+          </p:sp>
+        </mc:Fallback>
+      </mc:AlternateContent>
+      <mc:AlternateContent xmlns:mc="http://schemas.openxmlformats.org/markup-compatibility/2006">
+        <mc:Choice xmlns:a14="http://schemas.microsoft.com/office/drawing/2010/main" Requires="a14">
+          <p:sp>
+            <p:nvSpPr>
+              <p:cNvPr id="81" name="CuadroTexto 22">
+                <a:extLst>
+                  <a:ext uri="{FF2B5EF4-FFF2-40B4-BE49-F238E27FC236}">
+                    <a16:creationId xmlns:a16="http://schemas.microsoft.com/office/drawing/2014/main" id="{9F460D70-ABC6-4500-B0C1-7F54B781B99F}"/>
+                  </a:ext>
+                </a:extLst>
+              </p:cNvPr>
+              <p:cNvSpPr txBox="1"/>
+              <p:nvPr/>
+            </p:nvSpPr>
+            <p:spPr>
+              <a:xfrm>
+                <a:off x="9032670" y="1943955"/>
+                <a:ext cx="699222" cy="369332"/>
+              </a:xfrm>
+              <a:prstGeom prst="rect">
+                <a:avLst/>
+              </a:prstGeom>
+              <a:noFill/>
+            </p:spPr>
+            <p:txBody>
+              <a:bodyPr wrap="square" rtlCol="0">
+                <a:spAutoFit/>
+              </a:bodyPr>
+              <a:lstStyle/>
+              <a:p>
+                <a:pPr/>
+                <a14:m>
+                  <m:oMathPara xmlns:m="http://schemas.openxmlformats.org/officeDocument/2006/math">
+                    <m:oMathParaPr>
+                      <m:jc m:val="centerGroup"/>
+                    </m:oMathParaPr>
+                    <m:oMath xmlns:m="http://schemas.openxmlformats.org/officeDocument/2006/math">
+                      <m:r>
+                        <a:rPr lang="es-MX" b="0" i="1" smtClean="0">
+                          <a:solidFill>
+                            <a:srgbClr val="92D050"/>
+                          </a:solidFill>
+                          <a:latin typeface="Cambria Math" panose="02040503050406030204" pitchFamily="18" charset="0"/>
+                        </a:rPr>
+                        <m:t>𝑂</m:t>
+                      </m:r>
+                    </m:oMath>
+                  </m:oMathPara>
+                </a14:m>
+                <a:endParaRPr lang="es-CO" dirty="0">
+                  <a:solidFill>
+                    <a:srgbClr val="FF0000"/>
+                  </a:solidFill>
+                </a:endParaRPr>
+              </a:p>
+            </p:txBody>
+          </p:sp>
+        </mc:Choice>
+        <mc:Fallback>
+          <p:sp>
+            <p:nvSpPr>
+              <p:cNvPr id="81" name="CuadroTexto 22">
+                <a:extLst>
+                  <a:ext uri="{FF2B5EF4-FFF2-40B4-BE49-F238E27FC236}">
+                    <a16:creationId xmlns:a16="http://schemas.microsoft.com/office/drawing/2014/main" id="{9F460D70-ABC6-4500-B0C1-7F54B781B99F}"/>
+                  </a:ext>
+                </a:extLst>
+              </p:cNvPr>
+              <p:cNvSpPr txBox="1">
+                <a:spLocks noRot="1" noChangeAspect="1" noMove="1" noResize="1" noEditPoints="1" noAdjustHandles="1" noChangeArrowheads="1" noChangeShapeType="1" noTextEdit="1"/>
+              </p:cNvSpPr>
+              <p:nvPr/>
+            </p:nvSpPr>
+            <p:spPr>
+              <a:xfrm>
+                <a:off x="9032670" y="1943955"/>
+                <a:ext cx="699222" cy="369332"/>
+              </a:xfrm>
+              <a:prstGeom prst="rect">
+                <a:avLst/>
+              </a:prstGeom>
+              <a:blipFill>
+                <a:blip r:embed="rId23"/>
+                <a:stretch>
+                  <a:fillRect/>
+                </a:stretch>
+              </a:blipFill>
+            </p:spPr>
+            <p:txBody>
+              <a:bodyPr/>
+              <a:lstStyle/>
+              <a:p>
+                <a:r>
+                  <a:rPr lang="es-CO">
+                    <a:noFill/>
+                  </a:rPr>
+                  <a:t> </a:t>
+                </a:r>
+              </a:p>
+            </p:txBody>
+          </p:sp>
+        </mc:Fallback>
+      </mc:AlternateContent>
+      <mc:AlternateContent xmlns:mc="http://schemas.openxmlformats.org/markup-compatibility/2006">
+        <mc:Choice xmlns:a14="http://schemas.microsoft.com/office/drawing/2010/main" Requires="a14">
+          <p:sp>
+            <p:nvSpPr>
+              <p:cNvPr id="82" name="CuadroTexto 22">
+                <a:extLst>
+                  <a:ext uri="{FF2B5EF4-FFF2-40B4-BE49-F238E27FC236}">
+                    <a16:creationId xmlns:a16="http://schemas.microsoft.com/office/drawing/2014/main" id="{BE86E732-C0DE-4C54-9480-0C84343EA490}"/>
+                  </a:ext>
+                </a:extLst>
+              </p:cNvPr>
+              <p:cNvSpPr txBox="1"/>
+              <p:nvPr/>
+            </p:nvSpPr>
+            <p:spPr>
+              <a:xfrm>
+                <a:off x="9846894" y="1188041"/>
+                <a:ext cx="699222" cy="369332"/>
+              </a:xfrm>
+              <a:prstGeom prst="rect">
+                <a:avLst/>
+              </a:prstGeom>
+              <a:noFill/>
+            </p:spPr>
+            <p:txBody>
+              <a:bodyPr wrap="square" rtlCol="0">
+                <a:spAutoFit/>
+              </a:bodyPr>
+              <a:lstStyle/>
+              <a:p>
+                <a:pPr/>
+                <a14:m>
+                  <m:oMathPara xmlns:m="http://schemas.openxmlformats.org/officeDocument/2006/math">
+                    <m:oMathParaPr>
+                      <m:jc m:val="centerGroup"/>
+                    </m:oMathParaPr>
+                    <m:oMath xmlns:m="http://schemas.openxmlformats.org/officeDocument/2006/math">
+                      <m:r>
+                        <a:rPr lang="es-MX" b="0" i="1" smtClean="0">
+                          <a:solidFill>
+                            <a:srgbClr val="00B0F0"/>
+                          </a:solidFill>
+                          <a:latin typeface="Cambria Math" panose="02040503050406030204" pitchFamily="18" charset="0"/>
+                        </a:rPr>
+                        <m:t>𝐴</m:t>
+                      </m:r>
+                    </m:oMath>
+                  </m:oMathPara>
+                </a14:m>
+                <a:endParaRPr lang="es-CO" dirty="0">
+                  <a:solidFill>
+                    <a:srgbClr val="FF0000"/>
+                  </a:solidFill>
+                </a:endParaRPr>
+              </a:p>
+            </p:txBody>
+          </p:sp>
+        </mc:Choice>
+        <mc:Fallback>
+          <p:sp>
+            <p:nvSpPr>
+              <p:cNvPr id="82" name="CuadroTexto 22">
+                <a:extLst>
+                  <a:ext uri="{FF2B5EF4-FFF2-40B4-BE49-F238E27FC236}">
+                    <a16:creationId xmlns:a16="http://schemas.microsoft.com/office/drawing/2014/main" id="{BE86E732-C0DE-4C54-9480-0C84343EA490}"/>
+                  </a:ext>
+                </a:extLst>
+              </p:cNvPr>
+              <p:cNvSpPr txBox="1">
+                <a:spLocks noRot="1" noChangeAspect="1" noMove="1" noResize="1" noEditPoints="1" noAdjustHandles="1" noChangeArrowheads="1" noChangeShapeType="1" noTextEdit="1"/>
+              </p:cNvSpPr>
+              <p:nvPr/>
+            </p:nvSpPr>
+            <p:spPr>
+              <a:xfrm>
+                <a:off x="9846894" y="1188041"/>
+                <a:ext cx="699222" cy="369332"/>
+              </a:xfrm>
+              <a:prstGeom prst="rect">
+                <a:avLst/>
+              </a:prstGeom>
+              <a:blipFill>
+                <a:blip r:embed="rId24"/>
+                <a:stretch>
+                  <a:fillRect/>
+                </a:stretch>
+              </a:blipFill>
+            </p:spPr>
+            <p:txBody>
+              <a:bodyPr/>
+              <a:lstStyle/>
+              <a:p>
+                <a:r>
+                  <a:rPr lang="es-CO">
                     <a:noFill/>
                   </a:rPr>
                   <a:t> </a:t>
@@ -15456,6 +15125,108 @@
 </p:sld>
 </file>
 
+<file path=ppt/slides/slide6.xml><?xml version="1.0" encoding="utf-8"?>
+<p:sld xmlns:a="http://schemas.openxmlformats.org/drawingml/2006/main" xmlns:r="http://schemas.openxmlformats.org/officeDocument/2006/relationships" xmlns:p="http://schemas.openxmlformats.org/presentationml/2006/main">
+  <p:cSld>
+    <p:spTree>
+      <p:nvGrpSpPr>
+        <p:cNvPr id="1" name=""/>
+        <p:cNvGrpSpPr/>
+        <p:nvPr/>
+      </p:nvGrpSpPr>
+      <p:grpSpPr>
+        <a:xfrm>
+          <a:off x="0" y="0"/>
+          <a:ext cx="0" cy="0"/>
+          <a:chOff x="0" y="0"/>
+          <a:chExt cx="0" cy="0"/>
+        </a:xfrm>
+      </p:grpSpPr>
+      <p:pic>
+        <p:nvPicPr>
+          <p:cNvPr id="2" name="Imagen 1">
+            <a:extLst>
+              <a:ext uri="{FF2B5EF4-FFF2-40B4-BE49-F238E27FC236}">
+                <a16:creationId xmlns:a16="http://schemas.microsoft.com/office/drawing/2014/main" id="{B3220CBD-C66B-4434-BEDD-91313E281240}"/>
+              </a:ext>
+            </a:extLst>
+          </p:cNvPr>
+          <p:cNvPicPr>
+            <a:picLocks noChangeAspect="1"/>
+          </p:cNvPicPr>
+          <p:nvPr/>
+        </p:nvPicPr>
+        <p:blipFill>
+          <a:blip r:embed="rId2">
+            <a:alphaModFix amt="35000"/>
+            <a:extLst>
+              <a:ext uri="{BEBA8EAE-BF5A-486C-A8C5-ECC9F3942E4B}">
+                <a14:imgProps xmlns:a14="http://schemas.microsoft.com/office/drawing/2010/main">
+                  <a14:imgLayer r:embed="rId3">
+                    <a14:imgEffect>
+                      <a14:backgroundRemoval t="7203" b="98517" l="10000" r="90536">
+                        <a14:foregroundMark x1="33571" y1="10381" x2="43886" y2="9009"/>
+                        <a14:foregroundMark x1="54823" y1="8025" x2="74643" y2="9746"/>
+                        <a14:foregroundMark x1="85536" y1="17797" x2="89464" y2="25424"/>
+                        <a14:foregroundMark x1="85000" y1="24788" x2="86250" y2="22458"/>
+                        <a14:foregroundMark x1="85714" y1="21822" x2="88393" y2="25636"/>
+                        <a14:foregroundMark x1="82321" y1="27331" x2="82857" y2="27331"/>
+                        <a14:foregroundMark x1="29821" y1="79237" x2="36250" y2="82203"/>
+                        <a14:foregroundMark x1="22500" y1="94280" x2="41071" y2="91314"/>
+                        <a14:foregroundMark x1="41071" y1="91314" x2="42857" y2="91314"/>
+                        <a14:foregroundMark x1="20357" y1="98517" x2="46964" y2="93220"/>
+                        <a14:foregroundMark x1="57857" y1="19492" x2="62857" y2="19068"/>
+                        <a14:foregroundMark x1="88750" y1="20763" x2="90000" y2="20763"/>
+                        <a14:foregroundMark x1="88393" y1="24364" x2="88750" y2="23093"/>
+                        <a14:foregroundMark x1="83214" y1="30720" x2="86607" y2="25424"/>
+                        <a14:foregroundMark x1="81786" y1="32839" x2="85000" y2="32203"/>
+                        <a14:foregroundMark x1="86786" y1="28814" x2="90536" y2="26271"/>
+                        <a14:foregroundMark x1="38393" y1="7627" x2="47857" y2="7839"/>
+                        <a14:foregroundMark x1="45179" y1="7203" x2="49464" y2="7627"/>
+                        <a14:foregroundMark x1="28750" y1="13559" x2="35893" y2="10381"/>
+                        <a14:foregroundMark x1="38750" y1="6992" x2="43036" y2="8051"/>
+                        <a14:foregroundMark x1="41786" y1="6992" x2="44107" y2="6992"/>
+                        <a14:backgroundMark x1="81071" y1="33898" x2="81071" y2="33898"/>
+                        <a14:backgroundMark x1="50289" y1="6172" x2="55000" y2="6356"/>
+                        <a14:backgroundMark x1="54464" y1="7839" x2="54464" y2="7839"/>
+                        <a14:backgroundMark x1="26786" y1="12924" x2="29593" y2="11629"/>
+                        <a14:backgroundMark x1="54464" y1="8051" x2="54464" y2="8051"/>
+                        <a14:backgroundMark x1="54464" y1="8475" x2="54464" y2="8475"/>
+                        <a14:backgroundMark x1="53929" y1="8051" x2="55000" y2="7627"/>
+                      </a14:backgroundRemoval>
+                    </a14:imgEffect>
+                  </a14:imgLayer>
+                </a14:imgProps>
+              </a:ext>
+            </a:extLst>
+          </a:blip>
+          <a:stretch>
+            <a:fillRect/>
+          </a:stretch>
+        </p:blipFill>
+        <p:spPr>
+          <a:xfrm>
+            <a:off x="3429000" y="1181100"/>
+            <a:ext cx="5334000" cy="4495800"/>
+          </a:xfrm>
+          <a:prstGeom prst="rect">
+            <a:avLst/>
+          </a:prstGeom>
+        </p:spPr>
+      </p:pic>
+    </p:spTree>
+    <p:extLst>
+      <p:ext uri="{BB962C8B-B14F-4D97-AF65-F5344CB8AC3E}">
+        <p14:creationId xmlns:p14="http://schemas.microsoft.com/office/powerpoint/2010/main" val="3582207088"/>
+      </p:ext>
+    </p:extLst>
+  </p:cSld>
+  <p:clrMapOvr>
+    <a:masterClrMapping/>
+  </p:clrMapOvr>
+</p:sld>
+</file>
+
 <file path=ppt/theme/theme1.xml><?xml version="1.0" encoding="utf-8"?>
 <a:theme xmlns:a="http://schemas.openxmlformats.org/drawingml/2006/main" name="Office">
   <a:themeElements>
